--- a/Диплом презентация.pptx
+++ b/Диплом презентация.pptx
@@ -4,6 +4,9 @@
   <p:sldMasterIdLst>
     <p:sldMasterId id="2147483648" r:id="rId1"/>
   </p:sldMasterIdLst>
+  <p:notesMasterIdLst>
+    <p:notesMasterId r:id="rId23"/>
+  </p:notesMasterIdLst>
   <p:sldIdLst>
     <p:sldId id="256" r:id="rId2"/>
     <p:sldId id="257" r:id="rId3"/>
@@ -15,21 +18,17 @@
     <p:sldId id="283" r:id="rId9"/>
     <p:sldId id="260" r:id="rId10"/>
     <p:sldId id="270" r:id="rId11"/>
-    <p:sldId id="271" r:id="rId12"/>
-    <p:sldId id="262" r:id="rId13"/>
-    <p:sldId id="263" r:id="rId14"/>
-    <p:sldId id="264" r:id="rId15"/>
-    <p:sldId id="272" r:id="rId16"/>
-    <p:sldId id="273" r:id="rId17"/>
-    <p:sldId id="265" r:id="rId18"/>
-    <p:sldId id="268" r:id="rId19"/>
-    <p:sldId id="274" r:id="rId20"/>
-    <p:sldId id="275" r:id="rId21"/>
-    <p:sldId id="276" r:id="rId22"/>
-    <p:sldId id="277" r:id="rId23"/>
-    <p:sldId id="278" r:id="rId24"/>
-    <p:sldId id="279" r:id="rId25"/>
-    <p:sldId id="259" r:id="rId26"/>
+    <p:sldId id="262" r:id="rId12"/>
+    <p:sldId id="263" r:id="rId13"/>
+    <p:sldId id="264" r:id="rId14"/>
+    <p:sldId id="272" r:id="rId15"/>
+    <p:sldId id="265" r:id="rId16"/>
+    <p:sldId id="268" r:id="rId17"/>
+    <p:sldId id="284" r:id="rId18"/>
+    <p:sldId id="276" r:id="rId19"/>
+    <p:sldId id="277" r:id="rId20"/>
+    <p:sldId id="279" r:id="rId21"/>
+    <p:sldId id="259" r:id="rId22"/>
   </p:sldIdLst>
   <p:sldSz cx="9144000" cy="6858000" type="screen4x3"/>
   <p:notesSz cx="6858000" cy="9144000"/>
@@ -131,6 +130,437 @@
 </p:presentation>
 </file>
 
+<file path=ppt/notesMasters/notesMaster1.xml><?xml version="1.0" encoding="utf-8"?>
+<p:notesMaster xmlns:a="http://schemas.openxmlformats.org/drawingml/2006/main" xmlns:r="http://schemas.openxmlformats.org/officeDocument/2006/relationships" xmlns:p="http://schemas.openxmlformats.org/presentationml/2006/main">
+  <p:cSld>
+    <p:bg>
+      <p:bgRef idx="1001">
+        <a:schemeClr val="bg1"/>
+      </p:bgRef>
+    </p:bg>
+    <p:spTree>
+      <p:nvGrpSpPr>
+        <p:cNvPr id="1" name=""/>
+        <p:cNvGrpSpPr/>
+        <p:nvPr/>
+      </p:nvGrpSpPr>
+      <p:grpSpPr>
+        <a:xfrm>
+          <a:off x="0" y="0"/>
+          <a:ext cx="0" cy="0"/>
+          <a:chOff x="0" y="0"/>
+          <a:chExt cx="0" cy="0"/>
+        </a:xfrm>
+      </p:grpSpPr>
+      <p:sp>
+        <p:nvSpPr>
+          <p:cNvPr id="2" name="Верхний колонтитул 1"/>
+          <p:cNvSpPr>
+            <a:spLocks noGrp="1"/>
+          </p:cNvSpPr>
+          <p:nvPr>
+            <p:ph type="hdr" sz="quarter"/>
+          </p:nvPr>
+        </p:nvSpPr>
+        <p:spPr>
+          <a:xfrm>
+            <a:off x="0" y="0"/>
+            <a:ext cx="2971800" cy="457200"/>
+          </a:xfrm>
+          <a:prstGeom prst="rect">
+            <a:avLst/>
+          </a:prstGeom>
+        </p:spPr>
+        <p:txBody>
+          <a:bodyPr vert="horz" lIns="91440" tIns="45720" rIns="91440" bIns="45720" rtlCol="0"/>
+          <a:lstStyle>
+            <a:lvl1pPr algn="l">
+              <a:defRPr sz="1200"/>
+            </a:lvl1pPr>
+          </a:lstStyle>
+          <a:p>
+            <a:endParaRPr lang="ru-RU"/>
+          </a:p>
+        </p:txBody>
+      </p:sp>
+      <p:sp>
+        <p:nvSpPr>
+          <p:cNvPr id="3" name="Дата 2"/>
+          <p:cNvSpPr>
+            <a:spLocks noGrp="1"/>
+          </p:cNvSpPr>
+          <p:nvPr>
+            <p:ph type="dt" idx="1"/>
+          </p:nvPr>
+        </p:nvSpPr>
+        <p:spPr>
+          <a:xfrm>
+            <a:off x="3884613" y="0"/>
+            <a:ext cx="2971800" cy="457200"/>
+          </a:xfrm>
+          <a:prstGeom prst="rect">
+            <a:avLst/>
+          </a:prstGeom>
+        </p:spPr>
+        <p:txBody>
+          <a:bodyPr vert="horz" lIns="91440" tIns="45720" rIns="91440" bIns="45720" rtlCol="0"/>
+          <a:lstStyle>
+            <a:lvl1pPr algn="r">
+              <a:defRPr sz="1200"/>
+            </a:lvl1pPr>
+          </a:lstStyle>
+          <a:p>
+            <a:fld id="{DC09B85A-08DB-46DD-AF57-0C9727A23FC3}" type="datetimeFigureOut">
+              <a:rPr lang="ru-RU" smtClean="0"/>
+              <a:pPr/>
+              <a:t>09.06.2013</a:t>
+            </a:fld>
+            <a:endParaRPr lang="ru-RU"/>
+          </a:p>
+        </p:txBody>
+      </p:sp>
+      <p:sp>
+        <p:nvSpPr>
+          <p:cNvPr id="4" name="Образ слайда 3"/>
+          <p:cNvSpPr>
+            <a:spLocks noGrp="1" noRot="1" noChangeAspect="1"/>
+          </p:cNvSpPr>
+          <p:nvPr>
+            <p:ph type="sldImg" idx="2"/>
+          </p:nvPr>
+        </p:nvSpPr>
+        <p:spPr>
+          <a:xfrm>
+            <a:off x="1143000" y="685800"/>
+            <a:ext cx="4572000" cy="3429000"/>
+          </a:xfrm>
+          <a:prstGeom prst="rect">
+            <a:avLst/>
+          </a:prstGeom>
+          <a:noFill/>
+          <a:ln w="12700">
+            <a:solidFill>
+              <a:prstClr val="black"/>
+            </a:solidFill>
+          </a:ln>
+        </p:spPr>
+        <p:txBody>
+          <a:bodyPr vert="horz" lIns="91440" tIns="45720" rIns="91440" bIns="45720" rtlCol="0" anchor="ctr"/>
+          <a:lstStyle/>
+          <a:p>
+            <a:endParaRPr lang="ru-RU"/>
+          </a:p>
+        </p:txBody>
+      </p:sp>
+      <p:sp>
+        <p:nvSpPr>
+          <p:cNvPr id="5" name="Заметки 4"/>
+          <p:cNvSpPr>
+            <a:spLocks noGrp="1"/>
+          </p:cNvSpPr>
+          <p:nvPr>
+            <p:ph type="body" sz="quarter" idx="3"/>
+          </p:nvPr>
+        </p:nvSpPr>
+        <p:spPr>
+          <a:xfrm>
+            <a:off x="685800" y="4343400"/>
+            <a:ext cx="5486400" cy="4114800"/>
+          </a:xfrm>
+          <a:prstGeom prst="rect">
+            <a:avLst/>
+          </a:prstGeom>
+        </p:spPr>
+        <p:txBody>
+          <a:bodyPr vert="horz" lIns="91440" tIns="45720" rIns="91440" bIns="45720" rtlCol="0">
+            <a:normAutofit/>
+          </a:bodyPr>
+          <a:lstStyle/>
+          <a:p>
+            <a:pPr lvl="0"/>
+            <a:r>
+              <a:rPr lang="ru-RU" smtClean="0"/>
+              <a:t>Образец текста</a:t>
+            </a:r>
+          </a:p>
+          <a:p>
+            <a:pPr lvl="1"/>
+            <a:r>
+              <a:rPr lang="ru-RU" smtClean="0"/>
+              <a:t>Второй уровень</a:t>
+            </a:r>
+          </a:p>
+          <a:p>
+            <a:pPr lvl="2"/>
+            <a:r>
+              <a:rPr lang="ru-RU" smtClean="0"/>
+              <a:t>Третий уровень</a:t>
+            </a:r>
+          </a:p>
+          <a:p>
+            <a:pPr lvl="3"/>
+            <a:r>
+              <a:rPr lang="ru-RU" smtClean="0"/>
+              <a:t>Четвертый уровень</a:t>
+            </a:r>
+          </a:p>
+          <a:p>
+            <a:pPr lvl="4"/>
+            <a:r>
+              <a:rPr lang="ru-RU" smtClean="0"/>
+              <a:t>Пятый уровень</a:t>
+            </a:r>
+            <a:endParaRPr lang="ru-RU"/>
+          </a:p>
+        </p:txBody>
+      </p:sp>
+      <p:sp>
+        <p:nvSpPr>
+          <p:cNvPr id="6" name="Нижний колонтитул 5"/>
+          <p:cNvSpPr>
+            <a:spLocks noGrp="1"/>
+          </p:cNvSpPr>
+          <p:nvPr>
+            <p:ph type="ftr" sz="quarter" idx="4"/>
+          </p:nvPr>
+        </p:nvSpPr>
+        <p:spPr>
+          <a:xfrm>
+            <a:off x="0" y="8685213"/>
+            <a:ext cx="2971800" cy="457200"/>
+          </a:xfrm>
+          <a:prstGeom prst="rect">
+            <a:avLst/>
+          </a:prstGeom>
+        </p:spPr>
+        <p:txBody>
+          <a:bodyPr vert="horz" lIns="91440" tIns="45720" rIns="91440" bIns="45720" rtlCol="0" anchor="b"/>
+          <a:lstStyle>
+            <a:lvl1pPr algn="l">
+              <a:defRPr sz="1200"/>
+            </a:lvl1pPr>
+          </a:lstStyle>
+          <a:p>
+            <a:endParaRPr lang="ru-RU"/>
+          </a:p>
+        </p:txBody>
+      </p:sp>
+      <p:sp>
+        <p:nvSpPr>
+          <p:cNvPr id="7" name="Номер слайда 6"/>
+          <p:cNvSpPr>
+            <a:spLocks noGrp="1"/>
+          </p:cNvSpPr>
+          <p:nvPr>
+            <p:ph type="sldNum" sz="quarter" idx="5"/>
+          </p:nvPr>
+        </p:nvSpPr>
+        <p:spPr>
+          <a:xfrm>
+            <a:off x="3884613" y="8685213"/>
+            <a:ext cx="2971800" cy="457200"/>
+          </a:xfrm>
+          <a:prstGeom prst="rect">
+            <a:avLst/>
+          </a:prstGeom>
+        </p:spPr>
+        <p:txBody>
+          <a:bodyPr vert="horz" lIns="91440" tIns="45720" rIns="91440" bIns="45720" rtlCol="0" anchor="b"/>
+          <a:lstStyle>
+            <a:lvl1pPr algn="r">
+              <a:defRPr sz="1200"/>
+            </a:lvl1pPr>
+          </a:lstStyle>
+          <a:p>
+            <a:fld id="{7B282D97-E781-498E-BB32-5DDF5A414349}" type="slidenum">
+              <a:rPr lang="ru-RU" smtClean="0"/>
+              <a:pPr/>
+              <a:t>‹#›</a:t>
+            </a:fld>
+            <a:endParaRPr lang="ru-RU"/>
+          </a:p>
+        </p:txBody>
+      </p:sp>
+    </p:spTree>
+  </p:cSld>
+  <p:clrMap bg1="lt1" tx1="dk1" bg2="lt2" tx2="dk2" accent1="accent1" accent2="accent2" accent3="accent3" accent4="accent4" accent5="accent5" accent6="accent6" hlink="hlink" folHlink="folHlink"/>
+  <p:notesStyle>
+    <a:lvl1pPr marL="0" algn="l" defTabSz="914400" rtl="0" eaLnBrk="1" latinLnBrk="0" hangingPunct="1">
+      <a:defRPr sz="1200" kern="1200">
+        <a:solidFill>
+          <a:schemeClr val="tx1"/>
+        </a:solidFill>
+        <a:latin typeface="+mn-lt"/>
+        <a:ea typeface="+mn-ea"/>
+        <a:cs typeface="+mn-cs"/>
+      </a:defRPr>
+    </a:lvl1pPr>
+    <a:lvl2pPr marL="457200" algn="l" defTabSz="914400" rtl="0" eaLnBrk="1" latinLnBrk="0" hangingPunct="1">
+      <a:defRPr sz="1200" kern="1200">
+        <a:solidFill>
+          <a:schemeClr val="tx1"/>
+        </a:solidFill>
+        <a:latin typeface="+mn-lt"/>
+        <a:ea typeface="+mn-ea"/>
+        <a:cs typeface="+mn-cs"/>
+      </a:defRPr>
+    </a:lvl2pPr>
+    <a:lvl3pPr marL="914400" algn="l" defTabSz="914400" rtl="0" eaLnBrk="1" latinLnBrk="0" hangingPunct="1">
+      <a:defRPr sz="1200" kern="1200">
+        <a:solidFill>
+          <a:schemeClr val="tx1"/>
+        </a:solidFill>
+        <a:latin typeface="+mn-lt"/>
+        <a:ea typeface="+mn-ea"/>
+        <a:cs typeface="+mn-cs"/>
+      </a:defRPr>
+    </a:lvl3pPr>
+    <a:lvl4pPr marL="1371600" algn="l" defTabSz="914400" rtl="0" eaLnBrk="1" latinLnBrk="0" hangingPunct="1">
+      <a:defRPr sz="1200" kern="1200">
+        <a:solidFill>
+          <a:schemeClr val="tx1"/>
+        </a:solidFill>
+        <a:latin typeface="+mn-lt"/>
+        <a:ea typeface="+mn-ea"/>
+        <a:cs typeface="+mn-cs"/>
+      </a:defRPr>
+    </a:lvl4pPr>
+    <a:lvl5pPr marL="1828800" algn="l" defTabSz="914400" rtl="0" eaLnBrk="1" latinLnBrk="0" hangingPunct="1">
+      <a:defRPr sz="1200" kern="1200">
+        <a:solidFill>
+          <a:schemeClr val="tx1"/>
+        </a:solidFill>
+        <a:latin typeface="+mn-lt"/>
+        <a:ea typeface="+mn-ea"/>
+        <a:cs typeface="+mn-cs"/>
+      </a:defRPr>
+    </a:lvl5pPr>
+    <a:lvl6pPr marL="2286000" algn="l" defTabSz="914400" rtl="0" eaLnBrk="1" latinLnBrk="0" hangingPunct="1">
+      <a:defRPr sz="1200" kern="1200">
+        <a:solidFill>
+          <a:schemeClr val="tx1"/>
+        </a:solidFill>
+        <a:latin typeface="+mn-lt"/>
+        <a:ea typeface="+mn-ea"/>
+        <a:cs typeface="+mn-cs"/>
+      </a:defRPr>
+    </a:lvl6pPr>
+    <a:lvl7pPr marL="2743200" algn="l" defTabSz="914400" rtl="0" eaLnBrk="1" latinLnBrk="0" hangingPunct="1">
+      <a:defRPr sz="1200" kern="1200">
+        <a:solidFill>
+          <a:schemeClr val="tx1"/>
+        </a:solidFill>
+        <a:latin typeface="+mn-lt"/>
+        <a:ea typeface="+mn-ea"/>
+        <a:cs typeface="+mn-cs"/>
+      </a:defRPr>
+    </a:lvl7pPr>
+    <a:lvl8pPr marL="3200400" algn="l" defTabSz="914400" rtl="0" eaLnBrk="1" latinLnBrk="0" hangingPunct="1">
+      <a:defRPr sz="1200" kern="1200">
+        <a:solidFill>
+          <a:schemeClr val="tx1"/>
+        </a:solidFill>
+        <a:latin typeface="+mn-lt"/>
+        <a:ea typeface="+mn-ea"/>
+        <a:cs typeface="+mn-cs"/>
+      </a:defRPr>
+    </a:lvl8pPr>
+    <a:lvl9pPr marL="3657600" algn="l" defTabSz="914400" rtl="0" eaLnBrk="1" latinLnBrk="0" hangingPunct="1">
+      <a:defRPr sz="1200" kern="1200">
+        <a:solidFill>
+          <a:schemeClr val="tx1"/>
+        </a:solidFill>
+        <a:latin typeface="+mn-lt"/>
+        <a:ea typeface="+mn-ea"/>
+        <a:cs typeface="+mn-cs"/>
+      </a:defRPr>
+    </a:lvl9pPr>
+  </p:notesStyle>
+</p:notesMaster>
+</file>
+
+<file path=ppt/notesSlides/notesSlide1.xml><?xml version="1.0" encoding="utf-8"?>
+<p:notes xmlns:a="http://schemas.openxmlformats.org/drawingml/2006/main" xmlns:r="http://schemas.openxmlformats.org/officeDocument/2006/relationships" xmlns:p="http://schemas.openxmlformats.org/presentationml/2006/main">
+  <p:cSld>
+    <p:spTree>
+      <p:nvGrpSpPr>
+        <p:cNvPr id="1" name=""/>
+        <p:cNvGrpSpPr/>
+        <p:nvPr/>
+      </p:nvGrpSpPr>
+      <p:grpSpPr>
+        <a:xfrm>
+          <a:off x="0" y="0"/>
+          <a:ext cx="0" cy="0"/>
+          <a:chOff x="0" y="0"/>
+          <a:chExt cx="0" cy="0"/>
+        </a:xfrm>
+      </p:grpSpPr>
+      <p:sp>
+        <p:nvSpPr>
+          <p:cNvPr id="2" name="Образ слайда 1"/>
+          <p:cNvSpPr>
+            <a:spLocks noGrp="1" noRot="1" noChangeAspect="1"/>
+          </p:cNvSpPr>
+          <p:nvPr>
+            <p:ph type="sldImg"/>
+          </p:nvPr>
+        </p:nvSpPr>
+        <p:spPr/>
+      </p:sp>
+      <p:sp>
+        <p:nvSpPr>
+          <p:cNvPr id="3" name="Заметки 2"/>
+          <p:cNvSpPr>
+            <a:spLocks noGrp="1"/>
+          </p:cNvSpPr>
+          <p:nvPr>
+            <p:ph type="body" idx="1"/>
+          </p:nvPr>
+        </p:nvSpPr>
+        <p:spPr/>
+        <p:txBody>
+          <a:bodyPr>
+            <a:normAutofit/>
+          </a:bodyPr>
+          <a:lstStyle/>
+          <a:p>
+            <a:endParaRPr lang="ru-RU"/>
+          </a:p>
+        </p:txBody>
+      </p:sp>
+      <p:sp>
+        <p:nvSpPr>
+          <p:cNvPr id="4" name="Номер слайда 3"/>
+          <p:cNvSpPr>
+            <a:spLocks noGrp="1"/>
+          </p:cNvSpPr>
+          <p:nvPr>
+            <p:ph type="sldNum" sz="quarter" idx="10"/>
+          </p:nvPr>
+        </p:nvSpPr>
+        <p:spPr/>
+        <p:txBody>
+          <a:bodyPr/>
+          <a:lstStyle/>
+          <a:p>
+            <a:fld id="{7B282D97-E781-498E-BB32-5DDF5A414349}" type="slidenum">
+              <a:rPr lang="ru-RU" smtClean="0"/>
+              <a:pPr/>
+              <a:t>1</a:t>
+            </a:fld>
+            <a:endParaRPr lang="ru-RU"/>
+          </a:p>
+        </p:txBody>
+      </p:sp>
+    </p:spTree>
+  </p:cSld>
+  <p:clrMapOvr>
+    <a:masterClrMapping/>
+  </p:clrMapOvr>
+</p:notes>
+</file>
+
 <file path=ppt/slideLayouts/slideLayout1.xml><?xml version="1.0" encoding="utf-8"?>
 <p:sldLayout xmlns:a="http://schemas.openxmlformats.org/drawingml/2006/main" xmlns:r="http://schemas.openxmlformats.org/officeDocument/2006/relationships" xmlns:p="http://schemas.openxmlformats.org/presentationml/2006/main" type="title" preserve="1">
   <p:cSld name="Титульный слайд">
@@ -310,9 +740,10 @@
           <a:bodyPr/>
           <a:lstStyle/>
           <a:p>
-            <a:fld id="{AD147868-ACCB-49B6-9AD5-0E927A4E5BCE}" type="datetimeFigureOut">
-              <a:rPr lang="ru-RU" smtClean="0"/>
-              <a:t>30.05.2013</a:t>
+            <a:fld id="{ED078997-DAFF-4C23-A6B6-00421BFA8725}" type="datetime1">
+              <a:rPr lang="ru-RU" smtClean="0"/>
+              <a:pPr/>
+              <a:t>09.06.2013</a:t>
             </a:fld>
             <a:endParaRPr lang="ru-RU"/>
           </a:p>
@@ -354,6 +785,7 @@
           <a:p>
             <a:fld id="{9A39E707-F3CE-4BEB-9583-BB36F29193FA}" type="slidenum">
               <a:rPr lang="ru-RU" smtClean="0"/>
+              <a:pPr/>
               <a:t>‹#›</a:t>
             </a:fld>
             <a:endParaRPr lang="ru-RU"/>
@@ -475,9 +907,10 @@
           <a:bodyPr/>
           <a:lstStyle/>
           <a:p>
-            <a:fld id="{AD147868-ACCB-49B6-9AD5-0E927A4E5BCE}" type="datetimeFigureOut">
-              <a:rPr lang="ru-RU" smtClean="0"/>
-              <a:t>31.05.2013</a:t>
+            <a:fld id="{5C178956-C440-4961-8521-990435B25F79}" type="datetime1">
+              <a:rPr lang="ru-RU" smtClean="0"/>
+              <a:pPr/>
+              <a:t>09.06.2013</a:t>
             </a:fld>
             <a:endParaRPr lang="ru-RU"/>
           </a:p>
@@ -519,6 +952,7 @@
           <a:p>
             <a:fld id="{9A39E707-F3CE-4BEB-9583-BB36F29193FA}" type="slidenum">
               <a:rPr lang="ru-RU" smtClean="0"/>
+              <a:pPr/>
               <a:t>‹#›</a:t>
             </a:fld>
             <a:endParaRPr lang="ru-RU"/>
@@ -650,9 +1084,10 @@
           <a:bodyPr/>
           <a:lstStyle/>
           <a:p>
-            <a:fld id="{AD147868-ACCB-49B6-9AD5-0E927A4E5BCE}" type="datetimeFigureOut">
-              <a:rPr lang="ru-RU" smtClean="0"/>
-              <a:t>31.05.2013</a:t>
+            <a:fld id="{9AF26269-AF32-4694-ADA3-B45B035C2E55}" type="datetime1">
+              <a:rPr lang="ru-RU" smtClean="0"/>
+              <a:pPr/>
+              <a:t>09.06.2013</a:t>
             </a:fld>
             <a:endParaRPr lang="ru-RU"/>
           </a:p>
@@ -694,6 +1129,7 @@
           <a:p>
             <a:fld id="{9A39E707-F3CE-4BEB-9583-BB36F29193FA}" type="slidenum">
               <a:rPr lang="ru-RU" smtClean="0"/>
+              <a:pPr/>
               <a:t>‹#›</a:t>
             </a:fld>
             <a:endParaRPr lang="ru-RU"/>
@@ -815,9 +1251,10 @@
           <a:bodyPr/>
           <a:lstStyle/>
           <a:p>
-            <a:fld id="{AD147868-ACCB-49B6-9AD5-0E927A4E5BCE}" type="datetimeFigureOut">
-              <a:rPr lang="ru-RU" smtClean="0"/>
-              <a:t>30.05.2013</a:t>
+            <a:fld id="{C20E3EC9-C9C3-4C9E-803D-4FC15CF7057D}" type="datetime1">
+              <a:rPr lang="ru-RU" smtClean="0"/>
+              <a:pPr/>
+              <a:t>09.06.2013</a:t>
             </a:fld>
             <a:endParaRPr lang="ru-RU"/>
           </a:p>
@@ -859,6 +1296,7 @@
           <a:p>
             <a:fld id="{9A39E707-F3CE-4BEB-9583-BB36F29193FA}" type="slidenum">
               <a:rPr lang="ru-RU" smtClean="0"/>
+              <a:pPr/>
               <a:t>‹#›</a:t>
             </a:fld>
             <a:endParaRPr lang="ru-RU"/>
@@ -1056,9 +1494,10 @@
           <a:bodyPr/>
           <a:lstStyle/>
           <a:p>
-            <a:fld id="{AD147868-ACCB-49B6-9AD5-0E927A4E5BCE}" type="datetimeFigureOut">
-              <a:rPr lang="ru-RU" smtClean="0"/>
-              <a:t>31.05.2013</a:t>
+            <a:fld id="{C70DA1FB-3B8B-415C-9FB6-BFB041B1D408}" type="datetime1">
+              <a:rPr lang="ru-RU" smtClean="0"/>
+              <a:pPr/>
+              <a:t>09.06.2013</a:t>
             </a:fld>
             <a:endParaRPr lang="ru-RU"/>
           </a:p>
@@ -1100,6 +1539,7 @@
           <a:p>
             <a:fld id="{9A39E707-F3CE-4BEB-9583-BB36F29193FA}" type="slidenum">
               <a:rPr lang="ru-RU" smtClean="0"/>
+              <a:pPr/>
               <a:t>‹#›</a:t>
             </a:fld>
             <a:endParaRPr lang="ru-RU"/>
@@ -1339,9 +1779,10 @@
           <a:bodyPr/>
           <a:lstStyle/>
           <a:p>
-            <a:fld id="{AD147868-ACCB-49B6-9AD5-0E927A4E5BCE}" type="datetimeFigureOut">
-              <a:rPr lang="ru-RU" smtClean="0"/>
-              <a:t>31.05.2013</a:t>
+            <a:fld id="{4AF34C8B-8DA2-4E70-9D9F-371CBE008629}" type="datetime1">
+              <a:rPr lang="ru-RU" smtClean="0"/>
+              <a:pPr/>
+              <a:t>09.06.2013</a:t>
             </a:fld>
             <a:endParaRPr lang="ru-RU"/>
           </a:p>
@@ -1383,6 +1824,7 @@
           <a:p>
             <a:fld id="{9A39E707-F3CE-4BEB-9583-BB36F29193FA}" type="slidenum">
               <a:rPr lang="ru-RU" smtClean="0"/>
+              <a:pPr/>
               <a:t>‹#›</a:t>
             </a:fld>
             <a:endParaRPr lang="ru-RU"/>
@@ -1756,9 +2198,10 @@
           <a:bodyPr/>
           <a:lstStyle/>
           <a:p>
-            <a:fld id="{AD147868-ACCB-49B6-9AD5-0E927A4E5BCE}" type="datetimeFigureOut">
-              <a:rPr lang="ru-RU" smtClean="0"/>
-              <a:t>31.05.2013</a:t>
+            <a:fld id="{E76A68D0-D777-4745-85C4-114F45582716}" type="datetime1">
+              <a:rPr lang="ru-RU" smtClean="0"/>
+              <a:pPr/>
+              <a:t>09.06.2013</a:t>
             </a:fld>
             <a:endParaRPr lang="ru-RU"/>
           </a:p>
@@ -1800,6 +2243,7 @@
           <a:p>
             <a:fld id="{9A39E707-F3CE-4BEB-9583-BB36F29193FA}" type="slidenum">
               <a:rPr lang="ru-RU" smtClean="0"/>
+              <a:pPr/>
               <a:t>‹#›</a:t>
             </a:fld>
             <a:endParaRPr lang="ru-RU"/>
@@ -1869,9 +2313,10 @@
           <a:bodyPr/>
           <a:lstStyle/>
           <a:p>
-            <a:fld id="{AD147868-ACCB-49B6-9AD5-0E927A4E5BCE}" type="datetimeFigureOut">
-              <a:rPr lang="ru-RU" smtClean="0"/>
-              <a:t>31.05.2013</a:t>
+            <a:fld id="{F60E29F0-D0BA-47F9-8F50-2CC94894CC5E}" type="datetime1">
+              <a:rPr lang="ru-RU" smtClean="0"/>
+              <a:pPr/>
+              <a:t>09.06.2013</a:t>
             </a:fld>
             <a:endParaRPr lang="ru-RU"/>
           </a:p>
@@ -1913,6 +2358,7 @@
           <a:p>
             <a:fld id="{9A39E707-F3CE-4BEB-9583-BB36F29193FA}" type="slidenum">
               <a:rPr lang="ru-RU" smtClean="0"/>
+              <a:pPr/>
               <a:t>‹#›</a:t>
             </a:fld>
             <a:endParaRPr lang="ru-RU"/>
@@ -1959,9 +2405,10 @@
           <a:bodyPr/>
           <a:lstStyle/>
           <a:p>
-            <a:fld id="{AD147868-ACCB-49B6-9AD5-0E927A4E5BCE}" type="datetimeFigureOut">
-              <a:rPr lang="ru-RU" smtClean="0"/>
-              <a:t>31.05.2013</a:t>
+            <a:fld id="{B5365CE0-89AC-4278-858F-704B1C3BE8D1}" type="datetime1">
+              <a:rPr lang="ru-RU" smtClean="0"/>
+              <a:pPr/>
+              <a:t>09.06.2013</a:t>
             </a:fld>
             <a:endParaRPr lang="ru-RU"/>
           </a:p>
@@ -2003,6 +2450,7 @@
           <a:p>
             <a:fld id="{9A39E707-F3CE-4BEB-9583-BB36F29193FA}" type="slidenum">
               <a:rPr lang="ru-RU" smtClean="0"/>
+              <a:pPr/>
               <a:t>‹#›</a:t>
             </a:fld>
             <a:endParaRPr lang="ru-RU"/>
@@ -2231,9 +2679,10 @@
           <a:bodyPr/>
           <a:lstStyle/>
           <a:p>
-            <a:fld id="{AD147868-ACCB-49B6-9AD5-0E927A4E5BCE}" type="datetimeFigureOut">
-              <a:rPr lang="ru-RU" smtClean="0"/>
-              <a:t>31.05.2013</a:t>
+            <a:fld id="{04B7F107-8DD4-4E4B-B747-A12893D95654}" type="datetime1">
+              <a:rPr lang="ru-RU" smtClean="0"/>
+              <a:pPr/>
+              <a:t>09.06.2013</a:t>
             </a:fld>
             <a:endParaRPr lang="ru-RU"/>
           </a:p>
@@ -2275,6 +2724,7 @@
           <a:p>
             <a:fld id="{9A39E707-F3CE-4BEB-9583-BB36F29193FA}" type="slidenum">
               <a:rPr lang="ru-RU" smtClean="0"/>
+              <a:pPr/>
               <a:t>‹#›</a:t>
             </a:fld>
             <a:endParaRPr lang="ru-RU"/>
@@ -2479,9 +2929,10 @@
           <a:bodyPr/>
           <a:lstStyle/>
           <a:p>
-            <a:fld id="{AD147868-ACCB-49B6-9AD5-0E927A4E5BCE}" type="datetimeFigureOut">
-              <a:rPr lang="ru-RU" smtClean="0"/>
-              <a:t>31.05.2013</a:t>
+            <a:fld id="{62D83752-F1D1-47AE-99A8-9F7A50D6BD52}" type="datetime1">
+              <a:rPr lang="ru-RU" smtClean="0"/>
+              <a:pPr/>
+              <a:t>09.06.2013</a:t>
             </a:fld>
             <a:endParaRPr lang="ru-RU"/>
           </a:p>
@@ -2523,6 +2974,7 @@
           <a:p>
             <a:fld id="{9A39E707-F3CE-4BEB-9583-BB36F29193FA}" type="slidenum">
               <a:rPr lang="ru-RU" smtClean="0"/>
+              <a:pPr/>
               <a:t>‹#›</a:t>
             </a:fld>
             <a:endParaRPr lang="ru-RU"/>
@@ -2687,9 +3139,10 @@
             </a:lvl1pPr>
           </a:lstStyle>
           <a:p>
-            <a:fld id="{AD147868-ACCB-49B6-9AD5-0E927A4E5BCE}" type="datetimeFigureOut">
-              <a:rPr lang="ru-RU" smtClean="0"/>
-              <a:t>30.05.2013</a:t>
+            <a:fld id="{F99728D3-7560-476D-B1BE-EADDDE057D42}" type="datetime1">
+              <a:rPr lang="ru-RU" smtClean="0"/>
+              <a:pPr/>
+              <a:t>09.06.2013</a:t>
             </a:fld>
             <a:endParaRPr lang="ru-RU"/>
           </a:p>
@@ -2767,6 +3220,7 @@
           <a:p>
             <a:fld id="{9A39E707-F3CE-4BEB-9583-BB36F29193FA}" type="slidenum">
               <a:rPr lang="ru-RU" smtClean="0"/>
+              <a:pPr/>
               <a:t>‹#›</a:t>
             </a:fld>
             <a:endParaRPr lang="ru-RU"/>
@@ -2789,6 +3243,7 @@
     <p:sldLayoutId id="2147483658" r:id="rId10"/>
     <p:sldLayoutId id="2147483659" r:id="rId11"/>
   </p:sldLayoutIdLst>
+  <p:hf hdr="0" ftr="0" dt="0"/>
   <p:txStyles>
     <p:titleStyle>
       <a:lvl1pPr algn="ctr" defTabSz="914400" rtl="0" eaLnBrk="1" latinLnBrk="0" hangingPunct="1">
@@ -3082,17 +3537,6 @@
           <a:lstStyle/>
           <a:p>
             <a:r>
-              <a:rPr lang="ru-RU" sz="3600" dirty="0" smtClean="0"/>
-              <a:t>Дипломная работа по направлению «Прикладная математика и информатика» на тему</a:t>
-            </a:r>
-            <a:r>
-              <a:rPr lang="ru-RU" dirty="0" smtClean="0"/>
-              <a:t/>
-            </a:r>
-            <a:br>
-              <a:rPr lang="ru-RU" dirty="0" smtClean="0"/>
-            </a:br>
-            <a:r>
               <a:rPr lang="ru-RU" sz="5400" b="1" i="1" dirty="0" smtClean="0"/>
               <a:t>Визуализация в </a:t>
             </a:r>
@@ -3122,16 +3566,8 @@
             <a:pPr algn="r"/>
             <a:r>
               <a:rPr lang="ru-RU" dirty="0" smtClean="0"/>
-              <a:t>Автор: Грибова М.А.</a:t>
-            </a:r>
-          </a:p>
-          <a:p>
-            <a:pPr algn="r"/>
-            <a:r>
-              <a:rPr lang="ru-RU" dirty="0" smtClean="0"/>
-              <a:t>Руководитель: Доцент кафедры МОЭВМ, Кринкин К.В.</a:t>
-            </a:r>
-            <a:endParaRPr lang="ru-RU" dirty="0"/>
+              <a:t>Грибова М.А., 9381</a:t>
+            </a:r>
           </a:p>
         </p:txBody>
       </p:sp>
@@ -3357,6 +3793,30 @@
           </a:p>
         </p:txBody>
       </p:sp>
+      <p:sp>
+        <p:nvSpPr>
+          <p:cNvPr id="4" name="Номер слайда 3"/>
+          <p:cNvSpPr>
+            <a:spLocks noGrp="1"/>
+          </p:cNvSpPr>
+          <p:nvPr>
+            <p:ph type="sldNum" sz="quarter" idx="12"/>
+          </p:nvPr>
+        </p:nvSpPr>
+        <p:spPr/>
+        <p:txBody>
+          <a:bodyPr/>
+          <a:lstStyle/>
+          <a:p>
+            <a:fld id="{9A39E707-F3CE-4BEB-9583-BB36F29193FA}" type="slidenum">
+              <a:rPr lang="ru-RU" smtClean="0"/>
+              <a:pPr/>
+              <a:t>10</a:t>
+            </a:fld>
+            <a:endParaRPr lang="ru-RU"/>
+          </a:p>
+        </p:txBody>
+      </p:sp>
     </p:spTree>
   </p:cSld>
   <p:clrMapOvr>
@@ -3406,11 +3866,7 @@
           <a:p>
             <a:r>
               <a:rPr lang="en-US" dirty="0" smtClean="0"/>
-              <a:t>Indoor-</a:t>
-            </a:r>
-            <a:r>
-              <a:rPr lang="ru-RU" dirty="0" smtClean="0"/>
-              <a:t>сервисы</a:t>
+              <a:t>Geo2tag</a:t>
             </a:r>
             <a:endParaRPr lang="ru-RU" dirty="0"/>
           </a:p>
@@ -3426,89 +3882,115 @@
             <p:ph idx="1"/>
           </p:nvPr>
         </p:nvSpPr>
-        <p:spPr/>
+        <p:spPr>
+          <a:xfrm>
+            <a:off x="428596" y="1214422"/>
+            <a:ext cx="8229600" cy="5214974"/>
+          </a:xfrm>
+        </p:spPr>
         <p:txBody>
           <a:bodyPr>
-            <a:normAutofit/>
+            <a:noAutofit/>
           </a:bodyPr>
           <a:lstStyle/>
-          <a:p>
-            <a:pPr fontAlgn="base"/>
-            <a:r>
-              <a:rPr lang="ru-RU" dirty="0"/>
-              <a:t>Приложения для аэропортов и транспортных </a:t>
-            </a:r>
-            <a:r>
-              <a:rPr lang="ru-RU" dirty="0" err="1"/>
-              <a:t>хабов</a:t>
-            </a:r>
-            <a:r>
-              <a:rPr lang="ru-RU" dirty="0"/>
-              <a:t>.</a:t>
-            </a:r>
-            <a:endParaRPr lang="ru-RU" b="1" dirty="0"/>
-          </a:p>
-          <a:p>
-            <a:r>
-              <a:rPr lang="ru-RU" dirty="0" smtClean="0"/>
-              <a:t>Приложения </a:t>
-            </a:r>
-            <a:r>
-              <a:rPr lang="ru-RU" dirty="0"/>
-              <a:t>для торговых центров</a:t>
-            </a:r>
-            <a:r>
-              <a:rPr lang="ru-RU" dirty="0" smtClean="0"/>
-              <a:t>.</a:t>
-            </a:r>
-            <a:endParaRPr lang="ru-RU" dirty="0"/>
-          </a:p>
-          <a:p>
-            <a:r>
-              <a:rPr lang="en-US" dirty="0"/>
-              <a:t>Check</a:t>
-            </a:r>
-            <a:r>
-              <a:rPr lang="ru-RU" dirty="0"/>
-              <a:t>-</a:t>
-            </a:r>
-            <a:r>
-              <a:rPr lang="en-US" dirty="0"/>
-              <a:t>In</a:t>
-            </a:r>
-            <a:r>
-              <a:rPr lang="ru-RU" dirty="0"/>
-              <a:t> приложения</a:t>
-            </a:r>
-            <a:r>
-              <a:rPr lang="ru-RU" dirty="0" smtClean="0"/>
-              <a:t>.</a:t>
-            </a:r>
-            <a:endParaRPr lang="ru-RU" dirty="0"/>
-          </a:p>
-          <a:p>
-            <a:pPr fontAlgn="base"/>
-            <a:r>
-              <a:rPr lang="ru-RU" dirty="0" smtClean="0"/>
-              <a:t>И многое другое</a:t>
-            </a:r>
-            <a:endParaRPr lang="ru-RU" b="1" dirty="0"/>
-          </a:p>
           <a:p>
             <a:pPr>
               <a:buNone/>
             </a:pPr>
             <a:r>
-              <a:rPr lang="ru-RU" dirty="0"/>
-              <a:t/>
-            </a:r>
-            <a:br>
-              <a:rPr lang="ru-RU" dirty="0"/>
-            </a:br>
-            <a:endParaRPr lang="ru-RU" dirty="0"/>
-          </a:p>
-          <a:p>
-            <a:endParaRPr lang="ru-RU" dirty="0"/>
+              <a:rPr lang="ru-RU" sz="2400" dirty="0" smtClean="0"/>
+              <a:t>Открытая программная платформа </a:t>
+            </a:r>
+            <a:r>
+              <a:rPr lang="ru-RU" sz="2400" dirty="0"/>
+              <a:t>для построения </a:t>
+            </a:r>
+            <a:r>
+              <a:rPr lang="ru-RU" sz="2400" dirty="0" smtClean="0"/>
+              <a:t>сервисов, основанных </a:t>
+            </a:r>
+            <a:r>
+              <a:rPr lang="ru-RU" sz="2400" dirty="0"/>
+              <a:t>на местоположении. Платформа предоставляет все необходимые программные интерфейсы, структуры данных, запросы и фильтры, которые требуются для создания базовой функциональности сервисов, использующих местоположение. </a:t>
+            </a:r>
+            <a:endParaRPr lang="ru-RU" sz="2400" dirty="0" smtClean="0"/>
+          </a:p>
+          <a:p>
+            <a:pPr>
+              <a:buNone/>
+            </a:pPr>
+            <a:r>
+              <a:rPr lang="ru-RU" sz="2400" b="1" dirty="0" smtClean="0"/>
+              <a:t>Основные возможности:</a:t>
+            </a:r>
+            <a:endParaRPr lang="ru-RU" sz="2400" b="1" dirty="0"/>
+          </a:p>
+          <a:p>
+            <a:pPr lvl="0"/>
+            <a:r>
+              <a:rPr lang="ru-RU" sz="2400" dirty="0"/>
+              <a:t>предоставление хранилища для </a:t>
+            </a:r>
+            <a:r>
+              <a:rPr lang="ru-RU" sz="2400" dirty="0" err="1"/>
+              <a:t>геотегов</a:t>
+            </a:r>
+            <a:r>
+              <a:rPr lang="ru-RU" sz="2400" dirty="0"/>
+              <a:t>;</a:t>
+            </a:r>
+          </a:p>
+          <a:p>
+            <a:pPr lvl="0"/>
+            <a:r>
+              <a:rPr lang="ru-RU" sz="2400" dirty="0"/>
+              <a:t>выполнение 2D/3D пространственно-временных запросов;</a:t>
+            </a:r>
+          </a:p>
+          <a:p>
+            <a:pPr lvl="0"/>
+            <a:r>
+              <a:rPr lang="ru-RU" sz="2400" dirty="0"/>
+              <a:t>классификация тегов (по пользователям, по тематике,...);</a:t>
+            </a:r>
+          </a:p>
+          <a:p>
+            <a:pPr lvl="0"/>
+            <a:r>
+              <a:rPr lang="ru-RU" sz="2400" dirty="0" err="1"/>
+              <a:t>RESTfull</a:t>
+            </a:r>
+            <a:r>
+              <a:rPr lang="ru-RU" sz="2400" dirty="0"/>
+              <a:t> API для доступа к данным</a:t>
+            </a:r>
+          </a:p>
+          <a:p>
+            <a:endParaRPr lang="ru-RU" sz="2400" dirty="0"/>
+          </a:p>
+        </p:txBody>
+      </p:sp>
+      <p:sp>
+        <p:nvSpPr>
+          <p:cNvPr id="4" name="Номер слайда 3"/>
+          <p:cNvSpPr>
+            <a:spLocks noGrp="1"/>
+          </p:cNvSpPr>
+          <p:nvPr>
+            <p:ph type="sldNum" sz="quarter" idx="12"/>
+          </p:nvPr>
+        </p:nvSpPr>
+        <p:spPr/>
+        <p:txBody>
+          <a:bodyPr/>
+          <a:lstStyle/>
+          <a:p>
+            <a:fld id="{9A39E707-F3CE-4BEB-9583-BB36F29193FA}" type="slidenum">
+              <a:rPr lang="ru-RU" smtClean="0"/>
+              <a:pPr/>
+              <a:t>11</a:t>
+            </a:fld>
+            <a:endParaRPr lang="ru-RU"/>
           </a:p>
         </p:txBody>
       </p:sp>
@@ -3560,6 +4042,10 @@
           <a:lstStyle/>
           <a:p>
             <a:r>
+              <a:rPr lang="ru-RU" dirty="0" smtClean="0"/>
+              <a:t>Аналоги </a:t>
+            </a:r>
+            <a:r>
               <a:rPr lang="en-US" dirty="0" smtClean="0"/>
               <a:t>Geo2tag</a:t>
             </a:r>
@@ -3577,91 +4063,132 @@
             <p:ph idx="1"/>
           </p:nvPr>
         </p:nvSpPr>
-        <p:spPr>
-          <a:xfrm>
-            <a:off x="428596" y="1214422"/>
-            <a:ext cx="8229600" cy="5214974"/>
-          </a:xfrm>
-        </p:spPr>
+        <p:spPr/>
         <p:txBody>
           <a:bodyPr>
-            <a:noAutofit/>
+            <a:normAutofit/>
           </a:bodyPr>
           <a:lstStyle/>
           <a:p>
-            <a:pPr>
-              <a:buNone/>
-            </a:pPr>
-            <a:r>
-              <a:rPr lang="ru-RU" sz="2400" dirty="0" smtClean="0"/>
-              <a:t>Открытая программная платформа </a:t>
-            </a:r>
-            <a:r>
-              <a:rPr lang="ru-RU" sz="2400" dirty="0"/>
-              <a:t>для построения </a:t>
-            </a:r>
-            <a:r>
-              <a:rPr lang="ru-RU" sz="2400" dirty="0" smtClean="0"/>
-              <a:t>сервисов, основанных </a:t>
-            </a:r>
-            <a:r>
-              <a:rPr lang="ru-RU" sz="2400" dirty="0"/>
-              <a:t>на местоположении. Платформа предоставляет все необходимые программные интерфейсы, структуры данных, запросы и фильтры, которые требуются для создания базовой функциональности сервисов, использующих местоположение. </a:t>
-            </a:r>
-            <a:endParaRPr lang="ru-RU" sz="2400" dirty="0" smtClean="0"/>
-          </a:p>
-          <a:p>
-            <a:pPr>
-              <a:buNone/>
-            </a:pPr>
-            <a:r>
-              <a:rPr lang="ru-RU" sz="2400" b="1" dirty="0" smtClean="0"/>
-              <a:t>Основные возможности:</a:t>
-            </a:r>
-            <a:endParaRPr lang="ru-RU" sz="2400" b="1" dirty="0"/>
+            <a:r>
+              <a:rPr lang="ru-RU" dirty="0"/>
+              <a:t>Идея создания программной платформы для разработки сервисов использующих </a:t>
+            </a:r>
+            <a:r>
+              <a:rPr lang="ru-RU" dirty="0" err="1"/>
+              <a:t>геоинформацию</a:t>
+            </a:r>
+            <a:r>
+              <a:rPr lang="ru-RU" dirty="0"/>
+              <a:t> не нова. Однако, </a:t>
+            </a:r>
+            <a:r>
+              <a:rPr lang="ru-RU" b="1" dirty="0"/>
+              <a:t>Geo2tag LBS </a:t>
+            </a:r>
+            <a:r>
+              <a:rPr lang="ru-RU" b="1" dirty="0" err="1"/>
+              <a:t>Platform</a:t>
+            </a:r>
+            <a:r>
+              <a:rPr lang="ru-RU" dirty="0"/>
+              <a:t>, фактически является </a:t>
+            </a:r>
+            <a:r>
+              <a:rPr lang="ru-RU" dirty="0" err="1"/>
+              <a:t>превой</a:t>
+            </a:r>
+            <a:r>
+              <a:rPr lang="ru-RU" dirty="0"/>
+              <a:t> полностью открытой платформой такого рода</a:t>
+            </a:r>
+            <a:r>
+              <a:rPr lang="ru-RU" dirty="0" smtClean="0"/>
+              <a:t>.</a:t>
+            </a:r>
           </a:p>
           <a:p>
             <a:pPr lvl="0"/>
             <a:r>
-              <a:rPr lang="ru-RU" sz="2400" dirty="0"/>
-              <a:t>предоставление хранилища для </a:t>
-            </a:r>
-            <a:r>
-              <a:rPr lang="ru-RU" sz="2400" dirty="0" err="1"/>
-              <a:t>геотегов</a:t>
-            </a:r>
-            <a:r>
-              <a:rPr lang="ru-RU" sz="2400" dirty="0"/>
-              <a:t>;</a:t>
-            </a:r>
-          </a:p>
-          <a:p>
-            <a:pPr lvl="0"/>
-            <a:r>
-              <a:rPr lang="ru-RU" sz="2400" dirty="0"/>
-              <a:t>выполнение 2D/3D пространственно-временных запросов;</a:t>
-            </a:r>
-          </a:p>
-          <a:p>
-            <a:pPr lvl="0"/>
-            <a:r>
-              <a:rPr lang="ru-RU" sz="2400" dirty="0"/>
-              <a:t>классификация тегов (по пользователям, по тематике,...);</a:t>
-            </a:r>
-          </a:p>
-          <a:p>
-            <a:pPr lvl="0"/>
-            <a:r>
-              <a:rPr lang="ru-RU" sz="2400" dirty="0" err="1"/>
-              <a:t>RESTfull</a:t>
-            </a:r>
-            <a:r>
-              <a:rPr lang="ru-RU" sz="2400" dirty="0"/>
-              <a:t> API для доступа к данным</a:t>
-            </a:r>
-          </a:p>
-          <a:p>
-            <a:endParaRPr lang="ru-RU" sz="2400" dirty="0"/>
+              <a:rPr lang="ru-RU" dirty="0" smtClean="0"/>
+              <a:t>Известные </a:t>
+            </a:r>
+            <a:r>
+              <a:rPr lang="en-US" dirty="0" smtClean="0"/>
+              <a:t>LBS-</a:t>
+            </a:r>
+            <a:r>
+              <a:rPr lang="ru-RU" dirty="0" smtClean="0"/>
+              <a:t>сервисы: </a:t>
+            </a:r>
+            <a:r>
+              <a:rPr lang="ru-RU" dirty="0" err="1"/>
+              <a:t>Google</a:t>
+            </a:r>
+            <a:r>
+              <a:rPr lang="ru-RU" dirty="0"/>
+              <a:t> </a:t>
+            </a:r>
+            <a:r>
+              <a:rPr lang="ru-RU" dirty="0" err="1" smtClean="0"/>
+              <a:t>Latitude</a:t>
+            </a:r>
+            <a:r>
+              <a:rPr lang="ru-RU" dirty="0" smtClean="0"/>
+              <a:t>, </a:t>
+            </a:r>
+            <a:r>
+              <a:rPr lang="ru-RU" dirty="0" err="1" smtClean="0"/>
+              <a:t>AlterGeo</a:t>
+            </a:r>
+            <a:r>
+              <a:rPr lang="ru-RU" dirty="0" smtClean="0"/>
+              <a:t>, </a:t>
+            </a:r>
+            <a:r>
+              <a:rPr lang="ru-RU" dirty="0" err="1" smtClean="0"/>
+              <a:t>BluePont</a:t>
+            </a:r>
+            <a:r>
+              <a:rPr lang="ru-RU" dirty="0" smtClean="0"/>
+              <a:t>, </a:t>
+            </a:r>
+            <a:r>
+              <a:rPr lang="ru-RU" dirty="0" err="1" smtClean="0"/>
+              <a:t>Foursquare</a:t>
+            </a:r>
+            <a:r>
+              <a:rPr lang="ru-RU" dirty="0" smtClean="0"/>
+              <a:t> и т.д.</a:t>
+            </a:r>
+            <a:endParaRPr lang="ru-RU" dirty="0"/>
+          </a:p>
+          <a:p>
+            <a:endParaRPr lang="ru-RU" dirty="0"/>
+          </a:p>
+        </p:txBody>
+      </p:sp>
+      <p:sp>
+        <p:nvSpPr>
+          <p:cNvPr id="4" name="Номер слайда 3"/>
+          <p:cNvSpPr>
+            <a:spLocks noGrp="1"/>
+          </p:cNvSpPr>
+          <p:nvPr>
+            <p:ph type="sldNum" sz="quarter" idx="12"/>
+          </p:nvPr>
+        </p:nvSpPr>
+        <p:spPr/>
+        <p:txBody>
+          <a:bodyPr/>
+          <a:lstStyle/>
+          <a:p>
+            <a:fld id="{9A39E707-F3CE-4BEB-9583-BB36F29193FA}" type="slidenum">
+              <a:rPr lang="ru-RU" smtClean="0"/>
+              <a:pPr/>
+              <a:t>12</a:t>
+            </a:fld>
+            <a:endParaRPr lang="ru-RU"/>
           </a:p>
         </p:txBody>
       </p:sp>
@@ -3709,133 +4236,116 @@
         </p:nvSpPr>
         <p:spPr/>
         <p:txBody>
-          <a:bodyPr/>
+          <a:bodyPr>
+            <a:normAutofit fontScale="90000"/>
+          </a:bodyPr>
           <a:lstStyle/>
           <a:p>
             <a:r>
               <a:rPr lang="ru-RU" dirty="0" smtClean="0"/>
-              <a:t>Аналоги </a:t>
+              <a:t>Аналоги разрабатываемого приложения</a:t>
+            </a:r>
+            <a:endParaRPr lang="ru-RU" dirty="0"/>
+          </a:p>
+        </p:txBody>
+      </p:sp>
+      <p:sp>
+        <p:nvSpPr>
+          <p:cNvPr id="3" name="Содержимое 2"/>
+          <p:cNvSpPr>
+            <a:spLocks noGrp="1"/>
+          </p:cNvSpPr>
+          <p:nvPr>
+            <p:ph idx="1"/>
+          </p:nvPr>
+        </p:nvSpPr>
+        <p:spPr/>
+        <p:txBody>
+          <a:bodyPr/>
+          <a:lstStyle/>
+          <a:p>
+            <a:r>
+              <a:rPr lang="en-US" dirty="0" err="1" smtClean="0"/>
+              <a:t>Layar</a:t>
             </a:r>
             <a:r>
               <a:rPr lang="en-US" dirty="0" smtClean="0"/>
-              <a:t>Geo2tag</a:t>
+              <a:t> </a:t>
+            </a:r>
+            <a:r>
+              <a:rPr lang="en-US" dirty="0"/>
+              <a:t>Reality Browser</a:t>
+            </a:r>
+            <a:r>
+              <a:rPr lang="ru-RU" dirty="0"/>
+              <a:t>.</a:t>
+            </a:r>
+          </a:p>
+          <a:p>
+            <a:r>
+              <a:rPr lang="en-US" dirty="0" err="1" smtClean="0"/>
+              <a:t>WikiTude</a:t>
+            </a:r>
+            <a:r>
+              <a:rPr lang="en-US" dirty="0" smtClean="0"/>
+              <a:t> </a:t>
+            </a:r>
+            <a:r>
+              <a:rPr lang="en-US" dirty="0"/>
+              <a:t>Drive.</a:t>
             </a:r>
             <a:endParaRPr lang="ru-RU" dirty="0"/>
           </a:p>
-        </p:txBody>
-      </p:sp>
-      <p:sp>
-        <p:nvSpPr>
-          <p:cNvPr id="3" name="Содержимое 2"/>
-          <p:cNvSpPr>
-            <a:spLocks noGrp="1"/>
-          </p:cNvSpPr>
-          <p:nvPr>
-            <p:ph idx="1"/>
-          </p:nvPr>
-        </p:nvSpPr>
-        <p:spPr/>
-        <p:txBody>
-          <a:bodyPr>
-            <a:normAutofit/>
-          </a:bodyPr>
-          <a:lstStyle/>
-          <a:p>
+          <a:p>
+            <a:r>
+              <a:rPr lang="en-US" dirty="0" err="1" smtClean="0"/>
+              <a:t>TagWhat</a:t>
+            </a:r>
             <a:r>
               <a:rPr lang="ru-RU" dirty="0"/>
-              <a:t>Идея создания программной платформы для разработки сервисов использующих </a:t>
-            </a:r>
-            <a:r>
-              <a:rPr lang="ru-RU" dirty="0" err="1"/>
-              <a:t>геоинформацию</a:t>
+              <a:t>.</a:t>
+            </a:r>
+          </a:p>
+          <a:p>
+            <a:r>
+              <a:rPr lang="en-US" dirty="0" err="1" smtClean="0"/>
+              <a:t>Augement</a:t>
             </a:r>
             <a:r>
               <a:rPr lang="ru-RU" dirty="0"/>
-              <a:t> не нова. Однако, </a:t>
-            </a:r>
-            <a:r>
-              <a:rPr lang="ru-RU" b="1" dirty="0"/>
-              <a:t>Geo2tag LBS </a:t>
-            </a:r>
-            <a:r>
-              <a:rPr lang="ru-RU" b="1" dirty="0" err="1"/>
-              <a:t>Platform</a:t>
-            </a:r>
-            <a:r>
-              <a:rPr lang="ru-RU" dirty="0"/>
-              <a:t>, фактически является </a:t>
-            </a:r>
-            <a:r>
-              <a:rPr lang="ru-RU" dirty="0" err="1"/>
-              <a:t>превой</a:t>
-            </a:r>
-            <a:r>
-              <a:rPr lang="ru-RU" dirty="0"/>
-              <a:t> полностью открытой платформой такого рода</a:t>
-            </a:r>
-            <a:r>
-              <a:rPr lang="ru-RU" dirty="0" smtClean="0"/>
               <a:t>.</a:t>
             </a:r>
           </a:p>
           <a:p>
-            <a:pPr lvl="0"/>
-            <a:r>
-              <a:rPr lang="ru-RU" dirty="0" smtClean="0"/>
-              <a:t>Известные </a:t>
-            </a:r>
-            <a:r>
-              <a:rPr lang="en-US" dirty="0" smtClean="0"/>
-              <a:t>LBS-</a:t>
-            </a:r>
-            <a:r>
-              <a:rPr lang="ru-RU" dirty="0" smtClean="0"/>
-              <a:t>сервисы: </a:t>
-            </a:r>
-            <a:r>
-              <a:rPr lang="ru-RU" dirty="0" err="1"/>
-              <a:t>Google</a:t>
-            </a:r>
-            <a:r>
-              <a:rPr lang="ru-RU" dirty="0"/>
-              <a:t> </a:t>
-            </a:r>
-            <a:r>
-              <a:rPr lang="ru-RU" dirty="0" err="1" smtClean="0"/>
-              <a:t>Latitude</a:t>
-            </a:r>
-            <a:r>
-              <a:rPr lang="ru-RU" dirty="0" smtClean="0"/>
-              <a:t>, </a:t>
-            </a:r>
-            <a:r>
-              <a:rPr lang="ru-RU" dirty="0" err="1" smtClean="0"/>
-              <a:t>AlterGeo</a:t>
-            </a:r>
-            <a:r>
-              <a:rPr lang="ru-RU" dirty="0" smtClean="0"/>
-              <a:t>, </a:t>
-            </a:r>
-            <a:r>
-              <a:rPr lang="ru-RU" dirty="0" err="1" smtClean="0"/>
-              <a:t>BluePont</a:t>
-            </a:r>
-            <a:r>
-              <a:rPr lang="ru-RU" dirty="0" smtClean="0"/>
-              <a:t>, </a:t>
-            </a:r>
-            <a:r>
-              <a:rPr lang="ru-RU" dirty="0" err="1" smtClean="0"/>
-              <a:t>Foursquare</a:t>
-            </a:r>
-            <a:r>
-              <a:rPr lang="ru-RU" dirty="0" smtClean="0"/>
-              <a:t> и т.д.</a:t>
+            <a:r>
+              <a:rPr lang="en-US" dirty="0" err="1" smtClean="0"/>
+              <a:t>Forsquare</a:t>
             </a:r>
             <a:endParaRPr lang="ru-RU" dirty="0"/>
           </a:p>
-          <a:p>
-            <a:endParaRPr lang="ru-RU" dirty="0"/>
+        </p:txBody>
+      </p:sp>
+      <p:sp>
+        <p:nvSpPr>
+          <p:cNvPr id="4" name="Номер слайда 3"/>
+          <p:cNvSpPr>
+            <a:spLocks noGrp="1"/>
+          </p:cNvSpPr>
+          <p:nvPr>
+            <p:ph type="sldNum" sz="quarter" idx="12"/>
+          </p:nvPr>
+        </p:nvSpPr>
+        <p:spPr/>
+        <p:txBody>
+          <a:bodyPr/>
+          <a:lstStyle/>
+          <a:p>
+            <a:fld id="{9A39E707-F3CE-4BEB-9583-BB36F29193FA}" type="slidenum">
+              <a:rPr lang="ru-RU" smtClean="0"/>
+              <a:pPr/>
+              <a:t>13</a:t>
+            </a:fld>
+            <a:endParaRPr lang="ru-RU"/>
           </a:p>
         </p:txBody>
       </p:sp>
@@ -3889,8 +4399,20 @@
           <a:lstStyle/>
           <a:p>
             <a:r>
-              <a:rPr lang="ru-RU" dirty="0" smtClean="0"/>
-              <a:t>Аналоги разрабатываемого приложения</a:t>
+              <a:rPr lang="ru-RU" dirty="0"/>
+              <a:t>Особенности разработки </a:t>
+            </a:r>
+            <a:r>
+              <a:rPr lang="en-US" dirty="0"/>
+              <a:t>AR</a:t>
+            </a:r>
+            <a:r>
+              <a:rPr lang="ru-RU" dirty="0"/>
+              <a:t>-приложений под </a:t>
+            </a:r>
+            <a:r>
+              <a:rPr lang="en-US" dirty="0"/>
+              <a:t>Android</a:t>
             </a:r>
             <a:endParaRPr lang="ru-RU" dirty="0"/>
           </a:p>
@@ -3908,67 +4430,98 @@
         </p:nvSpPr>
         <p:spPr/>
         <p:txBody>
-          <a:bodyPr/>
-          <a:lstStyle/>
-          <a:p>
-            <a:r>
-              <a:rPr lang="en-US" dirty="0" err="1" smtClean="0"/>
-              <a:t>Layar</a:t>
-            </a:r>
-            <a:r>
-              <a:rPr lang="en-US" dirty="0" smtClean="0"/>
+          <a:bodyPr>
+            <a:normAutofit lnSpcReduction="10000"/>
+          </a:bodyPr>
+          <a:lstStyle/>
+          <a:p>
+            <a:pPr lvl="0"/>
+            <a:r>
+              <a:rPr lang="ru-RU" dirty="0"/>
+              <a:t>Камера</a:t>
+            </a:r>
+          </a:p>
+          <a:p>
+            <a:pPr lvl="0"/>
+            <a:r>
+              <a:rPr lang="en-US" dirty="0"/>
+              <a:t>OpenGL ES</a:t>
+            </a:r>
+            <a:r>
+              <a:rPr lang="ru-RU" dirty="0"/>
+              <a:t> – библиотека для </a:t>
+            </a:r>
+            <a:r>
+              <a:rPr lang="ru-RU" dirty="0" err="1"/>
+              <a:t>отрисовки</a:t>
+            </a:r>
+            <a:r>
+              <a:rPr lang="ru-RU" dirty="0"/>
+              <a:t> объектов </a:t>
+            </a:r>
+          </a:p>
+          <a:p>
+            <a:pPr lvl="0"/>
+            <a:r>
+              <a:rPr lang="ru-RU" dirty="0"/>
+              <a:t>Гироскоп/акселерометр – для определения изменений положения мобильного устройства в пространстве</a:t>
+            </a:r>
+          </a:p>
+          <a:p>
+            <a:pPr lvl="0"/>
+            <a:r>
+              <a:rPr lang="en-US" dirty="0" err="1"/>
+              <a:t>LocationManager</a:t>
+            </a:r>
+            <a:r>
+              <a:rPr lang="ru-RU" dirty="0"/>
+              <a:t> – для определения координат </a:t>
+            </a:r>
+          </a:p>
+          <a:p>
+            <a:pPr lvl="0"/>
+            <a:r>
+              <a:rPr lang="ru-RU" dirty="0"/>
+              <a:t>Вспомогательная библиотека/</a:t>
+            </a:r>
+            <a:r>
+              <a:rPr lang="ru-RU" dirty="0" err="1"/>
+              <a:t>фреймворк</a:t>
+            </a:r>
+            <a:r>
+              <a:rPr lang="ru-RU" dirty="0"/>
               <a:t> </a:t>
             </a:r>
-            <a:r>
-              <a:rPr lang="en-US" dirty="0"/>
-              <a:t>Reality Browser</a:t>
-            </a:r>
-            <a:r>
-              <a:rPr lang="ru-RU" dirty="0"/>
-              <a:t>.</a:t>
-            </a:r>
-          </a:p>
-          <a:p>
-            <a:r>
-              <a:rPr lang="en-US" dirty="0" err="1" smtClean="0"/>
-              <a:t>WikiTude</a:t>
-            </a:r>
-            <a:r>
-              <a:rPr lang="en-US" dirty="0" smtClean="0"/>
-              <a:t> </a:t>
-            </a:r>
-            <a:r>
-              <a:rPr lang="en-US" dirty="0"/>
-              <a:t>Drive.</a:t>
-            </a:r>
+          </a:p>
+          <a:p>
+            <a:pPr>
+              <a:buNone/>
+            </a:pPr>
             <a:endParaRPr lang="ru-RU" dirty="0"/>
           </a:p>
-          <a:p>
-            <a:r>
-              <a:rPr lang="en-US" dirty="0" err="1" smtClean="0"/>
-              <a:t>TagWhat</a:t>
-            </a:r>
-            <a:r>
-              <a:rPr lang="ru-RU" dirty="0"/>
-              <a:t>.</a:t>
-            </a:r>
-          </a:p>
-          <a:p>
-            <a:r>
-              <a:rPr lang="en-US" dirty="0" err="1" smtClean="0"/>
-              <a:t>Augement</a:t>
-            </a:r>
-            <a:r>
-              <a:rPr lang="ru-RU" dirty="0"/>
-              <a:t>.</a:t>
-            </a:r>
-          </a:p>
-          <a:p>
-            <a:r>
-              <a:rPr lang="en-US" dirty="0" err="1" smtClean="0"/>
-              <a:t>Forsquare</a:t>
-            </a:r>
-            <a:endParaRPr lang="ru-RU" dirty="0"/>
+        </p:txBody>
+      </p:sp>
+      <p:sp>
+        <p:nvSpPr>
+          <p:cNvPr id="4" name="Номер слайда 3"/>
+          <p:cNvSpPr>
+            <a:spLocks noGrp="1"/>
+          </p:cNvSpPr>
+          <p:nvPr>
+            <p:ph type="sldNum" sz="quarter" idx="12"/>
+          </p:nvPr>
+        </p:nvSpPr>
+        <p:spPr/>
+        <p:txBody>
+          <a:bodyPr/>
+          <a:lstStyle/>
+          <a:p>
+            <a:fld id="{9A39E707-F3CE-4BEB-9583-BB36F29193FA}" type="slidenum">
+              <a:rPr lang="ru-RU" smtClean="0"/>
+              <a:pPr/>
+              <a:t>14</a:t>
+            </a:fld>
+            <a:endParaRPr lang="ru-RU"/>
           </a:p>
         </p:txBody>
       </p:sp>
@@ -4022,19 +4575,11 @@
           <a:lstStyle/>
           <a:p>
             <a:r>
-              <a:rPr lang="ru-RU" dirty="0"/>
-              <a:t>Особенности разработки </a:t>
-            </a:r>
-            <a:r>
-              <a:rPr lang="en-US" dirty="0"/>
-              <a:t>AR</a:t>
-            </a:r>
-            <a:r>
-              <a:rPr lang="ru-RU" dirty="0"/>
-              <a:t>-приложений под </a:t>
-            </a:r>
-            <a:r>
-              <a:rPr lang="en-US" dirty="0"/>
+              <a:rPr lang="ru-RU" dirty="0" smtClean="0"/>
+              <a:t>Возможности визуализации в </a:t>
+            </a:r>
+            <a:r>
+              <a:rPr lang="en-US" dirty="0" smtClean="0"/>
               <a:t>Android</a:t>
             </a:r>
             <a:endParaRPr lang="ru-RU" dirty="0"/>
@@ -4053,74 +4598,48 @@
         </p:nvSpPr>
         <p:spPr/>
         <p:txBody>
-          <a:bodyPr>
-            <a:normAutofit lnSpcReduction="10000"/>
-          </a:bodyPr>
-          <a:lstStyle/>
-          <a:p>
-            <a:pPr lvl="0"/>
-            <a:r>
-              <a:rPr lang="ru-RU" dirty="0"/>
-              <a:t>Камера</a:t>
-            </a:r>
-          </a:p>
-          <a:p>
-            <a:pPr lvl="0"/>
-            <a:r>
-              <a:rPr lang="en-US" dirty="0"/>
+          <a:bodyPr/>
+          <a:lstStyle/>
+          <a:p>
+            <a:r>
+              <a:rPr lang="en-US" dirty="0" smtClean="0"/>
               <a:t>OpenGL ES</a:t>
             </a:r>
-            <a:r>
-              <a:rPr lang="ru-RU" dirty="0"/>
-              <a:t> – библиотека для </a:t>
-            </a:r>
-            <a:r>
-              <a:rPr lang="ru-RU" dirty="0" err="1"/>
-              <a:t>отрисовки</a:t>
-            </a:r>
-            <a:r>
-              <a:rPr lang="ru-RU" dirty="0"/>
-              <a:t> объектов </a:t>
-            </a:r>
-          </a:p>
-          <a:p>
-            <a:pPr lvl="0"/>
-            <a:r>
-              <a:rPr lang="ru-RU" dirty="0"/>
-              <a:t>Гироскоп/акселерометр – для определения изменений положения мобильного устройства в пространстве</a:t>
-            </a:r>
-          </a:p>
-          <a:p>
-            <a:pPr lvl="0"/>
-            <a:r>
-              <a:rPr lang="en-US" dirty="0" err="1"/>
-              <a:t>LocationManager</a:t>
-            </a:r>
-            <a:r>
-              <a:rPr lang="ru-RU" dirty="0"/>
-              <a:t> – для определения координат </a:t>
-            </a:r>
-          </a:p>
-          <a:p>
-            <a:pPr lvl="0"/>
-            <a:r>
-              <a:rPr lang="ru-RU" dirty="0"/>
-              <a:t>Вспомогательная библиотека/</a:t>
-            </a:r>
-            <a:r>
-              <a:rPr lang="ru-RU" dirty="0" err="1"/>
-              <a:t>фреймворк</a:t>
-            </a:r>
-            <a:r>
-              <a:rPr lang="ru-RU" dirty="0"/>
-              <a:t> </a:t>
-            </a:r>
-          </a:p>
-          <a:p>
-            <a:pPr>
-              <a:buNone/>
-            </a:pPr>
+          </a:p>
+          <a:p>
+            <a:r>
+              <a:rPr lang="en-US" dirty="0" err="1" smtClean="0"/>
+              <a:t>Android.graphics</a:t>
+            </a:r>
+            <a:r>
+              <a:rPr lang="en-US" dirty="0" smtClean="0"/>
+              <a:t>.*</a:t>
+            </a:r>
             <a:endParaRPr lang="ru-RU" dirty="0"/>
+          </a:p>
+        </p:txBody>
+      </p:sp>
+      <p:sp>
+        <p:nvSpPr>
+          <p:cNvPr id="4" name="Номер слайда 3"/>
+          <p:cNvSpPr>
+            <a:spLocks noGrp="1"/>
+          </p:cNvSpPr>
+          <p:nvPr>
+            <p:ph type="sldNum" sz="quarter" idx="12"/>
+          </p:nvPr>
+        </p:nvSpPr>
+        <p:spPr/>
+        <p:txBody>
+          <a:bodyPr/>
+          <a:lstStyle/>
+          <a:p>
+            <a:fld id="{9A39E707-F3CE-4BEB-9583-BB36F29193FA}" type="slidenum">
+              <a:rPr lang="ru-RU" smtClean="0"/>
+              <a:pPr/>
+              <a:t>15</a:t>
+            </a:fld>
+            <a:endParaRPr lang="ru-RU"/>
           </a:p>
         </p:txBody>
       </p:sp>
@@ -4175,219 +4694,105 @@
           <a:p>
             <a:r>
               <a:rPr lang="ru-RU" dirty="0" smtClean="0"/>
-              <a:t>Существующие </a:t>
-            </a:r>
-            <a:r>
-              <a:rPr lang="ru-RU" dirty="0"/>
-              <a:t>библиотеки и </a:t>
-            </a:r>
-            <a:r>
-              <a:rPr lang="ru-RU" dirty="0" err="1"/>
-              <a:t>фреймворки</a:t>
-            </a:r>
-            <a:r>
-              <a:rPr lang="ru-RU" dirty="0"/>
-              <a:t> для создания </a:t>
-            </a:r>
-            <a:r>
-              <a:rPr lang="en-US" dirty="0"/>
-              <a:t>AR</a:t>
-            </a:r>
-            <a:r>
-              <a:rPr lang="ru-RU" dirty="0"/>
-              <a:t>-приложений под </a:t>
+              <a:t>Инструменты, выбранные для разработки</a:t>
+            </a:r>
+            <a:endParaRPr lang="ru-RU" dirty="0"/>
+          </a:p>
+        </p:txBody>
+      </p:sp>
+      <p:sp>
+        <p:nvSpPr>
+          <p:cNvPr id="3" name="Содержимое 2"/>
+          <p:cNvSpPr>
+            <a:spLocks noGrp="1"/>
+          </p:cNvSpPr>
+          <p:nvPr>
+            <p:ph idx="1"/>
+          </p:nvPr>
+        </p:nvSpPr>
+        <p:spPr/>
+        <p:txBody>
+          <a:bodyPr/>
+          <a:lstStyle/>
+          <a:p>
+            <a:r>
+              <a:rPr lang="ru-RU" dirty="0" smtClean="0"/>
+              <a:t>Язык: </a:t>
             </a:r>
             <a:r>
               <a:rPr lang="en-US" dirty="0" smtClean="0"/>
-              <a:t>Android</a:t>
-            </a:r>
-            <a:endParaRPr lang="ru-RU" dirty="0"/>
-          </a:p>
-        </p:txBody>
-      </p:sp>
-      <p:sp>
-        <p:nvSpPr>
-          <p:cNvPr id="3" name="Содержимое 2"/>
-          <p:cNvSpPr>
-            <a:spLocks noGrp="1"/>
-          </p:cNvSpPr>
-          <p:nvPr>
-            <p:ph idx="1"/>
-          </p:nvPr>
-        </p:nvSpPr>
-        <p:spPr>
-          <a:xfrm>
-            <a:off x="500034" y="1857364"/>
-            <a:ext cx="8229600" cy="4525963"/>
-          </a:xfrm>
-        </p:spPr>
-        <p:txBody>
-          <a:bodyPr>
-            <a:normAutofit fontScale="77500" lnSpcReduction="20000"/>
-          </a:bodyPr>
-          <a:lstStyle/>
-          <a:p>
-            <a:r>
-              <a:rPr lang="en-US" dirty="0" err="1" smtClean="0"/>
-              <a:t>Vuforia</a:t>
-            </a:r>
-            <a:r>
-              <a:rPr lang="en-US" dirty="0" smtClean="0"/>
-              <a:t> SDK</a:t>
-            </a:r>
+              <a:t>Java</a:t>
+            </a:r>
+            <a:endParaRPr lang="ru-RU" dirty="0" smtClean="0"/>
+          </a:p>
+          <a:p>
             <a:r>
               <a:rPr lang="ru-RU" dirty="0" smtClean="0"/>
-              <a:t> (</a:t>
-            </a:r>
-            <a:r>
-              <a:rPr lang="en-US" dirty="0" smtClean="0"/>
-              <a:t>developer.vuforia.com</a:t>
-            </a:r>
-            <a:r>
-              <a:rPr lang="ru-RU" dirty="0" smtClean="0"/>
-              <a:t>)</a:t>
-            </a:r>
-          </a:p>
-          <a:p>
-            <a:endParaRPr lang="ru-RU" dirty="0"/>
-          </a:p>
-          <a:p>
-            <a:r>
-              <a:rPr lang="en-US" dirty="0" err="1" smtClean="0"/>
-              <a:t>AndAR</a:t>
+              <a:t>Среда разработки:</a:t>
             </a:r>
             <a:r>
               <a:rPr lang="en-US" dirty="0" smtClean="0"/>
               <a:t> </a:t>
             </a:r>
             <a:r>
+              <a:rPr lang="en-US" dirty="0" err="1" smtClean="0"/>
+              <a:t>Intellij</a:t>
+            </a:r>
+            <a:r>
+              <a:rPr lang="en-US" dirty="0" smtClean="0"/>
+              <a:t> Idea</a:t>
+            </a:r>
+            <a:endParaRPr lang="ru-RU" dirty="0" smtClean="0"/>
+          </a:p>
+          <a:p>
+            <a:r>
               <a:rPr lang="ru-RU" dirty="0" smtClean="0"/>
-              <a:t>(</a:t>
+              <a:t>Визуализация:</a:t>
             </a:r>
             <a:r>
               <a:rPr lang="en-US" dirty="0" smtClean="0"/>
-              <a:t>code.google.com/p/</a:t>
+              <a:t> OpenGL ES + </a:t>
             </a:r>
             <a:r>
               <a:rPr lang="en-US" dirty="0" err="1" smtClean="0"/>
-              <a:t>andar</a:t>
-            </a:r>
+              <a:t>android.graphics</a:t>
+            </a:r>
+            <a:endParaRPr lang="ru-RU" dirty="0" smtClean="0"/>
+          </a:p>
+          <a:p>
             <a:r>
               <a:rPr lang="ru-RU" dirty="0" smtClean="0"/>
-              <a:t>)</a:t>
-            </a:r>
-          </a:p>
-          <a:p>
-            <a:endParaRPr lang="ru-RU" dirty="0"/>
-          </a:p>
-          <a:p>
+              <a:t>Вспомогательные инструменты: </a:t>
+            </a:r>
             <a:r>
               <a:rPr lang="en-US" dirty="0" err="1" smtClean="0"/>
               <a:t>Mixare</a:t>
             </a:r>
-            <a:r>
-              <a:rPr lang="en-US" dirty="0" smtClean="0"/>
-              <a:t> </a:t>
-            </a:r>
-            <a:r>
-              <a:rPr lang="ru-RU" dirty="0" smtClean="0"/>
-              <a:t>(</a:t>
-            </a:r>
-            <a:r>
-              <a:rPr lang="en-US" dirty="0" smtClean="0"/>
-              <a:t>code.google.com/p/</a:t>
-            </a:r>
-            <a:r>
-              <a:rPr lang="en-US" dirty="0" err="1" smtClean="0"/>
-              <a:t>mixare</a:t>
-            </a:r>
-            <a:r>
-              <a:rPr lang="ru-RU" dirty="0" smtClean="0"/>
-              <a:t>)</a:t>
-            </a:r>
-          </a:p>
-          <a:p>
             <a:endParaRPr lang="ru-RU" dirty="0"/>
           </a:p>
-          <a:p>
-            <a:r>
-              <a:rPr lang="en-US" dirty="0" smtClean="0"/>
-              <a:t>Look!</a:t>
-            </a:r>
-            <a:r>
-              <a:rPr lang="ru-RU" dirty="0" smtClean="0"/>
-              <a:t> </a:t>
-            </a:r>
-            <a:r>
-              <a:rPr lang="en-US" dirty="0" smtClean="0"/>
-              <a:t> </a:t>
-            </a:r>
-            <a:r>
-              <a:rPr lang="ru-RU" dirty="0" smtClean="0"/>
-              <a:t>( </a:t>
-            </a:r>
-            <a:r>
-              <a:rPr lang="en-US" dirty="0" smtClean="0"/>
-              <a:t>www.lookar.net</a:t>
-            </a:r>
-            <a:r>
-              <a:rPr lang="ru-RU" dirty="0" smtClean="0"/>
-              <a:t> )</a:t>
-            </a:r>
-          </a:p>
-          <a:p>
-            <a:endParaRPr lang="ru-RU" dirty="0"/>
-          </a:p>
-          <a:p>
-            <a:r>
-              <a:rPr lang="en-US" dirty="0" err="1" smtClean="0"/>
-              <a:t>LibreGeoSocial</a:t>
-            </a:r>
-            <a:r>
-              <a:rPr lang="en-US" dirty="0" smtClean="0"/>
-              <a:t> </a:t>
-            </a:r>
-            <a:r>
-              <a:rPr lang="ru-RU" dirty="0" smtClean="0"/>
-              <a:t> (</a:t>
-            </a:r>
-            <a:r>
-              <a:rPr lang="en-US" dirty="0" smtClean="0"/>
-              <a:t>www.libregeosocial.org</a:t>
-            </a:r>
-            <a:r>
-              <a:rPr lang="ru-RU" dirty="0" smtClean="0"/>
-              <a:t> )</a:t>
-            </a:r>
-          </a:p>
-          <a:p>
-            <a:endParaRPr lang="ru-RU" dirty="0"/>
-          </a:p>
-          <a:p>
-            <a:r>
-              <a:rPr lang="en-US" dirty="0" smtClean="0"/>
-              <a:t>android-augment-reality-framework </a:t>
-            </a:r>
-            <a:r>
-              <a:rPr lang="ru-RU" dirty="0" smtClean="0"/>
-              <a:t>(</a:t>
-            </a:r>
-            <a:r>
-              <a:rPr lang="en-US" dirty="0" smtClean="0"/>
-              <a:t>code.google.com/p/android-augment-reality-framework</a:t>
-            </a:r>
-            <a:r>
-              <a:rPr lang="en-US" dirty="0"/>
-              <a:t> </a:t>
-            </a:r>
-            <a:r>
-              <a:rPr lang="ru-RU" dirty="0" smtClean="0"/>
-              <a:t>)</a:t>
-            </a:r>
-            <a:endParaRPr lang="ru-RU" dirty="0"/>
-          </a:p>
-          <a:p>
-            <a:endParaRPr lang="ru-RU" dirty="0"/>
+        </p:txBody>
+      </p:sp>
+      <p:sp>
+        <p:nvSpPr>
+          <p:cNvPr id="4" name="Номер слайда 3"/>
+          <p:cNvSpPr>
+            <a:spLocks noGrp="1"/>
+          </p:cNvSpPr>
+          <p:nvPr>
+            <p:ph type="sldNum" sz="quarter" idx="12"/>
+          </p:nvPr>
+        </p:nvSpPr>
+        <p:spPr/>
+        <p:txBody>
+          <a:bodyPr/>
+          <a:lstStyle/>
+          <a:p>
+            <a:fld id="{9A39E707-F3CE-4BEB-9583-BB36F29193FA}" type="slidenum">
+              <a:rPr lang="ru-RU" smtClean="0"/>
+              <a:pPr/>
+              <a:t>16</a:t>
+            </a:fld>
+            <a:endParaRPr lang="ru-RU"/>
           </a:p>
         </p:txBody>
       </p:sp>
@@ -4435,18 +4840,12 @@
         </p:nvSpPr>
         <p:spPr/>
         <p:txBody>
-          <a:bodyPr>
-            <a:normAutofit fontScale="90000"/>
-          </a:bodyPr>
+          <a:bodyPr/>
           <a:lstStyle/>
           <a:p>
             <a:r>
               <a:rPr lang="ru-RU" dirty="0" smtClean="0"/>
-              <a:t>Возможности визуализации в </a:t>
-            </a:r>
-            <a:r>
-              <a:rPr lang="en-US" dirty="0" smtClean="0"/>
-              <a:t>Android</a:t>
+              <a:t>Диаграмма прецедентов.</a:t>
             </a:r>
             <a:endParaRPr lang="ru-RU" dirty="0"/>
           </a:p>
@@ -4454,49 +4853,68 @@
       </p:sp>
       <p:sp>
         <p:nvSpPr>
-          <p:cNvPr id="3" name="Содержимое 2"/>
-          <p:cNvSpPr>
-            <a:spLocks noGrp="1"/>
-          </p:cNvSpPr>
+          <p:cNvPr id="4" name="Номер слайда 3"/>
+          <p:cNvSpPr>
+            <a:spLocks noGrp="1"/>
+          </p:cNvSpPr>
+          <p:nvPr>
+            <p:ph type="sldNum" sz="quarter" idx="12"/>
+          </p:nvPr>
+        </p:nvSpPr>
+        <p:spPr/>
+        <p:txBody>
+          <a:bodyPr/>
+          <a:lstStyle/>
+          <a:p>
+            <a:fld id="{9A39E707-F3CE-4BEB-9583-BB36F29193FA}" type="slidenum">
+              <a:rPr lang="ru-RU" smtClean="0"/>
+              <a:pPr/>
+              <a:t>17</a:t>
+            </a:fld>
+            <a:endParaRPr lang="ru-RU"/>
+          </a:p>
+        </p:txBody>
+      </p:sp>
+      <p:pic>
+        <p:nvPicPr>
+          <p:cNvPr id="1026" name="Picture 2"/>
+          <p:cNvPicPr>
+            <a:picLocks noGrp="1" noChangeAspect="1" noChangeArrowheads="1"/>
+          </p:cNvPicPr>
           <p:nvPr>
             <p:ph idx="1"/>
           </p:nvPr>
-        </p:nvSpPr>
-        <p:spPr/>
-        <p:txBody>
-          <a:bodyPr/>
-          <a:lstStyle/>
-          <a:p>
-            <a:r>
-              <a:rPr lang="en-US" dirty="0" smtClean="0"/>
-              <a:t>OpenGL ES</a:t>
-            </a:r>
-          </a:p>
-          <a:p>
-            <a:r>
-              <a:rPr lang="en-US" dirty="0" err="1" smtClean="0"/>
-              <a:t>Android.graphics</a:t>
-            </a:r>
-            <a:r>
-              <a:rPr lang="en-US" dirty="0" smtClean="0"/>
-              <a:t>.*</a:t>
-            </a:r>
-            <a:endParaRPr lang="ru-RU" dirty="0"/>
-          </a:p>
-        </p:txBody>
-      </p:sp>
+        </p:nvPicPr>
+        <p:blipFill>
+          <a:blip r:embed="rId2"/>
+          <a:srcRect/>
+          <a:stretch>
+            <a:fillRect/>
+          </a:stretch>
+        </p:blipFill>
+        <p:spPr bwMode="auto">
+          <a:xfrm>
+            <a:off x="1366837" y="1762919"/>
+            <a:ext cx="6410325" cy="4200525"/>
+          </a:xfrm>
+          <a:prstGeom prst="rect">
+            <a:avLst/>
+          </a:prstGeom>
+          <a:noFill/>
+          <a:ln w="9525">
+            <a:noFill/>
+            <a:miter lim="800000"/>
+            <a:headEnd/>
+            <a:tailEnd/>
+          </a:ln>
+          <a:effectLst/>
+        </p:spPr>
+      </p:pic>
     </p:spTree>
   </p:cSld>
   <p:clrMapOvr>
     <a:masterClrMapping/>
   </p:clrMapOvr>
-  <p:timing>
-    <p:tnLst>
-      <p:par>
-        <p:cTn id="1" dur="indefinite" restart="never" nodeType="tmRoot"/>
-      </p:par>
-    </p:tnLst>
-  </p:timing>
 </p:sld>
 </file>
 
@@ -4536,81 +4954,91 @@
           <a:p>
             <a:r>
               <a:rPr lang="ru-RU" dirty="0" smtClean="0"/>
-              <a:t>Инструменты, выбранные для разработки</a:t>
+              <a:t>Описание функционала разработанного приложения, </a:t>
+            </a:r>
+            <a:r>
+              <a:rPr lang="ru-RU" dirty="0" err="1" smtClean="0"/>
+              <a:t>скриншоты</a:t>
             </a:r>
             <a:endParaRPr lang="ru-RU" dirty="0"/>
           </a:p>
         </p:txBody>
       </p:sp>
-      <p:sp>
-        <p:nvSpPr>
-          <p:cNvPr id="3" name="Содержимое 2"/>
-          <p:cNvSpPr>
-            <a:spLocks noGrp="1"/>
-          </p:cNvSpPr>
-          <p:nvPr>
-            <p:ph idx="1"/>
-          </p:nvPr>
-        </p:nvSpPr>
-        <p:spPr/>
-        <p:txBody>
-          <a:bodyPr/>
-          <a:lstStyle/>
-          <a:p>
-            <a:r>
-              <a:rPr lang="ru-RU" dirty="0" smtClean="0"/>
-              <a:t>Язык: </a:t>
-            </a:r>
-            <a:r>
-              <a:rPr lang="en-US" dirty="0" smtClean="0"/>
-              <a:t>Java</a:t>
-            </a:r>
-            <a:endParaRPr lang="ru-RU" dirty="0" smtClean="0"/>
-          </a:p>
-          <a:p>
-            <a:r>
-              <a:rPr lang="ru-RU" dirty="0" smtClean="0"/>
-              <a:t>Среда разработки:</a:t>
-            </a:r>
-            <a:r>
-              <a:rPr lang="en-US" dirty="0" smtClean="0"/>
-              <a:t> </a:t>
-            </a:r>
-            <a:r>
-              <a:rPr lang="en-US" dirty="0" err="1" smtClean="0"/>
-              <a:t>Intellij</a:t>
-            </a:r>
-            <a:r>
-              <a:rPr lang="en-US" dirty="0" smtClean="0"/>
-              <a:t> Idea</a:t>
-            </a:r>
-            <a:endParaRPr lang="ru-RU" dirty="0" smtClean="0"/>
-          </a:p>
-          <a:p>
-            <a:r>
-              <a:rPr lang="ru-RU" dirty="0" smtClean="0"/>
-              <a:t>Визуализация:</a:t>
-            </a:r>
-            <a:r>
-              <a:rPr lang="en-US" dirty="0" smtClean="0"/>
-              <a:t> OpenGL ES + </a:t>
-            </a:r>
-            <a:r>
-              <a:rPr lang="en-US" dirty="0" err="1" smtClean="0"/>
-              <a:t>android.graphics</a:t>
-            </a:r>
-            <a:endParaRPr lang="ru-RU" dirty="0" smtClean="0"/>
-          </a:p>
-          <a:p>
-            <a:r>
-              <a:rPr lang="ru-RU" dirty="0" smtClean="0"/>
-              <a:t>Вспомогательные инструменты: </a:t>
-            </a:r>
-            <a:r>
-              <a:rPr lang="en-US" dirty="0" err="1" smtClean="0"/>
-              <a:t>Mixare</a:t>
-            </a:r>
-            <a:endParaRPr lang="ru-RU" dirty="0"/>
+      <p:pic>
+        <p:nvPicPr>
+          <p:cNvPr id="5" name="Содержимое 4" descr="Screenshot_2013-05-26-19-22-47.png"/>
+          <p:cNvPicPr>
+            <a:picLocks noGrp="1"/>
+          </p:cNvPicPr>
+          <p:nvPr>
+            <p:ph sz="half" idx="1"/>
+          </p:nvPr>
+        </p:nvPicPr>
+        <p:blipFill>
+          <a:blip r:embed="rId2"/>
+          <a:srcRect t="4798"/>
+          <a:stretch>
+            <a:fillRect/>
+          </a:stretch>
+        </p:blipFill>
+        <p:spPr>
+          <a:xfrm>
+            <a:off x="1000100" y="1928802"/>
+            <a:ext cx="2852438" cy="4525963"/>
+          </a:xfrm>
+          <a:prstGeom prst="rect">
+            <a:avLst/>
+          </a:prstGeom>
+        </p:spPr>
+      </p:pic>
+      <p:pic>
+        <p:nvPicPr>
+          <p:cNvPr id="6" name="Содержимое 5" descr="Screenshot_2013-05-26-19-22-30.png"/>
+          <p:cNvPicPr>
+            <a:picLocks noGrp="1"/>
+          </p:cNvPicPr>
+          <p:nvPr>
+            <p:ph sz="half" idx="2"/>
+          </p:nvPr>
+        </p:nvPicPr>
+        <p:blipFill>
+          <a:blip r:embed="rId3"/>
+          <a:srcRect t="4798"/>
+          <a:stretch>
+            <a:fillRect/>
+          </a:stretch>
+        </p:blipFill>
+        <p:spPr>
+          <a:xfrm>
+            <a:off x="5143504" y="1928802"/>
+            <a:ext cx="2852438" cy="4525963"/>
+          </a:xfrm>
+          <a:prstGeom prst="rect">
+            <a:avLst/>
+          </a:prstGeom>
+        </p:spPr>
+      </p:pic>
+      <p:sp>
+        <p:nvSpPr>
+          <p:cNvPr id="7" name="Номер слайда 6"/>
+          <p:cNvSpPr>
+            <a:spLocks noGrp="1"/>
+          </p:cNvSpPr>
+          <p:nvPr>
+            <p:ph type="sldNum" sz="quarter" idx="12"/>
+          </p:nvPr>
+        </p:nvSpPr>
+        <p:spPr/>
+        <p:txBody>
+          <a:bodyPr/>
+          <a:lstStyle/>
+          <a:p>
+            <a:fld id="{9A39E707-F3CE-4BEB-9583-BB36F29193FA}" type="slidenum">
+              <a:rPr lang="ru-RU" smtClean="0"/>
+              <a:pPr/>
+              <a:t>18</a:t>
+            </a:fld>
+            <a:endParaRPr lang="ru-RU"/>
           </a:p>
         </p:txBody>
       </p:sp>
@@ -4677,7 +5105,7 @@
       </p:sp>
       <p:pic>
         <p:nvPicPr>
-          <p:cNvPr id="4" name="Содержимое 3" descr="Screenshot_2013-05-26-19-21-55.png"/>
+          <p:cNvPr id="5" name="Содержимое 4" descr="Screenshot_2013-05-26-19-22-54.png"/>
           <p:cNvPicPr>
             <a:picLocks noGrp="1"/>
           </p:cNvPicPr>
@@ -4687,14 +5115,15 @@
         </p:nvPicPr>
         <p:blipFill>
           <a:blip r:embed="rId2"/>
+          <a:srcRect t="5086"/>
           <a:stretch>
             <a:fillRect/>
           </a:stretch>
         </p:blipFill>
         <p:spPr>
           <a:xfrm>
-            <a:off x="1142976" y="2071678"/>
-            <a:ext cx="2715578" cy="4525963"/>
+            <a:off x="1071538" y="1928802"/>
+            <a:ext cx="2861093" cy="4525963"/>
           </a:xfrm>
           <a:prstGeom prst="rect">
             <a:avLst/>
@@ -4703,7 +5132,7 @@
       </p:pic>
       <p:pic>
         <p:nvPicPr>
-          <p:cNvPr id="6" name="Содержимое 5" descr="Screenshot_2013-05-26-19-22-09.png"/>
+          <p:cNvPr id="6" name="Содержимое 5" descr="Screenshot_2013-05-26-19-23-11.png"/>
           <p:cNvPicPr>
             <a:picLocks noGrp="1"/>
           </p:cNvPicPr>
@@ -4713,21 +5142,45 @@
         </p:nvPicPr>
         <p:blipFill>
           <a:blip r:embed="rId3"/>
-          <a:srcRect t="4607"/>
+          <a:srcRect t="4798"/>
           <a:stretch>
             <a:fillRect/>
           </a:stretch>
         </p:blipFill>
         <p:spPr>
           <a:xfrm>
-            <a:off x="4572000" y="2071678"/>
-            <a:ext cx="2846726" cy="4525963"/>
+            <a:off x="5143504" y="1928802"/>
+            <a:ext cx="2852438" cy="4525963"/>
           </a:xfrm>
           <a:prstGeom prst="rect">
             <a:avLst/>
           </a:prstGeom>
         </p:spPr>
       </p:pic>
+      <p:sp>
+        <p:nvSpPr>
+          <p:cNvPr id="7" name="Номер слайда 6"/>
+          <p:cNvSpPr>
+            <a:spLocks noGrp="1"/>
+          </p:cNvSpPr>
+          <p:nvPr>
+            <p:ph type="sldNum" sz="quarter" idx="12"/>
+          </p:nvPr>
+        </p:nvSpPr>
+        <p:spPr/>
+        <p:txBody>
+          <a:bodyPr/>
+          <a:lstStyle/>
+          <a:p>
+            <a:fld id="{9A39E707-F3CE-4BEB-9583-BB36F29193FA}" type="slidenum">
+              <a:rPr lang="ru-RU" smtClean="0"/>
+              <a:pPr/>
+              <a:t>19</a:t>
+            </a:fld>
+            <a:endParaRPr lang="ru-RU"/>
+          </a:p>
+        </p:txBody>
+      </p:sp>
     </p:spTree>
   </p:cSld>
   <p:clrMapOvr>
@@ -4777,7 +5230,7 @@
           <a:p>
             <a:r>
               <a:rPr lang="ru-RU" dirty="0" smtClean="0"/>
-              <a:t>Цели дипломной работы</a:t>
+              <a:t>Цель дипломной работы</a:t>
             </a:r>
             <a:endParaRPr lang="ru-RU" dirty="0"/>
           </a:p>
@@ -4796,9 +5249,60 @@
         <p:spPr/>
         <p:txBody>
           <a:bodyPr>
-            <a:normAutofit fontScale="92500"/>
+            <a:normAutofit fontScale="92500" lnSpcReduction="10000"/>
           </a:bodyPr>
           <a:lstStyle/>
+          <a:p>
+            <a:r>
+              <a:rPr lang="ru-RU" dirty="0" smtClean="0"/>
+              <a:t>Разработка </a:t>
+            </a:r>
+            <a:r>
+              <a:rPr lang="ru-RU" dirty="0"/>
+              <a:t>приложения-клиента под </a:t>
+            </a:r>
+            <a:r>
+              <a:rPr lang="en-US" dirty="0"/>
+              <a:t>Android</a:t>
+            </a:r>
+            <a:r>
+              <a:rPr lang="ru-RU" dirty="0"/>
+              <a:t> для </a:t>
+            </a:r>
+            <a:r>
+              <a:rPr lang="ru-RU" dirty="0" err="1"/>
+              <a:t>геолокационной</a:t>
+            </a:r>
+            <a:r>
+              <a:rPr lang="ru-RU" dirty="0"/>
+              <a:t> системы </a:t>
+            </a:r>
+            <a:r>
+              <a:rPr lang="en-US" dirty="0"/>
+              <a:t>Geo</a:t>
+            </a:r>
+            <a:r>
+              <a:rPr lang="ru-RU" dirty="0"/>
+              <a:t>2</a:t>
+            </a:r>
+            <a:r>
+              <a:rPr lang="en-US" dirty="0"/>
+              <a:t>tag</a:t>
+            </a:r>
+            <a:r>
+              <a:rPr lang="ru-RU" dirty="0" smtClean="0"/>
+              <a:t>.</a:t>
+            </a:r>
+          </a:p>
+          <a:p>
+            <a:pPr>
+              <a:buNone/>
+            </a:pPr>
+            <a:r>
+              <a:rPr lang="ru-RU" dirty="0" smtClean="0"/>
+              <a:t>Задачи:</a:t>
+            </a:r>
+          </a:p>
           <a:p>
             <a:r>
               <a:rPr lang="ru-RU" dirty="0" smtClean="0"/>
@@ -4833,49 +5337,37 @@
             <a:endParaRPr lang="ru-RU" dirty="0" smtClean="0"/>
           </a:p>
           <a:p>
-            <a:r>
-              <a:rPr lang="ru-RU" dirty="0" smtClean="0"/>
-              <a:t>Разработка </a:t>
-            </a:r>
-            <a:r>
-              <a:rPr lang="ru-RU" dirty="0"/>
-              <a:t>приложения-клиента под </a:t>
-            </a:r>
-            <a:r>
-              <a:rPr lang="en-US" dirty="0"/>
-              <a:t>Android</a:t>
-            </a:r>
-            <a:r>
-              <a:rPr lang="ru-RU" dirty="0"/>
-              <a:t> для </a:t>
-            </a:r>
-            <a:r>
-              <a:rPr lang="ru-RU" dirty="0" err="1"/>
-              <a:t>геолокационной</a:t>
-            </a:r>
-            <a:r>
-              <a:rPr lang="ru-RU" dirty="0"/>
-              <a:t> системы </a:t>
-            </a:r>
-            <a:r>
-              <a:rPr lang="en-US" dirty="0"/>
-              <a:t>Geo</a:t>
-            </a:r>
-            <a:r>
-              <a:rPr lang="ru-RU" dirty="0"/>
+            <a:pPr>
+              <a:buNone/>
+            </a:pPr>
+            <a:endParaRPr lang="ru-RU" dirty="0"/>
+          </a:p>
+          <a:p>
+            <a:endParaRPr lang="ru-RU" dirty="0"/>
+          </a:p>
+        </p:txBody>
+      </p:sp>
+      <p:sp>
+        <p:nvSpPr>
+          <p:cNvPr id="4" name="Номер слайда 3"/>
+          <p:cNvSpPr>
+            <a:spLocks noGrp="1"/>
+          </p:cNvSpPr>
+          <p:nvPr>
+            <p:ph type="sldNum" sz="quarter" idx="12"/>
+          </p:nvPr>
+        </p:nvSpPr>
+        <p:spPr/>
+        <p:txBody>
+          <a:bodyPr/>
+          <a:lstStyle/>
+          <a:p>
+            <a:fld id="{9A39E707-F3CE-4BEB-9583-BB36F29193FA}" type="slidenum">
+              <a:rPr lang="ru-RU" smtClean="0"/>
+              <a:pPr/>
               <a:t>2</a:t>
-            </a:r>
-            <a:r>
-              <a:rPr lang="en-US" dirty="0"/>
-              <a:t>tag</a:t>
-            </a:r>
-            <a:r>
-              <a:rPr lang="ru-RU" dirty="0"/>
-              <a:t>.</a:t>
-            </a:r>
-          </a:p>
-          <a:p>
-            <a:endParaRPr lang="ru-RU" dirty="0"/>
+            </a:fld>
+            <a:endParaRPr lang="ru-RU"/>
           </a:p>
         </p:txBody>
       </p:sp>
@@ -4942,7 +5434,7 @@
       </p:sp>
       <p:pic>
         <p:nvPicPr>
-          <p:cNvPr id="5" name="Содержимое 4" descr="Screenshot_2013-05-26-19-22-13.png"/>
+          <p:cNvPr id="5" name="Picture 2"/>
           <p:cNvPicPr>
             <a:picLocks noGrp="1"/>
           </p:cNvPicPr>
@@ -4951,16 +5443,21 @@
           </p:nvPr>
         </p:nvPicPr>
         <p:blipFill>
-          <a:blip r:embed="rId2"/>
-          <a:srcRect t="4607"/>
+          <a:blip r:embed="rId2">
+            <a:extLst>
+              <a:ext uri="{28A0092B-C50C-407E-A947-70E740481C1C}">
+                <a14:useLocalDpi xmlns="" xmlns:wpc="http://schemas.microsoft.com/office/word/2010/wordprocessingCanvas" xmlns:mc="http://schemas.openxmlformats.org/markup-compatibility/2006" xmlns:o="urn:schemas-microsoft-com:office:office" xmlns:m="http://schemas.openxmlformats.org/officeDocument/2006/math" xmlns:v="urn:schemas-microsoft-com:vml" xmlns:wp14="http://schemas.microsoft.com/office/word/2010/wordprocessingDrawing" xmlns:wp="http://schemas.openxmlformats.org/drawingml/2006/wordprocessingDrawing" xmlns:w10="urn:schemas-microsoft-com:office:word" xmlns:w="http://schemas.openxmlformats.org/wordprocessingml/2006/main" xmlns:w14="http://schemas.microsoft.com/office/word/2010/wordml" xmlns:wpg="http://schemas.microsoft.com/office/word/2010/wordprocessingGroup" xmlns:wpi="http://schemas.microsoft.com/office/word/2010/wordprocessingInk" xmlns:wne="http://schemas.microsoft.com/office/word/2006/wordml" xmlns:wps="http://schemas.microsoft.com/office/word/2010/wordprocessingShape" xmlns:a14="http://schemas.microsoft.com/office/drawing/2010/main" xmlns:pic="http://schemas.openxmlformats.org/drawingml/2006/picture" xmlns:lc="http://schemas.openxmlformats.org/drawingml/2006/lockedCanvas" val="0"/>
+              </a:ext>
+            </a:extLst>
+          </a:blip>
           <a:stretch>
             <a:fillRect/>
           </a:stretch>
         </p:blipFill>
         <p:spPr>
           <a:xfrm>
-            <a:off x="1142976" y="1928802"/>
-            <a:ext cx="2846726" cy="4525963"/>
+            <a:off x="457200" y="2651601"/>
+            <a:ext cx="4038600" cy="2423160"/>
           </a:xfrm>
           <a:prstGeom prst="rect">
             <a:avLst/>
@@ -4969,7 +5466,7 @@
       </p:pic>
       <p:pic>
         <p:nvPicPr>
-          <p:cNvPr id="6" name="Содержимое 5" descr="Screenshot_2013-05-26-19-22-30.png"/>
+          <p:cNvPr id="6" name="Picture 10"/>
           <p:cNvPicPr>
             <a:picLocks noGrp="1"/>
           </p:cNvPicPr>
@@ -4978,22 +5475,51 @@
           </p:nvPr>
         </p:nvPicPr>
         <p:blipFill>
-          <a:blip r:embed="rId3"/>
-          <a:srcRect t="4798"/>
+          <a:blip r:embed="rId3">
+            <a:extLst>
+              <a:ext uri="{28A0092B-C50C-407E-A947-70E740481C1C}">
+                <a14:useLocalDpi xmlns="" xmlns:wpc="http://schemas.microsoft.com/office/word/2010/wordprocessingCanvas" xmlns:mc="http://schemas.openxmlformats.org/markup-compatibility/2006" xmlns:o="urn:schemas-microsoft-com:office:office" xmlns:m="http://schemas.openxmlformats.org/officeDocument/2006/math" xmlns:v="urn:schemas-microsoft-com:vml" xmlns:wp14="http://schemas.microsoft.com/office/word/2010/wordprocessingDrawing" xmlns:wp="http://schemas.openxmlformats.org/drawingml/2006/wordprocessingDrawing" xmlns:w10="urn:schemas-microsoft-com:office:word" xmlns:w="http://schemas.openxmlformats.org/wordprocessingml/2006/main" xmlns:w14="http://schemas.microsoft.com/office/word/2010/wordml" xmlns:wpg="http://schemas.microsoft.com/office/word/2010/wordprocessingGroup" xmlns:wpi="http://schemas.microsoft.com/office/word/2010/wordprocessingInk" xmlns:wne="http://schemas.microsoft.com/office/word/2006/wordml" xmlns:wps="http://schemas.microsoft.com/office/word/2010/wordprocessingShape" xmlns:a14="http://schemas.microsoft.com/office/drawing/2010/main" xmlns:pic="http://schemas.openxmlformats.org/drawingml/2006/picture" xmlns:lc="http://schemas.openxmlformats.org/drawingml/2006/lockedCanvas" val="0"/>
+              </a:ext>
+            </a:extLst>
+          </a:blip>
           <a:stretch>
             <a:fillRect/>
           </a:stretch>
         </p:blipFill>
         <p:spPr>
           <a:xfrm>
-            <a:off x="5143504" y="1928802"/>
-            <a:ext cx="2852438" cy="4525963"/>
+            <a:off x="4648200" y="2651601"/>
+            <a:ext cx="4038600" cy="2423160"/>
           </a:xfrm>
           <a:prstGeom prst="rect">
             <a:avLst/>
           </a:prstGeom>
         </p:spPr>
       </p:pic>
+      <p:sp>
+        <p:nvSpPr>
+          <p:cNvPr id="7" name="Номер слайда 6"/>
+          <p:cNvSpPr>
+            <a:spLocks noGrp="1"/>
+          </p:cNvSpPr>
+          <p:nvPr>
+            <p:ph type="sldNum" sz="quarter" idx="12"/>
+          </p:nvPr>
+        </p:nvSpPr>
+        <p:spPr/>
+        <p:txBody>
+          <a:bodyPr/>
+          <a:lstStyle/>
+          <a:p>
+            <a:fld id="{9A39E707-F3CE-4BEB-9583-BB36F29193FA}" type="slidenum">
+              <a:rPr lang="ru-RU" smtClean="0"/>
+              <a:pPr/>
+              <a:t>20</a:t>
+            </a:fld>
+            <a:endParaRPr lang="ru-RU"/>
+          </a:p>
+        </p:txBody>
+      </p:sp>
     </p:spTree>
   </p:cSld>
   <p:clrMapOvr>
@@ -5038,449 +5564,6 @@
         </p:nvSpPr>
         <p:spPr/>
         <p:txBody>
-          <a:bodyPr>
-            <a:normAutofit fontScale="90000"/>
-          </a:bodyPr>
-          <a:lstStyle/>
-          <a:p>
-            <a:r>
-              <a:rPr lang="ru-RU" dirty="0" smtClean="0"/>
-              <a:t>Описание функционала разработанного приложения, </a:t>
-            </a:r>
-            <a:r>
-              <a:rPr lang="ru-RU" dirty="0" err="1" smtClean="0"/>
-              <a:t>скриншоты</a:t>
-            </a:r>
-            <a:endParaRPr lang="ru-RU" dirty="0"/>
-          </a:p>
-        </p:txBody>
-      </p:sp>
-      <p:pic>
-        <p:nvPicPr>
-          <p:cNvPr id="5" name="Содержимое 4" descr="Screenshot_2013-05-26-19-22-47.png"/>
-          <p:cNvPicPr>
-            <a:picLocks noGrp="1"/>
-          </p:cNvPicPr>
-          <p:nvPr>
-            <p:ph sz="half" idx="1"/>
-          </p:nvPr>
-        </p:nvPicPr>
-        <p:blipFill>
-          <a:blip r:embed="rId2"/>
-          <a:srcRect t="4798"/>
-          <a:stretch>
-            <a:fillRect/>
-          </a:stretch>
-        </p:blipFill>
-        <p:spPr>
-          <a:xfrm>
-            <a:off x="1000100" y="1928802"/>
-            <a:ext cx="2852438" cy="4525963"/>
-          </a:xfrm>
-          <a:prstGeom prst="rect">
-            <a:avLst/>
-          </a:prstGeom>
-        </p:spPr>
-      </p:pic>
-      <p:pic>
-        <p:nvPicPr>
-          <p:cNvPr id="6" name="Содержимое 5" descr="Screenshot_2013-05-26-19-22-30.png"/>
-          <p:cNvPicPr>
-            <a:picLocks noGrp="1"/>
-          </p:cNvPicPr>
-          <p:nvPr>
-            <p:ph sz="half" idx="2"/>
-          </p:nvPr>
-        </p:nvPicPr>
-        <p:blipFill>
-          <a:blip r:embed="rId3"/>
-          <a:srcRect t="4798"/>
-          <a:stretch>
-            <a:fillRect/>
-          </a:stretch>
-        </p:blipFill>
-        <p:spPr>
-          <a:xfrm>
-            <a:off x="5143504" y="1928802"/>
-            <a:ext cx="2852438" cy="4525963"/>
-          </a:xfrm>
-          <a:prstGeom prst="rect">
-            <a:avLst/>
-          </a:prstGeom>
-        </p:spPr>
-      </p:pic>
-    </p:spTree>
-  </p:cSld>
-  <p:clrMapOvr>
-    <a:masterClrMapping/>
-  </p:clrMapOvr>
-  <p:timing>
-    <p:tnLst>
-      <p:par>
-        <p:cTn id="1" dur="indefinite" restart="never" nodeType="tmRoot"/>
-      </p:par>
-    </p:tnLst>
-  </p:timing>
-</p:sld>
-</file>
-
-<file path=ppt/slides/slide22.xml><?xml version="1.0" encoding="utf-8"?>
-<p:sld xmlns:a="http://schemas.openxmlformats.org/drawingml/2006/main" xmlns:r="http://schemas.openxmlformats.org/officeDocument/2006/relationships" xmlns:p="http://schemas.openxmlformats.org/presentationml/2006/main">
-  <p:cSld>
-    <p:spTree>
-      <p:nvGrpSpPr>
-        <p:cNvPr id="1" name=""/>
-        <p:cNvGrpSpPr/>
-        <p:nvPr/>
-      </p:nvGrpSpPr>
-      <p:grpSpPr>
-        <a:xfrm>
-          <a:off x="0" y="0"/>
-          <a:ext cx="0" cy="0"/>
-          <a:chOff x="0" y="0"/>
-          <a:chExt cx="0" cy="0"/>
-        </a:xfrm>
-      </p:grpSpPr>
-      <p:sp>
-        <p:nvSpPr>
-          <p:cNvPr id="2" name="Заголовок 1"/>
-          <p:cNvSpPr>
-            <a:spLocks noGrp="1"/>
-          </p:cNvSpPr>
-          <p:nvPr>
-            <p:ph type="title"/>
-          </p:nvPr>
-        </p:nvSpPr>
-        <p:spPr/>
-        <p:txBody>
-          <a:bodyPr>
-            <a:normAutofit fontScale="90000"/>
-          </a:bodyPr>
-          <a:lstStyle/>
-          <a:p>
-            <a:r>
-              <a:rPr lang="ru-RU" dirty="0" smtClean="0"/>
-              <a:t>Описание функционала разработанного приложения, </a:t>
-            </a:r>
-            <a:r>
-              <a:rPr lang="ru-RU" dirty="0" err="1" smtClean="0"/>
-              <a:t>скриншоты</a:t>
-            </a:r>
-            <a:endParaRPr lang="ru-RU" dirty="0"/>
-          </a:p>
-        </p:txBody>
-      </p:sp>
-      <p:pic>
-        <p:nvPicPr>
-          <p:cNvPr id="5" name="Содержимое 4" descr="Screenshot_2013-05-26-19-22-54.png"/>
-          <p:cNvPicPr>
-            <a:picLocks noGrp="1"/>
-          </p:cNvPicPr>
-          <p:nvPr>
-            <p:ph sz="half" idx="1"/>
-          </p:nvPr>
-        </p:nvPicPr>
-        <p:blipFill>
-          <a:blip r:embed="rId2"/>
-          <a:srcRect t="5086"/>
-          <a:stretch>
-            <a:fillRect/>
-          </a:stretch>
-        </p:blipFill>
-        <p:spPr>
-          <a:xfrm>
-            <a:off x="1071538" y="1928802"/>
-            <a:ext cx="2861093" cy="4525963"/>
-          </a:xfrm>
-          <a:prstGeom prst="rect">
-            <a:avLst/>
-          </a:prstGeom>
-        </p:spPr>
-      </p:pic>
-      <p:pic>
-        <p:nvPicPr>
-          <p:cNvPr id="6" name="Содержимое 5" descr="Screenshot_2013-05-26-19-23-11.png"/>
-          <p:cNvPicPr>
-            <a:picLocks noGrp="1"/>
-          </p:cNvPicPr>
-          <p:nvPr>
-            <p:ph sz="half" idx="2"/>
-          </p:nvPr>
-        </p:nvPicPr>
-        <p:blipFill>
-          <a:blip r:embed="rId3"/>
-          <a:srcRect t="4798"/>
-          <a:stretch>
-            <a:fillRect/>
-          </a:stretch>
-        </p:blipFill>
-        <p:spPr>
-          <a:xfrm>
-            <a:off x="5143504" y="1928802"/>
-            <a:ext cx="2852438" cy="4525963"/>
-          </a:xfrm>
-          <a:prstGeom prst="rect">
-            <a:avLst/>
-          </a:prstGeom>
-        </p:spPr>
-      </p:pic>
-    </p:spTree>
-  </p:cSld>
-  <p:clrMapOvr>
-    <a:masterClrMapping/>
-  </p:clrMapOvr>
-  <p:timing>
-    <p:tnLst>
-      <p:par>
-        <p:cTn id="1" dur="indefinite" restart="never" nodeType="tmRoot"/>
-      </p:par>
-    </p:tnLst>
-  </p:timing>
-</p:sld>
-</file>
-
-<file path=ppt/slides/slide23.xml><?xml version="1.0" encoding="utf-8"?>
-<p:sld xmlns:a="http://schemas.openxmlformats.org/drawingml/2006/main" xmlns:r="http://schemas.openxmlformats.org/officeDocument/2006/relationships" xmlns:p="http://schemas.openxmlformats.org/presentationml/2006/main">
-  <p:cSld>
-    <p:spTree>
-      <p:nvGrpSpPr>
-        <p:cNvPr id="1" name=""/>
-        <p:cNvGrpSpPr/>
-        <p:nvPr/>
-      </p:nvGrpSpPr>
-      <p:grpSpPr>
-        <a:xfrm>
-          <a:off x="0" y="0"/>
-          <a:ext cx="0" cy="0"/>
-          <a:chOff x="0" y="0"/>
-          <a:chExt cx="0" cy="0"/>
-        </a:xfrm>
-      </p:grpSpPr>
-      <p:sp>
-        <p:nvSpPr>
-          <p:cNvPr id="2" name="Заголовок 1"/>
-          <p:cNvSpPr>
-            <a:spLocks noGrp="1"/>
-          </p:cNvSpPr>
-          <p:nvPr>
-            <p:ph type="title"/>
-          </p:nvPr>
-        </p:nvSpPr>
-        <p:spPr/>
-        <p:txBody>
-          <a:bodyPr>
-            <a:normAutofit fontScale="90000"/>
-          </a:bodyPr>
-          <a:lstStyle/>
-          <a:p>
-            <a:r>
-              <a:rPr lang="ru-RU" dirty="0" smtClean="0"/>
-              <a:t>Описание функционала разработанного приложения, </a:t>
-            </a:r>
-            <a:r>
-              <a:rPr lang="ru-RU" dirty="0" err="1" smtClean="0"/>
-              <a:t>скриншоты</a:t>
-            </a:r>
-            <a:endParaRPr lang="ru-RU" dirty="0"/>
-          </a:p>
-        </p:txBody>
-      </p:sp>
-      <p:pic>
-        <p:nvPicPr>
-          <p:cNvPr id="5" name="Содержимое 4" descr="Screenshot_2013-05-26-19-23-58.png"/>
-          <p:cNvPicPr>
-            <a:picLocks noGrp="1"/>
-          </p:cNvPicPr>
-          <p:nvPr>
-            <p:ph sz="half" idx="1"/>
-          </p:nvPr>
-        </p:nvPicPr>
-        <p:blipFill>
-          <a:blip r:embed="rId2"/>
-          <a:srcRect t="4798"/>
-          <a:stretch>
-            <a:fillRect/>
-          </a:stretch>
-        </p:blipFill>
-        <p:spPr>
-          <a:xfrm>
-            <a:off x="3286116" y="2000240"/>
-            <a:ext cx="2852438" cy="4525963"/>
-          </a:xfrm>
-          <a:prstGeom prst="rect">
-            <a:avLst/>
-          </a:prstGeom>
-        </p:spPr>
-      </p:pic>
-    </p:spTree>
-  </p:cSld>
-  <p:clrMapOvr>
-    <a:masterClrMapping/>
-  </p:clrMapOvr>
-  <p:timing>
-    <p:tnLst>
-      <p:par>
-        <p:cTn id="1" dur="indefinite" restart="never" nodeType="tmRoot"/>
-      </p:par>
-    </p:tnLst>
-  </p:timing>
-</p:sld>
-</file>
-
-<file path=ppt/slides/slide24.xml><?xml version="1.0" encoding="utf-8"?>
-<p:sld xmlns:a="http://schemas.openxmlformats.org/drawingml/2006/main" xmlns:r="http://schemas.openxmlformats.org/officeDocument/2006/relationships" xmlns:p="http://schemas.openxmlformats.org/presentationml/2006/main">
-  <p:cSld>
-    <p:spTree>
-      <p:nvGrpSpPr>
-        <p:cNvPr id="1" name=""/>
-        <p:cNvGrpSpPr/>
-        <p:nvPr/>
-      </p:nvGrpSpPr>
-      <p:grpSpPr>
-        <a:xfrm>
-          <a:off x="0" y="0"/>
-          <a:ext cx="0" cy="0"/>
-          <a:chOff x="0" y="0"/>
-          <a:chExt cx="0" cy="0"/>
-        </a:xfrm>
-      </p:grpSpPr>
-      <p:sp>
-        <p:nvSpPr>
-          <p:cNvPr id="2" name="Заголовок 1"/>
-          <p:cNvSpPr>
-            <a:spLocks noGrp="1"/>
-          </p:cNvSpPr>
-          <p:nvPr>
-            <p:ph type="title"/>
-          </p:nvPr>
-        </p:nvSpPr>
-        <p:spPr/>
-        <p:txBody>
-          <a:bodyPr>
-            <a:normAutofit fontScale="90000"/>
-          </a:bodyPr>
-          <a:lstStyle/>
-          <a:p>
-            <a:r>
-              <a:rPr lang="ru-RU" dirty="0" smtClean="0"/>
-              <a:t>Описание функционала разработанного приложения, </a:t>
-            </a:r>
-            <a:r>
-              <a:rPr lang="ru-RU" dirty="0" err="1" smtClean="0"/>
-              <a:t>скриншоты</a:t>
-            </a:r>
-            <a:endParaRPr lang="ru-RU" dirty="0"/>
-          </a:p>
-        </p:txBody>
-      </p:sp>
-      <p:pic>
-        <p:nvPicPr>
-          <p:cNvPr id="5" name="Picture 2"/>
-          <p:cNvPicPr>
-            <a:picLocks noGrp="1"/>
-          </p:cNvPicPr>
-          <p:nvPr>
-            <p:ph sz="half" idx="1"/>
-          </p:nvPr>
-        </p:nvPicPr>
-        <p:blipFill>
-          <a:blip r:embed="rId2">
-            <a:extLst>
-              <a:ext uri="{28A0092B-C50C-407E-A947-70E740481C1C}">
-                <a14:useLocalDpi xmlns="" xmlns:wpc="http://schemas.microsoft.com/office/word/2010/wordprocessingCanvas" xmlns:mc="http://schemas.openxmlformats.org/markup-compatibility/2006" xmlns:o="urn:schemas-microsoft-com:office:office" xmlns:m="http://schemas.openxmlformats.org/officeDocument/2006/math" xmlns:v="urn:schemas-microsoft-com:vml" xmlns:wp14="http://schemas.microsoft.com/office/word/2010/wordprocessingDrawing" xmlns:wp="http://schemas.openxmlformats.org/drawingml/2006/wordprocessingDrawing" xmlns:w10="urn:schemas-microsoft-com:office:word" xmlns:w="http://schemas.openxmlformats.org/wordprocessingml/2006/main" xmlns:w14="http://schemas.microsoft.com/office/word/2010/wordml" xmlns:wpg="http://schemas.microsoft.com/office/word/2010/wordprocessingGroup" xmlns:wpi="http://schemas.microsoft.com/office/word/2010/wordprocessingInk" xmlns:wne="http://schemas.microsoft.com/office/word/2006/wordml" xmlns:wps="http://schemas.microsoft.com/office/word/2010/wordprocessingShape" xmlns:a14="http://schemas.microsoft.com/office/drawing/2010/main" xmlns:pic="http://schemas.openxmlformats.org/drawingml/2006/picture" xmlns:lc="http://schemas.openxmlformats.org/drawingml/2006/lockedCanvas" val="0"/>
-              </a:ext>
-            </a:extLst>
-          </a:blip>
-          <a:stretch>
-            <a:fillRect/>
-          </a:stretch>
-        </p:blipFill>
-        <p:spPr>
-          <a:xfrm>
-            <a:off x="457200" y="2651601"/>
-            <a:ext cx="4038600" cy="2423160"/>
-          </a:xfrm>
-          <a:prstGeom prst="rect">
-            <a:avLst/>
-          </a:prstGeom>
-        </p:spPr>
-      </p:pic>
-      <p:pic>
-        <p:nvPicPr>
-          <p:cNvPr id="6" name="Picture 10"/>
-          <p:cNvPicPr>
-            <a:picLocks noGrp="1"/>
-          </p:cNvPicPr>
-          <p:nvPr>
-            <p:ph sz="half" idx="2"/>
-          </p:nvPr>
-        </p:nvPicPr>
-        <p:blipFill>
-          <a:blip r:embed="rId3">
-            <a:extLst>
-              <a:ext uri="{28A0092B-C50C-407E-A947-70E740481C1C}">
-                <a14:useLocalDpi xmlns="" xmlns:wpc="http://schemas.microsoft.com/office/word/2010/wordprocessingCanvas" xmlns:mc="http://schemas.openxmlformats.org/markup-compatibility/2006" xmlns:o="urn:schemas-microsoft-com:office:office" xmlns:m="http://schemas.openxmlformats.org/officeDocument/2006/math" xmlns:v="urn:schemas-microsoft-com:vml" xmlns:wp14="http://schemas.microsoft.com/office/word/2010/wordprocessingDrawing" xmlns:wp="http://schemas.openxmlformats.org/drawingml/2006/wordprocessingDrawing" xmlns:w10="urn:schemas-microsoft-com:office:word" xmlns:w="http://schemas.openxmlformats.org/wordprocessingml/2006/main" xmlns:w14="http://schemas.microsoft.com/office/word/2010/wordml" xmlns:wpg="http://schemas.microsoft.com/office/word/2010/wordprocessingGroup" xmlns:wpi="http://schemas.microsoft.com/office/word/2010/wordprocessingInk" xmlns:wne="http://schemas.microsoft.com/office/word/2006/wordml" xmlns:wps="http://schemas.microsoft.com/office/word/2010/wordprocessingShape" xmlns:a14="http://schemas.microsoft.com/office/drawing/2010/main" xmlns:pic="http://schemas.openxmlformats.org/drawingml/2006/picture" xmlns:lc="http://schemas.openxmlformats.org/drawingml/2006/lockedCanvas" val="0"/>
-              </a:ext>
-            </a:extLst>
-          </a:blip>
-          <a:stretch>
-            <a:fillRect/>
-          </a:stretch>
-        </p:blipFill>
-        <p:spPr>
-          <a:xfrm>
-            <a:off x="4648200" y="2651601"/>
-            <a:ext cx="4038600" cy="2423160"/>
-          </a:xfrm>
-          <a:prstGeom prst="rect">
-            <a:avLst/>
-          </a:prstGeom>
-        </p:spPr>
-      </p:pic>
-    </p:spTree>
-  </p:cSld>
-  <p:clrMapOvr>
-    <a:masterClrMapping/>
-  </p:clrMapOvr>
-  <p:timing>
-    <p:tnLst>
-      <p:par>
-        <p:cTn id="1" dur="indefinite" restart="never" nodeType="tmRoot"/>
-      </p:par>
-    </p:tnLst>
-  </p:timing>
-</p:sld>
-</file>
-
-<file path=ppt/slides/slide25.xml><?xml version="1.0" encoding="utf-8"?>
-<p:sld xmlns:a="http://schemas.openxmlformats.org/drawingml/2006/main" xmlns:r="http://schemas.openxmlformats.org/officeDocument/2006/relationships" xmlns:p="http://schemas.openxmlformats.org/presentationml/2006/main">
-  <p:cSld>
-    <p:spTree>
-      <p:nvGrpSpPr>
-        <p:cNvPr id="1" name=""/>
-        <p:cNvGrpSpPr/>
-        <p:nvPr/>
-      </p:nvGrpSpPr>
-      <p:grpSpPr>
-        <a:xfrm>
-          <a:off x="0" y="0"/>
-          <a:ext cx="0" cy="0"/>
-          <a:chOff x="0" y="0"/>
-          <a:chExt cx="0" cy="0"/>
-        </a:xfrm>
-      </p:grpSpPr>
-      <p:sp>
-        <p:nvSpPr>
-          <p:cNvPr id="2" name="Заголовок 1"/>
-          <p:cNvSpPr>
-            <a:spLocks noGrp="1"/>
-          </p:cNvSpPr>
-          <p:nvPr>
-            <p:ph type="title"/>
-          </p:nvPr>
-        </p:nvSpPr>
-        <p:spPr/>
-        <p:txBody>
           <a:bodyPr/>
           <a:lstStyle/>
           <a:p>
@@ -5489,6 +5572,30 @@
               <a:t>Спасибо за внимание!</a:t>
             </a:r>
             <a:endParaRPr lang="ru-RU" dirty="0"/>
+          </a:p>
+        </p:txBody>
+      </p:sp>
+      <p:sp>
+        <p:nvSpPr>
+          <p:cNvPr id="3" name="Номер слайда 2"/>
+          <p:cNvSpPr>
+            <a:spLocks noGrp="1"/>
+          </p:cNvSpPr>
+          <p:nvPr>
+            <p:ph type="sldNum" sz="quarter" idx="12"/>
+          </p:nvPr>
+        </p:nvSpPr>
+        <p:spPr/>
+        <p:txBody>
+          <a:bodyPr/>
+          <a:lstStyle/>
+          <a:p>
+            <a:fld id="{9A39E707-F3CE-4BEB-9583-BB36F29193FA}" type="slidenum">
+              <a:rPr lang="ru-RU" smtClean="0"/>
+              <a:pPr/>
+              <a:t>21</a:t>
+            </a:fld>
+            <a:endParaRPr lang="ru-RU"/>
           </a:p>
         </p:txBody>
       </p:sp>
@@ -5610,6 +5717,30 @@
               <a:buNone/>
             </a:pPr>
             <a:endParaRPr lang="ru-RU" dirty="0"/>
+          </a:p>
+        </p:txBody>
+      </p:sp>
+      <p:sp>
+        <p:nvSpPr>
+          <p:cNvPr id="4" name="Номер слайда 3"/>
+          <p:cNvSpPr>
+            <a:spLocks noGrp="1"/>
+          </p:cNvSpPr>
+          <p:nvPr>
+            <p:ph type="sldNum" sz="quarter" idx="12"/>
+          </p:nvPr>
+        </p:nvSpPr>
+        <p:spPr/>
+        <p:txBody>
+          <a:bodyPr/>
+          <a:lstStyle/>
+          <a:p>
+            <a:fld id="{9A39E707-F3CE-4BEB-9583-BB36F29193FA}" type="slidenum">
+              <a:rPr lang="ru-RU" smtClean="0"/>
+              <a:pPr/>
+              <a:t>3</a:t>
+            </a:fld>
+            <a:endParaRPr lang="ru-RU"/>
           </a:p>
         </p:txBody>
       </p:sp>
@@ -5745,6 +5876,30 @@
           </a:prstGeom>
         </p:spPr>
       </p:pic>
+      <p:sp>
+        <p:nvSpPr>
+          <p:cNvPr id="6" name="Номер слайда 5"/>
+          <p:cNvSpPr>
+            <a:spLocks noGrp="1"/>
+          </p:cNvSpPr>
+          <p:nvPr>
+            <p:ph type="sldNum" sz="quarter" idx="12"/>
+          </p:nvPr>
+        </p:nvSpPr>
+        <p:spPr/>
+        <p:txBody>
+          <a:bodyPr/>
+          <a:lstStyle/>
+          <a:p>
+            <a:fld id="{9A39E707-F3CE-4BEB-9583-BB36F29193FA}" type="slidenum">
+              <a:rPr lang="ru-RU" smtClean="0"/>
+              <a:pPr/>
+              <a:t>4</a:t>
+            </a:fld>
+            <a:endParaRPr lang="ru-RU"/>
+          </a:p>
+        </p:txBody>
+      </p:sp>
     </p:spTree>
   </p:cSld>
   <p:clrMapOvr>
@@ -5868,6 +6023,30 @@
           </a:prstGeom>
         </p:spPr>
       </p:pic>
+      <p:sp>
+        <p:nvSpPr>
+          <p:cNvPr id="6" name="Номер слайда 5"/>
+          <p:cNvSpPr>
+            <a:spLocks noGrp="1"/>
+          </p:cNvSpPr>
+          <p:nvPr>
+            <p:ph type="sldNum" sz="quarter" idx="12"/>
+          </p:nvPr>
+        </p:nvSpPr>
+        <p:spPr/>
+        <p:txBody>
+          <a:bodyPr/>
+          <a:lstStyle/>
+          <a:p>
+            <a:fld id="{9A39E707-F3CE-4BEB-9583-BB36F29193FA}" type="slidenum">
+              <a:rPr lang="ru-RU" smtClean="0"/>
+              <a:pPr/>
+              <a:t>5</a:t>
+            </a:fld>
+            <a:endParaRPr lang="ru-RU"/>
+          </a:p>
+        </p:txBody>
+      </p:sp>
     </p:spTree>
   </p:cSld>
   <p:clrMapOvr>
@@ -6004,6 +6183,30 @@
           <a:noFill/>
         </p:spPr>
       </p:pic>
+      <p:sp>
+        <p:nvSpPr>
+          <p:cNvPr id="6" name="Номер слайда 5"/>
+          <p:cNvSpPr>
+            <a:spLocks noGrp="1"/>
+          </p:cNvSpPr>
+          <p:nvPr>
+            <p:ph type="sldNum" sz="quarter" idx="12"/>
+          </p:nvPr>
+        </p:nvSpPr>
+        <p:spPr/>
+        <p:txBody>
+          <a:bodyPr/>
+          <a:lstStyle/>
+          <a:p>
+            <a:fld id="{9A39E707-F3CE-4BEB-9583-BB36F29193FA}" type="slidenum">
+              <a:rPr lang="ru-RU" smtClean="0"/>
+              <a:pPr/>
+              <a:t>6</a:t>
+            </a:fld>
+            <a:endParaRPr lang="ru-RU"/>
+          </a:p>
+        </p:txBody>
+      </p:sp>
     </p:spTree>
   </p:cSld>
   <p:clrMapOvr>
@@ -6123,6 +6326,30 @@
           </a:ln>
         </p:spPr>
       </p:pic>
+      <p:sp>
+        <p:nvSpPr>
+          <p:cNvPr id="5" name="Номер слайда 4"/>
+          <p:cNvSpPr>
+            <a:spLocks noGrp="1"/>
+          </p:cNvSpPr>
+          <p:nvPr>
+            <p:ph type="sldNum" sz="quarter" idx="12"/>
+          </p:nvPr>
+        </p:nvSpPr>
+        <p:spPr/>
+        <p:txBody>
+          <a:bodyPr/>
+          <a:lstStyle/>
+          <a:p>
+            <a:fld id="{9A39E707-F3CE-4BEB-9583-BB36F29193FA}" type="slidenum">
+              <a:rPr lang="ru-RU" smtClean="0"/>
+              <a:pPr/>
+              <a:t>7</a:t>
+            </a:fld>
+            <a:endParaRPr lang="ru-RU"/>
+          </a:p>
+        </p:txBody>
+      </p:sp>
     </p:spTree>
   </p:cSld>
   <p:clrMapOvr>
@@ -6233,6 +6460,30 @@
           </a:ln>
         </p:spPr>
       </p:pic>
+      <p:sp>
+        <p:nvSpPr>
+          <p:cNvPr id="7" name="Номер слайда 6"/>
+          <p:cNvSpPr>
+            <a:spLocks noGrp="1"/>
+          </p:cNvSpPr>
+          <p:nvPr>
+            <p:ph type="sldNum" sz="quarter" idx="12"/>
+          </p:nvPr>
+        </p:nvSpPr>
+        <p:spPr/>
+        <p:txBody>
+          <a:bodyPr/>
+          <a:lstStyle/>
+          <a:p>
+            <a:fld id="{9A39E707-F3CE-4BEB-9583-BB36F29193FA}" type="slidenum">
+              <a:rPr lang="ru-RU" smtClean="0"/>
+              <a:pPr/>
+              <a:t>8</a:t>
+            </a:fld>
+            <a:endParaRPr lang="ru-RU"/>
+          </a:p>
+        </p:txBody>
+      </p:sp>
     </p:spTree>
   </p:cSld>
   <p:clrMapOvr>
@@ -6376,6 +6627,30 @@
           </a:p>
           <a:p>
             <a:endParaRPr lang="ru-RU" dirty="0"/>
+          </a:p>
+        </p:txBody>
+      </p:sp>
+      <p:sp>
+        <p:nvSpPr>
+          <p:cNvPr id="4" name="Номер слайда 3"/>
+          <p:cNvSpPr>
+            <a:spLocks noGrp="1"/>
+          </p:cNvSpPr>
+          <p:nvPr>
+            <p:ph type="sldNum" sz="quarter" idx="12"/>
+          </p:nvPr>
+        </p:nvSpPr>
+        <p:spPr/>
+        <p:txBody>
+          <a:bodyPr/>
+          <a:lstStyle/>
+          <a:p>
+            <a:fld id="{9A39E707-F3CE-4BEB-9583-BB36F29193FA}" type="slidenum">
+              <a:rPr lang="ru-RU" smtClean="0"/>
+              <a:pPr/>
+              <a:t>9</a:t>
+            </a:fld>
+            <a:endParaRPr lang="ru-RU"/>
           </a:p>
         </p:txBody>
       </p:sp>
@@ -6675,4 +6950,287 @@
   <a:objectDefaults/>
   <a:extraClrSchemeLst/>
 </a:theme>
+</file>
+
+<file path=ppt/theme/theme2.xml><?xml version="1.0" encoding="utf-8"?>
+<a:theme xmlns:a="http://schemas.openxmlformats.org/drawingml/2006/main" name="Тема Office">
+  <a:themeElements>
+    <a:clrScheme name="Стандартная">
+      <a:dk1>
+        <a:sysClr val="windowText" lastClr="000000"/>
+      </a:dk1>
+      <a:lt1>
+        <a:sysClr val="window" lastClr="FFFFFF"/>
+      </a:lt1>
+      <a:dk2>
+        <a:srgbClr val="1F497D"/>
+      </a:dk2>
+      <a:lt2>
+        <a:srgbClr val="EEECE1"/>
+      </a:lt2>
+      <a:accent1>
+        <a:srgbClr val="4F81BD"/>
+      </a:accent1>
+      <a:accent2>
+        <a:srgbClr val="C0504D"/>
+      </a:accent2>
+      <a:accent3>
+        <a:srgbClr val="9BBB59"/>
+      </a:accent3>
+      <a:accent4>
+        <a:srgbClr val="8064A2"/>
+      </a:accent4>
+      <a:accent5>
+        <a:srgbClr val="4BACC6"/>
+      </a:accent5>
+      <a:accent6>
+        <a:srgbClr val="F79646"/>
+      </a:accent6>
+      <a:hlink>
+        <a:srgbClr val="0000FF"/>
+      </a:hlink>
+      <a:folHlink>
+        <a:srgbClr val="800080"/>
+      </a:folHlink>
+    </a:clrScheme>
+    <a:fontScheme name="Стандартная">
+      <a:majorFont>
+        <a:latin typeface="Calibri"/>
+        <a:ea typeface=""/>
+        <a:cs typeface=""/>
+        <a:font script="Jpan" typeface="ＭＳ Ｐゴシック"/>
+        <a:font script="Hang" typeface="맑은 고딕"/>
+        <a:font script="Hans" typeface="宋体"/>
+        <a:font script="Hant" typeface="新細明體"/>
+        <a:font script="Arab" typeface="Times New Roman"/>
+        <a:font script="Hebr" typeface="Times New Roman"/>
+        <a:font script="Thai" typeface="Angsana New"/>
+        <a:font script="Ethi" typeface="Nyala"/>
+        <a:font script="Beng" typeface="Vrinda"/>
+        <a:font script="Gujr" typeface="Shruti"/>
+        <a:font script="Khmr" typeface="MoolBoran"/>
+        <a:font script="Knda" typeface="Tunga"/>
+        <a:font script="Guru" typeface="Raavi"/>
+        <a:font script="Cans" typeface="Euphemia"/>
+        <a:font script="Cher" typeface="Plantagenet Cherokee"/>
+        <a:font script="Yiii" typeface="Microsoft Yi Baiti"/>
+        <a:font script="Tibt" typeface="Microsoft Himalaya"/>
+        <a:font script="Thaa" typeface="MV Boli"/>
+        <a:font script="Deva" typeface="Mangal"/>
+        <a:font script="Telu" typeface="Gautami"/>
+        <a:font script="Taml" typeface="Latha"/>
+        <a:font script="Syrc" typeface="Estrangelo Edessa"/>
+        <a:font script="Orya" typeface="Kalinga"/>
+        <a:font script="Mlym" typeface="Kartika"/>
+        <a:font script="Laoo" typeface="DokChampa"/>
+        <a:font script="Sinh" typeface="Iskoola Pota"/>
+        <a:font script="Mong" typeface="Mongolian Baiti"/>
+        <a:font script="Viet" typeface="Times New Roman"/>
+        <a:font script="Uigh" typeface="Microsoft Uighur"/>
+      </a:majorFont>
+      <a:minorFont>
+        <a:latin typeface="Calibri"/>
+        <a:ea typeface=""/>
+        <a:cs typeface=""/>
+        <a:font script="Jpan" typeface="ＭＳ Ｐゴシック"/>
+        <a:font script="Hang" typeface="맑은 고딕"/>
+        <a:font script="Hans" typeface="宋体"/>
+        <a:font script="Hant" typeface="新細明體"/>
+        <a:font script="Arab" typeface="Arial"/>
+        <a:font script="Hebr" typeface="Arial"/>
+        <a:font script="Thai" typeface="Cordia New"/>
+        <a:font script="Ethi" typeface="Nyala"/>
+        <a:font script="Beng" typeface="Vrinda"/>
+        <a:font script="Gujr" typeface="Shruti"/>
+        <a:font script="Khmr" typeface="DaunPenh"/>
+        <a:font script="Knda" typeface="Tunga"/>
+        <a:font script="Guru" typeface="Raavi"/>
+        <a:font script="Cans" typeface="Euphemia"/>
+        <a:font script="Cher" typeface="Plantagenet Cherokee"/>
+        <a:font script="Yiii" typeface="Microsoft Yi Baiti"/>
+        <a:font script="Tibt" typeface="Microsoft Himalaya"/>
+        <a:font script="Thaa" typeface="MV Boli"/>
+        <a:font script="Deva" typeface="Mangal"/>
+        <a:font script="Telu" typeface="Gautami"/>
+        <a:font script="Taml" typeface="Latha"/>
+        <a:font script="Syrc" typeface="Estrangelo Edessa"/>
+        <a:font script="Orya" typeface="Kalinga"/>
+        <a:font script="Mlym" typeface="Kartika"/>
+        <a:font script="Laoo" typeface="DokChampa"/>
+        <a:font script="Sinh" typeface="Iskoola Pota"/>
+        <a:font script="Mong" typeface="Mongolian Baiti"/>
+        <a:font script="Viet" typeface="Arial"/>
+        <a:font script="Uigh" typeface="Microsoft Uighur"/>
+      </a:minorFont>
+    </a:fontScheme>
+    <a:fmtScheme name="Стандартная">
+      <a:fillStyleLst>
+        <a:solidFill>
+          <a:schemeClr val="phClr"/>
+        </a:solidFill>
+        <a:gradFill rotWithShape="1">
+          <a:gsLst>
+            <a:gs pos="0">
+              <a:schemeClr val="phClr">
+                <a:tint val="50000"/>
+                <a:satMod val="300000"/>
+              </a:schemeClr>
+            </a:gs>
+            <a:gs pos="35000">
+              <a:schemeClr val="phClr">
+                <a:tint val="37000"/>
+                <a:satMod val="300000"/>
+              </a:schemeClr>
+            </a:gs>
+            <a:gs pos="100000">
+              <a:schemeClr val="phClr">
+                <a:tint val="15000"/>
+                <a:satMod val="350000"/>
+              </a:schemeClr>
+            </a:gs>
+          </a:gsLst>
+          <a:lin ang="16200000" scaled="1"/>
+        </a:gradFill>
+        <a:gradFill rotWithShape="1">
+          <a:gsLst>
+            <a:gs pos="0">
+              <a:schemeClr val="phClr">
+                <a:shade val="51000"/>
+                <a:satMod val="130000"/>
+              </a:schemeClr>
+            </a:gs>
+            <a:gs pos="80000">
+              <a:schemeClr val="phClr">
+                <a:shade val="93000"/>
+                <a:satMod val="130000"/>
+              </a:schemeClr>
+            </a:gs>
+            <a:gs pos="100000">
+              <a:schemeClr val="phClr">
+                <a:shade val="94000"/>
+                <a:satMod val="135000"/>
+              </a:schemeClr>
+            </a:gs>
+          </a:gsLst>
+          <a:lin ang="16200000" scaled="0"/>
+        </a:gradFill>
+      </a:fillStyleLst>
+      <a:lnStyleLst>
+        <a:ln w="9525" cap="flat" cmpd="sng" algn="ctr">
+          <a:solidFill>
+            <a:schemeClr val="phClr">
+              <a:shade val="95000"/>
+              <a:satMod val="105000"/>
+            </a:schemeClr>
+          </a:solidFill>
+          <a:prstDash val="solid"/>
+        </a:ln>
+        <a:ln w="25400" cap="flat" cmpd="sng" algn="ctr">
+          <a:solidFill>
+            <a:schemeClr val="phClr"/>
+          </a:solidFill>
+          <a:prstDash val="solid"/>
+        </a:ln>
+        <a:ln w="38100" cap="flat" cmpd="sng" algn="ctr">
+          <a:solidFill>
+            <a:schemeClr val="phClr"/>
+          </a:solidFill>
+          <a:prstDash val="solid"/>
+        </a:ln>
+      </a:lnStyleLst>
+      <a:effectStyleLst>
+        <a:effectStyle>
+          <a:effectLst>
+            <a:outerShdw blurRad="40000" dist="20000" dir="5400000" rotWithShape="0">
+              <a:srgbClr val="000000">
+                <a:alpha val="38000"/>
+              </a:srgbClr>
+            </a:outerShdw>
+          </a:effectLst>
+        </a:effectStyle>
+        <a:effectStyle>
+          <a:effectLst>
+            <a:outerShdw blurRad="40000" dist="23000" dir="5400000" rotWithShape="0">
+              <a:srgbClr val="000000">
+                <a:alpha val="35000"/>
+              </a:srgbClr>
+            </a:outerShdw>
+          </a:effectLst>
+        </a:effectStyle>
+        <a:effectStyle>
+          <a:effectLst>
+            <a:outerShdw blurRad="40000" dist="23000" dir="5400000" rotWithShape="0">
+              <a:srgbClr val="000000">
+                <a:alpha val="35000"/>
+              </a:srgbClr>
+            </a:outerShdw>
+          </a:effectLst>
+          <a:scene3d>
+            <a:camera prst="orthographicFront">
+              <a:rot lat="0" lon="0" rev="0"/>
+            </a:camera>
+            <a:lightRig rig="threePt" dir="t">
+              <a:rot lat="0" lon="0" rev="1200000"/>
+            </a:lightRig>
+          </a:scene3d>
+          <a:sp3d>
+            <a:bevelT w="63500" h="25400"/>
+          </a:sp3d>
+        </a:effectStyle>
+      </a:effectStyleLst>
+      <a:bgFillStyleLst>
+        <a:solidFill>
+          <a:schemeClr val="phClr"/>
+        </a:solidFill>
+        <a:gradFill rotWithShape="1">
+          <a:gsLst>
+            <a:gs pos="0">
+              <a:schemeClr val="phClr">
+                <a:tint val="40000"/>
+                <a:satMod val="350000"/>
+              </a:schemeClr>
+            </a:gs>
+            <a:gs pos="40000">
+              <a:schemeClr val="phClr">
+                <a:tint val="45000"/>
+                <a:shade val="99000"/>
+                <a:satMod val="350000"/>
+              </a:schemeClr>
+            </a:gs>
+            <a:gs pos="100000">
+              <a:schemeClr val="phClr">
+                <a:shade val="20000"/>
+                <a:satMod val="255000"/>
+              </a:schemeClr>
+            </a:gs>
+          </a:gsLst>
+          <a:path path="circle">
+            <a:fillToRect l="50000" t="-80000" r="50000" b="180000"/>
+          </a:path>
+        </a:gradFill>
+        <a:gradFill rotWithShape="1">
+          <a:gsLst>
+            <a:gs pos="0">
+              <a:schemeClr val="phClr">
+                <a:tint val="80000"/>
+                <a:satMod val="300000"/>
+              </a:schemeClr>
+            </a:gs>
+            <a:gs pos="100000">
+              <a:schemeClr val="phClr">
+                <a:shade val="30000"/>
+                <a:satMod val="200000"/>
+              </a:schemeClr>
+            </a:gs>
+          </a:gsLst>
+          <a:path path="circle">
+            <a:fillToRect l="50000" t="50000" r="50000" b="50000"/>
+          </a:path>
+        </a:gradFill>
+      </a:bgFillStyleLst>
+    </a:fmtScheme>
+  </a:themeElements>
+  <a:objectDefaults/>
+  <a:extraClrSchemeLst/>
+</a:theme>
 </file>
--- a/Диплом презентация.pptx
+++ b/Диплом презентация.pptx
@@ -5,30 +5,25 @@
     <p:sldMasterId id="2147483648" r:id="rId1"/>
   </p:sldMasterIdLst>
   <p:notesMasterIdLst>
-    <p:notesMasterId r:id="rId23"/>
+    <p:notesMasterId r:id="rId18"/>
   </p:notesMasterIdLst>
   <p:sldIdLst>
     <p:sldId id="256" r:id="rId2"/>
     <p:sldId id="257" r:id="rId3"/>
-    <p:sldId id="261" r:id="rId4"/>
-    <p:sldId id="269" r:id="rId5"/>
-    <p:sldId id="280" r:id="rId6"/>
-    <p:sldId id="281" r:id="rId7"/>
-    <p:sldId id="282" r:id="rId8"/>
-    <p:sldId id="283" r:id="rId9"/>
-    <p:sldId id="260" r:id="rId10"/>
-    <p:sldId id="270" r:id="rId11"/>
-    <p:sldId id="262" r:id="rId12"/>
-    <p:sldId id="263" r:id="rId13"/>
-    <p:sldId id="264" r:id="rId14"/>
-    <p:sldId id="272" r:id="rId15"/>
-    <p:sldId id="265" r:id="rId16"/>
-    <p:sldId id="268" r:id="rId17"/>
-    <p:sldId id="284" r:id="rId18"/>
-    <p:sldId id="276" r:id="rId19"/>
-    <p:sldId id="277" r:id="rId20"/>
-    <p:sldId id="279" r:id="rId21"/>
-    <p:sldId id="259" r:id="rId22"/>
+    <p:sldId id="285" r:id="rId4"/>
+    <p:sldId id="263" r:id="rId5"/>
+    <p:sldId id="272" r:id="rId6"/>
+    <p:sldId id="265" r:id="rId7"/>
+    <p:sldId id="268" r:id="rId8"/>
+    <p:sldId id="286" r:id="rId9"/>
+    <p:sldId id="288" r:id="rId10"/>
+    <p:sldId id="284" r:id="rId11"/>
+    <p:sldId id="289" r:id="rId12"/>
+    <p:sldId id="290" r:id="rId13"/>
+    <p:sldId id="279" r:id="rId14"/>
+    <p:sldId id="291" r:id="rId15"/>
+    <p:sldId id="287" r:id="rId16"/>
+    <p:sldId id="259" r:id="rId17"/>
   </p:sldIdLst>
   <p:sldSz cx="9144000" cy="6858000" type="screen4x3"/>
   <p:notesSz cx="6858000" cy="9144000"/>
@@ -213,7 +208,7 @@
             <a:fld id="{DC09B85A-08DB-46DD-AF57-0C9727A23FC3}" type="datetimeFigureOut">
               <a:rPr lang="ru-RU" smtClean="0"/>
               <a:pPr/>
-              <a:t>09.06.2013</a:t>
+              <a:t>10.06.2013</a:t>
             </a:fld>
             <a:endParaRPr lang="ru-RU"/>
           </a:p>
@@ -743,7 +738,7 @@
             <a:fld id="{ED078997-DAFF-4C23-A6B6-00421BFA8725}" type="datetime1">
               <a:rPr lang="ru-RU" smtClean="0"/>
               <a:pPr/>
-              <a:t>09.06.2013</a:t>
+              <a:t>10.06.2013</a:t>
             </a:fld>
             <a:endParaRPr lang="ru-RU"/>
           </a:p>
@@ -910,7 +905,7 @@
             <a:fld id="{5C178956-C440-4961-8521-990435B25F79}" type="datetime1">
               <a:rPr lang="ru-RU" smtClean="0"/>
               <a:pPr/>
-              <a:t>09.06.2013</a:t>
+              <a:t>10.06.2013</a:t>
             </a:fld>
             <a:endParaRPr lang="ru-RU"/>
           </a:p>
@@ -1087,7 +1082,7 @@
             <a:fld id="{9AF26269-AF32-4694-ADA3-B45B035C2E55}" type="datetime1">
               <a:rPr lang="ru-RU" smtClean="0"/>
               <a:pPr/>
-              <a:t>09.06.2013</a:t>
+              <a:t>10.06.2013</a:t>
             </a:fld>
             <a:endParaRPr lang="ru-RU"/>
           </a:p>
@@ -1254,7 +1249,7 @@
             <a:fld id="{C20E3EC9-C9C3-4C9E-803D-4FC15CF7057D}" type="datetime1">
               <a:rPr lang="ru-RU" smtClean="0"/>
               <a:pPr/>
-              <a:t>09.06.2013</a:t>
+              <a:t>10.06.2013</a:t>
             </a:fld>
             <a:endParaRPr lang="ru-RU"/>
           </a:p>
@@ -1497,7 +1492,7 @@
             <a:fld id="{C70DA1FB-3B8B-415C-9FB6-BFB041B1D408}" type="datetime1">
               <a:rPr lang="ru-RU" smtClean="0"/>
               <a:pPr/>
-              <a:t>09.06.2013</a:t>
+              <a:t>10.06.2013</a:t>
             </a:fld>
             <a:endParaRPr lang="ru-RU"/>
           </a:p>
@@ -1782,7 +1777,7 @@
             <a:fld id="{4AF34C8B-8DA2-4E70-9D9F-371CBE008629}" type="datetime1">
               <a:rPr lang="ru-RU" smtClean="0"/>
               <a:pPr/>
-              <a:t>09.06.2013</a:t>
+              <a:t>10.06.2013</a:t>
             </a:fld>
             <a:endParaRPr lang="ru-RU"/>
           </a:p>
@@ -2201,7 +2196,7 @@
             <a:fld id="{E76A68D0-D777-4745-85C4-114F45582716}" type="datetime1">
               <a:rPr lang="ru-RU" smtClean="0"/>
               <a:pPr/>
-              <a:t>09.06.2013</a:t>
+              <a:t>10.06.2013</a:t>
             </a:fld>
             <a:endParaRPr lang="ru-RU"/>
           </a:p>
@@ -2316,7 +2311,7 @@
             <a:fld id="{F60E29F0-D0BA-47F9-8F50-2CC94894CC5E}" type="datetime1">
               <a:rPr lang="ru-RU" smtClean="0"/>
               <a:pPr/>
-              <a:t>09.06.2013</a:t>
+              <a:t>10.06.2013</a:t>
             </a:fld>
             <a:endParaRPr lang="ru-RU"/>
           </a:p>
@@ -2408,7 +2403,7 @@
             <a:fld id="{B5365CE0-89AC-4278-858F-704B1C3BE8D1}" type="datetime1">
               <a:rPr lang="ru-RU" smtClean="0"/>
               <a:pPr/>
-              <a:t>09.06.2013</a:t>
+              <a:t>10.06.2013</a:t>
             </a:fld>
             <a:endParaRPr lang="ru-RU"/>
           </a:p>
@@ -2682,7 +2677,7 @@
             <a:fld id="{04B7F107-8DD4-4E4B-B747-A12893D95654}" type="datetime1">
               <a:rPr lang="ru-RU" smtClean="0"/>
               <a:pPr/>
-              <a:t>09.06.2013</a:t>
+              <a:t>10.06.2013</a:t>
             </a:fld>
             <a:endParaRPr lang="ru-RU"/>
           </a:p>
@@ -2932,7 +2927,7 @@
             <a:fld id="{62D83752-F1D1-47AE-99A8-9F7A50D6BD52}" type="datetime1">
               <a:rPr lang="ru-RU" smtClean="0"/>
               <a:pPr/>
-              <a:t>09.06.2013</a:t>
+              <a:t>10.06.2013</a:t>
             </a:fld>
             <a:endParaRPr lang="ru-RU"/>
           </a:p>
@@ -3142,7 +3137,7 @@
             <a:fld id="{F99728D3-7560-476D-B1BE-EADDDE057D42}" type="datetime1">
               <a:rPr lang="ru-RU" smtClean="0"/>
               <a:pPr/>
-              <a:t>09.06.2013</a:t>
+              <a:t>10.06.2013</a:t>
             </a:fld>
             <a:endParaRPr lang="ru-RU"/>
           </a:p>
@@ -3537,14 +3532,50 @@
           <a:lstStyle/>
           <a:p>
             <a:r>
-              <a:rPr lang="ru-RU" sz="5400" b="1" i="1" dirty="0" smtClean="0"/>
+              <a:rPr lang="ru-RU" sz="5400" b="1" i="1" dirty="0" smtClean="0">
+                <a:latin typeface="Times New Roman" pitchFamily="18" charset="0"/>
+                <a:cs typeface="Times New Roman" pitchFamily="18" charset="0"/>
+              </a:rPr>
               <a:t>Визуализация в </a:t>
             </a:r>
             <a:r>
-              <a:rPr lang="ru-RU" sz="5400" b="1" i="1" dirty="0" err="1" smtClean="0"/>
+              <a:rPr lang="ru-RU" sz="5400" b="1" i="1" dirty="0" err="1" smtClean="0">
+                <a:latin typeface="Times New Roman" pitchFamily="18" charset="0"/>
+                <a:cs typeface="Times New Roman" pitchFamily="18" charset="0"/>
+              </a:rPr>
               <a:t>Андроид</a:t>
             </a:r>
-            <a:endParaRPr lang="ru-RU" sz="5400" b="1" i="1" dirty="0"/>
+            <a:r>
+              <a:rPr lang="ru-RU" sz="5400" b="1" i="1" dirty="0" smtClean="0">
+                <a:latin typeface="Times New Roman" pitchFamily="18" charset="0"/>
+                <a:cs typeface="Times New Roman" pitchFamily="18" charset="0"/>
+              </a:rPr>
+              <a:t/>
+            </a:r>
+            <a:br>
+              <a:rPr lang="ru-RU" sz="5400" b="1" i="1" dirty="0" smtClean="0">
+                <a:latin typeface="Times New Roman" pitchFamily="18" charset="0"/>
+                <a:cs typeface="Times New Roman" pitchFamily="18" charset="0"/>
+              </a:rPr>
+            </a:br>
+            <a:r>
+              <a:rPr lang="ru-RU" sz="2800" b="1" i="1" dirty="0" smtClean="0">
+                <a:latin typeface="Times New Roman" pitchFamily="18" charset="0"/>
+                <a:cs typeface="Times New Roman" pitchFamily="18" charset="0"/>
+              </a:rPr>
+              <a:t>Разработка визуализатора тегов расширенной реальности для </a:t>
+            </a:r>
+            <a:r>
+              <a:rPr lang="en-US" sz="2800" b="1" i="1" dirty="0" smtClean="0">
+                <a:latin typeface="Times New Roman" pitchFamily="18" charset="0"/>
+                <a:cs typeface="Times New Roman" pitchFamily="18" charset="0"/>
+              </a:rPr>
+              <a:t>Android</a:t>
+            </a:r>
+            <a:endParaRPr lang="ru-RU" sz="5400" b="1" i="1" dirty="0">
+              <a:latin typeface="Times New Roman" pitchFamily="18" charset="0"/>
+              <a:cs typeface="Times New Roman" pitchFamily="18" charset="0"/>
+            </a:endParaRPr>
           </a:p>
         </p:txBody>
       </p:sp>
@@ -3565,9 +3596,68 @@
           <a:p>
             <a:pPr algn="r"/>
             <a:r>
-              <a:rPr lang="ru-RU" dirty="0" smtClean="0"/>
-              <a:t>Грибова М.А., 9381</a:t>
-            </a:r>
+              <a:rPr lang="ru-RU" dirty="0" smtClean="0">
+                <a:latin typeface="Times New Roman" pitchFamily="18" charset="0"/>
+                <a:cs typeface="Times New Roman" pitchFamily="18" charset="0"/>
+              </a:rPr>
+              <a:t>Грибова </a:t>
+            </a:r>
+            <a:r>
+              <a:rPr lang="ru-RU" dirty="0" smtClean="0">
+                <a:latin typeface="Times New Roman" pitchFamily="18" charset="0"/>
+                <a:cs typeface="Times New Roman" pitchFamily="18" charset="0"/>
+              </a:rPr>
+              <a:t>М</a:t>
+            </a:r>
+            <a:r>
+              <a:rPr lang="ru-RU" dirty="0" smtClean="0">
+                <a:latin typeface="Times New Roman" pitchFamily="18" charset="0"/>
+                <a:cs typeface="Times New Roman" pitchFamily="18" charset="0"/>
+              </a:rPr>
+              <a:t>ария </a:t>
+            </a:r>
+            <a:r>
+              <a:rPr lang="ru-RU" dirty="0" smtClean="0">
+                <a:latin typeface="Times New Roman" pitchFamily="18" charset="0"/>
+                <a:cs typeface="Times New Roman" pitchFamily="18" charset="0"/>
+              </a:rPr>
+              <a:t>А</a:t>
+            </a:r>
+            <a:r>
+              <a:rPr lang="ru-RU" dirty="0" smtClean="0">
+                <a:latin typeface="Times New Roman" pitchFamily="18" charset="0"/>
+                <a:cs typeface="Times New Roman" pitchFamily="18" charset="0"/>
+              </a:rPr>
+              <a:t>ндреевна</a:t>
+            </a:r>
+            <a:r>
+              <a:rPr lang="ru-RU" dirty="0" smtClean="0">
+                <a:latin typeface="Times New Roman" pitchFamily="18" charset="0"/>
+                <a:cs typeface="Times New Roman" pitchFamily="18" charset="0"/>
+              </a:rPr>
+              <a:t>, </a:t>
+            </a:r>
+          </a:p>
+          <a:p>
+            <a:pPr algn="r"/>
+            <a:r>
+              <a:rPr lang="ru-RU" dirty="0" smtClean="0">
+                <a:latin typeface="Times New Roman" pitchFamily="18" charset="0"/>
+                <a:cs typeface="Times New Roman" pitchFamily="18" charset="0"/>
+              </a:rPr>
+              <a:t>группа </a:t>
+            </a:r>
+            <a:r>
+              <a:rPr lang="ru-RU" dirty="0" smtClean="0">
+                <a:latin typeface="Times New Roman" pitchFamily="18" charset="0"/>
+                <a:cs typeface="Times New Roman" pitchFamily="18" charset="0"/>
+              </a:rPr>
+              <a:t>9381</a:t>
+            </a:r>
+            <a:endParaRPr lang="ru-RU" dirty="0" smtClean="0">
+              <a:latin typeface="Times New Roman" pitchFamily="18" charset="0"/>
+              <a:cs typeface="Times New Roman" pitchFamily="18" charset="0"/>
+            </a:endParaRPr>
           </a:p>
         </p:txBody>
       </p:sp>
@@ -3615,181 +3705,20 @@
         </p:nvSpPr>
         <p:spPr/>
         <p:txBody>
-          <a:bodyPr>
-            <a:normAutofit fontScale="90000"/>
-          </a:bodyPr>
-          <a:lstStyle/>
-          <a:p>
-            <a:r>
-              <a:rPr lang="ru-RU" dirty="0" smtClean="0"/>
-              <a:t>Основные методы определения местоположения</a:t>
-            </a:r>
-            <a:endParaRPr lang="ru-RU" dirty="0"/>
-          </a:p>
-        </p:txBody>
-      </p:sp>
-      <p:sp>
-        <p:nvSpPr>
-          <p:cNvPr id="3" name="Содержимое 2"/>
-          <p:cNvSpPr>
-            <a:spLocks noGrp="1"/>
-          </p:cNvSpPr>
-          <p:nvPr>
-            <p:ph idx="1"/>
-          </p:nvPr>
-        </p:nvSpPr>
-        <p:spPr/>
-        <p:txBody>
-          <a:bodyPr>
-            <a:normAutofit lnSpcReduction="10000"/>
-          </a:bodyPr>
-          <a:lstStyle/>
-          <a:p>
-            <a:r>
-              <a:rPr lang="ru-RU" b="1" dirty="0" err="1"/>
-              <a:t>Cell</a:t>
-            </a:r>
-            <a:r>
-              <a:rPr lang="ru-RU" b="1" dirty="0"/>
-              <a:t> </a:t>
-            </a:r>
-            <a:r>
-              <a:rPr lang="ru-RU" b="1" dirty="0" err="1"/>
-              <a:t>of</a:t>
-            </a:r>
-            <a:r>
-              <a:rPr lang="ru-RU" b="1" dirty="0"/>
-              <a:t> </a:t>
-            </a:r>
-            <a:r>
-              <a:rPr lang="ru-RU" b="1" dirty="0" err="1"/>
-              <a:t>Origin</a:t>
-            </a:r>
-            <a:r>
-              <a:rPr lang="ru-RU" dirty="0"/>
-              <a:t> </a:t>
-            </a:r>
-            <a:endParaRPr lang="ru-RU" dirty="0" smtClean="0"/>
-          </a:p>
-          <a:p>
-            <a:r>
-              <a:rPr lang="en-US" b="1" dirty="0"/>
-              <a:t>TOA</a:t>
-            </a:r>
-            <a:r>
-              <a:rPr lang="en-US" dirty="0"/>
-              <a:t> </a:t>
-            </a:r>
-            <a:r>
-              <a:rPr lang="ru-RU" dirty="0"/>
-              <a:t>(</a:t>
-            </a:r>
-            <a:r>
-              <a:rPr lang="en-US" dirty="0"/>
-              <a:t>Time of Arrival</a:t>
-            </a:r>
-            <a:r>
-              <a:rPr lang="ru-RU" dirty="0"/>
-              <a:t>,</a:t>
-            </a:r>
-            <a:r>
-              <a:rPr lang="en-US" dirty="0"/>
-              <a:t> </a:t>
-            </a:r>
-            <a:r>
-              <a:rPr lang="ru-RU" i="1" dirty="0"/>
-              <a:t> Оценка времени прибытия сигнала</a:t>
-            </a:r>
-            <a:r>
-              <a:rPr lang="ru-RU" dirty="0"/>
-              <a:t>) </a:t>
-            </a:r>
-            <a:endParaRPr lang="ru-RU" dirty="0" smtClean="0"/>
-          </a:p>
-          <a:p>
-            <a:r>
-              <a:rPr lang="en-US" b="1" dirty="0"/>
-              <a:t>OTD</a:t>
-            </a:r>
-            <a:r>
-              <a:rPr lang="en-US" dirty="0"/>
-              <a:t> </a:t>
-            </a:r>
-            <a:r>
-              <a:rPr lang="ru-RU" dirty="0"/>
-              <a:t>(</a:t>
-            </a:r>
-            <a:r>
-              <a:rPr lang="en-US" dirty="0"/>
-              <a:t>Observed Time Difference</a:t>
-            </a:r>
-            <a:r>
-              <a:rPr lang="ru-RU" dirty="0"/>
-              <a:t>,</a:t>
-            </a:r>
-            <a:r>
-              <a:rPr lang="en-US" dirty="0"/>
-              <a:t>  </a:t>
-            </a:r>
-            <a:r>
-              <a:rPr lang="ru-RU" i="1" dirty="0"/>
-              <a:t>Наблюдаемая разность </a:t>
-            </a:r>
-            <a:r>
-              <a:rPr lang="ru-RU" i="1" dirty="0" smtClean="0"/>
-              <a:t>времени </a:t>
-            </a:r>
-            <a:r>
-              <a:rPr lang="ru-RU" i="1" dirty="0"/>
-              <a:t>прибытия сигнала</a:t>
-            </a:r>
-            <a:r>
-              <a:rPr lang="ru-RU" dirty="0"/>
-              <a:t>) </a:t>
-            </a:r>
-            <a:endParaRPr lang="ru-RU" dirty="0" smtClean="0"/>
-          </a:p>
-          <a:p>
-            <a:r>
-              <a:rPr lang="en-US" b="1" dirty="0"/>
-              <a:t>A</a:t>
-            </a:r>
-            <a:r>
-              <a:rPr lang="ru-RU" b="1" dirty="0"/>
-              <a:t>-</a:t>
-            </a:r>
-            <a:r>
-              <a:rPr lang="en-US" b="1" dirty="0"/>
-              <a:t>GPS</a:t>
-            </a:r>
-            <a:r>
-              <a:rPr lang="en-US" dirty="0"/>
-              <a:t> </a:t>
-            </a:r>
-            <a:r>
-              <a:rPr lang="ru-RU" dirty="0"/>
-              <a:t>(</a:t>
-            </a:r>
-            <a:r>
-              <a:rPr lang="en-US" dirty="0"/>
-              <a:t>Assisted Global Positioning System</a:t>
-            </a:r>
-            <a:r>
-              <a:rPr lang="ru-RU" dirty="0"/>
-              <a:t>,</a:t>
-            </a:r>
-            <a:r>
-              <a:rPr lang="en-US" dirty="0"/>
-              <a:t>  </a:t>
-            </a:r>
-            <a:r>
-              <a:rPr lang="ru-RU" i="1" dirty="0"/>
-              <a:t>Вспомогательная Глобальная система позиционирования</a:t>
-            </a:r>
-            <a:r>
-              <a:rPr lang="ru-RU" dirty="0"/>
-              <a:t>) </a:t>
-            </a:r>
+          <a:bodyPr/>
+          <a:lstStyle/>
+          <a:p>
+            <a:r>
+              <a:rPr lang="ru-RU" dirty="0" smtClean="0">
+                <a:latin typeface="Times New Roman" pitchFamily="18" charset="0"/>
+                <a:cs typeface="Times New Roman" pitchFamily="18" charset="0"/>
+              </a:rPr>
+              <a:t>Варианты использования</a:t>
+            </a:r>
+            <a:endParaRPr lang="ru-RU" dirty="0">
+              <a:latin typeface="Times New Roman" pitchFamily="18" charset="0"/>
+              <a:cs typeface="Times New Roman" pitchFamily="18" charset="0"/>
+            </a:endParaRPr>
           </a:p>
         </p:txBody>
       </p:sp>
@@ -3809,14 +3738,49 @@
           <a:lstStyle/>
           <a:p>
             <a:fld id="{9A39E707-F3CE-4BEB-9583-BB36F29193FA}" type="slidenum">
-              <a:rPr lang="ru-RU" smtClean="0"/>
+              <a:rPr lang="ru-RU" sz="3200" smtClean="0"/>
               <a:pPr/>
               <a:t>10</a:t>
             </a:fld>
-            <a:endParaRPr lang="ru-RU"/>
-          </a:p>
-        </p:txBody>
-      </p:sp>
+            <a:endParaRPr lang="ru-RU" sz="3200"/>
+          </a:p>
+        </p:txBody>
+      </p:sp>
+      <p:pic>
+        <p:nvPicPr>
+          <p:cNvPr id="1026" name="Picture 2"/>
+          <p:cNvPicPr>
+            <a:picLocks noGrp="1" noChangeAspect="1" noChangeArrowheads="1"/>
+          </p:cNvPicPr>
+          <p:nvPr>
+            <p:ph idx="1"/>
+          </p:nvPr>
+        </p:nvPicPr>
+        <p:blipFill>
+          <a:blip r:embed="rId2"/>
+          <a:srcRect/>
+          <a:stretch>
+            <a:fillRect/>
+          </a:stretch>
+        </p:blipFill>
+        <p:spPr bwMode="auto">
+          <a:xfrm>
+            <a:off x="1000100" y="1214422"/>
+            <a:ext cx="7683454" cy="5034774"/>
+          </a:xfrm>
+          <a:prstGeom prst="rect">
+            <a:avLst/>
+          </a:prstGeom>
+          <a:noFill/>
+          <a:ln w="9525">
+            <a:noFill/>
+            <a:miter lim="800000"/>
+            <a:headEnd/>
+            <a:tailEnd/>
+          </a:ln>
+          <a:effectLst/>
+        </p:spPr>
+      </p:pic>
     </p:spTree>
   </p:cSld>
   <p:clrMapOvr>
@@ -3859,114 +3823,55 @@
             <p:ph type="title"/>
           </p:nvPr>
         </p:nvSpPr>
-        <p:spPr/>
-        <p:txBody>
-          <a:bodyPr/>
-          <a:lstStyle/>
-          <a:p>
-            <a:r>
-              <a:rPr lang="en-US" dirty="0" smtClean="0"/>
-              <a:t>Geo2tag</a:t>
-            </a:r>
-            <a:endParaRPr lang="ru-RU" dirty="0"/>
-          </a:p>
-        </p:txBody>
-      </p:sp>
-      <p:sp>
-        <p:nvSpPr>
-          <p:cNvPr id="3" name="Содержимое 2"/>
-          <p:cNvSpPr>
-            <a:spLocks noGrp="1"/>
-          </p:cNvSpPr>
-          <p:nvPr>
-            <p:ph idx="1"/>
-          </p:nvPr>
-        </p:nvSpPr>
         <p:spPr>
           <a:xfrm>
-            <a:off x="428596" y="1214422"/>
-            <a:ext cx="8229600" cy="5214974"/>
+            <a:off x="457200" y="428612"/>
+            <a:ext cx="8229600" cy="1143000"/>
           </a:xfrm>
         </p:spPr>
         <p:txBody>
           <a:bodyPr>
-            <a:noAutofit/>
+            <a:normAutofit fontScale="90000"/>
           </a:bodyPr>
           <a:lstStyle/>
           <a:p>
-            <a:pPr>
-              <a:buNone/>
-            </a:pPr>
-            <a:r>
-              <a:rPr lang="ru-RU" sz="2400" dirty="0" smtClean="0"/>
-              <a:t>Открытая программная платформа </a:t>
-            </a:r>
-            <a:r>
-              <a:rPr lang="ru-RU" sz="2400" dirty="0"/>
-              <a:t>для построения </a:t>
-            </a:r>
-            <a:r>
-              <a:rPr lang="ru-RU" sz="2400" dirty="0" smtClean="0"/>
-              <a:t>сервисов, основанных </a:t>
-            </a:r>
-            <a:r>
-              <a:rPr lang="ru-RU" sz="2400" dirty="0"/>
-              <a:t>на местоположении. Платформа предоставляет все необходимые программные интерфейсы, структуры данных, запросы и фильтры, которые требуются для создания базовой функциональности сервисов, использующих местоположение. </a:t>
-            </a:r>
-            <a:endParaRPr lang="ru-RU" sz="2400" dirty="0" smtClean="0"/>
-          </a:p>
-          <a:p>
-            <a:pPr>
-              <a:buNone/>
-            </a:pPr>
-            <a:r>
-              <a:rPr lang="ru-RU" sz="2400" b="1" dirty="0" smtClean="0"/>
-              <a:t>Основные возможности:</a:t>
-            </a:r>
-            <a:endParaRPr lang="ru-RU" sz="2400" b="1" dirty="0"/>
-          </a:p>
-          <a:p>
-            <a:pPr lvl="0"/>
-            <a:r>
-              <a:rPr lang="ru-RU" sz="2400" dirty="0"/>
-              <a:t>предоставление хранилища для </a:t>
-            </a:r>
-            <a:r>
-              <a:rPr lang="ru-RU" sz="2400" dirty="0" err="1"/>
-              <a:t>геотегов</a:t>
-            </a:r>
-            <a:r>
-              <a:rPr lang="ru-RU" sz="2400" dirty="0"/>
-              <a:t>;</a:t>
-            </a:r>
-          </a:p>
-          <a:p>
-            <a:pPr lvl="0"/>
-            <a:r>
-              <a:rPr lang="ru-RU" sz="2400" dirty="0"/>
-              <a:t>выполнение 2D/3D пространственно-временных запросов;</a:t>
-            </a:r>
-          </a:p>
-          <a:p>
-            <a:pPr lvl="0"/>
-            <a:r>
-              <a:rPr lang="ru-RU" sz="2400" dirty="0"/>
-              <a:t>классификация тегов (по пользователям, по тематике,...);</a:t>
-            </a:r>
-          </a:p>
-          <a:p>
-            <a:pPr lvl="0"/>
-            <a:r>
-              <a:rPr lang="ru-RU" sz="2400" dirty="0" err="1"/>
-              <a:t>RESTfull</a:t>
-            </a:r>
-            <a:r>
-              <a:rPr lang="ru-RU" sz="2400" dirty="0"/>
-              <a:t> API для доступа к данным</a:t>
-            </a:r>
-          </a:p>
-          <a:p>
-            <a:endParaRPr lang="ru-RU" sz="2400" dirty="0"/>
+            <a:r>
+              <a:rPr lang="ru-RU" dirty="0" smtClean="0">
+                <a:latin typeface="Times New Roman" pitchFamily="18" charset="0"/>
+                <a:cs typeface="Times New Roman" pitchFamily="18" charset="0"/>
+              </a:rPr>
+              <a:t>Диаграмма классов</a:t>
+            </a:r>
+            <a:r>
+              <a:rPr lang="en-US" dirty="0" smtClean="0">
+                <a:latin typeface="Times New Roman" pitchFamily="18" charset="0"/>
+                <a:cs typeface="Times New Roman" pitchFamily="18" charset="0"/>
+              </a:rPr>
+              <a:t/>
+            </a:r>
+            <a:br>
+              <a:rPr lang="en-US" dirty="0" smtClean="0">
+                <a:latin typeface="Times New Roman" pitchFamily="18" charset="0"/>
+                <a:cs typeface="Times New Roman" pitchFamily="18" charset="0"/>
+              </a:rPr>
+            </a:br>
+            <a:r>
+              <a:rPr lang="en-US" dirty="0" smtClean="0">
+                <a:latin typeface="Times New Roman" pitchFamily="18" charset="0"/>
+                <a:cs typeface="Times New Roman" pitchFamily="18" charset="0"/>
+              </a:rPr>
+              <a:t>org.geo2tag.geocube</a:t>
+            </a:r>
+            <a:br>
+              <a:rPr lang="en-US" dirty="0" smtClean="0">
+                <a:latin typeface="Times New Roman" pitchFamily="18" charset="0"/>
+                <a:cs typeface="Times New Roman" pitchFamily="18" charset="0"/>
+              </a:rPr>
+            </a:br>
+            <a:endParaRPr lang="ru-RU" dirty="0">
+              <a:latin typeface="Times New Roman" pitchFamily="18" charset="0"/>
+              <a:cs typeface="Times New Roman" pitchFamily="18" charset="0"/>
+            </a:endParaRPr>
           </a:p>
         </p:txBody>
       </p:sp>
@@ -3986,14 +3891,49 @@
           <a:lstStyle/>
           <a:p>
             <a:fld id="{9A39E707-F3CE-4BEB-9583-BB36F29193FA}" type="slidenum">
-              <a:rPr lang="ru-RU" smtClean="0"/>
+              <a:rPr lang="ru-RU" sz="3200" smtClean="0"/>
               <a:pPr/>
               <a:t>11</a:t>
             </a:fld>
-            <a:endParaRPr lang="ru-RU"/>
-          </a:p>
-        </p:txBody>
-      </p:sp>
+            <a:endParaRPr lang="ru-RU" sz="3200" dirty="0"/>
+          </a:p>
+        </p:txBody>
+      </p:sp>
+      <p:pic>
+        <p:nvPicPr>
+          <p:cNvPr id="2051" name="Picture 3"/>
+          <p:cNvPicPr>
+            <a:picLocks noGrp="1" noChangeAspect="1" noChangeArrowheads="1"/>
+          </p:cNvPicPr>
+          <p:nvPr>
+            <p:ph idx="1"/>
+          </p:nvPr>
+        </p:nvPicPr>
+        <p:blipFill>
+          <a:blip r:embed="rId2"/>
+          <a:srcRect/>
+          <a:stretch>
+            <a:fillRect/>
+          </a:stretch>
+        </p:blipFill>
+        <p:spPr bwMode="auto">
+          <a:xfrm>
+            <a:off x="432885" y="1500174"/>
+            <a:ext cx="8425395" cy="4643470"/>
+          </a:xfrm>
+          <a:prstGeom prst="rect">
+            <a:avLst/>
+          </a:prstGeom>
+          <a:noFill/>
+          <a:ln w="9525">
+            <a:noFill/>
+            <a:miter lim="800000"/>
+            <a:headEnd/>
+            <a:tailEnd/>
+          </a:ln>
+          <a:effectLst/>
+        </p:spPr>
+      </p:pic>
     </p:spTree>
   </p:cSld>
   <p:clrMapOvr>
@@ -4038,160 +3978,104 @@
         </p:nvSpPr>
         <p:spPr/>
         <p:txBody>
+          <a:bodyPr>
+            <a:normAutofit fontScale="90000"/>
+          </a:bodyPr>
+          <a:lstStyle/>
+          <a:p>
+            <a:r>
+              <a:rPr lang="ru-RU" dirty="0" smtClean="0">
+                <a:latin typeface="Times New Roman" pitchFamily="18" charset="0"/>
+                <a:cs typeface="Times New Roman" pitchFamily="18" charset="0"/>
+              </a:rPr>
+              <a:t>Диаграмма классов</a:t>
+            </a:r>
+            <a:r>
+              <a:rPr lang="en-US" dirty="0" smtClean="0">
+                <a:latin typeface="Times New Roman" pitchFamily="18" charset="0"/>
+                <a:cs typeface="Times New Roman" pitchFamily="18" charset="0"/>
+              </a:rPr>
+              <a:t/>
+            </a:r>
+            <a:br>
+              <a:rPr lang="en-US" dirty="0" smtClean="0">
+                <a:latin typeface="Times New Roman" pitchFamily="18" charset="0"/>
+                <a:cs typeface="Times New Roman" pitchFamily="18" charset="0"/>
+              </a:rPr>
+            </a:br>
+            <a:r>
+              <a:rPr lang="en-US" dirty="0" smtClean="0">
+                <a:latin typeface="Times New Roman" pitchFamily="18" charset="0"/>
+                <a:cs typeface="Times New Roman" pitchFamily="18" charset="0"/>
+              </a:rPr>
+              <a:t>org.geo2tag.mixare</a:t>
+            </a:r>
+            <a:endParaRPr lang="ru-RU" dirty="0">
+              <a:latin typeface="Times New Roman" pitchFamily="18" charset="0"/>
+              <a:cs typeface="Times New Roman" pitchFamily="18" charset="0"/>
+            </a:endParaRPr>
+          </a:p>
+        </p:txBody>
+      </p:sp>
+      <p:sp>
+        <p:nvSpPr>
+          <p:cNvPr id="4" name="Номер слайда 3"/>
+          <p:cNvSpPr>
+            <a:spLocks noGrp="1"/>
+          </p:cNvSpPr>
+          <p:nvPr>
+            <p:ph type="sldNum" sz="quarter" idx="12"/>
+          </p:nvPr>
+        </p:nvSpPr>
+        <p:spPr/>
+        <p:txBody>
           <a:bodyPr/>
           <a:lstStyle/>
           <a:p>
-            <a:r>
-              <a:rPr lang="ru-RU" dirty="0" smtClean="0"/>
-              <a:t>Аналоги </a:t>
-            </a:r>
-            <a:r>
-              <a:rPr lang="en-US" dirty="0" smtClean="0"/>
-              <a:t>Geo2tag</a:t>
-            </a:r>
-            <a:endParaRPr lang="ru-RU" dirty="0"/>
-          </a:p>
-        </p:txBody>
-      </p:sp>
-      <p:sp>
-        <p:nvSpPr>
-          <p:cNvPr id="3" name="Содержимое 2"/>
-          <p:cNvSpPr>
-            <a:spLocks noGrp="1"/>
-          </p:cNvSpPr>
-          <p:nvPr>
-            <p:ph idx="1"/>
-          </p:nvPr>
-        </p:nvSpPr>
-        <p:spPr/>
-        <p:txBody>
-          <a:bodyPr>
-            <a:normAutofit/>
-          </a:bodyPr>
-          <a:lstStyle/>
-          <a:p>
-            <a:r>
-              <a:rPr lang="ru-RU" dirty="0"/>
-              <a:t>Идея создания программной платформы для разработки сервисов использующих </a:t>
-            </a:r>
-            <a:r>
-              <a:rPr lang="ru-RU" dirty="0" err="1"/>
-              <a:t>геоинформацию</a:t>
-            </a:r>
-            <a:r>
-              <a:rPr lang="ru-RU" dirty="0"/>
-              <a:t> не нова. Однако, </a:t>
-            </a:r>
-            <a:r>
-              <a:rPr lang="ru-RU" b="1" dirty="0"/>
-              <a:t>Geo2tag LBS </a:t>
-            </a:r>
-            <a:r>
-              <a:rPr lang="ru-RU" b="1" dirty="0" err="1"/>
-              <a:t>Platform</a:t>
-            </a:r>
-            <a:r>
-              <a:rPr lang="ru-RU" dirty="0"/>
-              <a:t>, фактически является </a:t>
-            </a:r>
-            <a:r>
-              <a:rPr lang="ru-RU" dirty="0" err="1"/>
-              <a:t>превой</a:t>
-            </a:r>
-            <a:r>
-              <a:rPr lang="ru-RU" dirty="0"/>
-              <a:t> полностью открытой платформой такого рода</a:t>
-            </a:r>
-            <a:r>
-              <a:rPr lang="ru-RU" dirty="0" smtClean="0"/>
-              <a:t>.</a:t>
-            </a:r>
-          </a:p>
-          <a:p>
-            <a:pPr lvl="0"/>
-            <a:r>
-              <a:rPr lang="ru-RU" dirty="0" smtClean="0"/>
-              <a:t>Известные </a:t>
-            </a:r>
-            <a:r>
-              <a:rPr lang="en-US" dirty="0" smtClean="0"/>
-              <a:t>LBS-</a:t>
-            </a:r>
-            <a:r>
-              <a:rPr lang="ru-RU" dirty="0" smtClean="0"/>
-              <a:t>сервисы: </a:t>
-            </a:r>
-            <a:r>
-              <a:rPr lang="ru-RU" dirty="0" err="1"/>
-              <a:t>Google</a:t>
-            </a:r>
-            <a:r>
-              <a:rPr lang="ru-RU" dirty="0"/>
-              <a:t> </a:t>
-            </a:r>
-            <a:r>
-              <a:rPr lang="ru-RU" dirty="0" err="1" smtClean="0"/>
-              <a:t>Latitude</a:t>
-            </a:r>
-            <a:r>
-              <a:rPr lang="ru-RU" dirty="0" smtClean="0"/>
-              <a:t>, </a:t>
-            </a:r>
-            <a:r>
-              <a:rPr lang="ru-RU" dirty="0" err="1" smtClean="0"/>
-              <a:t>AlterGeo</a:t>
-            </a:r>
-            <a:r>
-              <a:rPr lang="ru-RU" dirty="0" smtClean="0"/>
-              <a:t>, </a:t>
-            </a:r>
-            <a:r>
-              <a:rPr lang="ru-RU" dirty="0" err="1" smtClean="0"/>
-              <a:t>BluePont</a:t>
-            </a:r>
-            <a:r>
-              <a:rPr lang="ru-RU" dirty="0" smtClean="0"/>
-              <a:t>, </a:t>
-            </a:r>
-            <a:r>
-              <a:rPr lang="ru-RU" dirty="0" err="1" smtClean="0"/>
-              <a:t>Foursquare</a:t>
-            </a:r>
-            <a:r>
-              <a:rPr lang="ru-RU" dirty="0" smtClean="0"/>
-              <a:t> и т.д.</a:t>
-            </a:r>
-            <a:endParaRPr lang="ru-RU" dirty="0"/>
-          </a:p>
-          <a:p>
-            <a:endParaRPr lang="ru-RU" dirty="0"/>
-          </a:p>
-        </p:txBody>
-      </p:sp>
-      <p:sp>
-        <p:nvSpPr>
-          <p:cNvPr id="4" name="Номер слайда 3"/>
-          <p:cNvSpPr>
-            <a:spLocks noGrp="1"/>
-          </p:cNvSpPr>
-          <p:nvPr>
-            <p:ph type="sldNum" sz="quarter" idx="12"/>
-          </p:nvPr>
-        </p:nvSpPr>
-        <p:spPr/>
-        <p:txBody>
-          <a:bodyPr/>
-          <a:lstStyle/>
-          <a:p>
             <a:fld id="{9A39E707-F3CE-4BEB-9583-BB36F29193FA}" type="slidenum">
-              <a:rPr lang="ru-RU" smtClean="0"/>
+              <a:rPr lang="ru-RU" sz="3200" smtClean="0"/>
               <a:pPr/>
               <a:t>12</a:t>
             </a:fld>
-            <a:endParaRPr lang="ru-RU"/>
-          </a:p>
-        </p:txBody>
-      </p:sp>
+            <a:endParaRPr lang="ru-RU" sz="3200" dirty="0"/>
+          </a:p>
+        </p:txBody>
+      </p:sp>
+      <p:pic>
+        <p:nvPicPr>
+          <p:cNvPr id="3076" name="Picture 4"/>
+          <p:cNvPicPr>
+            <a:picLocks noGrp="1" noChangeAspect="1" noChangeArrowheads="1"/>
+          </p:cNvPicPr>
+          <p:nvPr>
+            <p:ph idx="1"/>
+          </p:nvPr>
+        </p:nvPicPr>
+        <p:blipFill>
+          <a:blip r:embed="rId2"/>
+          <a:srcRect/>
+          <a:stretch>
+            <a:fillRect/>
+          </a:stretch>
+        </p:blipFill>
+        <p:spPr bwMode="auto">
+          <a:xfrm>
+            <a:off x="161208" y="1500174"/>
+            <a:ext cx="8754137" cy="4929221"/>
+          </a:xfrm>
+          <a:prstGeom prst="rect">
+            <a:avLst/>
+          </a:prstGeom>
+          <a:noFill/>
+          <a:ln w="9525">
+            <a:noFill/>
+            <a:miter lim="800000"/>
+            <a:headEnd/>
+            <a:tailEnd/>
+          </a:ln>
+          <a:effectLst/>
+        </p:spPr>
+      </p:pic>
     </p:spTree>
   </p:cSld>
   <p:clrMapOvr>
@@ -4237,118 +4121,131 @@
         <p:spPr/>
         <p:txBody>
           <a:bodyPr>
-            <a:normAutofit fontScale="90000"/>
+            <a:normAutofit/>
           </a:bodyPr>
           <a:lstStyle/>
           <a:p>
             <a:r>
-              <a:rPr lang="ru-RU" dirty="0" smtClean="0"/>
-              <a:t>Аналоги разрабатываемого приложения</a:t>
-            </a:r>
-            <a:endParaRPr lang="ru-RU" dirty="0"/>
-          </a:p>
-        </p:txBody>
-      </p:sp>
-      <p:sp>
-        <p:nvSpPr>
-          <p:cNvPr id="3" name="Содержимое 2"/>
-          <p:cNvSpPr>
-            <a:spLocks noGrp="1"/>
-          </p:cNvSpPr>
+              <a:rPr lang="ru-RU" dirty="0" smtClean="0">
+                <a:latin typeface="Times New Roman" pitchFamily="18" charset="0"/>
+                <a:cs typeface="Times New Roman" pitchFamily="18" charset="0"/>
+              </a:rPr>
+              <a:t>Интерфейс пользователя</a:t>
+            </a:r>
+            <a:endParaRPr lang="ru-RU" dirty="0">
+              <a:latin typeface="Times New Roman" pitchFamily="18" charset="0"/>
+              <a:cs typeface="Times New Roman" pitchFamily="18" charset="0"/>
+            </a:endParaRPr>
+          </a:p>
+        </p:txBody>
+      </p:sp>
+      <p:pic>
+        <p:nvPicPr>
+          <p:cNvPr id="9" name="Содержимое 4" descr="Screenshot_2013-05-26-19-22-47.png"/>
+          <p:cNvPicPr>
+            <a:picLocks noGrp="1"/>
+          </p:cNvPicPr>
           <p:nvPr>
             <p:ph idx="1"/>
           </p:nvPr>
+        </p:nvPicPr>
+        <p:blipFill>
+          <a:blip r:embed="rId2"/>
+          <a:stretch>
+            <a:fillRect/>
+          </a:stretch>
+        </p:blipFill>
+        <p:spPr>
+          <a:xfrm>
+            <a:off x="2571736" y="2143117"/>
+            <a:ext cx="1928826" cy="3214710"/>
+          </a:xfrm>
+          <a:prstGeom prst="rect">
+            <a:avLst/>
+          </a:prstGeom>
+        </p:spPr>
+      </p:pic>
+      <p:sp>
+        <p:nvSpPr>
+          <p:cNvPr id="7" name="Номер слайда 6"/>
+          <p:cNvSpPr>
+            <a:spLocks noGrp="1"/>
+          </p:cNvSpPr>
+          <p:nvPr>
+            <p:ph type="sldNum" sz="quarter" idx="12"/>
+          </p:nvPr>
         </p:nvSpPr>
         <p:spPr/>
         <p:txBody>
           <a:bodyPr/>
           <a:lstStyle/>
           <a:p>
-            <a:r>
-              <a:rPr lang="en-US" dirty="0" err="1" smtClean="0"/>
-              <a:t>Layar</a:t>
-            </a:r>
-            <a:r>
-              <a:rPr lang="en-US" dirty="0" smtClean="0"/>
-              <a:t> </a:t>
-            </a:r>
-            <a:r>
-              <a:rPr lang="en-US" dirty="0"/>
-              <a:t>Reality Browser</a:t>
-            </a:r>
-            <a:r>
-              <a:rPr lang="ru-RU" dirty="0"/>
-              <a:t>.</a:t>
-            </a:r>
-          </a:p>
-          <a:p>
-            <a:r>
-              <a:rPr lang="en-US" dirty="0" err="1" smtClean="0"/>
-              <a:t>WikiTude</a:t>
-            </a:r>
-            <a:r>
-              <a:rPr lang="en-US" dirty="0" smtClean="0"/>
-              <a:t> </a:t>
-            </a:r>
-            <a:r>
-              <a:rPr lang="en-US" dirty="0"/>
-              <a:t>Drive.</a:t>
-            </a:r>
-            <a:endParaRPr lang="ru-RU" dirty="0"/>
-          </a:p>
-          <a:p>
-            <a:r>
-              <a:rPr lang="en-US" dirty="0" err="1" smtClean="0"/>
-              <a:t>TagWhat</a:t>
-            </a:r>
-            <a:r>
-              <a:rPr lang="ru-RU" dirty="0"/>
-              <a:t>.</a:t>
-            </a:r>
-          </a:p>
-          <a:p>
-            <a:r>
-              <a:rPr lang="en-US" dirty="0" err="1" smtClean="0"/>
-              <a:t>Augement</a:t>
-            </a:r>
-            <a:r>
-              <a:rPr lang="ru-RU" dirty="0"/>
-              <a:t>.</a:t>
-            </a:r>
-          </a:p>
-          <a:p>
-            <a:r>
-              <a:rPr lang="en-US" dirty="0" err="1" smtClean="0"/>
-              <a:t>Forsquare</a:t>
-            </a:r>
-            <a:endParaRPr lang="ru-RU" dirty="0"/>
-          </a:p>
-        </p:txBody>
-      </p:sp>
-      <p:sp>
-        <p:nvSpPr>
-          <p:cNvPr id="4" name="Номер слайда 3"/>
-          <p:cNvSpPr>
-            <a:spLocks noGrp="1"/>
-          </p:cNvSpPr>
-          <p:nvPr>
-            <p:ph type="sldNum" sz="quarter" idx="12"/>
-          </p:nvPr>
-        </p:nvSpPr>
-        <p:spPr/>
-        <p:txBody>
-          <a:bodyPr/>
-          <a:lstStyle/>
-          <a:p>
             <a:fld id="{9A39E707-F3CE-4BEB-9583-BB36F29193FA}" type="slidenum">
-              <a:rPr lang="ru-RU" smtClean="0"/>
+              <a:rPr lang="ru-RU" sz="3200" smtClean="0"/>
               <a:pPr/>
               <a:t>13</a:t>
             </a:fld>
-            <a:endParaRPr lang="ru-RU"/>
-          </a:p>
-        </p:txBody>
-      </p:sp>
+            <a:endParaRPr lang="ru-RU" sz="3200" dirty="0"/>
+          </a:p>
+        </p:txBody>
+      </p:sp>
+      <p:pic>
+        <p:nvPicPr>
+          <p:cNvPr id="6" name="Picture 10"/>
+          <p:cNvPicPr>
+            <a:picLocks noGrp="1"/>
+          </p:cNvPicPr>
+          <p:nvPr>
+            <p:ph sz="half" idx="4294967295"/>
+          </p:nvPr>
+        </p:nvPicPr>
+        <p:blipFill>
+          <a:blip r:embed="rId3">
+            <a:extLst>
+              <a:ext uri="{28A0092B-C50C-407E-A947-70E740481C1C}">
+                <a14:useLocalDpi xmlns:lc="http://schemas.openxmlformats.org/drawingml/2006/lockedCanvas" xmlns:pic="http://schemas.openxmlformats.org/drawingml/2006/picture" xmlns:a14="http://schemas.microsoft.com/office/drawing/2010/main" xmlns:wps="http://schemas.microsoft.com/office/word/2010/wordprocessingShape" xmlns:wne="http://schemas.microsoft.com/office/word/2006/wordml" xmlns:wpi="http://schemas.microsoft.com/office/word/2010/wordprocessingInk" xmlns:wpg="http://schemas.microsoft.com/office/word/2010/wordprocessingGroup" xmlns:w14="http://schemas.microsoft.com/office/word/2010/wordml" xmlns:w="http://schemas.openxmlformats.org/wordprocessingml/2006/main" xmlns:w10="urn:schemas-microsoft-com:office:word" xmlns:wp="http://schemas.openxmlformats.org/drawingml/2006/wordprocessingDrawing" xmlns:wp14="http://schemas.microsoft.com/office/word/2010/wordprocessingDrawing" xmlns:v="urn:schemas-microsoft-com:vml" xmlns:m="http://schemas.openxmlformats.org/officeDocument/2006/math" xmlns:o="urn:schemas-microsoft-com:office:office" xmlns:mc="http://schemas.openxmlformats.org/markup-compatibility/2006" xmlns:wpc="http://schemas.microsoft.com/office/word/2010/wordprocessingCanvas" xmlns="" val="0"/>
+              </a:ext>
+            </a:extLst>
+          </a:blip>
+          <a:stretch>
+            <a:fillRect/>
+          </a:stretch>
+        </p:blipFill>
+        <p:spPr>
+          <a:xfrm>
+            <a:off x="4714876" y="2285992"/>
+            <a:ext cx="4214812" cy="3071812"/>
+          </a:xfrm>
+          <a:prstGeom prst="rect">
+            <a:avLst/>
+          </a:prstGeom>
+        </p:spPr>
+      </p:pic>
+      <p:pic>
+        <p:nvPicPr>
+          <p:cNvPr id="10" name="Содержимое 5" descr="Screenshot_2013-05-26-19-23-11.png"/>
+          <p:cNvPicPr>
+            <a:picLocks/>
+          </p:cNvPicPr>
+          <p:nvPr/>
+        </p:nvPicPr>
+        <p:blipFill>
+          <a:blip r:embed="rId4"/>
+          <a:srcRect t="4798"/>
+          <a:stretch>
+            <a:fillRect/>
+          </a:stretch>
+        </p:blipFill>
+        <p:spPr>
+          <a:xfrm>
+            <a:off x="500034" y="2214554"/>
+            <a:ext cx="1928826" cy="3097203"/>
+          </a:xfrm>
+          <a:prstGeom prst="rect">
+            <a:avLst/>
+          </a:prstGeom>
+        </p:spPr>
+      </p:pic>
     </p:spTree>
   </p:cSld>
   <p:clrMapOvr>
@@ -4393,26 +4290,12 @@
         </p:nvSpPr>
         <p:spPr/>
         <p:txBody>
-          <a:bodyPr>
-            <a:normAutofit fontScale="90000"/>
-          </a:bodyPr>
-          <a:lstStyle/>
-          <a:p>
-            <a:r>
-              <a:rPr lang="ru-RU" dirty="0"/>
-              <a:t>Особенности разработки </a:t>
-            </a:r>
-            <a:r>
-              <a:rPr lang="en-US" dirty="0"/>
-              <a:t>AR</a:t>
-            </a:r>
-            <a:r>
-              <a:rPr lang="ru-RU" dirty="0"/>
-              <a:t>-приложений под </a:t>
-            </a:r>
-            <a:r>
-              <a:rPr lang="en-US" dirty="0"/>
-              <a:t>Android</a:t>
+          <a:bodyPr/>
+          <a:lstStyle/>
+          <a:p>
+            <a:r>
+              <a:rPr lang="ru-RU" dirty="0" smtClean="0"/>
+              <a:t>Направления развития</a:t>
             </a:r>
             <a:endParaRPr lang="ru-RU" dirty="0"/>
           </a:p>
@@ -4430,74 +4313,10 @@
         </p:nvSpPr>
         <p:spPr/>
         <p:txBody>
-          <a:bodyPr>
-            <a:normAutofit lnSpcReduction="10000"/>
-          </a:bodyPr>
-          <a:lstStyle/>
-          <a:p>
-            <a:pPr lvl="0"/>
-            <a:r>
-              <a:rPr lang="ru-RU" dirty="0"/>
-              <a:t>Камера</a:t>
-            </a:r>
-          </a:p>
-          <a:p>
-            <a:pPr lvl="0"/>
-            <a:r>
-              <a:rPr lang="en-US" dirty="0"/>
-              <a:t>OpenGL ES</a:t>
-            </a:r>
-            <a:r>
-              <a:rPr lang="ru-RU" dirty="0"/>
-              <a:t> – библиотека для </a:t>
-            </a:r>
-            <a:r>
-              <a:rPr lang="ru-RU" dirty="0" err="1"/>
-              <a:t>отрисовки</a:t>
-            </a:r>
-            <a:r>
-              <a:rPr lang="ru-RU" dirty="0"/>
-              <a:t> объектов </a:t>
-            </a:r>
-          </a:p>
-          <a:p>
-            <a:pPr lvl="0"/>
-            <a:r>
-              <a:rPr lang="ru-RU" dirty="0"/>
-              <a:t>Гироскоп/акселерометр – для определения изменений положения мобильного устройства в пространстве</a:t>
-            </a:r>
-          </a:p>
-          <a:p>
-            <a:pPr lvl="0"/>
-            <a:r>
-              <a:rPr lang="en-US" dirty="0" err="1"/>
-              <a:t>LocationManager</a:t>
-            </a:r>
-            <a:r>
-              <a:rPr lang="ru-RU" dirty="0"/>
-              <a:t> – для определения координат </a:t>
-            </a:r>
-          </a:p>
-          <a:p>
-            <a:pPr lvl="0"/>
-            <a:r>
-              <a:rPr lang="ru-RU" dirty="0"/>
-              <a:t>Вспомогательная библиотека/</a:t>
-            </a:r>
-            <a:r>
-              <a:rPr lang="ru-RU" dirty="0" err="1"/>
-              <a:t>фреймворк</a:t>
-            </a:r>
-            <a:r>
-              <a:rPr lang="ru-RU" dirty="0"/>
-              <a:t> </a:t>
-            </a:r>
-          </a:p>
-          <a:p>
-            <a:pPr>
-              <a:buNone/>
-            </a:pPr>
-            <a:endParaRPr lang="ru-RU" dirty="0"/>
+          <a:bodyPr/>
+          <a:lstStyle/>
+          <a:p>
+            <a:endParaRPr lang="ru-RU"/>
           </a:p>
         </p:txBody>
       </p:sp>
@@ -4530,13 +4349,6 @@
   <p:clrMapOvr>
     <a:masterClrMapping/>
   </p:clrMapOvr>
-  <p:timing>
-    <p:tnLst>
-      <p:par>
-        <p:cTn id="1" dur="indefinite" restart="never" nodeType="tmRoot"/>
-      </p:par>
-    </p:tnLst>
-  </p:timing>
 </p:sld>
 </file>
 
@@ -4569,31 +4381,175 @@
         </p:nvSpPr>
         <p:spPr/>
         <p:txBody>
-          <a:bodyPr>
-            <a:normAutofit fontScale="90000"/>
-          </a:bodyPr>
-          <a:lstStyle/>
-          <a:p>
-            <a:r>
-              <a:rPr lang="ru-RU" dirty="0" smtClean="0"/>
-              <a:t>Возможности визуализации в </a:t>
-            </a:r>
-            <a:r>
-              <a:rPr lang="en-US" dirty="0" smtClean="0"/>
+          <a:bodyPr/>
+          <a:lstStyle/>
+          <a:p>
+            <a:r>
+              <a:rPr lang="ru-RU" dirty="0" smtClean="0">
+                <a:latin typeface="Times New Roman" pitchFamily="18" charset="0"/>
+                <a:cs typeface="Times New Roman" pitchFamily="18" charset="0"/>
+              </a:rPr>
+              <a:t>Результаты</a:t>
+            </a:r>
+            <a:endParaRPr lang="ru-RU" dirty="0">
+              <a:latin typeface="Times New Roman" pitchFamily="18" charset="0"/>
+              <a:cs typeface="Times New Roman" pitchFamily="18" charset="0"/>
+            </a:endParaRPr>
+          </a:p>
+        </p:txBody>
+      </p:sp>
+      <p:sp>
+        <p:nvSpPr>
+          <p:cNvPr id="3" name="Содержимое 2"/>
+          <p:cNvSpPr>
+            <a:spLocks noGrp="1"/>
+          </p:cNvSpPr>
+          <p:nvPr>
+            <p:ph idx="1"/>
+          </p:nvPr>
+        </p:nvSpPr>
+        <p:spPr/>
+        <p:txBody>
+          <a:bodyPr/>
+          <a:lstStyle/>
+          <a:p>
+            <a:r>
+              <a:rPr lang="ru-RU" dirty="0" smtClean="0">
+                <a:latin typeface="Times New Roman" pitchFamily="18" charset="0"/>
+                <a:cs typeface="Times New Roman" pitchFamily="18" charset="0"/>
+              </a:rPr>
+              <a:t>Разработан визуализатор тегов расширенной реальности для платформы </a:t>
+            </a:r>
+            <a:r>
+              <a:rPr lang="en-US" dirty="0" smtClean="0">
+                <a:latin typeface="Times New Roman" pitchFamily="18" charset="0"/>
+                <a:cs typeface="Times New Roman" pitchFamily="18" charset="0"/>
+              </a:rPr>
               <a:t>Android</a:t>
             </a:r>
-            <a:endParaRPr lang="ru-RU" dirty="0"/>
-          </a:p>
-        </p:txBody>
-      </p:sp>
-      <p:sp>
-        <p:nvSpPr>
-          <p:cNvPr id="3" name="Содержимое 2"/>
-          <p:cNvSpPr>
-            <a:spLocks noGrp="1"/>
-          </p:cNvSpPr>
-          <p:nvPr>
-            <p:ph idx="1"/>
+            <a:r>
+              <a:rPr lang="ru-RU" dirty="0" smtClean="0">
+                <a:latin typeface="Times New Roman" pitchFamily="18" charset="0"/>
+                <a:cs typeface="Times New Roman" pitchFamily="18" charset="0"/>
+              </a:rPr>
+              <a:t> для </a:t>
+            </a:r>
+            <a:r>
+              <a:rPr lang="ru-RU" dirty="0" err="1" smtClean="0">
+                <a:latin typeface="Times New Roman" pitchFamily="18" charset="0"/>
+                <a:cs typeface="Times New Roman" pitchFamily="18" charset="0"/>
+              </a:rPr>
+              <a:t>геолокацонной</a:t>
+            </a:r>
+            <a:r>
+              <a:rPr lang="ru-RU" dirty="0" smtClean="0">
+                <a:latin typeface="Times New Roman" pitchFamily="18" charset="0"/>
+                <a:cs typeface="Times New Roman" pitchFamily="18" charset="0"/>
+              </a:rPr>
+              <a:t> системы </a:t>
+            </a:r>
+            <a:r>
+              <a:rPr lang="en-US" dirty="0" smtClean="0">
+                <a:latin typeface="Times New Roman" pitchFamily="18" charset="0"/>
+                <a:cs typeface="Times New Roman" pitchFamily="18" charset="0"/>
+              </a:rPr>
+              <a:t>Geo2Tag</a:t>
+            </a:r>
+            <a:r>
+              <a:rPr lang="ru-RU" dirty="0" smtClean="0">
+                <a:latin typeface="Times New Roman" pitchFamily="18" charset="0"/>
+                <a:cs typeface="Times New Roman" pitchFamily="18" charset="0"/>
+              </a:rPr>
+              <a:t>.</a:t>
+            </a:r>
+            <a:endParaRPr lang="en-US" dirty="0" smtClean="0">
+              <a:latin typeface="Times New Roman" pitchFamily="18" charset="0"/>
+              <a:cs typeface="Times New Roman" pitchFamily="18" charset="0"/>
+            </a:endParaRPr>
+          </a:p>
+          <a:p>
+            <a:r>
+              <a:rPr lang="ru-RU" dirty="0" smtClean="0">
+                <a:latin typeface="Times New Roman" pitchFamily="18" charset="0"/>
+                <a:cs typeface="Times New Roman" pitchFamily="18" charset="0"/>
+              </a:rPr>
+              <a:t>Исследованы методы </a:t>
+            </a:r>
+            <a:r>
+              <a:rPr lang="ru-RU" dirty="0" err="1" smtClean="0">
+                <a:latin typeface="Times New Roman" pitchFamily="18" charset="0"/>
+                <a:cs typeface="Times New Roman" pitchFamily="18" charset="0"/>
+              </a:rPr>
+              <a:t>отрисовки</a:t>
+            </a:r>
+            <a:r>
+              <a:rPr lang="ru-RU" dirty="0" smtClean="0">
+                <a:latin typeface="Times New Roman" pitchFamily="18" charset="0"/>
+                <a:cs typeface="Times New Roman" pitchFamily="18" charset="0"/>
+              </a:rPr>
+              <a:t> объектов в </a:t>
+            </a:r>
+            <a:r>
+              <a:rPr lang="en-US" dirty="0" smtClean="0">
+                <a:latin typeface="Times New Roman" pitchFamily="18" charset="0"/>
+                <a:cs typeface="Times New Roman" pitchFamily="18" charset="0"/>
+              </a:rPr>
+              <a:t>Android</a:t>
+            </a:r>
+            <a:r>
+              <a:rPr lang="ru-RU" dirty="0" smtClean="0">
+                <a:latin typeface="Times New Roman" pitchFamily="18" charset="0"/>
+                <a:cs typeface="Times New Roman" pitchFamily="18" charset="0"/>
+              </a:rPr>
+              <a:t>.</a:t>
+            </a:r>
+            <a:endParaRPr lang="en-US" dirty="0" smtClean="0">
+              <a:latin typeface="Times New Roman" pitchFamily="18" charset="0"/>
+              <a:cs typeface="Times New Roman" pitchFamily="18" charset="0"/>
+            </a:endParaRPr>
+          </a:p>
+          <a:p>
+            <a:r>
+              <a:rPr lang="ru-RU" dirty="0" smtClean="0">
+                <a:latin typeface="Times New Roman" pitchFamily="18" charset="0"/>
+                <a:cs typeface="Times New Roman" pitchFamily="18" charset="0"/>
+              </a:rPr>
+              <a:t>Изучены области применения </a:t>
+            </a:r>
+            <a:r>
+              <a:rPr lang="ru-RU" dirty="0" err="1" smtClean="0">
+                <a:latin typeface="Times New Roman" pitchFamily="18" charset="0"/>
+                <a:cs typeface="Times New Roman" pitchFamily="18" charset="0"/>
+              </a:rPr>
+              <a:t>геолокации</a:t>
+            </a:r>
+            <a:r>
+              <a:rPr lang="ru-RU" dirty="0" smtClean="0">
+                <a:latin typeface="Times New Roman" pitchFamily="18" charset="0"/>
+                <a:cs typeface="Times New Roman" pitchFamily="18" charset="0"/>
+              </a:rPr>
+              <a:t> и дополненной реальности.</a:t>
+            </a:r>
+          </a:p>
+          <a:p>
+            <a:pPr>
+              <a:buNone/>
+            </a:pPr>
+            <a:endParaRPr lang="ru-RU" dirty="0">
+              <a:latin typeface="Times New Roman" pitchFamily="18" charset="0"/>
+              <a:cs typeface="Times New Roman" pitchFamily="18" charset="0"/>
+            </a:endParaRPr>
+          </a:p>
+        </p:txBody>
+      </p:sp>
+      <p:sp>
+        <p:nvSpPr>
+          <p:cNvPr id="4" name="Номер слайда 3"/>
+          <p:cNvSpPr>
+            <a:spLocks noGrp="1"/>
+          </p:cNvSpPr>
+          <p:nvPr>
+            <p:ph type="sldNum" sz="quarter" idx="12"/>
           </p:nvPr>
         </p:nvSpPr>
         <p:spPr/>
@@ -4601,45 +4557,12 @@
           <a:bodyPr/>
           <a:lstStyle/>
           <a:p>
-            <a:r>
-              <a:rPr lang="en-US" dirty="0" smtClean="0"/>
-              <a:t>OpenGL ES</a:t>
-            </a:r>
-          </a:p>
-          <a:p>
-            <a:r>
-              <a:rPr lang="en-US" dirty="0" err="1" smtClean="0"/>
-              <a:t>Android.graphics</a:t>
-            </a:r>
-            <a:r>
-              <a:rPr lang="en-US" dirty="0" smtClean="0"/>
-              <a:t>.*</a:t>
-            </a:r>
-            <a:endParaRPr lang="ru-RU" dirty="0"/>
-          </a:p>
-        </p:txBody>
-      </p:sp>
-      <p:sp>
-        <p:nvSpPr>
-          <p:cNvPr id="4" name="Номер слайда 3"/>
-          <p:cNvSpPr>
-            <a:spLocks noGrp="1"/>
-          </p:cNvSpPr>
-          <p:nvPr>
-            <p:ph type="sldNum" sz="quarter" idx="12"/>
-          </p:nvPr>
-        </p:nvSpPr>
-        <p:spPr/>
-        <p:txBody>
-          <a:bodyPr/>
-          <a:lstStyle/>
-          <a:p>
             <a:fld id="{9A39E707-F3CE-4BEB-9583-BB36F29193FA}" type="slidenum">
-              <a:rPr lang="ru-RU" smtClean="0"/>
+              <a:rPr lang="ru-RU" sz="3200" smtClean="0"/>
               <a:pPr/>
               <a:t>15</a:t>
             </a:fld>
-            <a:endParaRPr lang="ru-RU"/>
+            <a:endParaRPr lang="ru-RU" sz="3200"/>
           </a:p>
         </p:txBody>
       </p:sp>
@@ -4685,96 +4608,33 @@
             <p:ph type="title"/>
           </p:nvPr>
         </p:nvSpPr>
-        <p:spPr/>
-        <p:txBody>
-          <a:bodyPr>
-            <a:normAutofit fontScale="90000"/>
-          </a:bodyPr>
-          <a:lstStyle/>
-          <a:p>
-            <a:r>
-              <a:rPr lang="ru-RU" dirty="0" smtClean="0"/>
-              <a:t>Инструменты, выбранные для разработки</a:t>
-            </a:r>
-            <a:endParaRPr lang="ru-RU" dirty="0"/>
-          </a:p>
-        </p:txBody>
-      </p:sp>
-      <p:sp>
-        <p:nvSpPr>
-          <p:cNvPr id="3" name="Содержимое 2"/>
-          <p:cNvSpPr>
-            <a:spLocks noGrp="1"/>
-          </p:cNvSpPr>
-          <p:nvPr>
-            <p:ph idx="1"/>
-          </p:nvPr>
-        </p:nvSpPr>
-        <p:spPr/>
+        <p:spPr>
+          <a:xfrm>
+            <a:off x="457200" y="2786066"/>
+            <a:ext cx="8229600" cy="1143000"/>
+          </a:xfrm>
+        </p:spPr>
         <p:txBody>
           <a:bodyPr/>
           <a:lstStyle/>
           <a:p>
             <a:r>
-              <a:rPr lang="ru-RU" dirty="0" smtClean="0"/>
-              <a:t>Язык: </a:t>
-            </a:r>
-            <a:r>
-              <a:rPr lang="en-US" dirty="0" smtClean="0"/>
-              <a:t>Java</a:t>
-            </a:r>
-            <a:endParaRPr lang="ru-RU" dirty="0" smtClean="0"/>
-          </a:p>
-          <a:p>
-            <a:r>
-              <a:rPr lang="ru-RU" dirty="0" smtClean="0"/>
-              <a:t>Среда разработки:</a:t>
-            </a:r>
-            <a:r>
-              <a:rPr lang="en-US" dirty="0" smtClean="0"/>
-              <a:t> </a:t>
-            </a:r>
-            <a:r>
-              <a:rPr lang="en-US" dirty="0" err="1" smtClean="0"/>
-              <a:t>Intellij</a:t>
-            </a:r>
-            <a:r>
-              <a:rPr lang="en-US" dirty="0" smtClean="0"/>
-              <a:t> Idea</a:t>
-            </a:r>
-            <a:endParaRPr lang="ru-RU" dirty="0" smtClean="0"/>
-          </a:p>
-          <a:p>
-            <a:r>
-              <a:rPr lang="ru-RU" dirty="0" smtClean="0"/>
-              <a:t>Визуализация:</a:t>
-            </a:r>
-            <a:r>
-              <a:rPr lang="en-US" dirty="0" smtClean="0"/>
-              <a:t> OpenGL ES + </a:t>
-            </a:r>
-            <a:r>
-              <a:rPr lang="en-US" dirty="0" err="1" smtClean="0"/>
-              <a:t>android.graphics</a:t>
-            </a:r>
-            <a:endParaRPr lang="ru-RU" dirty="0" smtClean="0"/>
-          </a:p>
-          <a:p>
-            <a:r>
-              <a:rPr lang="ru-RU" dirty="0" smtClean="0"/>
-              <a:t>Вспомогательные инструменты: </a:t>
-            </a:r>
-            <a:r>
-              <a:rPr lang="en-US" dirty="0" err="1" smtClean="0"/>
-              <a:t>Mixare</a:t>
-            </a:r>
-            <a:endParaRPr lang="ru-RU" dirty="0"/>
-          </a:p>
-        </p:txBody>
-      </p:sp>
-      <p:sp>
-        <p:nvSpPr>
-          <p:cNvPr id="4" name="Номер слайда 3"/>
+              <a:rPr lang="ru-RU" dirty="0" smtClean="0">
+                <a:latin typeface="Times New Roman" pitchFamily="18" charset="0"/>
+                <a:cs typeface="Times New Roman" pitchFamily="18" charset="0"/>
+              </a:rPr>
+              <a:t>Спасибо за внимание!</a:t>
+            </a:r>
+            <a:endParaRPr lang="ru-RU" dirty="0">
+              <a:latin typeface="Times New Roman" pitchFamily="18" charset="0"/>
+              <a:cs typeface="Times New Roman" pitchFamily="18" charset="0"/>
+            </a:endParaRPr>
+          </a:p>
+        </p:txBody>
+      </p:sp>
+      <p:sp>
+        <p:nvSpPr>
+          <p:cNvPr id="3" name="Номер слайда 2"/>
           <p:cNvSpPr>
             <a:spLocks noGrp="1"/>
           </p:cNvSpPr>
@@ -4788,396 +4648,11 @@
           <a:lstStyle/>
           <a:p>
             <a:fld id="{9A39E707-F3CE-4BEB-9583-BB36F29193FA}" type="slidenum">
-              <a:rPr lang="ru-RU" smtClean="0"/>
+              <a:rPr lang="ru-RU" sz="3200" smtClean="0"/>
               <a:pPr/>
               <a:t>16</a:t>
             </a:fld>
-            <a:endParaRPr lang="ru-RU"/>
-          </a:p>
-        </p:txBody>
-      </p:sp>
-    </p:spTree>
-  </p:cSld>
-  <p:clrMapOvr>
-    <a:masterClrMapping/>
-  </p:clrMapOvr>
-  <p:timing>
-    <p:tnLst>
-      <p:par>
-        <p:cTn id="1" dur="indefinite" restart="never" nodeType="tmRoot"/>
-      </p:par>
-    </p:tnLst>
-  </p:timing>
-</p:sld>
-</file>
-
-<file path=ppt/slides/slide17.xml><?xml version="1.0" encoding="utf-8"?>
-<p:sld xmlns:a="http://schemas.openxmlformats.org/drawingml/2006/main" xmlns:r="http://schemas.openxmlformats.org/officeDocument/2006/relationships" xmlns:p="http://schemas.openxmlformats.org/presentationml/2006/main">
-  <p:cSld>
-    <p:spTree>
-      <p:nvGrpSpPr>
-        <p:cNvPr id="1" name=""/>
-        <p:cNvGrpSpPr/>
-        <p:nvPr/>
-      </p:nvGrpSpPr>
-      <p:grpSpPr>
-        <a:xfrm>
-          <a:off x="0" y="0"/>
-          <a:ext cx="0" cy="0"/>
-          <a:chOff x="0" y="0"/>
-          <a:chExt cx="0" cy="0"/>
-        </a:xfrm>
-      </p:grpSpPr>
-      <p:sp>
-        <p:nvSpPr>
-          <p:cNvPr id="2" name="Заголовок 1"/>
-          <p:cNvSpPr>
-            <a:spLocks noGrp="1"/>
-          </p:cNvSpPr>
-          <p:nvPr>
-            <p:ph type="title"/>
-          </p:nvPr>
-        </p:nvSpPr>
-        <p:spPr/>
-        <p:txBody>
-          <a:bodyPr/>
-          <a:lstStyle/>
-          <a:p>
-            <a:r>
-              <a:rPr lang="ru-RU" dirty="0" smtClean="0"/>
-              <a:t>Диаграмма прецедентов.</a:t>
-            </a:r>
-            <a:endParaRPr lang="ru-RU" dirty="0"/>
-          </a:p>
-        </p:txBody>
-      </p:sp>
-      <p:sp>
-        <p:nvSpPr>
-          <p:cNvPr id="4" name="Номер слайда 3"/>
-          <p:cNvSpPr>
-            <a:spLocks noGrp="1"/>
-          </p:cNvSpPr>
-          <p:nvPr>
-            <p:ph type="sldNum" sz="quarter" idx="12"/>
-          </p:nvPr>
-        </p:nvSpPr>
-        <p:spPr/>
-        <p:txBody>
-          <a:bodyPr/>
-          <a:lstStyle/>
-          <a:p>
-            <a:fld id="{9A39E707-F3CE-4BEB-9583-BB36F29193FA}" type="slidenum">
-              <a:rPr lang="ru-RU" smtClean="0"/>
-              <a:pPr/>
-              <a:t>17</a:t>
-            </a:fld>
-            <a:endParaRPr lang="ru-RU"/>
-          </a:p>
-        </p:txBody>
-      </p:sp>
-      <p:pic>
-        <p:nvPicPr>
-          <p:cNvPr id="1026" name="Picture 2"/>
-          <p:cNvPicPr>
-            <a:picLocks noGrp="1" noChangeAspect="1" noChangeArrowheads="1"/>
-          </p:cNvPicPr>
-          <p:nvPr>
-            <p:ph idx="1"/>
-          </p:nvPr>
-        </p:nvPicPr>
-        <p:blipFill>
-          <a:blip r:embed="rId2"/>
-          <a:srcRect/>
-          <a:stretch>
-            <a:fillRect/>
-          </a:stretch>
-        </p:blipFill>
-        <p:spPr bwMode="auto">
-          <a:xfrm>
-            <a:off x="1366837" y="1762919"/>
-            <a:ext cx="6410325" cy="4200525"/>
-          </a:xfrm>
-          <a:prstGeom prst="rect">
-            <a:avLst/>
-          </a:prstGeom>
-          <a:noFill/>
-          <a:ln w="9525">
-            <a:noFill/>
-            <a:miter lim="800000"/>
-            <a:headEnd/>
-            <a:tailEnd/>
-          </a:ln>
-          <a:effectLst/>
-        </p:spPr>
-      </p:pic>
-    </p:spTree>
-  </p:cSld>
-  <p:clrMapOvr>
-    <a:masterClrMapping/>
-  </p:clrMapOvr>
-</p:sld>
-</file>
-
-<file path=ppt/slides/slide18.xml><?xml version="1.0" encoding="utf-8"?>
-<p:sld xmlns:a="http://schemas.openxmlformats.org/drawingml/2006/main" xmlns:r="http://schemas.openxmlformats.org/officeDocument/2006/relationships" xmlns:p="http://schemas.openxmlformats.org/presentationml/2006/main">
-  <p:cSld>
-    <p:spTree>
-      <p:nvGrpSpPr>
-        <p:cNvPr id="1" name=""/>
-        <p:cNvGrpSpPr/>
-        <p:nvPr/>
-      </p:nvGrpSpPr>
-      <p:grpSpPr>
-        <a:xfrm>
-          <a:off x="0" y="0"/>
-          <a:ext cx="0" cy="0"/>
-          <a:chOff x="0" y="0"/>
-          <a:chExt cx="0" cy="0"/>
-        </a:xfrm>
-      </p:grpSpPr>
-      <p:sp>
-        <p:nvSpPr>
-          <p:cNvPr id="2" name="Заголовок 1"/>
-          <p:cNvSpPr>
-            <a:spLocks noGrp="1"/>
-          </p:cNvSpPr>
-          <p:nvPr>
-            <p:ph type="title"/>
-          </p:nvPr>
-        </p:nvSpPr>
-        <p:spPr/>
-        <p:txBody>
-          <a:bodyPr>
-            <a:normAutofit fontScale="90000"/>
-          </a:bodyPr>
-          <a:lstStyle/>
-          <a:p>
-            <a:r>
-              <a:rPr lang="ru-RU" dirty="0" smtClean="0"/>
-              <a:t>Описание функционала разработанного приложения, </a:t>
-            </a:r>
-            <a:r>
-              <a:rPr lang="ru-RU" dirty="0" err="1" smtClean="0"/>
-              <a:t>скриншоты</a:t>
-            </a:r>
-            <a:endParaRPr lang="ru-RU" dirty="0"/>
-          </a:p>
-        </p:txBody>
-      </p:sp>
-      <p:pic>
-        <p:nvPicPr>
-          <p:cNvPr id="5" name="Содержимое 4" descr="Screenshot_2013-05-26-19-22-47.png"/>
-          <p:cNvPicPr>
-            <a:picLocks noGrp="1"/>
-          </p:cNvPicPr>
-          <p:nvPr>
-            <p:ph sz="half" idx="1"/>
-          </p:nvPr>
-        </p:nvPicPr>
-        <p:blipFill>
-          <a:blip r:embed="rId2"/>
-          <a:srcRect t="4798"/>
-          <a:stretch>
-            <a:fillRect/>
-          </a:stretch>
-        </p:blipFill>
-        <p:spPr>
-          <a:xfrm>
-            <a:off x="1000100" y="1928802"/>
-            <a:ext cx="2852438" cy="4525963"/>
-          </a:xfrm>
-          <a:prstGeom prst="rect">
-            <a:avLst/>
-          </a:prstGeom>
-        </p:spPr>
-      </p:pic>
-      <p:pic>
-        <p:nvPicPr>
-          <p:cNvPr id="6" name="Содержимое 5" descr="Screenshot_2013-05-26-19-22-30.png"/>
-          <p:cNvPicPr>
-            <a:picLocks noGrp="1"/>
-          </p:cNvPicPr>
-          <p:nvPr>
-            <p:ph sz="half" idx="2"/>
-          </p:nvPr>
-        </p:nvPicPr>
-        <p:blipFill>
-          <a:blip r:embed="rId3"/>
-          <a:srcRect t="4798"/>
-          <a:stretch>
-            <a:fillRect/>
-          </a:stretch>
-        </p:blipFill>
-        <p:spPr>
-          <a:xfrm>
-            <a:off x="5143504" y="1928802"/>
-            <a:ext cx="2852438" cy="4525963"/>
-          </a:xfrm>
-          <a:prstGeom prst="rect">
-            <a:avLst/>
-          </a:prstGeom>
-        </p:spPr>
-      </p:pic>
-      <p:sp>
-        <p:nvSpPr>
-          <p:cNvPr id="7" name="Номер слайда 6"/>
-          <p:cNvSpPr>
-            <a:spLocks noGrp="1"/>
-          </p:cNvSpPr>
-          <p:nvPr>
-            <p:ph type="sldNum" sz="quarter" idx="12"/>
-          </p:nvPr>
-        </p:nvSpPr>
-        <p:spPr/>
-        <p:txBody>
-          <a:bodyPr/>
-          <a:lstStyle/>
-          <a:p>
-            <a:fld id="{9A39E707-F3CE-4BEB-9583-BB36F29193FA}" type="slidenum">
-              <a:rPr lang="ru-RU" smtClean="0"/>
-              <a:pPr/>
-              <a:t>18</a:t>
-            </a:fld>
-            <a:endParaRPr lang="ru-RU"/>
-          </a:p>
-        </p:txBody>
-      </p:sp>
-    </p:spTree>
-  </p:cSld>
-  <p:clrMapOvr>
-    <a:masterClrMapping/>
-  </p:clrMapOvr>
-  <p:timing>
-    <p:tnLst>
-      <p:par>
-        <p:cTn id="1" dur="indefinite" restart="never" nodeType="tmRoot"/>
-      </p:par>
-    </p:tnLst>
-  </p:timing>
-</p:sld>
-</file>
-
-<file path=ppt/slides/slide19.xml><?xml version="1.0" encoding="utf-8"?>
-<p:sld xmlns:a="http://schemas.openxmlformats.org/drawingml/2006/main" xmlns:r="http://schemas.openxmlformats.org/officeDocument/2006/relationships" xmlns:p="http://schemas.openxmlformats.org/presentationml/2006/main">
-  <p:cSld>
-    <p:spTree>
-      <p:nvGrpSpPr>
-        <p:cNvPr id="1" name=""/>
-        <p:cNvGrpSpPr/>
-        <p:nvPr/>
-      </p:nvGrpSpPr>
-      <p:grpSpPr>
-        <a:xfrm>
-          <a:off x="0" y="0"/>
-          <a:ext cx="0" cy="0"/>
-          <a:chOff x="0" y="0"/>
-          <a:chExt cx="0" cy="0"/>
-        </a:xfrm>
-      </p:grpSpPr>
-      <p:sp>
-        <p:nvSpPr>
-          <p:cNvPr id="2" name="Заголовок 1"/>
-          <p:cNvSpPr>
-            <a:spLocks noGrp="1"/>
-          </p:cNvSpPr>
-          <p:nvPr>
-            <p:ph type="title"/>
-          </p:nvPr>
-        </p:nvSpPr>
-        <p:spPr/>
-        <p:txBody>
-          <a:bodyPr>
-            <a:normAutofit fontScale="90000"/>
-          </a:bodyPr>
-          <a:lstStyle/>
-          <a:p>
-            <a:r>
-              <a:rPr lang="ru-RU" dirty="0" smtClean="0"/>
-              <a:t>Описание функционала разработанного приложения, </a:t>
-            </a:r>
-            <a:r>
-              <a:rPr lang="ru-RU" dirty="0" err="1" smtClean="0"/>
-              <a:t>скриншоты</a:t>
-            </a:r>
-            <a:endParaRPr lang="ru-RU" dirty="0"/>
-          </a:p>
-        </p:txBody>
-      </p:sp>
-      <p:pic>
-        <p:nvPicPr>
-          <p:cNvPr id="5" name="Содержимое 4" descr="Screenshot_2013-05-26-19-22-54.png"/>
-          <p:cNvPicPr>
-            <a:picLocks noGrp="1"/>
-          </p:cNvPicPr>
-          <p:nvPr>
-            <p:ph sz="half" idx="1"/>
-          </p:nvPr>
-        </p:nvPicPr>
-        <p:blipFill>
-          <a:blip r:embed="rId2"/>
-          <a:srcRect t="5086"/>
-          <a:stretch>
-            <a:fillRect/>
-          </a:stretch>
-        </p:blipFill>
-        <p:spPr>
-          <a:xfrm>
-            <a:off x="1071538" y="1928802"/>
-            <a:ext cx="2861093" cy="4525963"/>
-          </a:xfrm>
-          <a:prstGeom prst="rect">
-            <a:avLst/>
-          </a:prstGeom>
-        </p:spPr>
-      </p:pic>
-      <p:pic>
-        <p:nvPicPr>
-          <p:cNvPr id="6" name="Содержимое 5" descr="Screenshot_2013-05-26-19-23-11.png"/>
-          <p:cNvPicPr>
-            <a:picLocks noGrp="1"/>
-          </p:cNvPicPr>
-          <p:nvPr>
-            <p:ph sz="half" idx="2"/>
-          </p:nvPr>
-        </p:nvPicPr>
-        <p:blipFill>
-          <a:blip r:embed="rId3"/>
-          <a:srcRect t="4798"/>
-          <a:stretch>
-            <a:fillRect/>
-          </a:stretch>
-        </p:blipFill>
-        <p:spPr>
-          <a:xfrm>
-            <a:off x="5143504" y="1928802"/>
-            <a:ext cx="2852438" cy="4525963"/>
-          </a:xfrm>
-          <a:prstGeom prst="rect">
-            <a:avLst/>
-          </a:prstGeom>
-        </p:spPr>
-      </p:pic>
-      <p:sp>
-        <p:nvSpPr>
-          <p:cNvPr id="7" name="Номер слайда 6"/>
-          <p:cNvSpPr>
-            <a:spLocks noGrp="1"/>
-          </p:cNvSpPr>
-          <p:nvPr>
-            <p:ph type="sldNum" sz="quarter" idx="12"/>
-          </p:nvPr>
-        </p:nvSpPr>
-        <p:spPr/>
-        <p:txBody>
-          <a:bodyPr/>
-          <a:lstStyle/>
-          <a:p>
-            <a:fld id="{9A39E707-F3CE-4BEB-9583-BB36F29193FA}" type="slidenum">
-              <a:rPr lang="ru-RU" smtClean="0"/>
-              <a:pPr/>
-              <a:t>19</a:t>
-            </a:fld>
-            <a:endParaRPr lang="ru-RU"/>
+            <a:endParaRPr lang="ru-RU" sz="3200"/>
           </a:p>
         </p:txBody>
       </p:sp>
@@ -5229,10 +4704,23 @@
           <a:lstStyle/>
           <a:p>
             <a:r>
-              <a:rPr lang="ru-RU" dirty="0" smtClean="0"/>
-              <a:t>Цель дипломной работы</a:t>
-            </a:r>
-            <a:endParaRPr lang="ru-RU" dirty="0"/>
+              <a:rPr lang="ru-RU" dirty="0" smtClean="0">
+                <a:latin typeface="Times New Roman" pitchFamily="18" charset="0"/>
+                <a:cs typeface="Times New Roman" pitchFamily="18" charset="0"/>
+              </a:rPr>
+              <a:t>Цель дипломной </a:t>
+            </a:r>
+            <a:r>
+              <a:rPr lang="ru-RU" dirty="0" smtClean="0">
+                <a:latin typeface="Times New Roman" pitchFamily="18" charset="0"/>
+                <a:cs typeface="Times New Roman" pitchFamily="18" charset="0"/>
+              </a:rPr>
+              <a:t>работы</a:t>
+            </a:r>
+            <a:endParaRPr lang="ru-RU" dirty="0">
+              <a:latin typeface="Times New Roman" pitchFamily="18" charset="0"/>
+              <a:cs typeface="Times New Roman" pitchFamily="18" charset="0"/>
+            </a:endParaRPr>
           </a:p>
         </p:txBody>
       </p:sp>
@@ -5249,48 +4737,43 @@
         <p:spPr/>
         <p:txBody>
           <a:bodyPr>
-            <a:normAutofit fontScale="92500" lnSpcReduction="10000"/>
+            <a:normAutofit fontScale="85000" lnSpcReduction="10000"/>
           </a:bodyPr>
           <a:lstStyle/>
           <a:p>
             <a:r>
-              <a:rPr lang="ru-RU" dirty="0" smtClean="0"/>
-              <a:t>Разработка </a:t>
-            </a:r>
-            <a:r>
-              <a:rPr lang="ru-RU" dirty="0"/>
-              <a:t>приложения-клиента под </a:t>
-            </a:r>
-            <a:r>
-              <a:rPr lang="en-US" dirty="0"/>
+              <a:rPr lang="ru-RU" dirty="0" smtClean="0">
+                <a:latin typeface="Times New Roman" pitchFamily="18" charset="0"/>
+                <a:cs typeface="Times New Roman" pitchFamily="18" charset="0"/>
+              </a:rPr>
+              <a:t>Разработка</a:t>
+            </a:r>
+            <a:r>
+              <a:rPr lang="en-US" dirty="0" smtClean="0">
+                <a:latin typeface="Times New Roman" pitchFamily="18" charset="0"/>
+                <a:cs typeface="Times New Roman" pitchFamily="18" charset="0"/>
+              </a:rPr>
+              <a:t> </a:t>
+            </a:r>
+            <a:r>
+              <a:rPr lang="ru-RU" dirty="0" smtClean="0">
+                <a:latin typeface="Times New Roman" pitchFamily="18" charset="0"/>
+                <a:cs typeface="Times New Roman" pitchFamily="18" charset="0"/>
+              </a:rPr>
+              <a:t>визуализатора тегов расширенной реальности для </a:t>
+            </a:r>
+            <a:r>
+              <a:rPr lang="en-US" dirty="0" smtClean="0">
+                <a:latin typeface="Times New Roman" pitchFamily="18" charset="0"/>
+                <a:cs typeface="Times New Roman" pitchFamily="18" charset="0"/>
+              </a:rPr>
               <a:t>Android</a:t>
             </a:r>
             <a:r>
-              <a:rPr lang="ru-RU" dirty="0"/>
-              <a:t> для </a:t>
-            </a:r>
-            <a:r>
-              <a:rPr lang="ru-RU" dirty="0" err="1"/>
-              <a:t>геолокационной</a:t>
-            </a:r>
-            <a:r>
-              <a:rPr lang="ru-RU" dirty="0"/>
-              <a:t> системы </a:t>
-            </a:r>
-            <a:r>
-              <a:rPr lang="en-US" dirty="0"/>
-              <a:t>Geo</a:t>
-            </a:r>
-            <a:r>
-              <a:rPr lang="ru-RU" dirty="0"/>
-              <a:t>2</a:t>
-            </a:r>
-            <a:r>
-              <a:rPr lang="en-US" dirty="0"/>
-              <a:t>tag</a:t>
-            </a:r>
-            <a:r>
-              <a:rPr lang="ru-RU" dirty="0" smtClean="0"/>
+              <a:rPr lang="ru-RU" dirty="0" smtClean="0">
+                <a:latin typeface="Times New Roman" pitchFamily="18" charset="0"/>
+                <a:cs typeface="Times New Roman" pitchFamily="18" charset="0"/>
+              </a:rPr>
               <a:t>.</a:t>
             </a:r>
           </a:p>
@@ -5298,52 +4781,112 @@
             <a:pPr>
               <a:buNone/>
             </a:pPr>
-            <a:r>
-              <a:rPr lang="ru-RU" dirty="0" smtClean="0"/>
-              <a:t>Задачи:</a:t>
-            </a:r>
-          </a:p>
-          <a:p>
-            <a:r>
-              <a:rPr lang="ru-RU" dirty="0" smtClean="0"/>
-              <a:t>Изучение возможностей комбинации </a:t>
-            </a:r>
-            <a:r>
-              <a:rPr lang="ru-RU" dirty="0" err="1" smtClean="0"/>
-              <a:t>геолокации</a:t>
-            </a:r>
-            <a:r>
-              <a:rPr lang="ru-RU" dirty="0" smtClean="0"/>
-              <a:t> и дополненной реальности и полезного применения ее в реальной жизни (в частности, как приложения для смартфонов на платформе </a:t>
-            </a:r>
-            <a:r>
-              <a:rPr lang="en-US" dirty="0" smtClean="0"/>
-              <a:t>Android</a:t>
-            </a:r>
-            <a:r>
-              <a:rPr lang="ru-RU" dirty="0" smtClean="0"/>
-              <a:t>)</a:t>
-            </a:r>
-          </a:p>
-          <a:p>
-            <a:r>
-              <a:rPr lang="ru-RU" dirty="0" smtClean="0"/>
-              <a:t>Исследование возможностей визуализации в </a:t>
-            </a:r>
-            <a:r>
-              <a:rPr lang="en-US" dirty="0" smtClean="0"/>
-              <a:t>Android</a:t>
-            </a:r>
-            <a:endParaRPr lang="ru-RU" dirty="0" smtClean="0"/>
+            <a:endParaRPr lang="ru-RU" dirty="0" smtClean="0">
+              <a:latin typeface="Times New Roman" pitchFamily="18" charset="0"/>
+              <a:cs typeface="Times New Roman" pitchFamily="18" charset="0"/>
+            </a:endParaRPr>
           </a:p>
           <a:p>
             <a:pPr>
               <a:buNone/>
             </a:pPr>
-            <a:endParaRPr lang="ru-RU" dirty="0"/>
-          </a:p>
-          <a:p>
-            <a:endParaRPr lang="ru-RU" dirty="0"/>
+            <a:r>
+              <a:rPr lang="ru-RU" dirty="0" smtClean="0">
+                <a:latin typeface="Times New Roman" pitchFamily="18" charset="0"/>
+                <a:cs typeface="Times New Roman" pitchFamily="18" charset="0"/>
+              </a:rPr>
+              <a:t>Задачи:</a:t>
+            </a:r>
+          </a:p>
+          <a:p>
+            <a:r>
+              <a:rPr lang="ru-RU" dirty="0" smtClean="0">
+                <a:latin typeface="Times New Roman" pitchFamily="18" charset="0"/>
+                <a:cs typeface="Times New Roman" pitchFamily="18" charset="0"/>
+              </a:rPr>
+              <a:t>Изучение возможностей </a:t>
+            </a:r>
+            <a:r>
+              <a:rPr lang="ru-RU" dirty="0" err="1" smtClean="0">
+                <a:latin typeface="Times New Roman" pitchFamily="18" charset="0"/>
+                <a:cs typeface="Times New Roman" pitchFamily="18" charset="0"/>
+              </a:rPr>
+              <a:t>гео-контекстных</a:t>
+            </a:r>
+            <a:r>
+              <a:rPr lang="ru-RU" dirty="0" smtClean="0">
+                <a:latin typeface="Times New Roman" pitchFamily="18" charset="0"/>
+                <a:cs typeface="Times New Roman" pitchFamily="18" charset="0"/>
+              </a:rPr>
+              <a:t> сервисов и принципов построения расширенной реальности;</a:t>
+            </a:r>
+          </a:p>
+          <a:p>
+            <a:r>
+              <a:rPr lang="ru-RU" dirty="0" smtClean="0">
+                <a:latin typeface="Times New Roman" pitchFamily="18" charset="0"/>
+                <a:cs typeface="Times New Roman" pitchFamily="18" charset="0"/>
+              </a:rPr>
+              <a:t>Методов и инструментов визуализации в </a:t>
+            </a:r>
+            <a:r>
+              <a:rPr lang="en-US" dirty="0" smtClean="0">
+                <a:latin typeface="Times New Roman" pitchFamily="18" charset="0"/>
+                <a:cs typeface="Times New Roman" pitchFamily="18" charset="0"/>
+              </a:rPr>
+              <a:t>Android;</a:t>
+            </a:r>
+          </a:p>
+          <a:p>
+            <a:r>
+              <a:rPr lang="ru-RU" dirty="0" smtClean="0">
+                <a:latin typeface="Times New Roman" pitchFamily="18" charset="0"/>
+                <a:cs typeface="Times New Roman" pitchFamily="18" charset="0"/>
+              </a:rPr>
+              <a:t>Разработка мобильного приложения для визуализации </a:t>
+            </a:r>
+            <a:r>
+              <a:rPr lang="ru-RU" dirty="0" err="1" smtClean="0">
+                <a:latin typeface="Times New Roman" pitchFamily="18" charset="0"/>
+                <a:cs typeface="Times New Roman" pitchFamily="18" charset="0"/>
+              </a:rPr>
+              <a:t>гео-тегов</a:t>
+            </a:r>
+            <a:r>
+              <a:rPr lang="ru-RU" dirty="0" smtClean="0">
+                <a:latin typeface="Times New Roman" pitchFamily="18" charset="0"/>
+                <a:cs typeface="Times New Roman" pitchFamily="18" charset="0"/>
+              </a:rPr>
+              <a:t>.</a:t>
+            </a:r>
+            <a:endParaRPr lang="ru-RU" dirty="0" smtClean="0">
+              <a:latin typeface="Times New Roman" pitchFamily="18" charset="0"/>
+              <a:cs typeface="Times New Roman" pitchFamily="18" charset="0"/>
+            </a:endParaRPr>
+          </a:p>
+          <a:p>
+            <a:pPr>
+              <a:buNone/>
+            </a:pPr>
+            <a:endParaRPr lang="ru-RU" dirty="0" smtClean="0">
+              <a:latin typeface="Times New Roman" pitchFamily="18" charset="0"/>
+              <a:cs typeface="Times New Roman" pitchFamily="18" charset="0"/>
+            </a:endParaRPr>
+          </a:p>
+          <a:p>
+            <a:pPr>
+              <a:buNone/>
+            </a:pPr>
+            <a:endParaRPr lang="ru-RU" dirty="0">
+              <a:latin typeface="Times New Roman" pitchFamily="18" charset="0"/>
+              <a:cs typeface="Times New Roman" pitchFamily="18" charset="0"/>
+            </a:endParaRPr>
+          </a:p>
+          <a:p>
+            <a:endParaRPr lang="ru-RU" dirty="0">
+              <a:latin typeface="Times New Roman" pitchFamily="18" charset="0"/>
+              <a:cs typeface="Times New Roman" pitchFamily="18" charset="0"/>
+            </a:endParaRPr>
           </a:p>
         </p:txBody>
       </p:sp>
@@ -5362,240 +4905,17 @@
           <a:bodyPr/>
           <a:lstStyle/>
           <a:p>
-            <a:fld id="{9A39E707-F3CE-4BEB-9583-BB36F29193FA}" type="slidenum">
-              <a:rPr lang="ru-RU" smtClean="0"/>
-              <a:pPr/>
+            <a:fld id="{D91DFDD6-8CD9-4E78-AADD-2002214BA9DD}" type="slidenum">
+              <a:rPr lang="ru-RU" sz="3200" smtClean="0">
+                <a:latin typeface="Times New Roman" pitchFamily="18" charset="0"/>
+                <a:cs typeface="Times New Roman" pitchFamily="18" charset="0"/>
+              </a:rPr>
               <a:t>2</a:t>
             </a:fld>
-            <a:endParaRPr lang="ru-RU"/>
-          </a:p>
-        </p:txBody>
-      </p:sp>
-    </p:spTree>
-  </p:cSld>
-  <p:clrMapOvr>
-    <a:masterClrMapping/>
-  </p:clrMapOvr>
-  <p:timing>
-    <p:tnLst>
-      <p:par>
-        <p:cTn id="1" dur="indefinite" restart="never" nodeType="tmRoot"/>
-      </p:par>
-    </p:tnLst>
-  </p:timing>
-</p:sld>
-</file>
-
-<file path=ppt/slides/slide20.xml><?xml version="1.0" encoding="utf-8"?>
-<p:sld xmlns:a="http://schemas.openxmlformats.org/drawingml/2006/main" xmlns:r="http://schemas.openxmlformats.org/officeDocument/2006/relationships" xmlns:p="http://schemas.openxmlformats.org/presentationml/2006/main">
-  <p:cSld>
-    <p:spTree>
-      <p:nvGrpSpPr>
-        <p:cNvPr id="1" name=""/>
-        <p:cNvGrpSpPr/>
-        <p:nvPr/>
-      </p:nvGrpSpPr>
-      <p:grpSpPr>
-        <a:xfrm>
-          <a:off x="0" y="0"/>
-          <a:ext cx="0" cy="0"/>
-          <a:chOff x="0" y="0"/>
-          <a:chExt cx="0" cy="0"/>
-        </a:xfrm>
-      </p:grpSpPr>
-      <p:sp>
-        <p:nvSpPr>
-          <p:cNvPr id="2" name="Заголовок 1"/>
-          <p:cNvSpPr>
-            <a:spLocks noGrp="1"/>
-          </p:cNvSpPr>
-          <p:nvPr>
-            <p:ph type="title"/>
-          </p:nvPr>
-        </p:nvSpPr>
-        <p:spPr/>
-        <p:txBody>
-          <a:bodyPr>
-            <a:normAutofit fontScale="90000"/>
-          </a:bodyPr>
-          <a:lstStyle/>
-          <a:p>
-            <a:r>
-              <a:rPr lang="ru-RU" dirty="0" smtClean="0"/>
-              <a:t>Описание функционала разработанного приложения, </a:t>
-            </a:r>
-            <a:r>
-              <a:rPr lang="ru-RU" dirty="0" err="1" smtClean="0"/>
-              <a:t>скриншоты</a:t>
-            </a:r>
-            <a:endParaRPr lang="ru-RU" dirty="0"/>
-          </a:p>
-        </p:txBody>
-      </p:sp>
-      <p:pic>
-        <p:nvPicPr>
-          <p:cNvPr id="5" name="Picture 2"/>
-          <p:cNvPicPr>
-            <a:picLocks noGrp="1"/>
-          </p:cNvPicPr>
-          <p:nvPr>
-            <p:ph sz="half" idx="1"/>
-          </p:nvPr>
-        </p:nvPicPr>
-        <p:blipFill>
-          <a:blip r:embed="rId2">
-            <a:extLst>
-              <a:ext uri="{28A0092B-C50C-407E-A947-70E740481C1C}">
-                <a14:useLocalDpi xmlns="" xmlns:wpc="http://schemas.microsoft.com/office/word/2010/wordprocessingCanvas" xmlns:mc="http://schemas.openxmlformats.org/markup-compatibility/2006" xmlns:o="urn:schemas-microsoft-com:office:office" xmlns:m="http://schemas.openxmlformats.org/officeDocument/2006/math" xmlns:v="urn:schemas-microsoft-com:vml" xmlns:wp14="http://schemas.microsoft.com/office/word/2010/wordprocessingDrawing" xmlns:wp="http://schemas.openxmlformats.org/drawingml/2006/wordprocessingDrawing" xmlns:w10="urn:schemas-microsoft-com:office:word" xmlns:w="http://schemas.openxmlformats.org/wordprocessingml/2006/main" xmlns:w14="http://schemas.microsoft.com/office/word/2010/wordml" xmlns:wpg="http://schemas.microsoft.com/office/word/2010/wordprocessingGroup" xmlns:wpi="http://schemas.microsoft.com/office/word/2010/wordprocessingInk" xmlns:wne="http://schemas.microsoft.com/office/word/2006/wordml" xmlns:wps="http://schemas.microsoft.com/office/word/2010/wordprocessingShape" xmlns:a14="http://schemas.microsoft.com/office/drawing/2010/main" xmlns:pic="http://schemas.openxmlformats.org/drawingml/2006/picture" xmlns:lc="http://schemas.openxmlformats.org/drawingml/2006/lockedCanvas" val="0"/>
-              </a:ext>
-            </a:extLst>
-          </a:blip>
-          <a:stretch>
-            <a:fillRect/>
-          </a:stretch>
-        </p:blipFill>
-        <p:spPr>
-          <a:xfrm>
-            <a:off x="457200" y="2651601"/>
-            <a:ext cx="4038600" cy="2423160"/>
-          </a:xfrm>
-          <a:prstGeom prst="rect">
-            <a:avLst/>
-          </a:prstGeom>
-        </p:spPr>
-      </p:pic>
-      <p:pic>
-        <p:nvPicPr>
-          <p:cNvPr id="6" name="Picture 10"/>
-          <p:cNvPicPr>
-            <a:picLocks noGrp="1"/>
-          </p:cNvPicPr>
-          <p:nvPr>
-            <p:ph sz="half" idx="2"/>
-          </p:nvPr>
-        </p:nvPicPr>
-        <p:blipFill>
-          <a:blip r:embed="rId3">
-            <a:extLst>
-              <a:ext uri="{28A0092B-C50C-407E-A947-70E740481C1C}">
-                <a14:useLocalDpi xmlns="" xmlns:wpc="http://schemas.microsoft.com/office/word/2010/wordprocessingCanvas" xmlns:mc="http://schemas.openxmlformats.org/markup-compatibility/2006" xmlns:o="urn:schemas-microsoft-com:office:office" xmlns:m="http://schemas.openxmlformats.org/officeDocument/2006/math" xmlns:v="urn:schemas-microsoft-com:vml" xmlns:wp14="http://schemas.microsoft.com/office/word/2010/wordprocessingDrawing" xmlns:wp="http://schemas.openxmlformats.org/drawingml/2006/wordprocessingDrawing" xmlns:w10="urn:schemas-microsoft-com:office:word" xmlns:w="http://schemas.openxmlformats.org/wordprocessingml/2006/main" xmlns:w14="http://schemas.microsoft.com/office/word/2010/wordml" xmlns:wpg="http://schemas.microsoft.com/office/word/2010/wordprocessingGroup" xmlns:wpi="http://schemas.microsoft.com/office/word/2010/wordprocessingInk" xmlns:wne="http://schemas.microsoft.com/office/word/2006/wordml" xmlns:wps="http://schemas.microsoft.com/office/word/2010/wordprocessingShape" xmlns:a14="http://schemas.microsoft.com/office/drawing/2010/main" xmlns:pic="http://schemas.openxmlformats.org/drawingml/2006/picture" xmlns:lc="http://schemas.openxmlformats.org/drawingml/2006/lockedCanvas" val="0"/>
-              </a:ext>
-            </a:extLst>
-          </a:blip>
-          <a:stretch>
-            <a:fillRect/>
-          </a:stretch>
-        </p:blipFill>
-        <p:spPr>
-          <a:xfrm>
-            <a:off x="4648200" y="2651601"/>
-            <a:ext cx="4038600" cy="2423160"/>
-          </a:xfrm>
-          <a:prstGeom prst="rect">
-            <a:avLst/>
-          </a:prstGeom>
-        </p:spPr>
-      </p:pic>
-      <p:sp>
-        <p:nvSpPr>
-          <p:cNvPr id="7" name="Номер слайда 6"/>
-          <p:cNvSpPr>
-            <a:spLocks noGrp="1"/>
-          </p:cNvSpPr>
-          <p:nvPr>
-            <p:ph type="sldNum" sz="quarter" idx="12"/>
-          </p:nvPr>
-        </p:nvSpPr>
-        <p:spPr/>
-        <p:txBody>
-          <a:bodyPr/>
-          <a:lstStyle/>
-          <a:p>
-            <a:fld id="{9A39E707-F3CE-4BEB-9583-BB36F29193FA}" type="slidenum">
-              <a:rPr lang="ru-RU" smtClean="0"/>
-              <a:pPr/>
-              <a:t>20</a:t>
-            </a:fld>
-            <a:endParaRPr lang="ru-RU"/>
-          </a:p>
-        </p:txBody>
-      </p:sp>
-    </p:spTree>
-  </p:cSld>
-  <p:clrMapOvr>
-    <a:masterClrMapping/>
-  </p:clrMapOvr>
-  <p:timing>
-    <p:tnLst>
-      <p:par>
-        <p:cTn id="1" dur="indefinite" restart="never" nodeType="tmRoot"/>
-      </p:par>
-    </p:tnLst>
-  </p:timing>
-</p:sld>
-</file>
-
-<file path=ppt/slides/slide21.xml><?xml version="1.0" encoding="utf-8"?>
-<p:sld xmlns:a="http://schemas.openxmlformats.org/drawingml/2006/main" xmlns:r="http://schemas.openxmlformats.org/officeDocument/2006/relationships" xmlns:p="http://schemas.openxmlformats.org/presentationml/2006/main">
-  <p:cSld>
-    <p:spTree>
-      <p:nvGrpSpPr>
-        <p:cNvPr id="1" name=""/>
-        <p:cNvGrpSpPr/>
-        <p:nvPr/>
-      </p:nvGrpSpPr>
-      <p:grpSpPr>
-        <a:xfrm>
-          <a:off x="0" y="0"/>
-          <a:ext cx="0" cy="0"/>
-          <a:chOff x="0" y="0"/>
-          <a:chExt cx="0" cy="0"/>
-        </a:xfrm>
-      </p:grpSpPr>
-      <p:sp>
-        <p:nvSpPr>
-          <p:cNvPr id="2" name="Заголовок 1"/>
-          <p:cNvSpPr>
-            <a:spLocks noGrp="1"/>
-          </p:cNvSpPr>
-          <p:nvPr>
-            <p:ph type="title"/>
-          </p:nvPr>
-        </p:nvSpPr>
-        <p:spPr/>
-        <p:txBody>
-          <a:bodyPr/>
-          <a:lstStyle/>
-          <a:p>
-            <a:r>
-              <a:rPr lang="ru-RU" dirty="0" smtClean="0"/>
-              <a:t>Спасибо за внимание!</a:t>
-            </a:r>
-            <a:endParaRPr lang="ru-RU" dirty="0"/>
-          </a:p>
-        </p:txBody>
-      </p:sp>
-      <p:sp>
-        <p:nvSpPr>
-          <p:cNvPr id="3" name="Номер слайда 2"/>
-          <p:cNvSpPr>
-            <a:spLocks noGrp="1"/>
-          </p:cNvSpPr>
-          <p:nvPr>
-            <p:ph type="sldNum" sz="quarter" idx="12"/>
-          </p:nvPr>
-        </p:nvSpPr>
-        <p:spPr/>
-        <p:txBody>
-          <a:bodyPr/>
-          <a:lstStyle/>
-          <a:p>
-            <a:fld id="{9A39E707-F3CE-4BEB-9583-BB36F29193FA}" type="slidenum">
-              <a:rPr lang="ru-RU" smtClean="0"/>
-              <a:pPr/>
-              <a:t>21</a:t>
-            </a:fld>
-            <a:endParaRPr lang="ru-RU"/>
+            <a:endParaRPr lang="ru-RU" sz="3200" dirty="0">
+              <a:latin typeface="Times New Roman" pitchFamily="18" charset="0"/>
+              <a:cs typeface="Times New Roman" pitchFamily="18" charset="0"/>
+            </a:endParaRPr>
           </a:p>
         </p:txBody>
       </p:sp>
@@ -5643,14 +4963,29 @@
         </p:nvSpPr>
         <p:spPr/>
         <p:txBody>
-          <a:bodyPr/>
-          <a:lstStyle/>
-          <a:p>
-            <a:r>
-              <a:rPr lang="ru-RU" dirty="0" smtClean="0"/>
-              <a:t>Дополненная реальность</a:t>
-            </a:r>
-            <a:endParaRPr lang="ru-RU" dirty="0"/>
+          <a:bodyPr>
+            <a:normAutofit fontScale="90000"/>
+          </a:bodyPr>
+          <a:lstStyle/>
+          <a:p>
+            <a:r>
+              <a:rPr lang="ru-RU" dirty="0" smtClean="0">
+                <a:latin typeface="Times New Roman" pitchFamily="18" charset="0"/>
+                <a:cs typeface="Times New Roman" pitchFamily="18" charset="0"/>
+              </a:rPr>
+              <a:t>Дополненная реальность и </a:t>
+            </a:r>
+            <a:r>
+              <a:rPr lang="ru-RU" dirty="0" err="1" smtClean="0">
+                <a:latin typeface="Times New Roman" pitchFamily="18" charset="0"/>
+                <a:cs typeface="Times New Roman" pitchFamily="18" charset="0"/>
+              </a:rPr>
+              <a:t>геолокация</a:t>
+            </a:r>
+            <a:endParaRPr lang="ru-RU" dirty="0">
+              <a:latin typeface="Times New Roman" pitchFamily="18" charset="0"/>
+              <a:cs typeface="Times New Roman" pitchFamily="18" charset="0"/>
+            </a:endParaRPr>
           </a:p>
         </p:txBody>
       </p:sp>
@@ -5667,56 +5002,186 @@
         <p:spPr/>
         <p:txBody>
           <a:bodyPr>
-            <a:normAutofit fontScale="92500" lnSpcReduction="20000"/>
+            <a:noAutofit/>
           </a:bodyPr>
           <a:lstStyle/>
-          <a:p>
-            <a:r>
-              <a:rPr lang="ru-RU" b="1" dirty="0"/>
-              <a:t>Дополненная реальность</a:t>
-            </a:r>
-            <a:r>
-              <a:rPr lang="ru-RU" dirty="0"/>
-              <a:t> (</a:t>
-            </a:r>
-            <a:r>
-              <a:rPr lang="ru-RU" i="1" dirty="0" err="1"/>
-              <a:t>augmented</a:t>
-            </a:r>
-            <a:r>
-              <a:rPr lang="ru-RU" i="1" dirty="0"/>
-              <a:t> </a:t>
-            </a:r>
-            <a:r>
-              <a:rPr lang="ru-RU" i="1" dirty="0" err="1"/>
-              <a:t>reality</a:t>
-            </a:r>
-            <a:r>
-              <a:rPr lang="ru-RU" dirty="0"/>
-              <a:t>, AR), — термин, относящийся ко всем проектам, направленным на дополнение реальности любыми виртуальными элементами. П</a:t>
-            </a:r>
-            <a:r>
-              <a:rPr lang="ru-RU" dirty="0" smtClean="0"/>
-              <a:t>римеры </a:t>
-            </a:r>
-            <a:r>
-              <a:rPr lang="ru-RU" dirty="0"/>
-              <a:t>дополненной реальности — параллельная лицевой цветная линия, показывающая нахождение ближайшего полевого игрока к воротам при </a:t>
-            </a:r>
-            <a:r>
-              <a:rPr lang="ru-RU" dirty="0" err="1"/>
-              <a:t>телетрансляции</a:t>
-            </a:r>
-            <a:r>
-              <a:rPr lang="ru-RU" dirty="0"/>
-              <a:t> футбольных матчей, стрелки с указанием расстояния от места штрафного удара до ворот, нарисованная траектория шайбы во время хоккея и т. п.</a:t>
-            </a:r>
-          </a:p>
           <a:p>
             <a:pPr>
               <a:buNone/>
             </a:pPr>
-            <a:endParaRPr lang="ru-RU" dirty="0"/>
+            <a:r>
+              <a:rPr lang="ru-RU" sz="2400" b="1" dirty="0" smtClean="0">
+                <a:latin typeface="Times New Roman" pitchFamily="18" charset="0"/>
+                <a:cs typeface="Times New Roman" pitchFamily="18" charset="0"/>
+              </a:rPr>
+              <a:t>Дополненная реальность</a:t>
+            </a:r>
+            <a:r>
+              <a:rPr lang="ru-RU" sz="2400" dirty="0" smtClean="0">
+                <a:latin typeface="Times New Roman" pitchFamily="18" charset="0"/>
+                <a:cs typeface="Times New Roman" pitchFamily="18" charset="0"/>
+              </a:rPr>
+              <a:t> </a:t>
+            </a:r>
+            <a:r>
+              <a:rPr lang="ru-RU" sz="2400" dirty="0" smtClean="0">
+                <a:latin typeface="Times New Roman" pitchFamily="18" charset="0"/>
+                <a:cs typeface="Times New Roman" pitchFamily="18" charset="0"/>
+              </a:rPr>
+              <a:t>— дополнение </a:t>
+            </a:r>
+            <a:r>
+              <a:rPr lang="ru-RU" sz="2400" dirty="0" smtClean="0">
+                <a:latin typeface="Times New Roman" pitchFamily="18" charset="0"/>
+                <a:cs typeface="Times New Roman" pitchFamily="18" charset="0"/>
+              </a:rPr>
+              <a:t>реальности любыми виртуальными элементами. </a:t>
+            </a:r>
+            <a:endParaRPr lang="ru-RU" sz="2400" dirty="0" smtClean="0">
+              <a:latin typeface="Times New Roman" pitchFamily="18" charset="0"/>
+              <a:cs typeface="Times New Roman" pitchFamily="18" charset="0"/>
+            </a:endParaRPr>
+          </a:p>
+          <a:p>
+            <a:pPr>
+              <a:buNone/>
+            </a:pPr>
+            <a:r>
+              <a:rPr lang="ru-RU" sz="2400" dirty="0" smtClean="0">
+                <a:latin typeface="Times New Roman" pitchFamily="18" charset="0"/>
+                <a:cs typeface="Times New Roman" pitchFamily="18" charset="0"/>
+              </a:rPr>
+              <a:t>Применение:</a:t>
+            </a:r>
+          </a:p>
+          <a:p>
+            <a:pPr marL="900000"/>
+            <a:r>
+              <a:rPr lang="ru-RU" sz="2400" dirty="0" smtClean="0">
+                <a:latin typeface="Times New Roman" pitchFamily="18" charset="0"/>
+                <a:cs typeface="Times New Roman" pitchFamily="18" charset="0"/>
+              </a:rPr>
+              <a:t>Военная техника</a:t>
+            </a:r>
+          </a:p>
+          <a:p>
+            <a:pPr marL="900000"/>
+            <a:r>
+              <a:rPr lang="ru-RU" sz="2400" dirty="0" smtClean="0">
+                <a:latin typeface="Times New Roman" pitchFamily="18" charset="0"/>
+                <a:cs typeface="Times New Roman" pitchFamily="18" charset="0"/>
+              </a:rPr>
+              <a:t>Мобильные технологии</a:t>
+            </a:r>
+          </a:p>
+          <a:p>
+            <a:pPr marL="900000"/>
+            <a:r>
+              <a:rPr lang="ru-RU" sz="2400" dirty="0" smtClean="0">
+                <a:latin typeface="Times New Roman" pitchFamily="18" charset="0"/>
+                <a:cs typeface="Times New Roman" pitchFamily="18" charset="0"/>
+              </a:rPr>
+              <a:t>Навигация</a:t>
+            </a:r>
+          </a:p>
+          <a:p>
+            <a:pPr marL="900000"/>
+            <a:r>
+              <a:rPr lang="ru-RU" sz="2400" dirty="0" smtClean="0">
+                <a:latin typeface="Times New Roman" pitchFamily="18" charset="0"/>
+                <a:cs typeface="Times New Roman" pitchFamily="18" charset="0"/>
+              </a:rPr>
+              <a:t>Дизайн</a:t>
+            </a:r>
+          </a:p>
+          <a:p>
+            <a:pPr marL="900000">
+              <a:buNone/>
+            </a:pPr>
+            <a:endParaRPr lang="ru-RU" sz="2400" dirty="0" smtClean="0">
+              <a:latin typeface="Times New Roman" pitchFamily="18" charset="0"/>
+              <a:cs typeface="Times New Roman" pitchFamily="18" charset="0"/>
+            </a:endParaRPr>
+          </a:p>
+          <a:p>
+            <a:pPr>
+              <a:buNone/>
+            </a:pPr>
+            <a:r>
+              <a:rPr lang="ru-RU" sz="2400" b="1" dirty="0" err="1" smtClean="0">
+                <a:latin typeface="Times New Roman" pitchFamily="18" charset="0"/>
+                <a:cs typeface="Times New Roman" pitchFamily="18" charset="0"/>
+              </a:rPr>
+              <a:t>Геолокационный</a:t>
+            </a:r>
+            <a:r>
+              <a:rPr lang="ru-RU" sz="2400" b="1" dirty="0" smtClean="0">
+                <a:latin typeface="Times New Roman" pitchFamily="18" charset="0"/>
+                <a:cs typeface="Times New Roman" pitchFamily="18" charset="0"/>
+              </a:rPr>
+              <a:t> сервис</a:t>
+            </a:r>
+            <a:r>
+              <a:rPr lang="ru-RU" sz="2400" dirty="0" smtClean="0">
+                <a:latin typeface="Times New Roman" pitchFamily="18" charset="0"/>
+                <a:cs typeface="Times New Roman" pitchFamily="18" charset="0"/>
+              </a:rPr>
+              <a:t> — </a:t>
+            </a:r>
+            <a:r>
+              <a:rPr lang="ru-RU" sz="2400" dirty="0" err="1" smtClean="0">
+                <a:latin typeface="Times New Roman" pitchFamily="18" charset="0"/>
+                <a:cs typeface="Times New Roman" pitchFamily="18" charset="0"/>
+              </a:rPr>
+              <a:t>сервис</a:t>
+            </a:r>
+            <a:r>
+              <a:rPr lang="ru-RU" sz="2400" dirty="0" smtClean="0">
+                <a:latin typeface="Times New Roman" pitchFamily="18" charset="0"/>
+                <a:cs typeface="Times New Roman" pitchFamily="18" charset="0"/>
+              </a:rPr>
+              <a:t>, основанный на определении текущего местоположения мобильного устройства пользователя. </a:t>
+            </a:r>
+          </a:p>
+          <a:p>
+            <a:pPr>
+              <a:buNone/>
+            </a:pPr>
+            <a:endParaRPr lang="ru-RU" sz="2400" dirty="0" smtClean="0">
+              <a:latin typeface="Times New Roman" pitchFamily="18" charset="0"/>
+              <a:cs typeface="Times New Roman" pitchFamily="18" charset="0"/>
+            </a:endParaRPr>
+          </a:p>
+          <a:p>
+            <a:pPr>
+              <a:buNone/>
+            </a:pPr>
+            <a:endParaRPr lang="ru-RU" sz="2400" dirty="0" smtClean="0">
+              <a:latin typeface="Times New Roman" pitchFamily="18" charset="0"/>
+              <a:cs typeface="Times New Roman" pitchFamily="18" charset="0"/>
+            </a:endParaRPr>
+          </a:p>
+          <a:p>
+            <a:pPr marL="900000"/>
+            <a:endParaRPr lang="ru-RU" sz="2400" dirty="0" smtClean="0">
+              <a:latin typeface="Times New Roman" pitchFamily="18" charset="0"/>
+              <a:cs typeface="Times New Roman" pitchFamily="18" charset="0"/>
+            </a:endParaRPr>
+          </a:p>
+          <a:p>
+            <a:pPr>
+              <a:buNone/>
+            </a:pPr>
+            <a:endParaRPr lang="ru-RU" sz="2400" dirty="0" smtClean="0">
+              <a:latin typeface="Times New Roman" pitchFamily="18" charset="0"/>
+              <a:cs typeface="Times New Roman" pitchFamily="18" charset="0"/>
+            </a:endParaRPr>
+          </a:p>
+          <a:p>
+            <a:endParaRPr lang="ru-RU" sz="2400" dirty="0">
+              <a:latin typeface="Times New Roman" pitchFamily="18" charset="0"/>
+              <a:cs typeface="Times New Roman" pitchFamily="18" charset="0"/>
+            </a:endParaRPr>
           </a:p>
         </p:txBody>
       </p:sp>
@@ -5736,11 +5201,11 @@
           <a:lstStyle/>
           <a:p>
             <a:fld id="{9A39E707-F3CE-4BEB-9583-BB36F29193FA}" type="slidenum">
-              <a:rPr lang="ru-RU" smtClean="0"/>
+              <a:rPr lang="ru-RU" sz="3200" smtClean="0"/>
               <a:pPr/>
               <a:t>3</a:t>
             </a:fld>
-            <a:endParaRPr lang="ru-RU"/>
+            <a:endParaRPr lang="ru-RU" sz="3200" dirty="0"/>
           </a:p>
         </p:txBody>
       </p:sp>
@@ -5788,115 +5253,866 @@
         </p:nvSpPr>
         <p:spPr/>
         <p:txBody>
-          <a:bodyPr>
-            <a:normAutofit fontScale="90000"/>
-          </a:bodyPr>
-          <a:lstStyle/>
-          <a:p>
-            <a:r>
-              <a:rPr lang="ru-RU" dirty="0" smtClean="0"/>
-              <a:t>Применение дополненной реальности</a:t>
-            </a:r>
-            <a:endParaRPr lang="ru-RU" dirty="0"/>
-          </a:p>
-        </p:txBody>
-      </p:sp>
-      <p:sp>
-        <p:nvSpPr>
-          <p:cNvPr id="3" name="Содержимое 2"/>
-          <p:cNvSpPr>
-            <a:spLocks noGrp="1"/>
-          </p:cNvSpPr>
+          <a:bodyPr/>
+          <a:lstStyle/>
+          <a:p>
+            <a:r>
+              <a:rPr lang="ru-RU" dirty="0" smtClean="0">
+                <a:latin typeface="Times New Roman" pitchFamily="18" charset="0"/>
+                <a:cs typeface="Times New Roman" pitchFamily="18" charset="0"/>
+              </a:rPr>
+              <a:t>Аналоги </a:t>
+            </a:r>
+            <a:r>
+              <a:rPr lang="en-US" dirty="0" smtClean="0">
+                <a:latin typeface="Times New Roman" pitchFamily="18" charset="0"/>
+                <a:cs typeface="Times New Roman" pitchFamily="18" charset="0"/>
+              </a:rPr>
+              <a:t>Geo2tag</a:t>
+            </a:r>
+            <a:endParaRPr lang="ru-RU" dirty="0">
+              <a:latin typeface="Times New Roman" pitchFamily="18" charset="0"/>
+              <a:cs typeface="Times New Roman" pitchFamily="18" charset="0"/>
+            </a:endParaRPr>
+          </a:p>
+        </p:txBody>
+      </p:sp>
+      <p:graphicFrame>
+        <p:nvGraphicFramePr>
+          <p:cNvPr id="5" name="Содержимое 4"/>
+          <p:cNvGraphicFramePr>
+            <a:graphicFrameLocks noGrp="1"/>
+          </p:cNvGraphicFramePr>
           <p:nvPr>
             <p:ph idx="1"/>
           </p:nvPr>
-        </p:nvSpPr>
-        <p:spPr/>
-        <p:txBody>
-          <a:bodyPr/>
-          <a:lstStyle/>
-          <a:p>
-            <a:r>
-              <a:rPr lang="ru-RU" dirty="0" smtClean="0"/>
-              <a:t>Военная техника</a:t>
-            </a:r>
-            <a:endParaRPr lang="en-US" dirty="0" smtClean="0"/>
-          </a:p>
-          <a:p>
-            <a:endParaRPr lang="ru-RU" dirty="0" smtClean="0"/>
-          </a:p>
-          <a:p>
-            <a:endParaRPr lang="ru-RU" dirty="0"/>
-          </a:p>
-        </p:txBody>
-      </p:sp>
-      <p:pic>
-        <p:nvPicPr>
-          <p:cNvPr id="4" name="Рисунок 3" descr="ar2.jpg"/>
-          <p:cNvPicPr/>
-          <p:nvPr/>
-        </p:nvPicPr>
-        <p:blipFill>
-          <a:blip r:embed="rId2"/>
-          <a:stretch>
-            <a:fillRect/>
-          </a:stretch>
-        </p:blipFill>
+        </p:nvGraphicFramePr>
+        <p:xfrm>
+          <a:off x="357158" y="1285860"/>
+          <a:ext cx="8472520" cy="4845180"/>
+        </p:xfrm>
+        <a:graphic>
+          <a:graphicData uri="http://schemas.openxmlformats.org/drawingml/2006/table">
+            <a:tbl>
+              <a:tblPr firstRow="1" bandRow="1">
+                <a:tableStyleId>{5C22544A-7EE6-4342-B048-85BDC9FD1C3A}</a:tableStyleId>
+              </a:tblPr>
+              <a:tblGrid>
+                <a:gridCol w="1694504"/>
+                <a:gridCol w="1694504"/>
+                <a:gridCol w="1694504"/>
+                <a:gridCol w="1694504"/>
+                <a:gridCol w="1694504"/>
+              </a:tblGrid>
+              <a:tr h="769147">
+                <a:tc>
+                  <a:txBody>
+                    <a:bodyPr/>
+                    <a:lstStyle/>
+                    <a:p>
+                      <a:pPr>
+                        <a:lnSpc>
+                          <a:spcPct val="115000"/>
+                        </a:lnSpc>
+                        <a:spcAft>
+                          <a:spcPts val="0"/>
+                        </a:spcAft>
+                      </a:pPr>
+                      <a:endParaRPr lang="en-US" sz="2400" dirty="0">
+                        <a:latin typeface="Times New Roman" pitchFamily="18" charset="0"/>
+                        <a:ea typeface="Calibri"/>
+                        <a:cs typeface="Times New Roman" pitchFamily="18" charset="0"/>
+                      </a:endParaRPr>
+                    </a:p>
+                  </a:txBody>
+                  <a:tcPr marL="68580" marR="68580" marT="0" marB="0"/>
+                </a:tc>
+                <a:tc>
+                  <a:txBody>
+                    <a:bodyPr/>
+                    <a:lstStyle/>
+                    <a:p>
+                      <a:pPr>
+                        <a:lnSpc>
+                          <a:spcPct val="115000"/>
+                        </a:lnSpc>
+                        <a:spcAft>
+                          <a:spcPts val="0"/>
+                        </a:spcAft>
+                      </a:pPr>
+                      <a:r>
+                        <a:rPr lang="en-US" sz="2400" dirty="0">
+                          <a:latin typeface="Times New Roman" pitchFamily="18" charset="0"/>
+                          <a:ea typeface="Calibri"/>
+                          <a:cs typeface="Times New Roman" pitchFamily="18" charset="0"/>
+                        </a:rPr>
+                        <a:t>Geo2Tag</a:t>
+                      </a:r>
+                      <a:endParaRPr lang="ru-RU" sz="2400" dirty="0">
+                        <a:latin typeface="Times New Roman" pitchFamily="18" charset="0"/>
+                        <a:ea typeface="Calibri"/>
+                        <a:cs typeface="Times New Roman" pitchFamily="18" charset="0"/>
+                      </a:endParaRPr>
+                    </a:p>
+                  </a:txBody>
+                  <a:tcPr marL="68580" marR="68580" marT="0" marB="0"/>
+                </a:tc>
+                <a:tc>
+                  <a:txBody>
+                    <a:bodyPr/>
+                    <a:lstStyle/>
+                    <a:p>
+                      <a:pPr>
+                        <a:lnSpc>
+                          <a:spcPct val="115000"/>
+                        </a:lnSpc>
+                        <a:spcAft>
+                          <a:spcPts val="0"/>
+                        </a:spcAft>
+                      </a:pPr>
+                      <a:r>
+                        <a:rPr lang="en-US" sz="2400">
+                          <a:latin typeface="Times New Roman" pitchFamily="18" charset="0"/>
+                          <a:ea typeface="Calibri"/>
+                          <a:cs typeface="Times New Roman" pitchFamily="18" charset="0"/>
+                        </a:rPr>
+                        <a:t>Forsquare</a:t>
+                      </a:r>
+                      <a:endParaRPr lang="ru-RU" sz="2400">
+                        <a:latin typeface="Times New Roman" pitchFamily="18" charset="0"/>
+                        <a:ea typeface="Calibri"/>
+                        <a:cs typeface="Times New Roman" pitchFamily="18" charset="0"/>
+                      </a:endParaRPr>
+                    </a:p>
+                  </a:txBody>
+                  <a:tcPr marL="68580" marR="68580" marT="0" marB="0"/>
+                </a:tc>
+                <a:tc>
+                  <a:txBody>
+                    <a:bodyPr/>
+                    <a:lstStyle/>
+                    <a:p>
+                      <a:pPr>
+                        <a:lnSpc>
+                          <a:spcPct val="115000"/>
+                        </a:lnSpc>
+                        <a:spcAft>
+                          <a:spcPts val="0"/>
+                        </a:spcAft>
+                      </a:pPr>
+                      <a:r>
+                        <a:rPr lang="en-US" sz="2400">
+                          <a:latin typeface="Times New Roman" pitchFamily="18" charset="0"/>
+                          <a:ea typeface="Calibri"/>
+                          <a:cs typeface="Times New Roman" pitchFamily="18" charset="0"/>
+                        </a:rPr>
+                        <a:t>AlterGeo</a:t>
+                      </a:r>
+                      <a:endParaRPr lang="ru-RU" sz="2400">
+                        <a:latin typeface="Times New Roman" pitchFamily="18" charset="0"/>
+                        <a:ea typeface="Calibri"/>
+                        <a:cs typeface="Times New Roman" pitchFamily="18" charset="0"/>
+                      </a:endParaRPr>
+                    </a:p>
+                  </a:txBody>
+                  <a:tcPr marL="68580" marR="68580" marT="0" marB="0"/>
+                </a:tc>
+                <a:tc>
+                  <a:txBody>
+                    <a:bodyPr/>
+                    <a:lstStyle/>
+                    <a:p>
+                      <a:pPr>
+                        <a:lnSpc>
+                          <a:spcPct val="115000"/>
+                        </a:lnSpc>
+                        <a:spcAft>
+                          <a:spcPts val="0"/>
+                        </a:spcAft>
+                      </a:pPr>
+                      <a:r>
+                        <a:rPr lang="en-US" sz="2400" dirty="0">
+                          <a:latin typeface="Times New Roman" pitchFamily="18" charset="0"/>
+                          <a:ea typeface="Calibri"/>
+                          <a:cs typeface="Times New Roman" pitchFamily="18" charset="0"/>
+                        </a:rPr>
+                        <a:t>Google Latitude</a:t>
+                      </a:r>
+                      <a:endParaRPr lang="ru-RU" sz="2400" dirty="0">
+                        <a:latin typeface="Times New Roman" pitchFamily="18" charset="0"/>
+                        <a:ea typeface="Calibri"/>
+                        <a:cs typeface="Times New Roman" pitchFamily="18" charset="0"/>
+                      </a:endParaRPr>
+                    </a:p>
+                  </a:txBody>
+                  <a:tcPr marL="68580" marR="68580" marT="0" marB="0"/>
+                </a:tc>
+              </a:tr>
+              <a:tr h="769147">
+                <a:tc>
+                  <a:txBody>
+                    <a:bodyPr/>
+                    <a:lstStyle/>
+                    <a:p>
+                      <a:pPr>
+                        <a:lnSpc>
+                          <a:spcPct val="115000"/>
+                        </a:lnSpc>
+                        <a:spcAft>
+                          <a:spcPts val="0"/>
+                        </a:spcAft>
+                      </a:pPr>
+                      <a:r>
+                        <a:rPr lang="ru-RU" sz="2400" dirty="0">
+                          <a:latin typeface="Times New Roman" pitchFamily="18" charset="0"/>
+                          <a:ea typeface="Calibri"/>
+                          <a:cs typeface="Times New Roman" pitchFamily="18" charset="0"/>
+                        </a:rPr>
+                        <a:t>Открытая платформа </a:t>
+                      </a:r>
+                    </a:p>
+                  </a:txBody>
+                  <a:tcPr marL="68580" marR="68580" marT="0" marB="0"/>
+                </a:tc>
+                <a:tc>
+                  <a:txBody>
+                    <a:bodyPr/>
+                    <a:lstStyle/>
+                    <a:p>
+                      <a:pPr>
+                        <a:lnSpc>
+                          <a:spcPct val="115000"/>
+                        </a:lnSpc>
+                        <a:spcAft>
+                          <a:spcPts val="0"/>
+                        </a:spcAft>
+                      </a:pPr>
+                      <a:r>
+                        <a:rPr lang="ru-RU" sz="2400">
+                          <a:latin typeface="Times New Roman" pitchFamily="18" charset="0"/>
+                          <a:ea typeface="Calibri"/>
+                          <a:cs typeface="Times New Roman" pitchFamily="18" charset="0"/>
+                        </a:rPr>
+                        <a:t>    +</a:t>
+                      </a:r>
+                    </a:p>
+                  </a:txBody>
+                  <a:tcPr marL="68580" marR="68580" marT="0" marB="0"/>
+                </a:tc>
+                <a:tc>
+                  <a:txBody>
+                    <a:bodyPr/>
+                    <a:lstStyle/>
+                    <a:p>
+                      <a:pPr>
+                        <a:lnSpc>
+                          <a:spcPct val="115000"/>
+                        </a:lnSpc>
+                        <a:spcAft>
+                          <a:spcPts val="0"/>
+                        </a:spcAft>
+                      </a:pPr>
+                      <a:r>
+                        <a:rPr lang="ru-RU" sz="2400">
+                          <a:latin typeface="Times New Roman" pitchFamily="18" charset="0"/>
+                          <a:ea typeface="Calibri"/>
+                          <a:cs typeface="Times New Roman" pitchFamily="18" charset="0"/>
+                        </a:rPr>
+                        <a:t>-</a:t>
+                      </a:r>
+                    </a:p>
+                  </a:txBody>
+                  <a:tcPr marL="68580" marR="68580" marT="0" marB="0"/>
+                </a:tc>
+                <a:tc>
+                  <a:txBody>
+                    <a:bodyPr/>
+                    <a:lstStyle/>
+                    <a:p>
+                      <a:pPr>
+                        <a:lnSpc>
+                          <a:spcPct val="115000"/>
+                        </a:lnSpc>
+                        <a:spcAft>
+                          <a:spcPts val="0"/>
+                        </a:spcAft>
+                      </a:pPr>
+                      <a:r>
+                        <a:rPr lang="ru-RU" sz="2400">
+                          <a:latin typeface="Times New Roman" pitchFamily="18" charset="0"/>
+                          <a:ea typeface="Calibri"/>
+                          <a:cs typeface="Times New Roman" pitchFamily="18" charset="0"/>
+                        </a:rPr>
+                        <a:t>-</a:t>
+                      </a:r>
+                    </a:p>
+                  </a:txBody>
+                  <a:tcPr marL="68580" marR="68580" marT="0" marB="0"/>
+                </a:tc>
+                <a:tc>
+                  <a:txBody>
+                    <a:bodyPr/>
+                    <a:lstStyle/>
+                    <a:p>
+                      <a:pPr>
+                        <a:lnSpc>
+                          <a:spcPct val="115000"/>
+                        </a:lnSpc>
+                        <a:spcAft>
+                          <a:spcPts val="0"/>
+                        </a:spcAft>
+                      </a:pPr>
+                      <a:r>
+                        <a:rPr lang="ru-RU" sz="2400">
+                          <a:latin typeface="Times New Roman" pitchFamily="18" charset="0"/>
+                          <a:ea typeface="Calibri"/>
+                          <a:cs typeface="Times New Roman" pitchFamily="18" charset="0"/>
+                        </a:rPr>
+                        <a:t>-</a:t>
+                      </a:r>
+                    </a:p>
+                  </a:txBody>
+                  <a:tcPr marL="68580" marR="68580" marT="0" marB="0"/>
+                </a:tc>
+              </a:tr>
+              <a:tr h="769147">
+                <a:tc>
+                  <a:txBody>
+                    <a:bodyPr/>
+                    <a:lstStyle/>
+                    <a:p>
+                      <a:pPr>
+                        <a:lnSpc>
+                          <a:spcPct val="115000"/>
+                        </a:lnSpc>
+                        <a:spcAft>
+                          <a:spcPts val="0"/>
+                        </a:spcAft>
+                      </a:pPr>
+                      <a:r>
+                        <a:rPr lang="ru-RU" sz="2400">
+                          <a:latin typeface="Times New Roman" pitchFamily="18" charset="0"/>
+                          <a:ea typeface="Calibri"/>
+                          <a:cs typeface="Times New Roman" pitchFamily="18" charset="0"/>
+                        </a:rPr>
+                        <a:t>Дата основания</a:t>
+                      </a:r>
+                    </a:p>
+                  </a:txBody>
+                  <a:tcPr marL="68580" marR="68580" marT="0" marB="0"/>
+                </a:tc>
+                <a:tc>
+                  <a:txBody>
+                    <a:bodyPr/>
+                    <a:lstStyle/>
+                    <a:p>
+                      <a:pPr>
+                        <a:lnSpc>
+                          <a:spcPct val="115000"/>
+                        </a:lnSpc>
+                        <a:spcAft>
+                          <a:spcPts val="0"/>
+                        </a:spcAft>
+                      </a:pPr>
+                      <a:r>
+                        <a:rPr lang="ru-RU" sz="2400">
+                          <a:latin typeface="Times New Roman" pitchFamily="18" charset="0"/>
+                          <a:ea typeface="Calibri"/>
+                          <a:cs typeface="Times New Roman" pitchFamily="18" charset="0"/>
+                        </a:rPr>
+                        <a:t>2011</a:t>
+                      </a:r>
+                    </a:p>
+                  </a:txBody>
+                  <a:tcPr marL="68580" marR="68580" marT="0" marB="0"/>
+                </a:tc>
+                <a:tc>
+                  <a:txBody>
+                    <a:bodyPr/>
+                    <a:lstStyle/>
+                    <a:p>
+                      <a:pPr>
+                        <a:lnSpc>
+                          <a:spcPct val="115000"/>
+                        </a:lnSpc>
+                        <a:spcAft>
+                          <a:spcPts val="0"/>
+                        </a:spcAft>
+                      </a:pPr>
+                      <a:r>
+                        <a:rPr lang="ru-RU" sz="2400">
+                          <a:latin typeface="Times New Roman" pitchFamily="18" charset="0"/>
+                          <a:ea typeface="Calibri"/>
+                          <a:cs typeface="Times New Roman" pitchFamily="18" charset="0"/>
+                        </a:rPr>
+                        <a:t>2009</a:t>
+                      </a:r>
+                    </a:p>
+                  </a:txBody>
+                  <a:tcPr marL="68580" marR="68580" marT="0" marB="0"/>
+                </a:tc>
+                <a:tc>
+                  <a:txBody>
+                    <a:bodyPr/>
+                    <a:lstStyle/>
+                    <a:p>
+                      <a:pPr>
+                        <a:lnSpc>
+                          <a:spcPct val="115000"/>
+                        </a:lnSpc>
+                        <a:spcAft>
+                          <a:spcPts val="0"/>
+                        </a:spcAft>
+                      </a:pPr>
+                      <a:r>
+                        <a:rPr lang="ru-RU" sz="2400">
+                          <a:latin typeface="Times New Roman" pitchFamily="18" charset="0"/>
+                          <a:ea typeface="Calibri"/>
+                          <a:cs typeface="Times New Roman" pitchFamily="18" charset="0"/>
+                        </a:rPr>
+                        <a:t>2010</a:t>
+                      </a:r>
+                    </a:p>
+                  </a:txBody>
+                  <a:tcPr marL="68580" marR="68580" marT="0" marB="0"/>
+                </a:tc>
+                <a:tc>
+                  <a:txBody>
+                    <a:bodyPr/>
+                    <a:lstStyle/>
+                    <a:p>
+                      <a:pPr>
+                        <a:lnSpc>
+                          <a:spcPct val="115000"/>
+                        </a:lnSpc>
+                        <a:spcAft>
+                          <a:spcPts val="0"/>
+                        </a:spcAft>
+                      </a:pPr>
+                      <a:r>
+                        <a:rPr lang="ru-RU" sz="2400">
+                          <a:latin typeface="Times New Roman" pitchFamily="18" charset="0"/>
+                          <a:ea typeface="Calibri"/>
+                          <a:cs typeface="Times New Roman" pitchFamily="18" charset="0"/>
+                        </a:rPr>
+                        <a:t>2000</a:t>
+                      </a:r>
+                    </a:p>
+                  </a:txBody>
+                  <a:tcPr marL="68580" marR="68580" marT="0" marB="0"/>
+                </a:tc>
+              </a:tr>
+              <a:tr h="769147">
+                <a:tc>
+                  <a:txBody>
+                    <a:bodyPr/>
+                    <a:lstStyle/>
+                    <a:p>
+                      <a:pPr>
+                        <a:lnSpc>
+                          <a:spcPct val="115000"/>
+                        </a:lnSpc>
+                        <a:spcAft>
+                          <a:spcPts val="0"/>
+                        </a:spcAft>
+                      </a:pPr>
+                      <a:r>
+                        <a:rPr lang="ru-RU" sz="2400">
+                          <a:latin typeface="Times New Roman" pitchFamily="18" charset="0"/>
+                          <a:ea typeface="Calibri"/>
+                          <a:cs typeface="Times New Roman" pitchFamily="18" charset="0"/>
+                        </a:rPr>
+                        <a:t>Хранение тегов</a:t>
+                      </a:r>
+                    </a:p>
+                  </a:txBody>
+                  <a:tcPr marL="68580" marR="68580" marT="0" marB="0"/>
+                </a:tc>
+                <a:tc>
+                  <a:txBody>
+                    <a:bodyPr/>
+                    <a:lstStyle/>
+                    <a:p>
+                      <a:pPr>
+                        <a:lnSpc>
+                          <a:spcPct val="115000"/>
+                        </a:lnSpc>
+                        <a:spcAft>
+                          <a:spcPts val="0"/>
+                        </a:spcAft>
+                      </a:pPr>
+                      <a:r>
+                        <a:rPr lang="ru-RU" sz="2400">
+                          <a:latin typeface="Times New Roman" pitchFamily="18" charset="0"/>
+                          <a:ea typeface="Calibri"/>
+                          <a:cs typeface="Times New Roman" pitchFamily="18" charset="0"/>
+                        </a:rPr>
+                        <a:t>+</a:t>
+                      </a:r>
+                    </a:p>
+                  </a:txBody>
+                  <a:tcPr marL="68580" marR="68580" marT="0" marB="0"/>
+                </a:tc>
+                <a:tc>
+                  <a:txBody>
+                    <a:bodyPr/>
+                    <a:lstStyle/>
+                    <a:p>
+                      <a:pPr>
+                        <a:lnSpc>
+                          <a:spcPct val="115000"/>
+                        </a:lnSpc>
+                        <a:spcAft>
+                          <a:spcPts val="0"/>
+                        </a:spcAft>
+                      </a:pPr>
+                      <a:r>
+                        <a:rPr lang="ru-RU" sz="2400">
+                          <a:latin typeface="Times New Roman" pitchFamily="18" charset="0"/>
+                          <a:ea typeface="Calibri"/>
+                          <a:cs typeface="Times New Roman" pitchFamily="18" charset="0"/>
+                        </a:rPr>
+                        <a:t>+</a:t>
+                      </a:r>
+                    </a:p>
+                  </a:txBody>
+                  <a:tcPr marL="68580" marR="68580" marT="0" marB="0"/>
+                </a:tc>
+                <a:tc>
+                  <a:txBody>
+                    <a:bodyPr/>
+                    <a:lstStyle/>
+                    <a:p>
+                      <a:pPr>
+                        <a:lnSpc>
+                          <a:spcPct val="115000"/>
+                        </a:lnSpc>
+                        <a:spcAft>
+                          <a:spcPts val="0"/>
+                        </a:spcAft>
+                      </a:pPr>
+                      <a:r>
+                        <a:rPr lang="ru-RU" sz="2400">
+                          <a:latin typeface="Times New Roman" pitchFamily="18" charset="0"/>
+                          <a:ea typeface="Calibri"/>
+                          <a:cs typeface="Times New Roman" pitchFamily="18" charset="0"/>
+                        </a:rPr>
+                        <a:t>+</a:t>
+                      </a:r>
+                    </a:p>
+                  </a:txBody>
+                  <a:tcPr marL="68580" marR="68580" marT="0" marB="0"/>
+                </a:tc>
+                <a:tc>
+                  <a:txBody>
+                    <a:bodyPr/>
+                    <a:lstStyle/>
+                    <a:p>
+                      <a:pPr>
+                        <a:lnSpc>
+                          <a:spcPct val="115000"/>
+                        </a:lnSpc>
+                        <a:spcAft>
+                          <a:spcPts val="0"/>
+                        </a:spcAft>
+                      </a:pPr>
+                      <a:r>
+                        <a:rPr lang="ru-RU" sz="2400">
+                          <a:latin typeface="Times New Roman" pitchFamily="18" charset="0"/>
+                          <a:ea typeface="Calibri"/>
+                          <a:cs typeface="Times New Roman" pitchFamily="18" charset="0"/>
+                        </a:rPr>
+                        <a:t>+</a:t>
+                      </a:r>
+                    </a:p>
+                  </a:txBody>
+                  <a:tcPr marL="68580" marR="68580" marT="0" marB="0"/>
+                </a:tc>
+              </a:tr>
+              <a:tr h="769147">
+                <a:tc>
+                  <a:txBody>
+                    <a:bodyPr/>
+                    <a:lstStyle/>
+                    <a:p>
+                      <a:pPr>
+                        <a:lnSpc>
+                          <a:spcPct val="115000"/>
+                        </a:lnSpc>
+                        <a:spcAft>
+                          <a:spcPts val="0"/>
+                        </a:spcAft>
+                      </a:pPr>
+                      <a:r>
+                        <a:rPr lang="ru-RU" sz="2400">
+                          <a:latin typeface="Times New Roman" pitchFamily="18" charset="0"/>
+                          <a:ea typeface="Calibri"/>
+                          <a:cs typeface="Times New Roman" pitchFamily="18" charset="0"/>
+                        </a:rPr>
+                        <a:t>Социальная сеть</a:t>
+                      </a:r>
+                    </a:p>
+                  </a:txBody>
+                  <a:tcPr marL="68580" marR="68580" marT="0" marB="0"/>
+                </a:tc>
+                <a:tc>
+                  <a:txBody>
+                    <a:bodyPr/>
+                    <a:lstStyle/>
+                    <a:p>
+                      <a:pPr>
+                        <a:lnSpc>
+                          <a:spcPct val="115000"/>
+                        </a:lnSpc>
+                        <a:spcAft>
+                          <a:spcPts val="0"/>
+                        </a:spcAft>
+                      </a:pPr>
+                      <a:r>
+                        <a:rPr lang="ru-RU" sz="2400">
+                          <a:latin typeface="Times New Roman" pitchFamily="18" charset="0"/>
+                          <a:ea typeface="Calibri"/>
+                          <a:cs typeface="Times New Roman" pitchFamily="18" charset="0"/>
+                        </a:rPr>
+                        <a:t>-</a:t>
+                      </a:r>
+                    </a:p>
+                  </a:txBody>
+                  <a:tcPr marL="68580" marR="68580" marT="0" marB="0"/>
+                </a:tc>
+                <a:tc>
+                  <a:txBody>
+                    <a:bodyPr/>
+                    <a:lstStyle/>
+                    <a:p>
+                      <a:pPr>
+                        <a:lnSpc>
+                          <a:spcPct val="115000"/>
+                        </a:lnSpc>
+                        <a:spcAft>
+                          <a:spcPts val="0"/>
+                        </a:spcAft>
+                      </a:pPr>
+                      <a:r>
+                        <a:rPr lang="ru-RU" sz="2400">
+                          <a:latin typeface="Times New Roman" pitchFamily="18" charset="0"/>
+                          <a:ea typeface="Calibri"/>
+                          <a:cs typeface="Times New Roman" pitchFamily="18" charset="0"/>
+                        </a:rPr>
+                        <a:t>+</a:t>
+                      </a:r>
+                    </a:p>
+                  </a:txBody>
+                  <a:tcPr marL="68580" marR="68580" marT="0" marB="0"/>
+                </a:tc>
+                <a:tc>
+                  <a:txBody>
+                    <a:bodyPr/>
+                    <a:lstStyle/>
+                    <a:p>
+                      <a:pPr>
+                        <a:lnSpc>
+                          <a:spcPct val="115000"/>
+                        </a:lnSpc>
+                        <a:spcAft>
+                          <a:spcPts val="0"/>
+                        </a:spcAft>
+                      </a:pPr>
+                      <a:r>
+                        <a:rPr lang="ru-RU" sz="2400">
+                          <a:latin typeface="Times New Roman" pitchFamily="18" charset="0"/>
+                          <a:ea typeface="Calibri"/>
+                          <a:cs typeface="Times New Roman" pitchFamily="18" charset="0"/>
+                        </a:rPr>
+                        <a:t>+</a:t>
+                      </a:r>
+                    </a:p>
+                  </a:txBody>
+                  <a:tcPr marL="68580" marR="68580" marT="0" marB="0"/>
+                </a:tc>
+                <a:tc>
+                  <a:txBody>
+                    <a:bodyPr/>
+                    <a:lstStyle/>
+                    <a:p>
+                      <a:pPr>
+                        <a:lnSpc>
+                          <a:spcPct val="115000"/>
+                        </a:lnSpc>
+                        <a:spcAft>
+                          <a:spcPts val="0"/>
+                        </a:spcAft>
+                      </a:pPr>
+                      <a:r>
+                        <a:rPr lang="ru-RU" sz="2400" dirty="0">
+                          <a:latin typeface="Times New Roman" pitchFamily="18" charset="0"/>
+                          <a:ea typeface="Calibri"/>
+                          <a:cs typeface="Times New Roman" pitchFamily="18" charset="0"/>
+                        </a:rPr>
+                        <a:t>+</a:t>
+                      </a:r>
+                    </a:p>
+                  </a:txBody>
+                  <a:tcPr marL="68580" marR="68580" marT="0" marB="0"/>
+                </a:tc>
+              </a:tr>
+              <a:tr h="769147">
+                <a:tc>
+                  <a:txBody>
+                    <a:bodyPr/>
+                    <a:lstStyle/>
+                    <a:p>
+                      <a:pPr>
+                        <a:lnSpc>
+                          <a:spcPct val="115000"/>
+                        </a:lnSpc>
+                        <a:spcAft>
+                          <a:spcPts val="0"/>
+                        </a:spcAft>
+                      </a:pPr>
+                      <a:r>
+                        <a:rPr lang="ru-RU" sz="2400">
+                          <a:latin typeface="Times New Roman" pitchFamily="18" charset="0"/>
+                          <a:ea typeface="Calibri"/>
+                          <a:cs typeface="Times New Roman" pitchFamily="18" charset="0"/>
+                        </a:rPr>
+                        <a:t>Российский сервис</a:t>
+                      </a:r>
+                    </a:p>
+                  </a:txBody>
+                  <a:tcPr marL="68580" marR="68580" marT="0" marB="0"/>
+                </a:tc>
+                <a:tc>
+                  <a:txBody>
+                    <a:bodyPr/>
+                    <a:lstStyle/>
+                    <a:p>
+                      <a:pPr>
+                        <a:lnSpc>
+                          <a:spcPct val="115000"/>
+                        </a:lnSpc>
+                        <a:spcAft>
+                          <a:spcPts val="0"/>
+                        </a:spcAft>
+                      </a:pPr>
+                      <a:r>
+                        <a:rPr lang="ru-RU" sz="2400">
+                          <a:latin typeface="Times New Roman" pitchFamily="18" charset="0"/>
+                          <a:ea typeface="Calibri"/>
+                          <a:cs typeface="Times New Roman" pitchFamily="18" charset="0"/>
+                        </a:rPr>
+                        <a:t>+</a:t>
+                      </a:r>
+                    </a:p>
+                  </a:txBody>
+                  <a:tcPr marL="68580" marR="68580" marT="0" marB="0"/>
+                </a:tc>
+                <a:tc>
+                  <a:txBody>
+                    <a:bodyPr/>
+                    <a:lstStyle/>
+                    <a:p>
+                      <a:pPr>
+                        <a:lnSpc>
+                          <a:spcPct val="115000"/>
+                        </a:lnSpc>
+                        <a:spcAft>
+                          <a:spcPts val="0"/>
+                        </a:spcAft>
+                      </a:pPr>
+                      <a:r>
+                        <a:rPr lang="ru-RU" sz="2400">
+                          <a:latin typeface="Times New Roman" pitchFamily="18" charset="0"/>
+                          <a:ea typeface="Calibri"/>
+                          <a:cs typeface="Times New Roman" pitchFamily="18" charset="0"/>
+                        </a:rPr>
+                        <a:t>-</a:t>
+                      </a:r>
+                    </a:p>
+                  </a:txBody>
+                  <a:tcPr marL="68580" marR="68580" marT="0" marB="0"/>
+                </a:tc>
+                <a:tc>
+                  <a:txBody>
+                    <a:bodyPr/>
+                    <a:lstStyle/>
+                    <a:p>
+                      <a:pPr>
+                        <a:lnSpc>
+                          <a:spcPct val="115000"/>
+                        </a:lnSpc>
+                        <a:spcAft>
+                          <a:spcPts val="0"/>
+                        </a:spcAft>
+                      </a:pPr>
+                      <a:r>
+                        <a:rPr lang="ru-RU" sz="2400">
+                          <a:latin typeface="Times New Roman" pitchFamily="18" charset="0"/>
+                          <a:ea typeface="Calibri"/>
+                          <a:cs typeface="Times New Roman" pitchFamily="18" charset="0"/>
+                        </a:rPr>
+                        <a:t>+</a:t>
+                      </a:r>
+                    </a:p>
+                  </a:txBody>
+                  <a:tcPr marL="68580" marR="68580" marT="0" marB="0"/>
+                </a:tc>
+                <a:tc>
+                  <a:txBody>
+                    <a:bodyPr/>
+                    <a:lstStyle/>
+                    <a:p>
+                      <a:pPr>
+                        <a:lnSpc>
+                          <a:spcPct val="115000"/>
+                        </a:lnSpc>
+                        <a:spcAft>
+                          <a:spcPts val="0"/>
+                        </a:spcAft>
+                      </a:pPr>
+                      <a:r>
+                        <a:rPr lang="ru-RU" sz="2400" dirty="0">
+                          <a:latin typeface="Times New Roman" pitchFamily="18" charset="0"/>
+                          <a:ea typeface="Calibri"/>
+                          <a:cs typeface="Times New Roman" pitchFamily="18" charset="0"/>
+                        </a:rPr>
+                        <a:t>-</a:t>
+                      </a:r>
+                    </a:p>
+                  </a:txBody>
+                  <a:tcPr marL="68580" marR="68580" marT="0" marB="0"/>
+                </a:tc>
+              </a:tr>
+            </a:tbl>
+          </a:graphicData>
+        </a:graphic>
+      </p:graphicFrame>
+      <p:sp>
+        <p:nvSpPr>
+          <p:cNvPr id="4" name="Номер слайда 3"/>
+          <p:cNvSpPr>
+            <a:spLocks noGrp="1"/>
+          </p:cNvSpPr>
+          <p:nvPr>
+            <p:ph type="sldNum" sz="quarter" idx="12"/>
+          </p:nvPr>
+        </p:nvSpPr>
         <p:spPr>
           <a:xfrm>
-            <a:off x="714348" y="2571744"/>
-            <a:ext cx="3178658" cy="2384755"/>
+            <a:off x="6553200" y="6357958"/>
+            <a:ext cx="2133600" cy="365125"/>
           </a:xfrm>
-          <a:prstGeom prst="rect">
-            <a:avLst/>
-          </a:prstGeom>
         </p:spPr>
-      </p:pic>
-      <p:pic>
-        <p:nvPicPr>
-          <p:cNvPr id="5" name="Рисунок 4" descr="шлем.jpg"/>
-          <p:cNvPicPr>
-            <a:picLocks noChangeAspect="1"/>
-          </p:cNvPicPr>
-          <p:nvPr/>
-        </p:nvPicPr>
-        <p:blipFill>
-          <a:blip r:embed="rId3"/>
-          <a:stretch>
-            <a:fillRect/>
-          </a:stretch>
-        </p:blipFill>
-        <p:spPr>
-          <a:xfrm>
-            <a:off x="4429124" y="2000240"/>
-            <a:ext cx="3502177" cy="3557591"/>
-          </a:xfrm>
-          <a:prstGeom prst="rect">
-            <a:avLst/>
-          </a:prstGeom>
-        </p:spPr>
-      </p:pic>
-      <p:sp>
-        <p:nvSpPr>
-          <p:cNvPr id="6" name="Номер слайда 5"/>
-          <p:cNvSpPr>
-            <a:spLocks noGrp="1"/>
-          </p:cNvSpPr>
-          <p:nvPr>
-            <p:ph type="sldNum" sz="quarter" idx="12"/>
-          </p:nvPr>
-        </p:nvSpPr>
-        <p:spPr/>
         <p:txBody>
           <a:bodyPr/>
           <a:lstStyle/>
           <a:p>
             <a:fld id="{9A39E707-F3CE-4BEB-9583-BB36F29193FA}" type="slidenum">
-              <a:rPr lang="ru-RU" smtClean="0"/>
+              <a:rPr lang="ru-RU" sz="3200" smtClean="0"/>
               <a:pPr/>
               <a:t>4</a:t>
             </a:fld>
-            <a:endParaRPr lang="ru-RU"/>
+            <a:endParaRPr lang="ru-RU" sz="3200"/>
           </a:p>
         </p:txBody>
       </p:sp>
@@ -5950,10 +6166,37 @@
           <a:lstStyle/>
           <a:p>
             <a:r>
-              <a:rPr lang="ru-RU" dirty="0" smtClean="0"/>
-              <a:t>Применение дополненной реальности</a:t>
-            </a:r>
-            <a:endParaRPr lang="ru-RU" dirty="0"/>
+              <a:rPr lang="ru-RU" dirty="0">
+                <a:latin typeface="Times New Roman" pitchFamily="18" charset="0"/>
+                <a:cs typeface="Times New Roman" pitchFamily="18" charset="0"/>
+              </a:rPr>
+              <a:t>Особенности разработки </a:t>
+            </a:r>
+            <a:r>
+              <a:rPr lang="en-US" dirty="0">
+                <a:latin typeface="Times New Roman" pitchFamily="18" charset="0"/>
+                <a:cs typeface="Times New Roman" pitchFamily="18" charset="0"/>
+              </a:rPr>
+              <a:t>AR</a:t>
+            </a:r>
+            <a:r>
+              <a:rPr lang="ru-RU" dirty="0">
+                <a:latin typeface="Times New Roman" pitchFamily="18" charset="0"/>
+                <a:cs typeface="Times New Roman" pitchFamily="18" charset="0"/>
+              </a:rPr>
+              <a:t>-приложений под </a:t>
+            </a:r>
+            <a:r>
+              <a:rPr lang="en-US" dirty="0" smtClean="0">
+                <a:latin typeface="Times New Roman" pitchFamily="18" charset="0"/>
+                <a:cs typeface="Times New Roman" pitchFamily="18" charset="0"/>
+              </a:rPr>
+              <a:t>Android</a:t>
+            </a:r>
+            <a:endParaRPr lang="ru-RU" dirty="0">
+              <a:latin typeface="Times New Roman" pitchFamily="18" charset="0"/>
+              <a:cs typeface="Times New Roman" pitchFamily="18" charset="0"/>
+            </a:endParaRPr>
           </a:p>
         </p:txBody>
       </p:sp>
@@ -5969,81 +6212,134 @@
         </p:nvSpPr>
         <p:spPr/>
         <p:txBody>
+          <a:bodyPr>
+            <a:normAutofit lnSpcReduction="10000"/>
+          </a:bodyPr>
+          <a:lstStyle/>
+          <a:p>
+            <a:pPr lvl="0"/>
+            <a:r>
+              <a:rPr lang="ru-RU" dirty="0">
+                <a:latin typeface="Times New Roman" pitchFamily="18" charset="0"/>
+                <a:cs typeface="Times New Roman" pitchFamily="18" charset="0"/>
+              </a:rPr>
+              <a:t>Камера</a:t>
+            </a:r>
+          </a:p>
+          <a:p>
+            <a:pPr lvl="0"/>
+            <a:r>
+              <a:rPr lang="en-US" dirty="0">
+                <a:latin typeface="Times New Roman" pitchFamily="18" charset="0"/>
+                <a:cs typeface="Times New Roman" pitchFamily="18" charset="0"/>
+              </a:rPr>
+              <a:t>OpenGL ES</a:t>
+            </a:r>
+            <a:r>
+              <a:rPr lang="ru-RU" dirty="0">
+                <a:latin typeface="Times New Roman" pitchFamily="18" charset="0"/>
+                <a:cs typeface="Times New Roman" pitchFamily="18" charset="0"/>
+              </a:rPr>
+              <a:t> – библиотека для </a:t>
+            </a:r>
+            <a:r>
+              <a:rPr lang="ru-RU" dirty="0" err="1">
+                <a:latin typeface="Times New Roman" pitchFamily="18" charset="0"/>
+                <a:cs typeface="Times New Roman" pitchFamily="18" charset="0"/>
+              </a:rPr>
+              <a:t>отрисовки</a:t>
+            </a:r>
+            <a:r>
+              <a:rPr lang="ru-RU" dirty="0">
+                <a:latin typeface="Times New Roman" pitchFamily="18" charset="0"/>
+                <a:cs typeface="Times New Roman" pitchFamily="18" charset="0"/>
+              </a:rPr>
+              <a:t> объектов </a:t>
+            </a:r>
+          </a:p>
+          <a:p>
+            <a:pPr lvl="0"/>
+            <a:r>
+              <a:rPr lang="ru-RU" dirty="0">
+                <a:latin typeface="Times New Roman" pitchFamily="18" charset="0"/>
+                <a:cs typeface="Times New Roman" pitchFamily="18" charset="0"/>
+              </a:rPr>
+              <a:t>Гироскоп/акселерометр – для определения изменений положения мобильного устройства в пространстве</a:t>
+            </a:r>
+          </a:p>
+          <a:p>
+            <a:pPr lvl="0"/>
+            <a:r>
+              <a:rPr lang="en-US" dirty="0" err="1">
+                <a:latin typeface="Times New Roman" pitchFamily="18" charset="0"/>
+                <a:cs typeface="Times New Roman" pitchFamily="18" charset="0"/>
+              </a:rPr>
+              <a:t>LocationManager</a:t>
+            </a:r>
+            <a:r>
+              <a:rPr lang="ru-RU" dirty="0">
+                <a:latin typeface="Times New Roman" pitchFamily="18" charset="0"/>
+                <a:cs typeface="Times New Roman" pitchFamily="18" charset="0"/>
+              </a:rPr>
+              <a:t> – для определения координат </a:t>
+            </a:r>
+          </a:p>
+          <a:p>
+            <a:pPr lvl="0"/>
+            <a:r>
+              <a:rPr lang="ru-RU" dirty="0">
+                <a:latin typeface="Times New Roman" pitchFamily="18" charset="0"/>
+                <a:cs typeface="Times New Roman" pitchFamily="18" charset="0"/>
+              </a:rPr>
+              <a:t>Вспомогательная библиотека/</a:t>
+            </a:r>
+            <a:r>
+              <a:rPr lang="ru-RU" dirty="0" err="1">
+                <a:latin typeface="Times New Roman" pitchFamily="18" charset="0"/>
+                <a:cs typeface="Times New Roman" pitchFamily="18" charset="0"/>
+              </a:rPr>
+              <a:t>фреймворк</a:t>
+            </a:r>
+            <a:r>
+              <a:rPr lang="ru-RU" dirty="0">
+                <a:latin typeface="Times New Roman" pitchFamily="18" charset="0"/>
+                <a:cs typeface="Times New Roman" pitchFamily="18" charset="0"/>
+              </a:rPr>
+              <a:t> </a:t>
+            </a:r>
+          </a:p>
+          <a:p>
+            <a:pPr>
+              <a:buNone/>
+            </a:pPr>
+            <a:endParaRPr lang="ru-RU" dirty="0">
+              <a:latin typeface="Times New Roman" pitchFamily="18" charset="0"/>
+              <a:cs typeface="Times New Roman" pitchFamily="18" charset="0"/>
+            </a:endParaRPr>
+          </a:p>
+        </p:txBody>
+      </p:sp>
+      <p:sp>
+        <p:nvSpPr>
+          <p:cNvPr id="4" name="Номер слайда 3"/>
+          <p:cNvSpPr>
+            <a:spLocks noGrp="1"/>
+          </p:cNvSpPr>
+          <p:nvPr>
+            <p:ph type="sldNum" sz="quarter" idx="12"/>
+          </p:nvPr>
+        </p:nvSpPr>
+        <p:spPr/>
+        <p:txBody>
           <a:bodyPr/>
           <a:lstStyle/>
           <a:p>
-            <a:r>
-              <a:rPr lang="ru-RU" dirty="0" smtClean="0"/>
-              <a:t>Мобильные технологии</a:t>
-            </a:r>
-          </a:p>
-        </p:txBody>
-      </p:sp>
-      <p:pic>
-        <p:nvPicPr>
-          <p:cNvPr id="4" name="Рисунок 3" descr="google glass 1.jpg"/>
-          <p:cNvPicPr/>
-          <p:nvPr/>
-        </p:nvPicPr>
-        <p:blipFill>
-          <a:blip r:embed="rId2"/>
-          <a:stretch>
-            <a:fillRect/>
-          </a:stretch>
-        </p:blipFill>
-        <p:spPr>
-          <a:xfrm>
-            <a:off x="857224" y="2428868"/>
-            <a:ext cx="2863139" cy="3174797"/>
-          </a:xfrm>
-          <a:prstGeom prst="rect">
-            <a:avLst/>
-          </a:prstGeom>
-        </p:spPr>
-      </p:pic>
-      <p:pic>
-        <p:nvPicPr>
-          <p:cNvPr id="5" name="Рисунок 4" descr="google glass 2.jpg"/>
-          <p:cNvPicPr/>
-          <p:nvPr/>
-        </p:nvPicPr>
-        <p:blipFill>
-          <a:blip r:embed="rId3"/>
-          <a:stretch>
-            <a:fillRect/>
-          </a:stretch>
-        </p:blipFill>
-        <p:spPr>
-          <a:xfrm>
-            <a:off x="4071934" y="2500306"/>
-            <a:ext cx="4135984" cy="3101645"/>
-          </a:xfrm>
-          <a:prstGeom prst="rect">
-            <a:avLst/>
-          </a:prstGeom>
-        </p:spPr>
-      </p:pic>
-      <p:sp>
-        <p:nvSpPr>
-          <p:cNvPr id="6" name="Номер слайда 5"/>
-          <p:cNvSpPr>
-            <a:spLocks noGrp="1"/>
-          </p:cNvSpPr>
-          <p:nvPr>
-            <p:ph type="sldNum" sz="quarter" idx="12"/>
-          </p:nvPr>
-        </p:nvSpPr>
-        <p:spPr/>
-        <p:txBody>
-          <a:bodyPr/>
-          <a:lstStyle/>
-          <a:p>
             <a:fld id="{9A39E707-F3CE-4BEB-9583-BB36F29193FA}" type="slidenum">
-              <a:rPr lang="ru-RU" smtClean="0"/>
+              <a:rPr lang="ru-RU" sz="3200" smtClean="0"/>
               <a:pPr/>
               <a:t>5</a:t>
             </a:fld>
-            <a:endParaRPr lang="ru-RU"/>
+            <a:endParaRPr lang="ru-RU" sz="3200"/>
           </a:p>
         </p:txBody>
       </p:sp>
@@ -6092,15 +6388,35 @@
         <p:spPr/>
         <p:txBody>
           <a:bodyPr>
-            <a:normAutofit fontScale="90000"/>
+            <a:normAutofit/>
           </a:bodyPr>
           <a:lstStyle/>
           <a:p>
             <a:r>
-              <a:rPr lang="ru-RU" dirty="0" smtClean="0"/>
-              <a:t>Применение дополненной реальности</a:t>
-            </a:r>
-            <a:endParaRPr lang="ru-RU" dirty="0"/>
+              <a:rPr lang="ru-RU" dirty="0" smtClean="0">
+                <a:latin typeface="Times New Roman" pitchFamily="18" charset="0"/>
+                <a:cs typeface="Times New Roman" pitchFamily="18" charset="0"/>
+              </a:rPr>
+              <a:t>Методы </a:t>
+            </a:r>
+            <a:r>
+              <a:rPr lang="ru-RU" dirty="0" smtClean="0">
+                <a:latin typeface="Times New Roman" pitchFamily="18" charset="0"/>
+                <a:cs typeface="Times New Roman" pitchFamily="18" charset="0"/>
+              </a:rPr>
+              <a:t>визуализации в </a:t>
+            </a:r>
+            <a:r>
+              <a:rPr lang="en-US" dirty="0" smtClean="0">
+                <a:latin typeface="Times New Roman" pitchFamily="18" charset="0"/>
+                <a:cs typeface="Times New Roman" pitchFamily="18" charset="0"/>
+              </a:rPr>
+              <a:t>Android</a:t>
+            </a:r>
+            <a:endParaRPr lang="ru-RU" dirty="0">
+              <a:latin typeface="Times New Roman" pitchFamily="18" charset="0"/>
+              <a:cs typeface="Times New Roman" pitchFamily="18" charset="0"/>
+            </a:endParaRPr>
           </a:p>
         </p:txBody>
       </p:sp>
@@ -6116,94 +6432,161 @@
         </p:nvSpPr>
         <p:spPr/>
         <p:txBody>
+          <a:bodyPr>
+            <a:normAutofit/>
+          </a:bodyPr>
+          <a:lstStyle/>
+          <a:p>
+            <a:r>
+              <a:rPr lang="en-US" dirty="0" smtClean="0">
+                <a:latin typeface="Times New Roman" pitchFamily="18" charset="0"/>
+                <a:cs typeface="Times New Roman" pitchFamily="18" charset="0"/>
+              </a:rPr>
+              <a:t>OpenGL </a:t>
+            </a:r>
+            <a:r>
+              <a:rPr lang="en-US" dirty="0" smtClean="0">
+                <a:latin typeface="Times New Roman" pitchFamily="18" charset="0"/>
+                <a:cs typeface="Times New Roman" pitchFamily="18" charset="0"/>
+              </a:rPr>
+              <a:t>ES: </a:t>
+            </a:r>
+            <a:endParaRPr lang="ru-RU" dirty="0" smtClean="0">
+              <a:latin typeface="Times New Roman" pitchFamily="18" charset="0"/>
+              <a:cs typeface="Times New Roman" pitchFamily="18" charset="0"/>
+            </a:endParaRPr>
+          </a:p>
+          <a:p>
+            <a:pPr marL="900000"/>
+            <a:r>
+              <a:rPr lang="ru-RU" dirty="0" smtClean="0">
+                <a:latin typeface="Times New Roman" pitchFamily="18" charset="0"/>
+                <a:cs typeface="Times New Roman" pitchFamily="18" charset="0"/>
+              </a:rPr>
+              <a:t>Сложные графические объекты (3</a:t>
+            </a:r>
+            <a:r>
+              <a:rPr lang="en-US" dirty="0" smtClean="0">
+                <a:latin typeface="Times New Roman" pitchFamily="18" charset="0"/>
+                <a:cs typeface="Times New Roman" pitchFamily="18" charset="0"/>
+              </a:rPr>
+              <a:t>D</a:t>
+            </a:r>
+            <a:r>
+              <a:rPr lang="ru-RU" dirty="0" smtClean="0">
+                <a:latin typeface="Times New Roman" pitchFamily="18" charset="0"/>
+                <a:cs typeface="Times New Roman" pitchFamily="18" charset="0"/>
+              </a:rPr>
+              <a:t>)</a:t>
+            </a:r>
+          </a:p>
+          <a:p>
+            <a:pPr marL="900000"/>
+            <a:r>
+              <a:rPr lang="ru-RU" dirty="0" smtClean="0">
+                <a:latin typeface="Times New Roman" pitchFamily="18" charset="0"/>
+                <a:cs typeface="Times New Roman" pitchFamily="18" charset="0"/>
+              </a:rPr>
+              <a:t>Быстрота работы</a:t>
+            </a:r>
+            <a:endParaRPr lang="en-US" dirty="0" smtClean="0">
+              <a:latin typeface="Times New Roman" pitchFamily="18" charset="0"/>
+              <a:cs typeface="Times New Roman" pitchFamily="18" charset="0"/>
+            </a:endParaRPr>
+          </a:p>
+          <a:p>
+            <a:pPr marL="900000"/>
+            <a:r>
+              <a:rPr lang="ru-RU" dirty="0" smtClean="0">
+                <a:latin typeface="Times New Roman" pitchFamily="18" charset="0"/>
+                <a:cs typeface="Times New Roman" pitchFamily="18" charset="0"/>
+              </a:rPr>
+              <a:t>Трудоемкий способ</a:t>
+            </a:r>
+            <a:endParaRPr lang="en-US" dirty="0" smtClean="0">
+              <a:latin typeface="Times New Roman" pitchFamily="18" charset="0"/>
+              <a:cs typeface="Times New Roman" pitchFamily="18" charset="0"/>
+            </a:endParaRPr>
+          </a:p>
+          <a:p>
+            <a:r>
+              <a:rPr lang="en-US" dirty="0" err="1" smtClean="0">
+                <a:latin typeface="Times New Roman" pitchFamily="18" charset="0"/>
+                <a:cs typeface="Times New Roman" pitchFamily="18" charset="0"/>
+              </a:rPr>
+              <a:t>Android.graphics</a:t>
+            </a:r>
+            <a:r>
+              <a:rPr lang="en-US" dirty="0" smtClean="0">
+                <a:latin typeface="Times New Roman" pitchFamily="18" charset="0"/>
+                <a:cs typeface="Times New Roman" pitchFamily="18" charset="0"/>
+              </a:rPr>
+              <a:t>.*</a:t>
+            </a:r>
+            <a:endParaRPr lang="ru-RU" dirty="0" smtClean="0">
+              <a:latin typeface="Times New Roman" pitchFamily="18" charset="0"/>
+              <a:cs typeface="Times New Roman" pitchFamily="18" charset="0"/>
+            </a:endParaRPr>
+          </a:p>
+          <a:p>
+            <a:pPr marL="900000"/>
+            <a:r>
+              <a:rPr lang="ru-RU" dirty="0" smtClean="0">
+                <a:latin typeface="Times New Roman" pitchFamily="18" charset="0"/>
+                <a:cs typeface="Times New Roman" pitchFamily="18" charset="0"/>
+              </a:rPr>
+              <a:t>Прост для понимания</a:t>
+            </a:r>
+          </a:p>
+          <a:p>
+            <a:pPr marL="900000"/>
+            <a:r>
+              <a:rPr lang="ru-RU" dirty="0" err="1" smtClean="0">
+                <a:latin typeface="Times New Roman" pitchFamily="18" charset="0"/>
+                <a:cs typeface="Times New Roman" pitchFamily="18" charset="0"/>
+              </a:rPr>
+              <a:t>Отрисовка</a:t>
+            </a:r>
+            <a:r>
+              <a:rPr lang="ru-RU" dirty="0" smtClean="0">
+                <a:latin typeface="Times New Roman" pitchFamily="18" charset="0"/>
+                <a:cs typeface="Times New Roman" pitchFamily="18" charset="0"/>
+              </a:rPr>
+              <a:t> более простых объектов</a:t>
+            </a:r>
+          </a:p>
+          <a:p>
+            <a:pPr>
+              <a:buNone/>
+            </a:pPr>
+            <a:endParaRPr lang="ru-RU" dirty="0">
+              <a:latin typeface="Times New Roman" pitchFamily="18" charset="0"/>
+              <a:cs typeface="Times New Roman" pitchFamily="18" charset="0"/>
+            </a:endParaRPr>
+          </a:p>
+        </p:txBody>
+      </p:sp>
+      <p:sp>
+        <p:nvSpPr>
+          <p:cNvPr id="4" name="Номер слайда 3"/>
+          <p:cNvSpPr>
+            <a:spLocks noGrp="1"/>
+          </p:cNvSpPr>
+          <p:nvPr>
+            <p:ph type="sldNum" sz="quarter" idx="12"/>
+          </p:nvPr>
+        </p:nvSpPr>
+        <p:spPr/>
+        <p:txBody>
           <a:bodyPr/>
           <a:lstStyle/>
           <a:p>
-            <a:r>
-              <a:rPr lang="ru-RU" dirty="0" smtClean="0"/>
-              <a:t>Игры</a:t>
-            </a:r>
-          </a:p>
-          <a:p>
-            <a:endParaRPr lang="ru-RU" dirty="0" smtClean="0"/>
-          </a:p>
-          <a:p>
-            <a:endParaRPr lang="ru-RU" dirty="0" smtClean="0"/>
-          </a:p>
-          <a:p>
-            <a:endParaRPr lang="ru-RU" dirty="0"/>
-          </a:p>
-        </p:txBody>
-      </p:sp>
-      <p:pic>
-        <p:nvPicPr>
-          <p:cNvPr id="4" name="Рисунок 3" descr="ar3.jpg"/>
-          <p:cNvPicPr/>
-          <p:nvPr/>
-        </p:nvPicPr>
-        <p:blipFill>
-          <a:blip r:embed="rId2"/>
-          <a:stretch>
-            <a:fillRect/>
-          </a:stretch>
-        </p:blipFill>
-        <p:spPr>
-          <a:xfrm>
-            <a:off x="5143504" y="3214686"/>
-            <a:ext cx="3714776" cy="2065518"/>
-          </a:xfrm>
-          <a:prstGeom prst="rect">
-            <a:avLst/>
-          </a:prstGeom>
-        </p:spPr>
-      </p:pic>
-      <p:pic>
-        <p:nvPicPr>
-          <p:cNvPr id="2050" name="Picture 2" descr="http://psvitas.ru/wp-content/uploads/2012/01/PS-Vita-AR-Table-Football.jpg"/>
-          <p:cNvPicPr>
-            <a:picLocks noChangeAspect="1" noChangeArrowheads="1"/>
-          </p:cNvPicPr>
-          <p:nvPr/>
-        </p:nvPicPr>
-        <p:blipFill>
-          <a:blip r:embed="rId3"/>
-          <a:srcRect/>
-          <a:stretch>
-            <a:fillRect/>
-          </a:stretch>
-        </p:blipFill>
-        <p:spPr bwMode="auto">
-          <a:xfrm>
-            <a:off x="214282" y="3214686"/>
-            <a:ext cx="4789354" cy="2090738"/>
-          </a:xfrm>
-          <a:prstGeom prst="rect">
-            <a:avLst/>
-          </a:prstGeom>
-          <a:noFill/>
-        </p:spPr>
-      </p:pic>
-      <p:sp>
-        <p:nvSpPr>
-          <p:cNvPr id="6" name="Номер слайда 5"/>
-          <p:cNvSpPr>
-            <a:spLocks noGrp="1"/>
-          </p:cNvSpPr>
-          <p:nvPr>
-            <p:ph type="sldNum" sz="quarter" idx="12"/>
-          </p:nvPr>
-        </p:nvSpPr>
-        <p:spPr/>
-        <p:txBody>
-          <a:bodyPr/>
-          <a:lstStyle/>
-          <a:p>
             <a:fld id="{9A39E707-F3CE-4BEB-9583-BB36F29193FA}" type="slidenum">
-              <a:rPr lang="ru-RU" smtClean="0"/>
+              <a:rPr lang="ru-RU" sz="3200" smtClean="0"/>
               <a:pPr/>
               <a:t>6</a:t>
             </a:fld>
-            <a:endParaRPr lang="ru-RU"/>
+            <a:endParaRPr lang="ru-RU" sz="3200" dirty="0"/>
           </a:p>
         </p:txBody>
       </p:sp>
@@ -6257,10 +6640,23 @@
           <a:lstStyle/>
           <a:p>
             <a:r>
-              <a:rPr lang="ru-RU" dirty="0" smtClean="0"/>
-              <a:t>Применение дополненной реальности</a:t>
-            </a:r>
-            <a:endParaRPr lang="ru-RU" dirty="0"/>
+              <a:rPr lang="ru-RU" dirty="0" smtClean="0">
+                <a:latin typeface="Times New Roman" pitchFamily="18" charset="0"/>
+                <a:cs typeface="Times New Roman" pitchFamily="18" charset="0"/>
+              </a:rPr>
+              <a:t>Инструменты, выбранные для </a:t>
+            </a:r>
+            <a:r>
+              <a:rPr lang="ru-RU" dirty="0" smtClean="0">
+                <a:latin typeface="Times New Roman" pitchFamily="18" charset="0"/>
+                <a:cs typeface="Times New Roman" pitchFamily="18" charset="0"/>
+              </a:rPr>
+              <a:t>разработки</a:t>
+            </a:r>
+            <a:endParaRPr lang="ru-RU" dirty="0">
+              <a:latin typeface="Times New Roman" pitchFamily="18" charset="0"/>
+              <a:cs typeface="Times New Roman" pitchFamily="18" charset="0"/>
+            </a:endParaRPr>
           </a:p>
         </p:txBody>
       </p:sp>
@@ -6276,77 +6672,182 @@
         </p:nvSpPr>
         <p:spPr/>
         <p:txBody>
+          <a:bodyPr>
+            <a:normAutofit lnSpcReduction="10000"/>
+          </a:bodyPr>
+          <a:lstStyle/>
+          <a:p>
+            <a:r>
+              <a:rPr lang="ru-RU" sz="4000" dirty="0" smtClean="0">
+                <a:latin typeface="Times New Roman" pitchFamily="18" charset="0"/>
+                <a:cs typeface="Times New Roman" pitchFamily="18" charset="0"/>
+              </a:rPr>
+              <a:t>Язык: </a:t>
+            </a:r>
+            <a:r>
+              <a:rPr lang="en-US" sz="4000" dirty="0" smtClean="0">
+                <a:latin typeface="Times New Roman" pitchFamily="18" charset="0"/>
+                <a:cs typeface="Times New Roman" pitchFamily="18" charset="0"/>
+              </a:rPr>
+              <a:t>Java</a:t>
+            </a:r>
+            <a:endParaRPr lang="ru-RU" sz="4000" dirty="0" smtClean="0">
+              <a:latin typeface="Times New Roman" pitchFamily="18" charset="0"/>
+              <a:cs typeface="Times New Roman" pitchFamily="18" charset="0"/>
+            </a:endParaRPr>
+          </a:p>
+          <a:p>
+            <a:r>
+              <a:rPr lang="ru-RU" sz="4000" dirty="0" smtClean="0">
+                <a:latin typeface="Times New Roman" pitchFamily="18" charset="0"/>
+                <a:cs typeface="Times New Roman" pitchFamily="18" charset="0"/>
+              </a:rPr>
+              <a:t>Среда разработки:</a:t>
+            </a:r>
+            <a:r>
+              <a:rPr lang="en-US" sz="4000" dirty="0" smtClean="0">
+                <a:latin typeface="Times New Roman" pitchFamily="18" charset="0"/>
+                <a:cs typeface="Times New Roman" pitchFamily="18" charset="0"/>
+              </a:rPr>
+              <a:t> </a:t>
+            </a:r>
+            <a:r>
+              <a:rPr lang="en-US" sz="4000" dirty="0" err="1" smtClean="0">
+                <a:latin typeface="Times New Roman" pitchFamily="18" charset="0"/>
+                <a:cs typeface="Times New Roman" pitchFamily="18" charset="0"/>
+              </a:rPr>
+              <a:t>Intellij</a:t>
+            </a:r>
+            <a:r>
+              <a:rPr lang="en-US" sz="4000" dirty="0" smtClean="0">
+                <a:latin typeface="Times New Roman" pitchFamily="18" charset="0"/>
+                <a:cs typeface="Times New Roman" pitchFamily="18" charset="0"/>
+              </a:rPr>
+              <a:t> Idea</a:t>
+            </a:r>
+            <a:endParaRPr lang="ru-RU" sz="4000" dirty="0" smtClean="0">
+              <a:latin typeface="Times New Roman" pitchFamily="18" charset="0"/>
+              <a:cs typeface="Times New Roman" pitchFamily="18" charset="0"/>
+            </a:endParaRPr>
+          </a:p>
+          <a:p>
+            <a:r>
+              <a:rPr lang="ru-RU" sz="4000" dirty="0" smtClean="0">
+                <a:latin typeface="Times New Roman" pitchFamily="18" charset="0"/>
+                <a:cs typeface="Times New Roman" pitchFamily="18" charset="0"/>
+              </a:rPr>
+              <a:t>Визуализация:</a:t>
+            </a:r>
+            <a:r>
+              <a:rPr lang="en-US" sz="4000" dirty="0" smtClean="0">
+                <a:latin typeface="Times New Roman" pitchFamily="18" charset="0"/>
+                <a:cs typeface="Times New Roman" pitchFamily="18" charset="0"/>
+              </a:rPr>
+              <a:t> OpenGL ES + </a:t>
+            </a:r>
+            <a:r>
+              <a:rPr lang="en-US" sz="4000" dirty="0" err="1" smtClean="0">
+                <a:latin typeface="Times New Roman" pitchFamily="18" charset="0"/>
+                <a:cs typeface="Times New Roman" pitchFamily="18" charset="0"/>
+              </a:rPr>
+              <a:t>android.graphics</a:t>
+            </a:r>
+            <a:endParaRPr lang="ru-RU" sz="4000" dirty="0" smtClean="0">
+              <a:latin typeface="Times New Roman" pitchFamily="18" charset="0"/>
+              <a:cs typeface="Times New Roman" pitchFamily="18" charset="0"/>
+            </a:endParaRPr>
+          </a:p>
+          <a:p>
+            <a:r>
+              <a:rPr lang="en-US" sz="4000" dirty="0" smtClean="0">
+                <a:latin typeface="Times New Roman" pitchFamily="18" charset="0"/>
+                <a:cs typeface="Times New Roman" pitchFamily="18" charset="0"/>
+              </a:rPr>
+              <a:t>LBS </a:t>
+            </a:r>
+            <a:r>
+              <a:rPr lang="ru-RU" sz="4000" dirty="0" smtClean="0">
+                <a:latin typeface="Times New Roman" pitchFamily="18" charset="0"/>
+                <a:cs typeface="Times New Roman" pitchFamily="18" charset="0"/>
+              </a:rPr>
+              <a:t>платформа </a:t>
+            </a:r>
+            <a:r>
+              <a:rPr lang="en-US" sz="4000" dirty="0" smtClean="0">
+                <a:latin typeface="Times New Roman" pitchFamily="18" charset="0"/>
+                <a:cs typeface="Times New Roman" pitchFamily="18" charset="0"/>
+              </a:rPr>
+              <a:t>-- Geo2tag </a:t>
+            </a:r>
+            <a:endParaRPr lang="ru-RU" sz="4000" dirty="0" smtClean="0">
+              <a:latin typeface="Times New Roman" pitchFamily="18" charset="0"/>
+              <a:cs typeface="Times New Roman" pitchFamily="18" charset="0"/>
+            </a:endParaRPr>
+          </a:p>
+          <a:p>
+            <a:r>
+              <a:rPr lang="en-US" sz="4000" dirty="0" err="1" smtClean="0">
+                <a:latin typeface="Times New Roman" pitchFamily="18" charset="0"/>
+                <a:cs typeface="Times New Roman" pitchFamily="18" charset="0"/>
+              </a:rPr>
+              <a:t>Mixare</a:t>
+            </a:r>
+            <a:r>
+              <a:rPr lang="en-US" sz="4000" dirty="0" smtClean="0">
+                <a:latin typeface="Times New Roman" pitchFamily="18" charset="0"/>
+                <a:cs typeface="Times New Roman" pitchFamily="18" charset="0"/>
+              </a:rPr>
+              <a:t>, </a:t>
+            </a:r>
+            <a:r>
+              <a:rPr lang="ru-RU" sz="4000" dirty="0" smtClean="0">
+                <a:latin typeface="Times New Roman" pitchFamily="18" charset="0"/>
+                <a:cs typeface="Times New Roman" pitchFamily="18" charset="0"/>
+              </a:rPr>
+              <a:t>библиотека для </a:t>
+            </a:r>
+            <a:r>
+              <a:rPr lang="ru-RU" sz="4000" dirty="0" err="1" smtClean="0">
+                <a:latin typeface="Times New Roman" pitchFamily="18" charset="0"/>
+                <a:cs typeface="Times New Roman" pitchFamily="18" charset="0"/>
+              </a:rPr>
+              <a:t>отрисовки</a:t>
+            </a:r>
+            <a:r>
+              <a:rPr lang="ru-RU" sz="4000" dirty="0" smtClean="0">
+                <a:latin typeface="Times New Roman" pitchFamily="18" charset="0"/>
+                <a:cs typeface="Times New Roman" pitchFamily="18" charset="0"/>
+              </a:rPr>
+              <a:t> тегов.</a:t>
+            </a:r>
+            <a:endParaRPr lang="ru-RU" sz="4000" dirty="0">
+              <a:latin typeface="Times New Roman" pitchFamily="18" charset="0"/>
+              <a:cs typeface="Times New Roman" pitchFamily="18" charset="0"/>
+            </a:endParaRPr>
+          </a:p>
+        </p:txBody>
+      </p:sp>
+      <p:sp>
+        <p:nvSpPr>
+          <p:cNvPr id="4" name="Номер слайда 3"/>
+          <p:cNvSpPr>
+            <a:spLocks noGrp="1"/>
+          </p:cNvSpPr>
+          <p:nvPr>
+            <p:ph type="sldNum" sz="quarter" idx="12"/>
+          </p:nvPr>
+        </p:nvSpPr>
+        <p:spPr/>
+        <p:txBody>
           <a:bodyPr/>
           <a:lstStyle/>
           <a:p>
-            <a:r>
-              <a:rPr lang="ru-RU" dirty="0" smtClean="0"/>
-              <a:t>Дизайн</a:t>
-            </a:r>
-            <a:endParaRPr lang="en-US" dirty="0" smtClean="0"/>
-          </a:p>
-          <a:p>
-            <a:endParaRPr lang="ru-RU" dirty="0" smtClean="0"/>
-          </a:p>
-          <a:p>
-            <a:pPr>
-              <a:buNone/>
-            </a:pPr>
-            <a:endParaRPr lang="ru-RU" dirty="0" smtClean="0"/>
-          </a:p>
-        </p:txBody>
-      </p:sp>
-      <p:pic>
-        <p:nvPicPr>
-          <p:cNvPr id="4" name="Рисунок 3" descr="08-augment-screenshots-120607"/>
-          <p:cNvPicPr/>
-          <p:nvPr/>
-        </p:nvPicPr>
-        <p:blipFill>
-          <a:blip r:embed="rId2"/>
-          <a:srcRect/>
-          <a:stretch>
-            <a:fillRect/>
-          </a:stretch>
-        </p:blipFill>
-        <p:spPr bwMode="auto">
-          <a:xfrm>
-            <a:off x="1714480" y="2714620"/>
-            <a:ext cx="4972050" cy="2708251"/>
-          </a:xfrm>
-          <a:prstGeom prst="rect">
-            <a:avLst/>
-          </a:prstGeom>
-          <a:noFill/>
-          <a:ln w="9525">
-            <a:noFill/>
-            <a:miter lim="800000"/>
-            <a:headEnd/>
-            <a:tailEnd/>
-          </a:ln>
-        </p:spPr>
-      </p:pic>
-      <p:sp>
-        <p:nvSpPr>
-          <p:cNvPr id="5" name="Номер слайда 4"/>
-          <p:cNvSpPr>
-            <a:spLocks noGrp="1"/>
-          </p:cNvSpPr>
-          <p:nvPr>
-            <p:ph type="sldNum" sz="quarter" idx="12"/>
-          </p:nvPr>
-        </p:nvSpPr>
-        <p:spPr/>
-        <p:txBody>
-          <a:bodyPr/>
-          <a:lstStyle/>
-          <a:p>
             <a:fld id="{9A39E707-F3CE-4BEB-9583-BB36F29193FA}" type="slidenum">
-              <a:rPr lang="ru-RU" smtClean="0"/>
+              <a:rPr lang="ru-RU" sz="3200" smtClean="0"/>
               <a:pPr/>
               <a:t>7</a:t>
             </a:fld>
-            <a:endParaRPr lang="ru-RU"/>
+            <a:endParaRPr lang="ru-RU" sz="3200"/>
           </a:p>
         </p:txBody>
       </p:sp>
@@ -6394,27 +6895,177 @@
         </p:nvSpPr>
         <p:spPr/>
         <p:txBody>
+          <a:bodyPr/>
+          <a:lstStyle/>
+          <a:p>
+            <a:r>
+              <a:rPr lang="ru-RU" dirty="0" smtClean="0">
+                <a:latin typeface="Times New Roman" pitchFamily="18" charset="0"/>
+                <a:cs typeface="Times New Roman" pitchFamily="18" charset="0"/>
+              </a:rPr>
+              <a:t>Предметная область</a:t>
+            </a:r>
+            <a:endParaRPr lang="ru-RU" dirty="0">
+              <a:latin typeface="Times New Roman" pitchFamily="18" charset="0"/>
+              <a:cs typeface="Times New Roman" pitchFamily="18" charset="0"/>
+            </a:endParaRPr>
+          </a:p>
+        </p:txBody>
+      </p:sp>
+      <p:sp>
+        <p:nvSpPr>
+          <p:cNvPr id="3" name="Содержимое 2"/>
+          <p:cNvSpPr>
+            <a:spLocks noGrp="1"/>
+          </p:cNvSpPr>
+          <p:nvPr>
+            <p:ph idx="1"/>
+          </p:nvPr>
+        </p:nvSpPr>
+        <p:spPr/>
+        <p:txBody>
           <a:bodyPr>
-            <a:normAutofit fontScale="90000"/>
+            <a:noAutofit/>
           </a:bodyPr>
           <a:lstStyle/>
           <a:p>
-            <a:r>
-              <a:rPr lang="ru-RU" dirty="0" smtClean="0"/>
-              <a:t>Применение дополненной реальности</a:t>
-            </a:r>
-            <a:endParaRPr lang="ru-RU" dirty="0"/>
-          </a:p>
-        </p:txBody>
-      </p:sp>
-      <p:sp>
-        <p:nvSpPr>
-          <p:cNvPr id="5" name="Содержимое 4"/>
-          <p:cNvSpPr>
-            <a:spLocks noGrp="1"/>
-          </p:cNvSpPr>
-          <p:nvPr>
-            <p:ph idx="1"/>
+            <a:pPr lvl="0"/>
+            <a:r>
+              <a:rPr lang="ru-RU" sz="3600" b="1" dirty="0" err="1" smtClean="0">
+                <a:latin typeface="Times New Roman" pitchFamily="18" charset="0"/>
+                <a:cs typeface="Times New Roman" pitchFamily="18" charset="0"/>
+              </a:rPr>
+              <a:t>Геотег</a:t>
+            </a:r>
+            <a:r>
+              <a:rPr lang="ru-RU" sz="3600" dirty="0" smtClean="0">
+                <a:latin typeface="Times New Roman" pitchFamily="18" charset="0"/>
+                <a:cs typeface="Times New Roman" pitchFamily="18" charset="0"/>
+              </a:rPr>
+              <a:t> (</a:t>
+            </a:r>
+            <a:r>
+              <a:rPr lang="ru-RU" sz="3600" dirty="0" err="1" smtClean="0">
+                <a:latin typeface="Times New Roman" pitchFamily="18" charset="0"/>
+                <a:cs typeface="Times New Roman" pitchFamily="18" charset="0"/>
+              </a:rPr>
+              <a:t>геометка</a:t>
+            </a:r>
+            <a:r>
+              <a:rPr lang="ru-RU" sz="3600" dirty="0" smtClean="0">
+                <a:latin typeface="Times New Roman" pitchFamily="18" charset="0"/>
+                <a:cs typeface="Times New Roman" pitchFamily="18" charset="0"/>
+              </a:rPr>
+              <a:t>) – кортеж данных вида:  </a:t>
+            </a:r>
+            <a:r>
+              <a:rPr lang="ru-RU" sz="3600" dirty="0" smtClean="0">
+                <a:latin typeface="Times New Roman" pitchFamily="18" charset="0"/>
+                <a:cs typeface="Times New Roman" pitchFamily="18" charset="0"/>
+              </a:rPr>
+              <a:t>{время, географические координаты, данные}. </a:t>
+            </a:r>
+          </a:p>
+          <a:p>
+            <a:pPr lvl="0"/>
+            <a:r>
+              <a:rPr lang="ru-RU" sz="3600" b="1" dirty="0" smtClean="0">
+                <a:latin typeface="Times New Roman" pitchFamily="18" charset="0"/>
+                <a:cs typeface="Times New Roman" pitchFamily="18" charset="0"/>
+              </a:rPr>
+              <a:t>Канал</a:t>
+            </a:r>
+            <a:r>
+              <a:rPr lang="ru-RU" sz="3600" dirty="0" smtClean="0">
+                <a:latin typeface="Times New Roman" pitchFamily="18" charset="0"/>
+                <a:cs typeface="Times New Roman" pitchFamily="18" charset="0"/>
+              </a:rPr>
+              <a:t> – атрибут </a:t>
+            </a:r>
+            <a:r>
+              <a:rPr lang="ru-RU" sz="3600" dirty="0" err="1" smtClean="0">
+                <a:latin typeface="Times New Roman" pitchFamily="18" charset="0"/>
+                <a:cs typeface="Times New Roman" pitchFamily="18" charset="0"/>
+              </a:rPr>
+              <a:t>геотега</a:t>
+            </a:r>
+            <a:r>
+              <a:rPr lang="ru-RU" sz="3600" dirty="0" smtClean="0">
+                <a:latin typeface="Times New Roman" pitchFamily="18" charset="0"/>
+                <a:cs typeface="Times New Roman" pitchFamily="18" charset="0"/>
+              </a:rPr>
+              <a:t>, определяющий основной классификационный признак. </a:t>
+            </a:r>
+            <a:endParaRPr lang="ru-RU" sz="3600" dirty="0" smtClean="0">
+              <a:latin typeface="Times New Roman" pitchFamily="18" charset="0"/>
+              <a:cs typeface="Times New Roman" pitchFamily="18" charset="0"/>
+            </a:endParaRPr>
+          </a:p>
+          <a:p>
+            <a:pPr lvl="0"/>
+            <a:r>
+              <a:rPr lang="ru-RU" sz="3600" b="1" dirty="0" smtClean="0">
+                <a:latin typeface="Times New Roman" pitchFamily="18" charset="0"/>
+                <a:cs typeface="Times New Roman" pitchFamily="18" charset="0"/>
+              </a:rPr>
+              <a:t>Фильтр </a:t>
+            </a:r>
+            <a:r>
+              <a:rPr lang="ru-RU" sz="3600" dirty="0" smtClean="0">
+                <a:latin typeface="Times New Roman" pitchFamily="18" charset="0"/>
+                <a:cs typeface="Times New Roman" pitchFamily="18" charset="0"/>
+              </a:rPr>
+              <a:t>– 3</a:t>
+            </a:r>
+            <a:r>
+              <a:rPr lang="en-US" sz="3600" dirty="0" smtClean="0">
+                <a:latin typeface="Times New Roman" pitchFamily="18" charset="0"/>
+                <a:cs typeface="Times New Roman" pitchFamily="18" charset="0"/>
+              </a:rPr>
+              <a:t>D/2D </a:t>
+            </a:r>
+            <a:r>
+              <a:rPr lang="ru-RU" sz="3600" dirty="0" smtClean="0">
+                <a:latin typeface="Times New Roman" pitchFamily="18" charset="0"/>
+                <a:cs typeface="Times New Roman" pitchFamily="18" charset="0"/>
+              </a:rPr>
+              <a:t>область пространства с заключенными в ней </a:t>
+            </a:r>
+            <a:r>
+              <a:rPr lang="ru-RU" sz="3600" dirty="0" err="1" smtClean="0">
+                <a:latin typeface="Times New Roman" pitchFamily="18" charset="0"/>
+                <a:cs typeface="Times New Roman" pitchFamily="18" charset="0"/>
+              </a:rPr>
+              <a:t>геотегами</a:t>
+            </a:r>
+            <a:r>
+              <a:rPr lang="ru-RU" sz="3600" dirty="0" smtClean="0">
+                <a:latin typeface="Times New Roman" pitchFamily="18" charset="0"/>
+                <a:cs typeface="Times New Roman" pitchFamily="18" charset="0"/>
+              </a:rPr>
+              <a:t>.   </a:t>
+            </a:r>
+            <a:endParaRPr lang="ru-RU" sz="3600" dirty="0" smtClean="0">
+              <a:latin typeface="Times New Roman" pitchFamily="18" charset="0"/>
+              <a:cs typeface="Times New Roman" pitchFamily="18" charset="0"/>
+            </a:endParaRPr>
+          </a:p>
+          <a:p>
+            <a:endParaRPr lang="ru-RU" sz="3600" dirty="0">
+              <a:latin typeface="Times New Roman" pitchFamily="18" charset="0"/>
+              <a:cs typeface="Times New Roman" pitchFamily="18" charset="0"/>
+            </a:endParaRPr>
+          </a:p>
+        </p:txBody>
+      </p:sp>
+      <p:sp>
+        <p:nvSpPr>
+          <p:cNvPr id="4" name="Номер слайда 3"/>
+          <p:cNvSpPr>
+            <a:spLocks noGrp="1"/>
+          </p:cNvSpPr>
+          <p:nvPr>
+            <p:ph type="sldNum" sz="quarter" idx="12"/>
           </p:nvPr>
         </p:nvSpPr>
         <p:spPr/>
@@ -6422,65 +7073,12 @@
           <a:bodyPr/>
           <a:lstStyle/>
           <a:p>
-            <a:r>
-              <a:rPr lang="ru-RU" dirty="0" smtClean="0"/>
-              <a:t>Навигация</a:t>
-            </a:r>
-            <a:endParaRPr lang="ru-RU" dirty="0"/>
-          </a:p>
-        </p:txBody>
-      </p:sp>
-      <p:pic>
-        <p:nvPicPr>
-          <p:cNvPr id="6" name="Рисунок 5" descr="WikiTude Drive - Дополненная реальность на Android "/>
-          <p:cNvPicPr/>
-          <p:nvPr/>
-        </p:nvPicPr>
-        <p:blipFill>
-          <a:blip r:embed="rId2"/>
-          <a:srcRect/>
-          <a:stretch>
-            <a:fillRect/>
-          </a:stretch>
-        </p:blipFill>
-        <p:spPr bwMode="auto">
-          <a:xfrm>
-            <a:off x="1785918" y="2571744"/>
-            <a:ext cx="4762500" cy="3003550"/>
-          </a:xfrm>
-          <a:prstGeom prst="rect">
-            <a:avLst/>
-          </a:prstGeom>
-          <a:noFill/>
-          <a:ln w="9525">
-            <a:noFill/>
-            <a:miter lim="800000"/>
-            <a:headEnd/>
-            <a:tailEnd/>
-          </a:ln>
-        </p:spPr>
-      </p:pic>
-      <p:sp>
-        <p:nvSpPr>
-          <p:cNvPr id="7" name="Номер слайда 6"/>
-          <p:cNvSpPr>
-            <a:spLocks noGrp="1"/>
-          </p:cNvSpPr>
-          <p:nvPr>
-            <p:ph type="sldNum" sz="quarter" idx="12"/>
-          </p:nvPr>
-        </p:nvSpPr>
-        <p:spPr/>
-        <p:txBody>
-          <a:bodyPr/>
-          <a:lstStyle/>
-          <a:p>
             <a:fld id="{9A39E707-F3CE-4BEB-9583-BB36F29193FA}" type="slidenum">
-              <a:rPr lang="ru-RU" smtClean="0"/>
+              <a:rPr lang="ru-RU" sz="3200" smtClean="0"/>
               <a:pPr/>
               <a:t>8</a:t>
             </a:fld>
-            <a:endParaRPr lang="ru-RU"/>
+            <a:endParaRPr lang="ru-RU" sz="3200"/>
           </a:p>
         </p:txBody>
       </p:sp>
@@ -6528,132 +7126,84 @@
         </p:nvSpPr>
         <p:spPr/>
         <p:txBody>
+          <a:bodyPr>
+            <a:normAutofit/>
+          </a:bodyPr>
+          <a:lstStyle/>
+          <a:p>
+            <a:r>
+              <a:rPr lang="ru-RU" dirty="0" smtClean="0">
+                <a:latin typeface="Times New Roman" pitchFamily="18" charset="0"/>
+                <a:cs typeface="Times New Roman" pitchFamily="18" charset="0"/>
+              </a:rPr>
+              <a:t>Описание взаимодействия</a:t>
+            </a:r>
+            <a:endParaRPr lang="ru-RU" dirty="0">
+              <a:latin typeface="Times New Roman" pitchFamily="18" charset="0"/>
+              <a:cs typeface="Times New Roman" pitchFamily="18" charset="0"/>
+            </a:endParaRPr>
+          </a:p>
+        </p:txBody>
+      </p:sp>
+      <p:sp>
+        <p:nvSpPr>
+          <p:cNvPr id="4" name="Номер слайда 3"/>
+          <p:cNvSpPr>
+            <a:spLocks noGrp="1"/>
+          </p:cNvSpPr>
+          <p:nvPr>
+            <p:ph type="sldNum" sz="quarter" idx="12"/>
+          </p:nvPr>
+        </p:nvSpPr>
+        <p:spPr/>
+        <p:txBody>
           <a:bodyPr/>
           <a:lstStyle/>
           <a:p>
-            <a:r>
-              <a:rPr lang="ru-RU" dirty="0" err="1" smtClean="0"/>
-              <a:t>Геолокационный</a:t>
-            </a:r>
-            <a:r>
-              <a:rPr lang="ru-RU" dirty="0" smtClean="0"/>
-              <a:t> сервис</a:t>
-            </a:r>
-            <a:endParaRPr lang="ru-RU" dirty="0"/>
-          </a:p>
-        </p:txBody>
-      </p:sp>
-      <p:sp>
-        <p:nvSpPr>
-          <p:cNvPr id="3" name="Содержимое 2"/>
-          <p:cNvSpPr>
-            <a:spLocks noGrp="1"/>
-          </p:cNvSpPr>
-          <p:nvPr>
-            <p:ph idx="1"/>
-          </p:nvPr>
-        </p:nvSpPr>
-        <p:spPr/>
-        <p:txBody>
-          <a:bodyPr>
-            <a:normAutofit fontScale="92500" lnSpcReduction="20000"/>
-          </a:bodyPr>
-          <a:lstStyle/>
-          <a:p>
-            <a:r>
-              <a:rPr lang="en-US" b="1" dirty="0"/>
-              <a:t>Location</a:t>
-            </a:r>
-            <a:r>
-              <a:rPr lang="ru-RU" b="1" dirty="0"/>
-              <a:t>-</a:t>
-            </a:r>
-            <a:r>
-              <a:rPr lang="en-US" b="1" dirty="0"/>
-              <a:t>based service</a:t>
-            </a:r>
-            <a:r>
-              <a:rPr lang="ru-RU" dirty="0"/>
-              <a:t>,</a:t>
-            </a:r>
-            <a:r>
-              <a:rPr lang="en-US" dirty="0"/>
-              <a:t> </a:t>
-            </a:r>
-            <a:r>
-              <a:rPr lang="en-US" b="1" dirty="0"/>
-              <a:t>LBS</a:t>
-            </a:r>
-            <a:r>
-              <a:rPr lang="en-US" dirty="0"/>
-              <a:t> </a:t>
-            </a:r>
-            <a:r>
-              <a:rPr lang="ru-RU" dirty="0"/>
-              <a:t>(</a:t>
-            </a:r>
-            <a:r>
-              <a:rPr lang="ru-RU" i="1" dirty="0"/>
-              <a:t>Служба, основанная на местоположении</a:t>
-            </a:r>
-            <a:r>
-              <a:rPr lang="ru-RU" dirty="0"/>
-              <a:t>) — тип </a:t>
-            </a:r>
-            <a:r>
-              <a:rPr lang="ru-RU" dirty="0" smtClean="0"/>
-              <a:t>услуг</a:t>
-            </a:r>
-            <a:r>
-              <a:rPr lang="ru-RU" dirty="0"/>
-              <a:t>, основанных на определении текущего местоположения мобильного устройства пользователя. </a:t>
-            </a:r>
-            <a:r>
-              <a:rPr lang="ru-RU" dirty="0" err="1"/>
-              <a:t>Визуализационные</a:t>
-            </a:r>
-            <a:r>
-              <a:rPr lang="ru-RU" dirty="0"/>
-              <a:t> возможности современных мобильных телефонов (в частности, смартфонов) позволяют отображать на экране электронные карты достаточно высокого качества, что позволяет использовать LBS для решения различных </a:t>
-            </a:r>
-            <a:r>
-              <a:rPr lang="ru-RU" dirty="0" err="1"/>
-              <a:t>бизнес-задач</a:t>
-            </a:r>
-            <a:r>
-              <a:rPr lang="ru-RU" dirty="0"/>
-              <a:t>, навигации и развлечений.</a:t>
-            </a:r>
-          </a:p>
-          <a:p>
-            <a:endParaRPr lang="ru-RU" dirty="0"/>
-          </a:p>
-        </p:txBody>
-      </p:sp>
-      <p:sp>
-        <p:nvSpPr>
-          <p:cNvPr id="4" name="Номер слайда 3"/>
-          <p:cNvSpPr>
-            <a:spLocks noGrp="1"/>
-          </p:cNvSpPr>
-          <p:nvPr>
-            <p:ph type="sldNum" sz="quarter" idx="12"/>
-          </p:nvPr>
-        </p:nvSpPr>
-        <p:spPr/>
-        <p:txBody>
-          <a:bodyPr/>
-          <a:lstStyle/>
-          <a:p>
             <a:fld id="{9A39E707-F3CE-4BEB-9583-BB36F29193FA}" type="slidenum">
-              <a:rPr lang="ru-RU" smtClean="0"/>
+              <a:rPr lang="ru-RU" sz="3200" smtClean="0"/>
               <a:pPr/>
               <a:t>9</a:t>
             </a:fld>
-            <a:endParaRPr lang="ru-RU"/>
-          </a:p>
-        </p:txBody>
-      </p:sp>
+            <a:endParaRPr lang="ru-RU" sz="3200" dirty="0"/>
+          </a:p>
+        </p:txBody>
+      </p:sp>
+      <p:pic>
+        <p:nvPicPr>
+          <p:cNvPr id="1026" name="Picture 2"/>
+          <p:cNvPicPr>
+            <a:picLocks noGrp="1" noChangeAspect="1" noChangeArrowheads="1"/>
+          </p:cNvPicPr>
+          <p:nvPr>
+            <p:ph idx="1"/>
+          </p:nvPr>
+        </p:nvPicPr>
+        <p:blipFill>
+          <a:blip r:embed="rId2"/>
+          <a:srcRect/>
+          <a:stretch>
+            <a:fillRect/>
+          </a:stretch>
+        </p:blipFill>
+        <p:spPr bwMode="auto">
+          <a:xfrm>
+            <a:off x="500034" y="1428736"/>
+            <a:ext cx="8320425" cy="4714908"/>
+          </a:xfrm>
+          <a:prstGeom prst="rect">
+            <a:avLst/>
+          </a:prstGeom>
+          <a:noFill/>
+          <a:ln w="9525">
+            <a:noFill/>
+            <a:miter lim="800000"/>
+            <a:headEnd/>
+            <a:tailEnd/>
+          </a:ln>
+          <a:effectLst/>
+        </p:spPr>
+      </p:pic>
     </p:spTree>
   </p:cSld>
   <p:clrMapOvr>

--- a/Диплом презентация.pptx
+++ b/Диплом презентация.pptx
@@ -208,7 +208,7 @@
             <a:fld id="{DC09B85A-08DB-46DD-AF57-0C9727A23FC3}" type="datetimeFigureOut">
               <a:rPr lang="ru-RU" smtClean="0"/>
               <a:pPr/>
-              <a:t>10.06.2013</a:t>
+              <a:t>12.06.2013</a:t>
             </a:fld>
             <a:endParaRPr lang="ru-RU"/>
           </a:p>
@@ -738,7 +738,7 @@
             <a:fld id="{ED078997-DAFF-4C23-A6B6-00421BFA8725}" type="datetime1">
               <a:rPr lang="ru-RU" smtClean="0"/>
               <a:pPr/>
-              <a:t>10.06.2013</a:t>
+              <a:t>12.06.2013</a:t>
             </a:fld>
             <a:endParaRPr lang="ru-RU"/>
           </a:p>
@@ -905,7 +905,7 @@
             <a:fld id="{5C178956-C440-4961-8521-990435B25F79}" type="datetime1">
               <a:rPr lang="ru-RU" smtClean="0"/>
               <a:pPr/>
-              <a:t>10.06.2013</a:t>
+              <a:t>12.06.2013</a:t>
             </a:fld>
             <a:endParaRPr lang="ru-RU"/>
           </a:p>
@@ -1082,7 +1082,7 @@
             <a:fld id="{9AF26269-AF32-4694-ADA3-B45B035C2E55}" type="datetime1">
               <a:rPr lang="ru-RU" smtClean="0"/>
               <a:pPr/>
-              <a:t>10.06.2013</a:t>
+              <a:t>12.06.2013</a:t>
             </a:fld>
             <a:endParaRPr lang="ru-RU"/>
           </a:p>
@@ -1249,7 +1249,7 @@
             <a:fld id="{C20E3EC9-C9C3-4C9E-803D-4FC15CF7057D}" type="datetime1">
               <a:rPr lang="ru-RU" smtClean="0"/>
               <a:pPr/>
-              <a:t>10.06.2013</a:t>
+              <a:t>12.06.2013</a:t>
             </a:fld>
             <a:endParaRPr lang="ru-RU"/>
           </a:p>
@@ -1492,7 +1492,7 @@
             <a:fld id="{C70DA1FB-3B8B-415C-9FB6-BFB041B1D408}" type="datetime1">
               <a:rPr lang="ru-RU" smtClean="0"/>
               <a:pPr/>
-              <a:t>10.06.2013</a:t>
+              <a:t>12.06.2013</a:t>
             </a:fld>
             <a:endParaRPr lang="ru-RU"/>
           </a:p>
@@ -1777,7 +1777,7 @@
             <a:fld id="{4AF34C8B-8DA2-4E70-9D9F-371CBE008629}" type="datetime1">
               <a:rPr lang="ru-RU" smtClean="0"/>
               <a:pPr/>
-              <a:t>10.06.2013</a:t>
+              <a:t>12.06.2013</a:t>
             </a:fld>
             <a:endParaRPr lang="ru-RU"/>
           </a:p>
@@ -2196,7 +2196,7 @@
             <a:fld id="{E76A68D0-D777-4745-85C4-114F45582716}" type="datetime1">
               <a:rPr lang="ru-RU" smtClean="0"/>
               <a:pPr/>
-              <a:t>10.06.2013</a:t>
+              <a:t>12.06.2013</a:t>
             </a:fld>
             <a:endParaRPr lang="ru-RU"/>
           </a:p>
@@ -2311,7 +2311,7 @@
             <a:fld id="{F60E29F0-D0BA-47F9-8F50-2CC94894CC5E}" type="datetime1">
               <a:rPr lang="ru-RU" smtClean="0"/>
               <a:pPr/>
-              <a:t>10.06.2013</a:t>
+              <a:t>12.06.2013</a:t>
             </a:fld>
             <a:endParaRPr lang="ru-RU"/>
           </a:p>
@@ -2403,7 +2403,7 @@
             <a:fld id="{B5365CE0-89AC-4278-858F-704B1C3BE8D1}" type="datetime1">
               <a:rPr lang="ru-RU" smtClean="0"/>
               <a:pPr/>
-              <a:t>10.06.2013</a:t>
+              <a:t>12.06.2013</a:t>
             </a:fld>
             <a:endParaRPr lang="ru-RU"/>
           </a:p>
@@ -2677,7 +2677,7 @@
             <a:fld id="{04B7F107-8DD4-4E4B-B747-A12893D95654}" type="datetime1">
               <a:rPr lang="ru-RU" smtClean="0"/>
               <a:pPr/>
-              <a:t>10.06.2013</a:t>
+              <a:t>12.06.2013</a:t>
             </a:fld>
             <a:endParaRPr lang="ru-RU"/>
           </a:p>
@@ -2927,7 +2927,7 @@
             <a:fld id="{62D83752-F1D1-47AE-99A8-9F7A50D6BD52}" type="datetime1">
               <a:rPr lang="ru-RU" smtClean="0"/>
               <a:pPr/>
-              <a:t>10.06.2013</a:t>
+              <a:t>12.06.2013</a:t>
             </a:fld>
             <a:endParaRPr lang="ru-RU"/>
           </a:p>
@@ -3137,7 +3137,7 @@
             <a:fld id="{F99728D3-7560-476D-B1BE-EADDDE057D42}" type="datetime1">
               <a:rPr lang="ru-RU" smtClean="0"/>
               <a:pPr/>
-              <a:t>10.06.2013</a:t>
+              <a:t>12.06.2013</a:t>
             </a:fld>
             <a:endParaRPr lang="ru-RU"/>
           </a:p>
@@ -3600,64 +3600,18 @@
                 <a:latin typeface="Times New Roman" pitchFamily="18" charset="0"/>
                 <a:cs typeface="Times New Roman" pitchFamily="18" charset="0"/>
               </a:rPr>
-              <a:t>Грибова </a:t>
-            </a:r>
+              <a:t>Грибова Мария Андреевна, </a:t>
+            </a:r>
+          </a:p>
+          <a:p>
+            <a:pPr algn="r"/>
             <a:r>
               <a:rPr lang="ru-RU" dirty="0" smtClean="0">
                 <a:latin typeface="Times New Roman" pitchFamily="18" charset="0"/>
                 <a:cs typeface="Times New Roman" pitchFamily="18" charset="0"/>
               </a:rPr>
-              <a:t>М</a:t>
-            </a:r>
-            <a:r>
-              <a:rPr lang="ru-RU" dirty="0" smtClean="0">
-                <a:latin typeface="Times New Roman" pitchFamily="18" charset="0"/>
-                <a:cs typeface="Times New Roman" pitchFamily="18" charset="0"/>
-              </a:rPr>
-              <a:t>ария </a:t>
-            </a:r>
-            <a:r>
-              <a:rPr lang="ru-RU" dirty="0" smtClean="0">
-                <a:latin typeface="Times New Roman" pitchFamily="18" charset="0"/>
-                <a:cs typeface="Times New Roman" pitchFamily="18" charset="0"/>
-              </a:rPr>
-              <a:t>А</a:t>
-            </a:r>
-            <a:r>
-              <a:rPr lang="ru-RU" dirty="0" smtClean="0">
-                <a:latin typeface="Times New Roman" pitchFamily="18" charset="0"/>
-                <a:cs typeface="Times New Roman" pitchFamily="18" charset="0"/>
-              </a:rPr>
-              <a:t>ндреевна</a:t>
-            </a:r>
-            <a:r>
-              <a:rPr lang="ru-RU" dirty="0" smtClean="0">
-                <a:latin typeface="Times New Roman" pitchFamily="18" charset="0"/>
-                <a:cs typeface="Times New Roman" pitchFamily="18" charset="0"/>
-              </a:rPr>
-              <a:t>, </a:t>
-            </a:r>
-          </a:p>
-          <a:p>
-            <a:pPr algn="r"/>
-            <a:r>
-              <a:rPr lang="ru-RU" dirty="0" smtClean="0">
-                <a:latin typeface="Times New Roman" pitchFamily="18" charset="0"/>
-                <a:cs typeface="Times New Roman" pitchFamily="18" charset="0"/>
-              </a:rPr>
-              <a:t>группа </a:t>
-            </a:r>
-            <a:r>
-              <a:rPr lang="ru-RU" dirty="0" smtClean="0">
-                <a:latin typeface="Times New Roman" pitchFamily="18" charset="0"/>
-                <a:cs typeface="Times New Roman" pitchFamily="18" charset="0"/>
-              </a:rPr>
-              <a:t>9381</a:t>
-            </a:r>
-            <a:endParaRPr lang="ru-RU" dirty="0" smtClean="0">
-              <a:latin typeface="Times New Roman" pitchFamily="18" charset="0"/>
-              <a:cs typeface="Times New Roman" pitchFamily="18" charset="0"/>
-            </a:endParaRPr>
+              <a:t>группа 9381</a:t>
+            </a:r>
           </a:p>
         </p:txBody>
       </p:sp>
@@ -3901,9 +3855,9 @@
       </p:sp>
       <p:pic>
         <p:nvPicPr>
-          <p:cNvPr id="2051" name="Picture 3"/>
+          <p:cNvPr id="6" name="Содержимое 5" descr="Диаграммаклассов_geocube.png"/>
           <p:cNvPicPr>
-            <a:picLocks noGrp="1" noChangeAspect="1" noChangeArrowheads="1"/>
+            <a:picLocks noGrp="1" noChangeAspect="1"/>
           </p:cNvPicPr>
           <p:nvPr>
             <p:ph idx="1"/>
@@ -3911,27 +3865,15 @@
         </p:nvPicPr>
         <p:blipFill>
           <a:blip r:embed="rId2"/>
-          <a:srcRect/>
           <a:stretch>
             <a:fillRect/>
           </a:stretch>
         </p:blipFill>
-        <p:spPr bwMode="auto">
+        <p:spPr>
           <a:xfrm>
-            <a:off x="432885" y="1500174"/>
-            <a:ext cx="8425395" cy="4643470"/>
+            <a:off x="800126" y="1571612"/>
+            <a:ext cx="7915278" cy="4620401"/>
           </a:xfrm>
-          <a:prstGeom prst="rect">
-            <a:avLst/>
-          </a:prstGeom>
-          <a:noFill/>
-          <a:ln w="9525">
-            <a:noFill/>
-            <a:miter lim="800000"/>
-            <a:headEnd/>
-            <a:tailEnd/>
-          </a:ln>
-          <a:effectLst/>
         </p:spPr>
       </p:pic>
     </p:spTree>
@@ -4043,9 +3985,9 @@
       </p:sp>
       <p:pic>
         <p:nvPicPr>
-          <p:cNvPr id="3076" name="Picture 4"/>
+          <p:cNvPr id="6" name="Содержимое 5" descr="Диаграммаклассов_mixare.png"/>
           <p:cNvPicPr>
-            <a:picLocks noGrp="1" noChangeAspect="1" noChangeArrowheads="1"/>
+            <a:picLocks noGrp="1" noChangeAspect="1"/>
           </p:cNvPicPr>
           <p:nvPr>
             <p:ph idx="1"/>
@@ -4053,27 +3995,16 @@
         </p:nvPicPr>
         <p:blipFill>
           <a:blip r:embed="rId2"/>
-          <a:srcRect/>
+          <a:srcRect l="29525" r="27672" b="63897"/>
           <a:stretch>
             <a:fillRect/>
           </a:stretch>
         </p:blipFill>
-        <p:spPr bwMode="auto">
+        <p:spPr>
           <a:xfrm>
-            <a:off x="161208" y="1500174"/>
-            <a:ext cx="8754137" cy="4929221"/>
+            <a:off x="1142976" y="1142984"/>
+            <a:ext cx="7000924" cy="5378759"/>
           </a:xfrm>
-          <a:prstGeom prst="rect">
-            <a:avLst/>
-          </a:prstGeom>
-          <a:noFill/>
-          <a:ln w="9525">
-            <a:noFill/>
-            <a:miter lim="800000"/>
-            <a:headEnd/>
-            <a:tailEnd/>
-          </a:ln>
-          <a:effectLst/>
         </p:spPr>
       </p:pic>
     </p:spTree>
@@ -4203,7 +4134,7 @@
           <a:blip r:embed="rId3">
             <a:extLst>
               <a:ext uri="{28A0092B-C50C-407E-A947-70E740481C1C}">
-                <a14:useLocalDpi xmlns:lc="http://schemas.openxmlformats.org/drawingml/2006/lockedCanvas" xmlns:pic="http://schemas.openxmlformats.org/drawingml/2006/picture" xmlns:a14="http://schemas.microsoft.com/office/drawing/2010/main" xmlns:wps="http://schemas.microsoft.com/office/word/2010/wordprocessingShape" xmlns:wne="http://schemas.microsoft.com/office/word/2006/wordml" xmlns:wpi="http://schemas.microsoft.com/office/word/2010/wordprocessingInk" xmlns:wpg="http://schemas.microsoft.com/office/word/2010/wordprocessingGroup" xmlns:w14="http://schemas.microsoft.com/office/word/2010/wordml" xmlns:w="http://schemas.openxmlformats.org/wordprocessingml/2006/main" xmlns:w10="urn:schemas-microsoft-com:office:word" xmlns:wp="http://schemas.openxmlformats.org/drawingml/2006/wordprocessingDrawing" xmlns:wp14="http://schemas.microsoft.com/office/word/2010/wordprocessingDrawing" xmlns:v="urn:schemas-microsoft-com:vml" xmlns:m="http://schemas.openxmlformats.org/officeDocument/2006/math" xmlns:o="urn:schemas-microsoft-com:office:office" xmlns:mc="http://schemas.openxmlformats.org/markup-compatibility/2006" xmlns:wpc="http://schemas.microsoft.com/office/word/2010/wordprocessingCanvas" xmlns="" val="0"/>
+                <a14:useLocalDpi xmlns="" xmlns:wpc="http://schemas.microsoft.com/office/word/2010/wordprocessingCanvas" xmlns:mc="http://schemas.openxmlformats.org/markup-compatibility/2006" xmlns:o="urn:schemas-microsoft-com:office:office" xmlns:m="http://schemas.openxmlformats.org/officeDocument/2006/math" xmlns:v="urn:schemas-microsoft-com:vml" xmlns:wp14="http://schemas.microsoft.com/office/word/2010/wordprocessingDrawing" xmlns:wp="http://schemas.openxmlformats.org/drawingml/2006/wordprocessingDrawing" xmlns:w10="urn:schemas-microsoft-com:office:word" xmlns:w="http://schemas.openxmlformats.org/wordprocessingml/2006/main" xmlns:w14="http://schemas.microsoft.com/office/word/2010/wordml" xmlns:wpg="http://schemas.microsoft.com/office/word/2010/wordprocessingGroup" xmlns:wpi="http://schemas.microsoft.com/office/word/2010/wordprocessingInk" xmlns:wne="http://schemas.microsoft.com/office/word/2006/wordml" xmlns:wps="http://schemas.microsoft.com/office/word/2010/wordprocessingShape" xmlns:a14="http://schemas.microsoft.com/office/drawing/2010/main" xmlns:pic="http://schemas.openxmlformats.org/drawingml/2006/picture" xmlns:lc="http://schemas.openxmlformats.org/drawingml/2006/lockedCanvas" val="0"/>
               </a:ext>
             </a:extLst>
           </a:blip>
@@ -4294,10 +4225,16 @@
           <a:lstStyle/>
           <a:p>
             <a:r>
-              <a:rPr lang="ru-RU" dirty="0" smtClean="0"/>
+              <a:rPr lang="ru-RU" dirty="0" smtClean="0">
+                <a:latin typeface="Times New Roman" pitchFamily="18" charset="0"/>
+                <a:cs typeface="Times New Roman" pitchFamily="18" charset="0"/>
+              </a:rPr>
               <a:t>Направления развития</a:t>
             </a:r>
-            <a:endParaRPr lang="ru-RU" dirty="0"/>
+            <a:endParaRPr lang="ru-RU" dirty="0">
+              <a:latin typeface="Times New Roman" pitchFamily="18" charset="0"/>
+              <a:cs typeface="Times New Roman" pitchFamily="18" charset="0"/>
+            </a:endParaRPr>
           </a:p>
         </p:txBody>
       </p:sp>
@@ -4311,36 +4248,121 @@
             <p:ph idx="1"/>
           </p:nvPr>
         </p:nvSpPr>
+        <p:spPr>
+          <a:xfrm>
+            <a:off x="457200" y="1903433"/>
+            <a:ext cx="8229600" cy="4525963"/>
+          </a:xfrm>
+        </p:spPr>
+        <p:txBody>
+          <a:bodyPr/>
+          <a:lstStyle/>
+          <a:p>
+            <a:r>
+              <a:rPr lang="ru-RU" dirty="0" smtClean="0">
+                <a:latin typeface="Times New Roman" pitchFamily="18" charset="0"/>
+                <a:cs typeface="Times New Roman" pitchFamily="18" charset="0"/>
+              </a:rPr>
+              <a:t>Ускорение скорости работы (</a:t>
+            </a:r>
+            <a:r>
+              <a:rPr lang="ru-RU" dirty="0" err="1" smtClean="0">
+                <a:latin typeface="Times New Roman" pitchFamily="18" charset="0"/>
+                <a:cs typeface="Times New Roman" pitchFamily="18" charset="0"/>
+              </a:rPr>
+              <a:t>отрисовки</a:t>
+            </a:r>
+            <a:r>
+              <a:rPr lang="ru-RU" dirty="0" smtClean="0">
+                <a:latin typeface="Times New Roman" pitchFamily="18" charset="0"/>
+                <a:cs typeface="Times New Roman" pitchFamily="18" charset="0"/>
+              </a:rPr>
+              <a:t> </a:t>
+            </a:r>
+            <a:r>
+              <a:rPr lang="ru-RU" dirty="0" err="1" smtClean="0">
+                <a:latin typeface="Times New Roman" pitchFamily="18" charset="0"/>
+                <a:cs typeface="Times New Roman" pitchFamily="18" charset="0"/>
+              </a:rPr>
+              <a:t>геотегов</a:t>
+            </a:r>
+            <a:r>
+              <a:rPr lang="ru-RU" dirty="0" smtClean="0">
+                <a:latin typeface="Times New Roman" pitchFamily="18" charset="0"/>
+                <a:cs typeface="Times New Roman" pitchFamily="18" charset="0"/>
+              </a:rPr>
+              <a:t>)</a:t>
+            </a:r>
+          </a:p>
+          <a:p>
+            <a:r>
+              <a:rPr lang="ru-RU" dirty="0" smtClean="0">
+                <a:latin typeface="Times New Roman" pitchFamily="18" charset="0"/>
+                <a:cs typeface="Times New Roman" pitchFamily="18" charset="0"/>
+              </a:rPr>
+              <a:t>Возможность задания расстояний, размеро</a:t>
+            </a:r>
+            <a:r>
+              <a:rPr lang="ru-RU" dirty="0" smtClean="0">
+                <a:latin typeface="Times New Roman" pitchFamily="18" charset="0"/>
+                <a:cs typeface="Times New Roman" pitchFamily="18" charset="0"/>
+              </a:rPr>
+              <a:t>в фильтров</a:t>
+            </a:r>
+          </a:p>
+          <a:p>
+            <a:r>
+              <a:rPr lang="ru-RU" dirty="0" smtClean="0">
+                <a:latin typeface="Times New Roman" pitchFamily="18" charset="0"/>
+                <a:cs typeface="Times New Roman" pitchFamily="18" charset="0"/>
+              </a:rPr>
+              <a:t>Отображение тегов на изображении карты</a:t>
+            </a:r>
+          </a:p>
+          <a:p>
+            <a:r>
+              <a:rPr lang="ru-RU" dirty="0" smtClean="0">
+                <a:latin typeface="Times New Roman" pitchFamily="18" charset="0"/>
+                <a:cs typeface="Times New Roman" pitchFamily="18" charset="0"/>
+              </a:rPr>
+              <a:t>Поиск по тегам</a:t>
+            </a:r>
+          </a:p>
+          <a:p>
+            <a:endParaRPr lang="ru-RU" dirty="0" smtClean="0">
+              <a:latin typeface="Times New Roman" pitchFamily="18" charset="0"/>
+              <a:cs typeface="Times New Roman" pitchFamily="18" charset="0"/>
+            </a:endParaRPr>
+          </a:p>
+          <a:p>
+            <a:endParaRPr lang="ru-RU" dirty="0">
+              <a:latin typeface="Times New Roman" pitchFamily="18" charset="0"/>
+              <a:cs typeface="Times New Roman" pitchFamily="18" charset="0"/>
+            </a:endParaRPr>
+          </a:p>
+        </p:txBody>
+      </p:sp>
+      <p:sp>
+        <p:nvSpPr>
+          <p:cNvPr id="4" name="Номер слайда 3"/>
+          <p:cNvSpPr>
+            <a:spLocks noGrp="1"/>
+          </p:cNvSpPr>
+          <p:nvPr>
+            <p:ph type="sldNum" sz="quarter" idx="12"/>
+          </p:nvPr>
+        </p:nvSpPr>
         <p:spPr/>
         <p:txBody>
           <a:bodyPr/>
           <a:lstStyle/>
           <a:p>
-            <a:endParaRPr lang="ru-RU"/>
-          </a:p>
-        </p:txBody>
-      </p:sp>
-      <p:sp>
-        <p:nvSpPr>
-          <p:cNvPr id="4" name="Номер слайда 3"/>
-          <p:cNvSpPr>
-            <a:spLocks noGrp="1"/>
-          </p:cNvSpPr>
-          <p:nvPr>
-            <p:ph type="sldNum" sz="quarter" idx="12"/>
-          </p:nvPr>
-        </p:nvSpPr>
-        <p:spPr/>
-        <p:txBody>
-          <a:bodyPr/>
-          <a:lstStyle/>
-          <a:p>
             <a:fld id="{9A39E707-F3CE-4BEB-9583-BB36F29193FA}" type="slidenum">
-              <a:rPr lang="ru-RU" smtClean="0"/>
+              <a:rPr lang="ru-RU" sz="3200" smtClean="0"/>
               <a:pPr/>
               <a:t>14</a:t>
             </a:fld>
-            <a:endParaRPr lang="ru-RU"/>
+            <a:endParaRPr lang="ru-RU" sz="3200" dirty="0"/>
           </a:p>
         </p:txBody>
       </p:sp>
@@ -4708,14 +4730,7 @@
                 <a:latin typeface="Times New Roman" pitchFamily="18" charset="0"/>
                 <a:cs typeface="Times New Roman" pitchFamily="18" charset="0"/>
               </a:rPr>
-              <a:t>Цель дипломной </a:t>
-            </a:r>
-            <a:r>
-              <a:rPr lang="ru-RU" dirty="0" smtClean="0">
-                <a:latin typeface="Times New Roman" pitchFamily="18" charset="0"/>
-                <a:cs typeface="Times New Roman" pitchFamily="18" charset="0"/>
-              </a:rPr>
-              <a:t>работы</a:t>
+              <a:t>Цель дипломной работы</a:t>
             </a:r>
             <a:endParaRPr lang="ru-RU" dirty="0">
               <a:latin typeface="Times New Roman" pitchFamily="18" charset="0"/>
@@ -4859,10 +4874,6 @@
               </a:rPr>
               <a:t>.</a:t>
             </a:r>
-            <a:endParaRPr lang="ru-RU" dirty="0" smtClean="0">
-              <a:latin typeface="Times New Roman" pitchFamily="18" charset="0"/>
-              <a:cs typeface="Times New Roman" pitchFamily="18" charset="0"/>
-            </a:endParaRPr>
           </a:p>
           <a:p>
             <a:pPr>
@@ -4910,6 +4921,7 @@
                 <a:latin typeface="Times New Roman" pitchFamily="18" charset="0"/>
                 <a:cs typeface="Times New Roman" pitchFamily="18" charset="0"/>
               </a:rPr>
+              <a:pPr/>
               <a:t>2</a:t>
             </a:fld>
             <a:endParaRPr lang="ru-RU" sz="3200" dirty="0">
@@ -5021,26 +5033,8 @@
                 <a:latin typeface="Times New Roman" pitchFamily="18" charset="0"/>
                 <a:cs typeface="Times New Roman" pitchFamily="18" charset="0"/>
               </a:rPr>
-              <a:t> </a:t>
-            </a:r>
-            <a:r>
-              <a:rPr lang="ru-RU" sz="2400" dirty="0" smtClean="0">
-                <a:latin typeface="Times New Roman" pitchFamily="18" charset="0"/>
-                <a:cs typeface="Times New Roman" pitchFamily="18" charset="0"/>
-              </a:rPr>
-              <a:t>— дополнение </a:t>
-            </a:r>
-            <a:r>
-              <a:rPr lang="ru-RU" sz="2400" dirty="0" smtClean="0">
-                <a:latin typeface="Times New Roman" pitchFamily="18" charset="0"/>
-                <a:cs typeface="Times New Roman" pitchFamily="18" charset="0"/>
-              </a:rPr>
-              <a:t>реальности любыми виртуальными элементами. </a:t>
-            </a:r>
-            <a:endParaRPr lang="ru-RU" sz="2400" dirty="0" smtClean="0">
-              <a:latin typeface="Times New Roman" pitchFamily="18" charset="0"/>
-              <a:cs typeface="Times New Roman" pitchFamily="18" charset="0"/>
-            </a:endParaRPr>
+              <a:t> — дополнение реальности любыми виртуальными элементами. </a:t>
+            </a:r>
           </a:p>
           <a:p>
             <a:pPr>
@@ -5289,7 +5283,7 @@
         </p:nvGraphicFramePr>
         <p:xfrm>
           <a:off x="357158" y="1285860"/>
-          <a:ext cx="8472520" cy="4845180"/>
+          <a:ext cx="8472520" cy="5047488"/>
         </p:xfrm>
         <a:graphic>
           <a:graphicData uri="http://schemas.openxmlformats.org/drawingml/2006/table">
@@ -6397,14 +6391,7 @@
                 <a:latin typeface="Times New Roman" pitchFamily="18" charset="0"/>
                 <a:cs typeface="Times New Roman" pitchFamily="18" charset="0"/>
               </a:rPr>
-              <a:t>Методы </a:t>
-            </a:r>
-            <a:r>
-              <a:rPr lang="ru-RU" dirty="0" smtClean="0">
-                <a:latin typeface="Times New Roman" pitchFamily="18" charset="0"/>
-                <a:cs typeface="Times New Roman" pitchFamily="18" charset="0"/>
-              </a:rPr>
-              <a:t>визуализации в </a:t>
+              <a:t>Методы визуализации в </a:t>
             </a:r>
             <a:r>
               <a:rPr lang="en-US" dirty="0" smtClean="0">
@@ -6442,14 +6429,7 @@
                 <a:latin typeface="Times New Roman" pitchFamily="18" charset="0"/>
                 <a:cs typeface="Times New Roman" pitchFamily="18" charset="0"/>
               </a:rPr>
-              <a:t>OpenGL </a:t>
-            </a:r>
-            <a:r>
-              <a:rPr lang="en-US" dirty="0" smtClean="0">
-                <a:latin typeface="Times New Roman" pitchFamily="18" charset="0"/>
-                <a:cs typeface="Times New Roman" pitchFamily="18" charset="0"/>
-              </a:rPr>
-              <a:t>ES: </a:t>
+              <a:t>OpenGL ES: </a:t>
             </a:r>
             <a:endParaRPr lang="ru-RU" dirty="0" smtClean="0">
               <a:latin typeface="Times New Roman" pitchFamily="18" charset="0"/>
@@ -6644,14 +6624,7 @@
                 <a:latin typeface="Times New Roman" pitchFamily="18" charset="0"/>
                 <a:cs typeface="Times New Roman" pitchFamily="18" charset="0"/>
               </a:rPr>
-              <a:t>Инструменты, выбранные для </a:t>
-            </a:r>
-            <a:r>
-              <a:rPr lang="ru-RU" dirty="0" smtClean="0">
-                <a:latin typeface="Times New Roman" pitchFamily="18" charset="0"/>
-                <a:cs typeface="Times New Roman" pitchFamily="18" charset="0"/>
-              </a:rPr>
-              <a:t>разработки</a:t>
+              <a:t>Инструменты, выбранные для разработки</a:t>
             </a:r>
             <a:endParaRPr lang="ru-RU" dirty="0">
               <a:latin typeface="Times New Roman" pitchFamily="18" charset="0"/>
@@ -6956,14 +6929,38 @@
                 <a:latin typeface="Times New Roman" pitchFamily="18" charset="0"/>
                 <a:cs typeface="Times New Roman" pitchFamily="18" charset="0"/>
               </a:rPr>
-              <a:t>) – кортеж данных вида:  </a:t>
+              <a:t>) – кортеж данных вида:  {время, географические координаты, данные}. </a:t>
+            </a:r>
+          </a:p>
+          <a:p>
+            <a:pPr lvl="0"/>
+            <a:r>
+              <a:rPr lang="ru-RU" sz="3600" b="1" dirty="0" smtClean="0">
+                <a:latin typeface="Times New Roman" pitchFamily="18" charset="0"/>
+                <a:cs typeface="Times New Roman" pitchFamily="18" charset="0"/>
+              </a:rPr>
+              <a:t>Канал</a:t>
             </a:r>
             <a:r>
               <a:rPr lang="ru-RU" sz="3600" dirty="0" smtClean="0">
                 <a:latin typeface="Times New Roman" pitchFamily="18" charset="0"/>
                 <a:cs typeface="Times New Roman" pitchFamily="18" charset="0"/>
               </a:rPr>
-              <a:t>{время, географические координаты, данные}. </a:t>
+              <a:t> – атрибут </a:t>
+            </a:r>
+            <a:r>
+              <a:rPr lang="ru-RU" sz="3600" dirty="0" err="1" smtClean="0">
+                <a:latin typeface="Times New Roman" pitchFamily="18" charset="0"/>
+                <a:cs typeface="Times New Roman" pitchFamily="18" charset="0"/>
+              </a:rPr>
+              <a:t>геотега</a:t>
+            </a:r>
+            <a:r>
+              <a:rPr lang="ru-RU" sz="3600" dirty="0" smtClean="0">
+                <a:latin typeface="Times New Roman" pitchFamily="18" charset="0"/>
+                <a:cs typeface="Times New Roman" pitchFamily="18" charset="0"/>
+              </a:rPr>
+              <a:t>, определяющий основной классификационный признак. </a:t>
             </a:r>
           </a:p>
           <a:p>
@@ -6973,82 +6970,43 @@
                 <a:latin typeface="Times New Roman" pitchFamily="18" charset="0"/>
                 <a:cs typeface="Times New Roman" pitchFamily="18" charset="0"/>
               </a:rPr>
-              <a:t>Канал</a:t>
+              <a:t>Фильтр </a:t>
             </a:r>
             <a:r>
               <a:rPr lang="ru-RU" sz="3600" dirty="0" smtClean="0">
                 <a:latin typeface="Times New Roman" pitchFamily="18" charset="0"/>
                 <a:cs typeface="Times New Roman" pitchFamily="18" charset="0"/>
               </a:rPr>
-              <a:t> – атрибут </a:t>
+              <a:t>– 3</a:t>
+            </a:r>
+            <a:r>
+              <a:rPr lang="en-US" sz="3600" dirty="0" smtClean="0">
+                <a:latin typeface="Times New Roman" pitchFamily="18" charset="0"/>
+                <a:cs typeface="Times New Roman" pitchFamily="18" charset="0"/>
+              </a:rPr>
+              <a:t>D/2D </a:t>
+            </a:r>
+            <a:r>
+              <a:rPr lang="ru-RU" sz="3600" dirty="0" smtClean="0">
+                <a:latin typeface="Times New Roman" pitchFamily="18" charset="0"/>
+                <a:cs typeface="Times New Roman" pitchFamily="18" charset="0"/>
+              </a:rPr>
+              <a:t>область пространства с заключенными в ней </a:t>
             </a:r>
             <a:r>
               <a:rPr lang="ru-RU" sz="3600" dirty="0" err="1" smtClean="0">
                 <a:latin typeface="Times New Roman" pitchFamily="18" charset="0"/>
                 <a:cs typeface="Times New Roman" pitchFamily="18" charset="0"/>
               </a:rPr>
-              <a:t>геотега</a:t>
+              <a:t>геотегами</a:t>
             </a:r>
             <a:r>
               <a:rPr lang="ru-RU" sz="3600" dirty="0" smtClean="0">
                 <a:latin typeface="Times New Roman" pitchFamily="18" charset="0"/>
                 <a:cs typeface="Times New Roman" pitchFamily="18" charset="0"/>
               </a:rPr>
-              <a:t>, определяющий основной классификационный признак. </a:t>
-            </a:r>
-            <a:endParaRPr lang="ru-RU" sz="3600" dirty="0" smtClean="0">
-              <a:latin typeface="Times New Roman" pitchFamily="18" charset="0"/>
-              <a:cs typeface="Times New Roman" pitchFamily="18" charset="0"/>
-            </a:endParaRPr>
-          </a:p>
-          <a:p>
-            <a:pPr lvl="0"/>
-            <a:r>
-              <a:rPr lang="ru-RU" sz="3600" b="1" dirty="0" smtClean="0">
-                <a:latin typeface="Times New Roman" pitchFamily="18" charset="0"/>
-                <a:cs typeface="Times New Roman" pitchFamily="18" charset="0"/>
-              </a:rPr>
-              <a:t>Фильтр </a:t>
-            </a:r>
-            <a:r>
-              <a:rPr lang="ru-RU" sz="3600" dirty="0" smtClean="0">
-                <a:latin typeface="Times New Roman" pitchFamily="18" charset="0"/>
-                <a:cs typeface="Times New Roman" pitchFamily="18" charset="0"/>
-              </a:rPr>
-              <a:t>– 3</a:t>
-            </a:r>
-            <a:r>
-              <a:rPr lang="en-US" sz="3600" dirty="0" smtClean="0">
-                <a:latin typeface="Times New Roman" pitchFamily="18" charset="0"/>
-                <a:cs typeface="Times New Roman" pitchFamily="18" charset="0"/>
-              </a:rPr>
-              <a:t>D/2D </a:t>
-            </a:r>
-            <a:r>
-              <a:rPr lang="ru-RU" sz="3600" dirty="0" smtClean="0">
-                <a:latin typeface="Times New Roman" pitchFamily="18" charset="0"/>
-                <a:cs typeface="Times New Roman" pitchFamily="18" charset="0"/>
-              </a:rPr>
-              <a:t>область пространства с заключенными в ней </a:t>
-            </a:r>
-            <a:r>
-              <a:rPr lang="ru-RU" sz="3600" dirty="0" err="1" smtClean="0">
-                <a:latin typeface="Times New Roman" pitchFamily="18" charset="0"/>
-                <a:cs typeface="Times New Roman" pitchFamily="18" charset="0"/>
-              </a:rPr>
-              <a:t>геотегами</a:t>
-            </a:r>
-            <a:r>
-              <a:rPr lang="ru-RU" sz="3600" dirty="0" smtClean="0">
-                <a:latin typeface="Times New Roman" pitchFamily="18" charset="0"/>
-                <a:cs typeface="Times New Roman" pitchFamily="18" charset="0"/>
-              </a:rPr>
               <a:t>.   </a:t>
             </a:r>
-            <a:endParaRPr lang="ru-RU" sz="3600" dirty="0" smtClean="0">
-              <a:latin typeface="Times New Roman" pitchFamily="18" charset="0"/>
-              <a:cs typeface="Times New Roman" pitchFamily="18" charset="0"/>
-            </a:endParaRPr>
           </a:p>
           <a:p>
             <a:endParaRPr lang="ru-RU" sz="3600" dirty="0">

--- a/Диплом презентация.pptx
+++ b/Диплом презентация.pptx
@@ -1,11 +1,11 @@
 
 <file path=ppt/presentation.xml><?xml version="1.0" encoding="utf-8"?>
-<p:presentation xmlns:a="http://schemas.openxmlformats.org/drawingml/2006/main" xmlns:r="http://schemas.openxmlformats.org/officeDocument/2006/relationships" xmlns:p="http://schemas.openxmlformats.org/presentationml/2006/main" saveSubsetFonts="1">
+<p:presentation xmlns:a="http://schemas.openxmlformats.org/drawingml/2006/main" xmlns:r="http://schemas.openxmlformats.org/officeDocument/2006/relationships" xmlns:p="http://schemas.openxmlformats.org/presentationml/2006/main" showSpecialPlsOnTitleSld="0" saveSubsetFonts="1">
   <p:sldMasterIdLst>
     <p:sldMasterId id="2147483648" r:id="rId1"/>
   </p:sldMasterIdLst>
   <p:notesMasterIdLst>
-    <p:notesMasterId r:id="rId18"/>
+    <p:notesMasterId r:id="rId16"/>
   </p:notesMasterIdLst>
   <p:sldIdLst>
     <p:sldId id="256" r:id="rId2"/>
@@ -21,9 +21,7 @@
     <p:sldId id="289" r:id="rId12"/>
     <p:sldId id="290" r:id="rId13"/>
     <p:sldId id="279" r:id="rId14"/>
-    <p:sldId id="291" r:id="rId15"/>
-    <p:sldId id="287" r:id="rId16"/>
-    <p:sldId id="259" r:id="rId17"/>
+    <p:sldId id="287" r:id="rId15"/>
   </p:sldIdLst>
   <p:sldSz cx="9144000" cy="6858000" type="screen4x3"/>
   <p:notesSz cx="6858000" cy="9144000"/>
@@ -208,7 +206,7 @@
             <a:fld id="{DC09B85A-08DB-46DD-AF57-0C9727A23FC3}" type="datetimeFigureOut">
               <a:rPr lang="ru-RU" smtClean="0"/>
               <a:pPr/>
-              <a:t>12.06.2013</a:t>
+              <a:t>19.06.2013</a:t>
             </a:fld>
             <a:endParaRPr lang="ru-RU"/>
           </a:p>
@@ -556,6 +554,88 @@
 </p:notes>
 </file>
 
+<file path=ppt/notesSlides/notesSlide2.xml><?xml version="1.0" encoding="utf-8"?>
+<p:notes xmlns:a="http://schemas.openxmlformats.org/drawingml/2006/main" xmlns:r="http://schemas.openxmlformats.org/officeDocument/2006/relationships" xmlns:p="http://schemas.openxmlformats.org/presentationml/2006/main">
+  <p:cSld>
+    <p:spTree>
+      <p:nvGrpSpPr>
+        <p:cNvPr id="1" name=""/>
+        <p:cNvGrpSpPr/>
+        <p:nvPr/>
+      </p:nvGrpSpPr>
+      <p:grpSpPr>
+        <a:xfrm>
+          <a:off x="0" y="0"/>
+          <a:ext cx="0" cy="0"/>
+          <a:chOff x="0" y="0"/>
+          <a:chExt cx="0" cy="0"/>
+        </a:xfrm>
+      </p:grpSpPr>
+      <p:sp>
+        <p:nvSpPr>
+          <p:cNvPr id="2" name="Образ слайда 1"/>
+          <p:cNvSpPr>
+            <a:spLocks noGrp="1" noRot="1" noChangeAspect="1"/>
+          </p:cNvSpPr>
+          <p:nvPr>
+            <p:ph type="sldImg"/>
+          </p:nvPr>
+        </p:nvSpPr>
+        <p:spPr/>
+      </p:sp>
+      <p:sp>
+        <p:nvSpPr>
+          <p:cNvPr id="3" name="Заметки 2"/>
+          <p:cNvSpPr>
+            <a:spLocks noGrp="1"/>
+          </p:cNvSpPr>
+          <p:nvPr>
+            <p:ph type="body" idx="1"/>
+          </p:nvPr>
+        </p:nvSpPr>
+        <p:spPr/>
+        <p:txBody>
+          <a:bodyPr>
+            <a:normAutofit/>
+          </a:bodyPr>
+          <a:lstStyle/>
+          <a:p>
+            <a:endParaRPr lang="ru-RU"/>
+          </a:p>
+        </p:txBody>
+      </p:sp>
+      <p:sp>
+        <p:nvSpPr>
+          <p:cNvPr id="4" name="Номер слайда 3"/>
+          <p:cNvSpPr>
+            <a:spLocks noGrp="1"/>
+          </p:cNvSpPr>
+          <p:nvPr>
+            <p:ph type="sldNum" sz="quarter" idx="10"/>
+          </p:nvPr>
+        </p:nvSpPr>
+        <p:spPr/>
+        <p:txBody>
+          <a:bodyPr/>
+          <a:lstStyle/>
+          <a:p>
+            <a:fld id="{7B282D97-E781-498E-BB32-5DDF5A414349}" type="slidenum">
+              <a:rPr lang="ru-RU" smtClean="0"/>
+              <a:pPr/>
+              <a:t>2</a:t>
+            </a:fld>
+            <a:endParaRPr lang="ru-RU"/>
+          </a:p>
+        </p:txBody>
+      </p:sp>
+    </p:spTree>
+  </p:cSld>
+  <p:clrMapOvr>
+    <a:masterClrMapping/>
+  </p:clrMapOvr>
+</p:notes>
+</file>
+
 <file path=ppt/slideLayouts/slideLayout1.xml><?xml version="1.0" encoding="utf-8"?>
 <p:sldLayout xmlns:a="http://schemas.openxmlformats.org/drawingml/2006/main" xmlns:r="http://schemas.openxmlformats.org/officeDocument/2006/relationships" xmlns:p="http://schemas.openxmlformats.org/presentationml/2006/main" type="title" preserve="1">
   <p:cSld name="Титульный слайд">
@@ -735,10 +815,9 @@
           <a:bodyPr/>
           <a:lstStyle/>
           <a:p>
-            <a:fld id="{ED078997-DAFF-4C23-A6B6-00421BFA8725}" type="datetime1">
-              <a:rPr lang="ru-RU" smtClean="0"/>
-              <a:pPr/>
-              <a:t>12.06.2013</a:t>
+            <a:fld id="{3BF313DB-A18E-4BD3-963F-A43033514A48}" type="datetime1">
+              <a:rPr lang="ru-RU" smtClean="0"/>
+              <a:t>19.06.2013</a:t>
             </a:fld>
             <a:endParaRPr lang="ru-RU"/>
           </a:p>
@@ -902,10 +981,9 @@
           <a:bodyPr/>
           <a:lstStyle/>
           <a:p>
-            <a:fld id="{5C178956-C440-4961-8521-990435B25F79}" type="datetime1">
-              <a:rPr lang="ru-RU" smtClean="0"/>
-              <a:pPr/>
-              <a:t>12.06.2013</a:t>
+            <a:fld id="{5E904001-A94D-496A-86ED-33FDE26A3810}" type="datetime1">
+              <a:rPr lang="ru-RU" smtClean="0"/>
+              <a:t>19.06.2013</a:t>
             </a:fld>
             <a:endParaRPr lang="ru-RU"/>
           </a:p>
@@ -1079,10 +1157,9 @@
           <a:bodyPr/>
           <a:lstStyle/>
           <a:p>
-            <a:fld id="{9AF26269-AF32-4694-ADA3-B45B035C2E55}" type="datetime1">
-              <a:rPr lang="ru-RU" smtClean="0"/>
-              <a:pPr/>
-              <a:t>12.06.2013</a:t>
+            <a:fld id="{75C1566A-7893-4E21-ABFB-ED691B7099B0}" type="datetime1">
+              <a:rPr lang="ru-RU" smtClean="0"/>
+              <a:t>19.06.2013</a:t>
             </a:fld>
             <a:endParaRPr lang="ru-RU"/>
           </a:p>
@@ -1246,10 +1323,9 @@
           <a:bodyPr/>
           <a:lstStyle/>
           <a:p>
-            <a:fld id="{C20E3EC9-C9C3-4C9E-803D-4FC15CF7057D}" type="datetime1">
-              <a:rPr lang="ru-RU" smtClean="0"/>
-              <a:pPr/>
-              <a:t>12.06.2013</a:t>
+            <a:fld id="{6CDE4E52-B943-4B09-BBC5-5C090D642C16}" type="datetime1">
+              <a:rPr lang="ru-RU" smtClean="0"/>
+              <a:t>19.06.2013</a:t>
             </a:fld>
             <a:endParaRPr lang="ru-RU"/>
           </a:p>
@@ -1489,10 +1565,9 @@
           <a:bodyPr/>
           <a:lstStyle/>
           <a:p>
-            <a:fld id="{C70DA1FB-3B8B-415C-9FB6-BFB041B1D408}" type="datetime1">
-              <a:rPr lang="ru-RU" smtClean="0"/>
-              <a:pPr/>
-              <a:t>12.06.2013</a:t>
+            <a:fld id="{929F7AE7-7A02-465F-905B-F75FF969D99C}" type="datetime1">
+              <a:rPr lang="ru-RU" smtClean="0"/>
+              <a:t>19.06.2013</a:t>
             </a:fld>
             <a:endParaRPr lang="ru-RU"/>
           </a:p>
@@ -1774,10 +1849,9 @@
           <a:bodyPr/>
           <a:lstStyle/>
           <a:p>
-            <a:fld id="{4AF34C8B-8DA2-4E70-9D9F-371CBE008629}" type="datetime1">
-              <a:rPr lang="ru-RU" smtClean="0"/>
-              <a:pPr/>
-              <a:t>12.06.2013</a:t>
+            <a:fld id="{82F30CB4-74D4-4EA9-B8CB-A612ACCCE8F9}" type="datetime1">
+              <a:rPr lang="ru-RU" smtClean="0"/>
+              <a:t>19.06.2013</a:t>
             </a:fld>
             <a:endParaRPr lang="ru-RU"/>
           </a:p>
@@ -2193,10 +2267,9 @@
           <a:bodyPr/>
           <a:lstStyle/>
           <a:p>
-            <a:fld id="{E76A68D0-D777-4745-85C4-114F45582716}" type="datetime1">
-              <a:rPr lang="ru-RU" smtClean="0"/>
-              <a:pPr/>
-              <a:t>12.06.2013</a:t>
+            <a:fld id="{07C6F606-06EC-4DB2-9E2D-5A6FBCD58CC4}" type="datetime1">
+              <a:rPr lang="ru-RU" smtClean="0"/>
+              <a:t>19.06.2013</a:t>
             </a:fld>
             <a:endParaRPr lang="ru-RU"/>
           </a:p>
@@ -2308,10 +2381,9 @@
           <a:bodyPr/>
           <a:lstStyle/>
           <a:p>
-            <a:fld id="{F60E29F0-D0BA-47F9-8F50-2CC94894CC5E}" type="datetime1">
-              <a:rPr lang="ru-RU" smtClean="0"/>
-              <a:pPr/>
-              <a:t>12.06.2013</a:t>
+            <a:fld id="{99B03D4C-48D1-4047-83C3-426250965165}" type="datetime1">
+              <a:rPr lang="ru-RU" smtClean="0"/>
+              <a:t>19.06.2013</a:t>
             </a:fld>
             <a:endParaRPr lang="ru-RU"/>
           </a:p>
@@ -2400,10 +2472,9 @@
           <a:bodyPr/>
           <a:lstStyle/>
           <a:p>
-            <a:fld id="{B5365CE0-89AC-4278-858F-704B1C3BE8D1}" type="datetime1">
-              <a:rPr lang="ru-RU" smtClean="0"/>
-              <a:pPr/>
-              <a:t>12.06.2013</a:t>
+            <a:fld id="{577A7594-F69C-49C3-8338-59E395D2E89D}" type="datetime1">
+              <a:rPr lang="ru-RU" smtClean="0"/>
+              <a:t>19.06.2013</a:t>
             </a:fld>
             <a:endParaRPr lang="ru-RU"/>
           </a:p>
@@ -2674,10 +2745,9 @@
           <a:bodyPr/>
           <a:lstStyle/>
           <a:p>
-            <a:fld id="{04B7F107-8DD4-4E4B-B747-A12893D95654}" type="datetime1">
-              <a:rPr lang="ru-RU" smtClean="0"/>
-              <a:pPr/>
-              <a:t>12.06.2013</a:t>
+            <a:fld id="{0510E446-A642-4147-9D1E-61968A5E1F5E}" type="datetime1">
+              <a:rPr lang="ru-RU" smtClean="0"/>
+              <a:t>19.06.2013</a:t>
             </a:fld>
             <a:endParaRPr lang="ru-RU"/>
           </a:p>
@@ -2924,10 +2994,9 @@
           <a:bodyPr/>
           <a:lstStyle/>
           <a:p>
-            <a:fld id="{62D83752-F1D1-47AE-99A8-9F7A50D6BD52}" type="datetime1">
-              <a:rPr lang="ru-RU" smtClean="0"/>
-              <a:pPr/>
-              <a:t>12.06.2013</a:t>
+            <a:fld id="{854EF881-97E1-4CB2-89EC-9A5E1317AE6A}" type="datetime1">
+              <a:rPr lang="ru-RU" smtClean="0"/>
+              <a:t>19.06.2013</a:t>
             </a:fld>
             <a:endParaRPr lang="ru-RU"/>
           </a:p>
@@ -3134,10 +3203,9 @@
             </a:lvl1pPr>
           </a:lstStyle>
           <a:p>
-            <a:fld id="{F99728D3-7560-476D-B1BE-EADDDE057D42}" type="datetime1">
-              <a:rPr lang="ru-RU" smtClean="0"/>
-              <a:pPr/>
-              <a:t>12.06.2013</a:t>
+            <a:fld id="{7F0995EB-096C-4F71-ACCF-10C89FFB066A}" type="datetime1">
+              <a:rPr lang="ru-RU" smtClean="0"/>
+              <a:t>19.06.2013</a:t>
             </a:fld>
             <a:endParaRPr lang="ru-RU"/>
           </a:p>
@@ -3521,13 +3589,13 @@
         </p:nvSpPr>
         <p:spPr>
           <a:xfrm>
-            <a:off x="685800" y="642919"/>
-            <a:ext cx="7772400" cy="2957532"/>
+            <a:off x="800128" y="2000239"/>
+            <a:ext cx="7772400" cy="1357323"/>
           </a:xfrm>
         </p:spPr>
         <p:txBody>
           <a:bodyPr>
-            <a:normAutofit/>
+            <a:normAutofit fontScale="90000"/>
           </a:bodyPr>
           <a:lstStyle/>
           <a:p>
@@ -3558,20 +3626,6 @@
                 <a:cs typeface="Times New Roman" pitchFamily="18" charset="0"/>
               </a:rPr>
             </a:br>
-            <a:r>
-              <a:rPr lang="ru-RU" sz="2800" b="1" i="1" dirty="0" smtClean="0">
-                <a:latin typeface="Times New Roman" pitchFamily="18" charset="0"/>
-                <a:cs typeface="Times New Roman" pitchFamily="18" charset="0"/>
-              </a:rPr>
-              <a:t>Разработка визуализатора тегов расширенной реальности для </a:t>
-            </a:r>
-            <a:r>
-              <a:rPr lang="en-US" sz="2800" b="1" i="1" dirty="0" smtClean="0">
-                <a:latin typeface="Times New Roman" pitchFamily="18" charset="0"/>
-                <a:cs typeface="Times New Roman" pitchFamily="18" charset="0"/>
-              </a:rPr>
-              <a:t>Android</a:t>
-            </a:r>
             <a:endParaRPr lang="ru-RU" sz="5400" b="1" i="1" dirty="0">
               <a:latin typeface="Times New Roman" pitchFamily="18" charset="0"/>
               <a:cs typeface="Times New Roman" pitchFamily="18" charset="0"/>
@@ -3589,29 +3643,132 @@
             <p:ph type="subTitle" idx="1"/>
           </p:nvPr>
         </p:nvSpPr>
-        <p:spPr/>
-        <p:txBody>
-          <a:bodyPr/>
-          <a:lstStyle/>
-          <a:p>
-            <a:pPr algn="r"/>
-            <a:r>
-              <a:rPr lang="ru-RU" dirty="0" smtClean="0">
-                <a:latin typeface="Times New Roman" pitchFamily="18" charset="0"/>
-                <a:cs typeface="Times New Roman" pitchFamily="18" charset="0"/>
-              </a:rPr>
-              <a:t>Грибова Мария Андреевна, </a:t>
-            </a:r>
-          </a:p>
-          <a:p>
-            <a:pPr algn="r"/>
-            <a:r>
-              <a:rPr lang="ru-RU" dirty="0" smtClean="0">
-                <a:latin typeface="Times New Roman" pitchFamily="18" charset="0"/>
-                <a:cs typeface="Times New Roman" pitchFamily="18" charset="0"/>
-              </a:rPr>
-              <a:t>группа 9381</a:t>
-            </a:r>
+        <p:spPr>
+          <a:xfrm>
+            <a:off x="1528786" y="3314696"/>
+            <a:ext cx="6400800" cy="685808"/>
+          </a:xfrm>
+        </p:spPr>
+        <p:txBody>
+          <a:bodyPr>
+            <a:normAutofit/>
+          </a:bodyPr>
+          <a:lstStyle/>
+          <a:p>
+            <a:r>
+              <a:rPr lang="ru-RU" sz="2500" dirty="0" smtClean="0">
+                <a:solidFill>
+                  <a:schemeClr val="tx1"/>
+                </a:solidFill>
+                <a:latin typeface="Times New Roman" pitchFamily="18" charset="0"/>
+                <a:cs typeface="Times New Roman" pitchFamily="18" charset="0"/>
+              </a:rPr>
+              <a:t>Грибова Мария </a:t>
+            </a:r>
+            <a:r>
+              <a:rPr lang="ru-RU" sz="2500" dirty="0" smtClean="0">
+                <a:solidFill>
+                  <a:schemeClr val="tx1"/>
+                </a:solidFill>
+                <a:latin typeface="Times New Roman" pitchFamily="18" charset="0"/>
+                <a:cs typeface="Times New Roman" pitchFamily="18" charset="0"/>
+              </a:rPr>
+              <a:t>Андреевна</a:t>
+            </a:r>
+            <a:endParaRPr lang="ru-RU" sz="2500" dirty="0" smtClean="0">
+              <a:solidFill>
+                <a:schemeClr val="tx1"/>
+              </a:solidFill>
+              <a:latin typeface="Times New Roman" pitchFamily="18" charset="0"/>
+              <a:cs typeface="Times New Roman" pitchFamily="18" charset="0"/>
+            </a:endParaRPr>
+          </a:p>
+        </p:txBody>
+      </p:sp>
+      <p:sp>
+        <p:nvSpPr>
+          <p:cNvPr id="5" name="TextBox 4"/>
+          <p:cNvSpPr txBox="1"/>
+          <p:nvPr/>
+        </p:nvSpPr>
+        <p:spPr>
+          <a:xfrm>
+            <a:off x="785786" y="148216"/>
+            <a:ext cx="7858180" cy="1107996"/>
+          </a:xfrm>
+          <a:prstGeom prst="rect">
+            <a:avLst/>
+          </a:prstGeom>
+          <a:noFill/>
+        </p:spPr>
+        <p:txBody>
+          <a:bodyPr wrap="square" rtlCol="0">
+            <a:spAutoFit/>
+          </a:bodyPr>
+          <a:lstStyle/>
+          <a:p>
+            <a:pPr algn="ctr"/>
+            <a:r>
+              <a:rPr lang="ru-RU" sz="2200" dirty="0" smtClean="0">
+                <a:latin typeface="Times New Roman" pitchFamily="18" charset="0"/>
+                <a:cs typeface="Times New Roman" pitchFamily="18" charset="0"/>
+              </a:rPr>
+              <a:t>Санкт-Петербургский государственный электротехнический </a:t>
+            </a:r>
+          </a:p>
+          <a:p>
+            <a:pPr algn="ctr"/>
+            <a:r>
+              <a:rPr lang="ru-RU" sz="2200" dirty="0" smtClean="0">
+                <a:latin typeface="Times New Roman" pitchFamily="18" charset="0"/>
+                <a:cs typeface="Times New Roman" pitchFamily="18" charset="0"/>
+              </a:rPr>
+              <a:t>университет им. В.И. Ульянова (Ленина)</a:t>
+            </a:r>
+          </a:p>
+          <a:p>
+            <a:pPr algn="ctr"/>
+            <a:endParaRPr lang="ru-RU" sz="2200" dirty="0">
+              <a:latin typeface="Times New Roman" pitchFamily="18" charset="0"/>
+              <a:cs typeface="Times New Roman" pitchFamily="18" charset="0"/>
+            </a:endParaRPr>
+          </a:p>
+        </p:txBody>
+      </p:sp>
+      <p:sp>
+        <p:nvSpPr>
+          <p:cNvPr id="6" name="TextBox 5"/>
+          <p:cNvSpPr txBox="1"/>
+          <p:nvPr/>
+        </p:nvSpPr>
+        <p:spPr>
+          <a:xfrm>
+            <a:off x="1000100" y="5588517"/>
+            <a:ext cx="7401398" cy="769441"/>
+          </a:xfrm>
+          <a:prstGeom prst="rect">
+            <a:avLst/>
+          </a:prstGeom>
+          <a:noFill/>
+        </p:spPr>
+        <p:txBody>
+          <a:bodyPr wrap="square" rtlCol="0">
+            <a:spAutoFit/>
+          </a:bodyPr>
+          <a:lstStyle/>
+          <a:p>
+            <a:pPr algn="ctr"/>
+            <a:r>
+              <a:rPr lang="ru-RU" sz="2200" dirty="0" smtClean="0">
+                <a:latin typeface="Times New Roman" pitchFamily="18" charset="0"/>
+                <a:cs typeface="Times New Roman" pitchFamily="18" charset="0"/>
+              </a:rPr>
+              <a:t>Научный руководитель: к.т.н., доцент кафедры МОЭВМ Кринкин Кирилл Владимирович</a:t>
+            </a:r>
+            <a:endParaRPr lang="ru-RU" sz="2200" dirty="0">
+              <a:latin typeface="Times New Roman" pitchFamily="18" charset="0"/>
+              <a:cs typeface="Times New Roman" pitchFamily="18" charset="0"/>
+            </a:endParaRPr>
           </a:p>
         </p:txBody>
       </p:sp>
@@ -3657,46 +3814,29 @@
             <p:ph type="title"/>
           </p:nvPr>
         </p:nvSpPr>
-        <p:spPr/>
-        <p:txBody>
-          <a:bodyPr/>
-          <a:lstStyle/>
-          <a:p>
-            <a:r>
-              <a:rPr lang="ru-RU" dirty="0" smtClean="0">
+        <p:spPr>
+          <a:xfrm>
+            <a:off x="457200" y="-214338"/>
+            <a:ext cx="8229600" cy="1143000"/>
+          </a:xfrm>
+        </p:spPr>
+        <p:txBody>
+          <a:bodyPr>
+            <a:normAutofit/>
+          </a:bodyPr>
+          <a:lstStyle/>
+          <a:p>
+            <a:r>
+              <a:rPr lang="ru-RU" sz="4000" dirty="0" smtClean="0">
                 <a:latin typeface="Times New Roman" pitchFamily="18" charset="0"/>
                 <a:cs typeface="Times New Roman" pitchFamily="18" charset="0"/>
               </a:rPr>
               <a:t>Варианты использования</a:t>
             </a:r>
-            <a:endParaRPr lang="ru-RU" dirty="0">
+            <a:endParaRPr lang="ru-RU" sz="4000" dirty="0">
               <a:latin typeface="Times New Roman" pitchFamily="18" charset="0"/>
               <a:cs typeface="Times New Roman" pitchFamily="18" charset="0"/>
             </a:endParaRPr>
-          </a:p>
-        </p:txBody>
-      </p:sp>
-      <p:sp>
-        <p:nvSpPr>
-          <p:cNvPr id="4" name="Номер слайда 3"/>
-          <p:cNvSpPr>
-            <a:spLocks noGrp="1"/>
-          </p:cNvSpPr>
-          <p:nvPr>
-            <p:ph type="sldNum" sz="quarter" idx="12"/>
-          </p:nvPr>
-        </p:nvSpPr>
-        <p:spPr/>
-        <p:txBody>
-          <a:bodyPr/>
-          <a:lstStyle/>
-          <a:p>
-            <a:fld id="{9A39E707-F3CE-4BEB-9583-BB36F29193FA}" type="slidenum">
-              <a:rPr lang="ru-RU" sz="3200" smtClean="0"/>
-              <a:pPr/>
-              <a:t>10</a:t>
-            </a:fld>
-            <a:endParaRPr lang="ru-RU" sz="3200"/>
           </a:p>
         </p:txBody>
       </p:sp>
@@ -3719,7 +3859,7 @@
         </p:blipFill>
         <p:spPr bwMode="auto">
           <a:xfrm>
-            <a:off x="1000100" y="1214422"/>
+            <a:off x="857224" y="1071546"/>
             <a:ext cx="7683454" cy="5034774"/>
           </a:xfrm>
           <a:prstGeom prst="rect">
@@ -3735,6 +3875,41 @@
           <a:effectLst/>
         </p:spPr>
       </p:pic>
+      <p:sp>
+        <p:nvSpPr>
+          <p:cNvPr id="5" name="Номер слайда 4"/>
+          <p:cNvSpPr>
+            <a:spLocks noGrp="1"/>
+          </p:cNvSpPr>
+          <p:nvPr>
+            <p:ph type="sldNum" sz="quarter" idx="12"/>
+          </p:nvPr>
+        </p:nvSpPr>
+        <p:spPr>
+          <a:xfrm>
+            <a:off x="6938994" y="71414"/>
+            <a:ext cx="2133600" cy="365125"/>
+          </a:xfrm>
+        </p:spPr>
+        <p:txBody>
+          <a:bodyPr/>
+          <a:lstStyle/>
+          <a:p>
+            <a:fld id="{9A39E707-F3CE-4BEB-9583-BB36F29193FA}" type="slidenum">
+              <a:rPr lang="ru-RU" sz="3200" smtClean="0">
+                <a:latin typeface="Times New Roman" pitchFamily="18" charset="0"/>
+                <a:cs typeface="Times New Roman" pitchFamily="18" charset="0"/>
+              </a:rPr>
+              <a:pPr/>
+              <a:t>10</a:t>
+            </a:fld>
+            <a:endParaRPr lang="ru-RU" sz="3200" dirty="0">
+              <a:latin typeface="Times New Roman" pitchFamily="18" charset="0"/>
+              <a:cs typeface="Times New Roman" pitchFamily="18" charset="0"/>
+            </a:endParaRPr>
+          </a:p>
+        </p:txBody>
+      </p:sp>
     </p:spTree>
   </p:cSld>
   <p:clrMapOvr>
@@ -3779,7 +3954,7 @@
         </p:nvSpPr>
         <p:spPr>
           <a:xfrm>
-            <a:off x="457200" y="428612"/>
+            <a:off x="457200" y="285736"/>
             <a:ext cx="8229600" cy="1143000"/>
           </a:xfrm>
         </p:spPr>
@@ -3826,30 +4001,6 @@
               <a:latin typeface="Times New Roman" pitchFamily="18" charset="0"/>
               <a:cs typeface="Times New Roman" pitchFamily="18" charset="0"/>
             </a:endParaRPr>
-          </a:p>
-        </p:txBody>
-      </p:sp>
-      <p:sp>
-        <p:nvSpPr>
-          <p:cNvPr id="4" name="Номер слайда 3"/>
-          <p:cNvSpPr>
-            <a:spLocks noGrp="1"/>
-          </p:cNvSpPr>
-          <p:nvPr>
-            <p:ph type="sldNum" sz="quarter" idx="12"/>
-          </p:nvPr>
-        </p:nvSpPr>
-        <p:spPr/>
-        <p:txBody>
-          <a:bodyPr/>
-          <a:lstStyle/>
-          <a:p>
-            <a:fld id="{9A39E707-F3CE-4BEB-9583-BB36F29193FA}" type="slidenum">
-              <a:rPr lang="ru-RU" sz="3200" smtClean="0"/>
-              <a:pPr/>
-              <a:t>11</a:t>
-            </a:fld>
-            <a:endParaRPr lang="ru-RU" sz="3200" dirty="0"/>
           </a:p>
         </p:txBody>
       </p:sp>
@@ -3876,6 +4027,41 @@
           </a:xfrm>
         </p:spPr>
       </p:pic>
+      <p:sp>
+        <p:nvSpPr>
+          <p:cNvPr id="5" name="Номер слайда 4"/>
+          <p:cNvSpPr>
+            <a:spLocks noGrp="1"/>
+          </p:cNvSpPr>
+          <p:nvPr>
+            <p:ph type="sldNum" sz="quarter" idx="12"/>
+          </p:nvPr>
+        </p:nvSpPr>
+        <p:spPr>
+          <a:xfrm>
+            <a:off x="6938994" y="71414"/>
+            <a:ext cx="2133600" cy="365125"/>
+          </a:xfrm>
+        </p:spPr>
+        <p:txBody>
+          <a:bodyPr/>
+          <a:lstStyle/>
+          <a:p>
+            <a:fld id="{9A39E707-F3CE-4BEB-9583-BB36F29193FA}" type="slidenum">
+              <a:rPr lang="ru-RU" sz="3200" smtClean="0">
+                <a:latin typeface="Times New Roman" pitchFamily="18" charset="0"/>
+                <a:cs typeface="Times New Roman" pitchFamily="18" charset="0"/>
+              </a:rPr>
+              <a:pPr/>
+              <a:t>11</a:t>
+            </a:fld>
+            <a:endParaRPr lang="ru-RU" sz="3200" dirty="0">
+              <a:latin typeface="Times New Roman" pitchFamily="18" charset="0"/>
+              <a:cs typeface="Times New Roman" pitchFamily="18" charset="0"/>
+            </a:endParaRPr>
+          </a:p>
+        </p:txBody>
+      </p:sp>
     </p:spTree>
   </p:cSld>
   <p:clrMapOvr>
@@ -3918,7 +4104,12 @@
             <p:ph type="title"/>
           </p:nvPr>
         </p:nvSpPr>
-        <p:spPr/>
+        <p:spPr>
+          <a:xfrm>
+            <a:off x="457200" y="-16"/>
+            <a:ext cx="8229600" cy="1143000"/>
+          </a:xfrm>
+        </p:spPr>
         <p:txBody>
           <a:bodyPr>
             <a:normAutofit fontScale="90000"/>
@@ -3956,30 +4147,6 @@
               <a:latin typeface="Times New Roman" pitchFamily="18" charset="0"/>
               <a:cs typeface="Times New Roman" pitchFamily="18" charset="0"/>
             </a:endParaRPr>
-          </a:p>
-        </p:txBody>
-      </p:sp>
-      <p:sp>
-        <p:nvSpPr>
-          <p:cNvPr id="4" name="Номер слайда 3"/>
-          <p:cNvSpPr>
-            <a:spLocks noGrp="1"/>
-          </p:cNvSpPr>
-          <p:nvPr>
-            <p:ph type="sldNum" sz="quarter" idx="12"/>
-          </p:nvPr>
-        </p:nvSpPr>
-        <p:spPr/>
-        <p:txBody>
-          <a:bodyPr/>
-          <a:lstStyle/>
-          <a:p>
-            <a:fld id="{9A39E707-F3CE-4BEB-9583-BB36F29193FA}" type="slidenum">
-              <a:rPr lang="ru-RU" sz="3200" smtClean="0"/>
-              <a:pPr/>
-              <a:t>12</a:t>
-            </a:fld>
-            <a:endParaRPr lang="ru-RU" sz="3200" dirty="0"/>
           </a:p>
         </p:txBody>
       </p:sp>
@@ -4007,6 +4174,41 @@
           </a:xfrm>
         </p:spPr>
       </p:pic>
+      <p:sp>
+        <p:nvSpPr>
+          <p:cNvPr id="5" name="Номер слайда 4"/>
+          <p:cNvSpPr>
+            <a:spLocks noGrp="1"/>
+          </p:cNvSpPr>
+          <p:nvPr>
+            <p:ph type="sldNum" sz="quarter" idx="12"/>
+          </p:nvPr>
+        </p:nvSpPr>
+        <p:spPr>
+          <a:xfrm>
+            <a:off x="6938994" y="71414"/>
+            <a:ext cx="2133600" cy="365125"/>
+          </a:xfrm>
+        </p:spPr>
+        <p:txBody>
+          <a:bodyPr/>
+          <a:lstStyle/>
+          <a:p>
+            <a:fld id="{9A39E707-F3CE-4BEB-9583-BB36F29193FA}" type="slidenum">
+              <a:rPr lang="ru-RU" sz="3200" smtClean="0">
+                <a:latin typeface="Times New Roman" pitchFamily="18" charset="0"/>
+                <a:cs typeface="Times New Roman" pitchFamily="18" charset="0"/>
+              </a:rPr>
+              <a:pPr/>
+              <a:t>12</a:t>
+            </a:fld>
+            <a:endParaRPr lang="ru-RU" sz="3200" dirty="0">
+              <a:latin typeface="Times New Roman" pitchFamily="18" charset="0"/>
+              <a:cs typeface="Times New Roman" pitchFamily="18" charset="0"/>
+            </a:endParaRPr>
+          </a:p>
+        </p:txBody>
+      </p:sp>
     </p:spTree>
   </p:cSld>
   <p:clrMapOvr>
@@ -4057,13 +4259,13 @@
           <a:lstStyle/>
           <a:p>
             <a:r>
-              <a:rPr lang="ru-RU" dirty="0" smtClean="0">
+              <a:rPr lang="ru-RU" sz="4000" dirty="0" smtClean="0">
                 <a:latin typeface="Times New Roman" pitchFamily="18" charset="0"/>
                 <a:cs typeface="Times New Roman" pitchFamily="18" charset="0"/>
               </a:rPr>
               <a:t>Интерфейс пользователя</a:t>
             </a:r>
-            <a:endParaRPr lang="ru-RU" dirty="0">
+            <a:endParaRPr lang="ru-RU" sz="4000" dirty="0">
               <a:latin typeface="Times New Roman" pitchFamily="18" charset="0"/>
               <a:cs typeface="Times New Roman" pitchFamily="18" charset="0"/>
             </a:endParaRPr>
@@ -4096,30 +4298,6 @@
           </a:prstGeom>
         </p:spPr>
       </p:pic>
-      <p:sp>
-        <p:nvSpPr>
-          <p:cNvPr id="7" name="Номер слайда 6"/>
-          <p:cNvSpPr>
-            <a:spLocks noGrp="1"/>
-          </p:cNvSpPr>
-          <p:nvPr>
-            <p:ph type="sldNum" sz="quarter" idx="12"/>
-          </p:nvPr>
-        </p:nvSpPr>
-        <p:spPr/>
-        <p:txBody>
-          <a:bodyPr/>
-          <a:lstStyle/>
-          <a:p>
-            <a:fld id="{9A39E707-F3CE-4BEB-9583-BB36F29193FA}" type="slidenum">
-              <a:rPr lang="ru-RU" sz="3200" smtClean="0"/>
-              <a:pPr/>
-              <a:t>13</a:t>
-            </a:fld>
-            <a:endParaRPr lang="ru-RU" sz="3200" dirty="0"/>
-          </a:p>
-        </p:txBody>
-      </p:sp>
       <p:pic>
         <p:nvPicPr>
           <p:cNvPr id="6" name="Picture 10"/>
@@ -4134,7 +4312,7 @@
           <a:blip r:embed="rId3">
             <a:extLst>
               <a:ext uri="{28A0092B-C50C-407E-A947-70E740481C1C}">
-                <a14:useLocalDpi xmlns="" xmlns:wpc="http://schemas.microsoft.com/office/word/2010/wordprocessingCanvas" xmlns:mc="http://schemas.openxmlformats.org/markup-compatibility/2006" xmlns:o="urn:schemas-microsoft-com:office:office" xmlns:m="http://schemas.openxmlformats.org/officeDocument/2006/math" xmlns:v="urn:schemas-microsoft-com:vml" xmlns:wp14="http://schemas.microsoft.com/office/word/2010/wordprocessingDrawing" xmlns:wp="http://schemas.openxmlformats.org/drawingml/2006/wordprocessingDrawing" xmlns:w10="urn:schemas-microsoft-com:office:word" xmlns:w="http://schemas.openxmlformats.org/wordprocessingml/2006/main" xmlns:w14="http://schemas.microsoft.com/office/word/2010/wordml" xmlns:wpg="http://schemas.microsoft.com/office/word/2010/wordprocessingGroup" xmlns:wpi="http://schemas.microsoft.com/office/word/2010/wordprocessingInk" xmlns:wne="http://schemas.microsoft.com/office/word/2006/wordml" xmlns:wps="http://schemas.microsoft.com/office/word/2010/wordprocessingShape" xmlns:a14="http://schemas.microsoft.com/office/drawing/2010/main" xmlns:pic="http://schemas.openxmlformats.org/drawingml/2006/picture" xmlns:lc="http://schemas.openxmlformats.org/drawingml/2006/lockedCanvas" val="0"/>
+                <a14:useLocalDpi xmlns:lc="http://schemas.openxmlformats.org/drawingml/2006/lockedCanvas" xmlns:pic="http://schemas.openxmlformats.org/drawingml/2006/picture" xmlns:a14="http://schemas.microsoft.com/office/drawing/2010/main" xmlns:wps="http://schemas.microsoft.com/office/word/2010/wordprocessingShape" xmlns:wne="http://schemas.microsoft.com/office/word/2006/wordml" xmlns:wpi="http://schemas.microsoft.com/office/word/2010/wordprocessingInk" xmlns:wpg="http://schemas.microsoft.com/office/word/2010/wordprocessingGroup" xmlns:w14="http://schemas.microsoft.com/office/word/2010/wordml" xmlns:w="http://schemas.openxmlformats.org/wordprocessingml/2006/main" xmlns:w10="urn:schemas-microsoft-com:office:word" xmlns:wp="http://schemas.openxmlformats.org/drawingml/2006/wordprocessingDrawing" xmlns:wp14="http://schemas.microsoft.com/office/word/2010/wordprocessingDrawing" xmlns:v="urn:schemas-microsoft-com:vml" xmlns:m="http://schemas.openxmlformats.org/officeDocument/2006/math" xmlns:o="urn:schemas-microsoft-com:office:office" xmlns:mc="http://schemas.openxmlformats.org/markup-compatibility/2006" xmlns:wpc="http://schemas.microsoft.com/office/word/2010/wordprocessingCanvas" xmlns="" val="0"/>
               </a:ext>
             </a:extLst>
           </a:blip>
@@ -4177,6 +4355,41 @@
           </a:prstGeom>
         </p:spPr>
       </p:pic>
+      <p:sp>
+        <p:nvSpPr>
+          <p:cNvPr id="8" name="Номер слайда 7"/>
+          <p:cNvSpPr>
+            <a:spLocks noGrp="1"/>
+          </p:cNvSpPr>
+          <p:nvPr>
+            <p:ph type="sldNum" sz="quarter" idx="12"/>
+          </p:nvPr>
+        </p:nvSpPr>
+        <p:spPr>
+          <a:xfrm>
+            <a:off x="6938994" y="71414"/>
+            <a:ext cx="2133600" cy="365125"/>
+          </a:xfrm>
+        </p:spPr>
+        <p:txBody>
+          <a:bodyPr/>
+          <a:lstStyle/>
+          <a:p>
+            <a:fld id="{9A39E707-F3CE-4BEB-9583-BB36F29193FA}" type="slidenum">
+              <a:rPr lang="ru-RU" sz="3200" smtClean="0">
+                <a:latin typeface="Times New Roman" pitchFamily="18" charset="0"/>
+                <a:cs typeface="Times New Roman" pitchFamily="18" charset="0"/>
+              </a:rPr>
+              <a:pPr/>
+              <a:t>13</a:t>
+            </a:fld>
+            <a:endParaRPr lang="ru-RU" sz="3200" dirty="0">
+              <a:latin typeface="Times New Roman" pitchFamily="18" charset="0"/>
+              <a:cs typeface="Times New Roman" pitchFamily="18" charset="0"/>
+            </a:endParaRPr>
+          </a:p>
+        </p:txBody>
+      </p:sp>
     </p:spTree>
   </p:cSld>
   <p:clrMapOvr>
@@ -4219,19 +4432,26 @@
             <p:ph type="title"/>
           </p:nvPr>
         </p:nvSpPr>
-        <p:spPr/>
-        <p:txBody>
-          <a:bodyPr/>
-          <a:lstStyle/>
-          <a:p>
-            <a:r>
-              <a:rPr lang="ru-RU" dirty="0" smtClean="0">
-                <a:latin typeface="Times New Roman" pitchFamily="18" charset="0"/>
-                <a:cs typeface="Times New Roman" pitchFamily="18" charset="0"/>
-              </a:rPr>
-              <a:t>Направления развития</a:t>
-            </a:r>
-            <a:endParaRPr lang="ru-RU" dirty="0">
+        <p:spPr>
+          <a:xfrm>
+            <a:off x="457200" y="-285776"/>
+            <a:ext cx="8229600" cy="1143000"/>
+          </a:xfrm>
+        </p:spPr>
+        <p:txBody>
+          <a:bodyPr>
+            <a:normAutofit/>
+          </a:bodyPr>
+          <a:lstStyle/>
+          <a:p>
+            <a:r>
+              <a:rPr lang="ru-RU" sz="4000" dirty="0" smtClean="0">
+                <a:latin typeface="Times New Roman" pitchFamily="18" charset="0"/>
+                <a:cs typeface="Times New Roman" pitchFamily="18" charset="0"/>
+              </a:rPr>
+              <a:t>Результаты</a:t>
+            </a:r>
+            <a:endParaRPr lang="ru-RU" sz="4000" dirty="0">
               <a:latin typeface="Times New Roman" pitchFamily="18" charset="0"/>
               <a:cs typeface="Times New Roman" pitchFamily="18" charset="0"/>
             </a:endParaRPr>
@@ -4250,311 +4470,238 @@
         </p:nvSpPr>
         <p:spPr>
           <a:xfrm>
-            <a:off x="457200" y="1903433"/>
-            <a:ext cx="8229600" cy="4525963"/>
+            <a:off x="457200" y="714356"/>
+            <a:ext cx="8229600" cy="5857916"/>
           </a:xfrm>
         </p:spPr>
         <p:txBody>
-          <a:bodyPr/>
-          <a:lstStyle/>
-          <a:p>
+          <a:bodyPr>
+            <a:normAutofit fontScale="85000" lnSpcReduction="10000"/>
+          </a:bodyPr>
+          <a:lstStyle/>
+          <a:p>
+            <a:pPr>
+              <a:lnSpc>
+                <a:spcPct val="120000"/>
+              </a:lnSpc>
+            </a:pPr>
             <a:r>
               <a:rPr lang="ru-RU" dirty="0" smtClean="0">
                 <a:latin typeface="Times New Roman" pitchFamily="18" charset="0"/>
                 <a:cs typeface="Times New Roman" pitchFamily="18" charset="0"/>
               </a:rPr>
-              <a:t>Ускорение скорости работы (</a:t>
-            </a:r>
-            <a:r>
-              <a:rPr lang="ru-RU" dirty="0" err="1" smtClean="0">
-                <a:latin typeface="Times New Roman" pitchFamily="18" charset="0"/>
-                <a:cs typeface="Times New Roman" pitchFamily="18" charset="0"/>
-              </a:rPr>
-              <a:t>отрисовки</a:t>
-            </a:r>
-            <a:r>
-              <a:rPr lang="ru-RU" dirty="0" smtClean="0">
-                <a:latin typeface="Times New Roman" pitchFamily="18" charset="0"/>
-                <a:cs typeface="Times New Roman" pitchFamily="18" charset="0"/>
-              </a:rPr>
-              <a:t> </a:t>
-            </a:r>
-            <a:r>
-              <a:rPr lang="ru-RU" dirty="0" err="1" smtClean="0">
-                <a:latin typeface="Times New Roman" pitchFamily="18" charset="0"/>
-                <a:cs typeface="Times New Roman" pitchFamily="18" charset="0"/>
-              </a:rPr>
-              <a:t>геотегов</a:t>
-            </a:r>
-            <a:r>
-              <a:rPr lang="ru-RU" dirty="0" smtClean="0">
-                <a:latin typeface="Times New Roman" pitchFamily="18" charset="0"/>
-                <a:cs typeface="Times New Roman" pitchFamily="18" charset="0"/>
-              </a:rPr>
-              <a:t>)</a:t>
-            </a:r>
-          </a:p>
-          <a:p>
-            <a:r>
-              <a:rPr lang="ru-RU" dirty="0" smtClean="0">
-                <a:latin typeface="Times New Roman" pitchFamily="18" charset="0"/>
-                <a:cs typeface="Times New Roman" pitchFamily="18" charset="0"/>
-              </a:rPr>
-              <a:t>Возможность задания расстояний, размеро</a:t>
-            </a:r>
-            <a:r>
-              <a:rPr lang="ru-RU" dirty="0" smtClean="0">
-                <a:latin typeface="Times New Roman" pitchFamily="18" charset="0"/>
-                <a:cs typeface="Times New Roman" pitchFamily="18" charset="0"/>
-              </a:rPr>
-              <a:t>в фильтров</a:t>
-            </a:r>
-          </a:p>
-          <a:p>
-            <a:r>
-              <a:rPr lang="ru-RU" dirty="0" smtClean="0">
-                <a:latin typeface="Times New Roman" pitchFamily="18" charset="0"/>
-                <a:cs typeface="Times New Roman" pitchFamily="18" charset="0"/>
-              </a:rPr>
-              <a:t>Отображение тегов на изображении карты</a:t>
-            </a:r>
-          </a:p>
-          <a:p>
-            <a:r>
-              <a:rPr lang="ru-RU" dirty="0" smtClean="0">
-                <a:latin typeface="Times New Roman" pitchFamily="18" charset="0"/>
-                <a:cs typeface="Times New Roman" pitchFamily="18" charset="0"/>
-              </a:rPr>
-              <a:t>Поиск по тегам</a:t>
-            </a:r>
-          </a:p>
-          <a:p>
+              <a:t>Разработан визуализатор тегов расширенной реальности для </a:t>
+            </a:r>
+            <a:r>
+              <a:rPr lang="en-US" dirty="0" smtClean="0">
+                <a:latin typeface="Times New Roman" pitchFamily="18" charset="0"/>
+                <a:cs typeface="Times New Roman" pitchFamily="18" charset="0"/>
+              </a:rPr>
+              <a:t>Android</a:t>
+            </a:r>
             <a:endParaRPr lang="ru-RU" dirty="0" smtClean="0">
               <a:latin typeface="Times New Roman" pitchFamily="18" charset="0"/>
               <a:cs typeface="Times New Roman" pitchFamily="18" charset="0"/>
             </a:endParaRPr>
           </a:p>
           <a:p>
-            <a:endParaRPr lang="ru-RU" dirty="0">
+            <a:r>
+              <a:rPr lang="ru-RU" dirty="0" smtClean="0">
+                <a:latin typeface="Times New Roman" pitchFamily="18" charset="0"/>
+                <a:cs typeface="Times New Roman" pitchFamily="18" charset="0"/>
+              </a:rPr>
+              <a:t>Изучены возможности </a:t>
+            </a:r>
+            <a:r>
+              <a:rPr lang="ru-RU" dirty="0" err="1" smtClean="0">
+                <a:latin typeface="Times New Roman" pitchFamily="18" charset="0"/>
+                <a:cs typeface="Times New Roman" pitchFamily="18" charset="0"/>
+              </a:rPr>
+              <a:t>гео-контекстных</a:t>
+            </a:r>
+            <a:r>
+              <a:rPr lang="ru-RU" dirty="0" smtClean="0">
+                <a:latin typeface="Times New Roman" pitchFamily="18" charset="0"/>
+                <a:cs typeface="Times New Roman" pitchFamily="18" charset="0"/>
+              </a:rPr>
+              <a:t> сервисов и принципов построения расширенной реальности</a:t>
+            </a:r>
+          </a:p>
+          <a:p>
+            <a:r>
+              <a:rPr lang="ru-RU" dirty="0" smtClean="0">
+                <a:latin typeface="Times New Roman" pitchFamily="18" charset="0"/>
+                <a:cs typeface="Times New Roman" pitchFamily="18" charset="0"/>
+              </a:rPr>
+              <a:t>Изучены методы </a:t>
+            </a:r>
+            <a:r>
+              <a:rPr lang="ru-RU" dirty="0" smtClean="0">
+                <a:latin typeface="Times New Roman" pitchFamily="18" charset="0"/>
+                <a:cs typeface="Times New Roman" pitchFamily="18" charset="0"/>
+              </a:rPr>
+              <a:t>и </a:t>
+            </a:r>
+            <a:r>
+              <a:rPr lang="ru-RU" dirty="0" smtClean="0">
+                <a:latin typeface="Times New Roman" pitchFamily="18" charset="0"/>
+                <a:cs typeface="Times New Roman" pitchFamily="18" charset="0"/>
+              </a:rPr>
+              <a:t>инструменты </a:t>
+            </a:r>
+            <a:r>
+              <a:rPr lang="ru-RU" dirty="0" smtClean="0">
+                <a:latin typeface="Times New Roman" pitchFamily="18" charset="0"/>
+                <a:cs typeface="Times New Roman" pitchFamily="18" charset="0"/>
+              </a:rPr>
+              <a:t>визуализации в </a:t>
+            </a:r>
+            <a:r>
+              <a:rPr lang="en-US" dirty="0" smtClean="0">
+                <a:latin typeface="Times New Roman" pitchFamily="18" charset="0"/>
+                <a:cs typeface="Times New Roman" pitchFamily="18" charset="0"/>
+              </a:rPr>
+              <a:t>Android</a:t>
+            </a:r>
+          </a:p>
+          <a:p>
+            <a:pPr>
+              <a:lnSpc>
+                <a:spcPct val="120000"/>
+              </a:lnSpc>
+              <a:buNone/>
+            </a:pPr>
+            <a:r>
+              <a:rPr lang="ru-RU" dirty="0" smtClean="0">
+                <a:latin typeface="Times New Roman" pitchFamily="18" charset="0"/>
+                <a:cs typeface="Times New Roman" pitchFamily="18" charset="0"/>
+              </a:rPr>
+              <a:t>Направления развития: </a:t>
+            </a:r>
+          </a:p>
+          <a:p>
+            <a:pPr>
+              <a:lnSpc>
+                <a:spcPct val="120000"/>
+              </a:lnSpc>
+            </a:pPr>
+            <a:r>
+              <a:rPr lang="ru-RU" dirty="0" smtClean="0">
+                <a:latin typeface="Times New Roman" pitchFamily="18" charset="0"/>
+                <a:cs typeface="Times New Roman" pitchFamily="18" charset="0"/>
+              </a:rPr>
+              <a:t>Ускорение скорости работы (</a:t>
+            </a:r>
+            <a:r>
+              <a:rPr lang="ru-RU" dirty="0" err="1" smtClean="0">
+                <a:latin typeface="Times New Roman" pitchFamily="18" charset="0"/>
+                <a:cs typeface="Times New Roman" pitchFamily="18" charset="0"/>
+              </a:rPr>
+              <a:t>отрисовки</a:t>
+            </a:r>
+            <a:r>
+              <a:rPr lang="ru-RU" dirty="0" smtClean="0">
+                <a:latin typeface="Times New Roman" pitchFamily="18" charset="0"/>
+                <a:cs typeface="Times New Roman" pitchFamily="18" charset="0"/>
+              </a:rPr>
+              <a:t> </a:t>
+            </a:r>
+            <a:r>
+              <a:rPr lang="ru-RU" dirty="0" err="1" smtClean="0">
+                <a:latin typeface="Times New Roman" pitchFamily="18" charset="0"/>
+                <a:cs typeface="Times New Roman" pitchFamily="18" charset="0"/>
+              </a:rPr>
+              <a:t>геотегов</a:t>
+            </a:r>
+            <a:r>
+              <a:rPr lang="ru-RU" dirty="0" smtClean="0">
+                <a:latin typeface="Times New Roman" pitchFamily="18" charset="0"/>
+                <a:cs typeface="Times New Roman" pitchFamily="18" charset="0"/>
+              </a:rPr>
+              <a:t>)</a:t>
+            </a:r>
+          </a:p>
+          <a:p>
+            <a:pPr>
+              <a:lnSpc>
+                <a:spcPct val="120000"/>
+              </a:lnSpc>
+            </a:pPr>
+            <a:r>
+              <a:rPr lang="ru-RU" dirty="0" smtClean="0">
+                <a:latin typeface="Times New Roman" pitchFamily="18" charset="0"/>
+                <a:cs typeface="Times New Roman" pitchFamily="18" charset="0"/>
+              </a:rPr>
+              <a:t>Возможность задания расстояний, размеров фильтров</a:t>
+            </a:r>
+          </a:p>
+          <a:p>
+            <a:pPr>
+              <a:lnSpc>
+                <a:spcPct val="120000"/>
+              </a:lnSpc>
+            </a:pPr>
+            <a:r>
+              <a:rPr lang="ru-RU" dirty="0" smtClean="0">
+                <a:latin typeface="Times New Roman" pitchFamily="18" charset="0"/>
+                <a:cs typeface="Times New Roman" pitchFamily="18" charset="0"/>
+              </a:rPr>
+              <a:t>Отображение тегов на изображении карты</a:t>
+            </a:r>
+          </a:p>
+          <a:p>
+            <a:pPr>
+              <a:lnSpc>
+                <a:spcPct val="120000"/>
+              </a:lnSpc>
+            </a:pPr>
+            <a:r>
+              <a:rPr lang="ru-RU" dirty="0" smtClean="0">
+                <a:latin typeface="Times New Roman" pitchFamily="18" charset="0"/>
+                <a:cs typeface="Times New Roman" pitchFamily="18" charset="0"/>
+              </a:rPr>
+              <a:t>Поиск по тегам</a:t>
+            </a:r>
+          </a:p>
+          <a:p>
+            <a:pPr>
+              <a:lnSpc>
+                <a:spcPct val="120000"/>
+              </a:lnSpc>
+            </a:pPr>
+            <a:endParaRPr lang="ru-RU" dirty="0" smtClean="0">
               <a:latin typeface="Times New Roman" pitchFamily="18" charset="0"/>
               <a:cs typeface="Times New Roman" pitchFamily="18" charset="0"/>
             </a:endParaRPr>
           </a:p>
-        </p:txBody>
-      </p:sp>
-      <p:sp>
-        <p:nvSpPr>
-          <p:cNvPr id="4" name="Номер слайда 3"/>
-          <p:cNvSpPr>
-            <a:spLocks noGrp="1"/>
-          </p:cNvSpPr>
-          <p:nvPr>
-            <p:ph type="sldNum" sz="quarter" idx="12"/>
-          </p:nvPr>
-        </p:nvSpPr>
-        <p:spPr/>
-        <p:txBody>
-          <a:bodyPr/>
-          <a:lstStyle/>
-          <a:p>
-            <a:fld id="{9A39E707-F3CE-4BEB-9583-BB36F29193FA}" type="slidenum">
-              <a:rPr lang="ru-RU" sz="3200" smtClean="0"/>
-              <a:pPr/>
-              <a:t>14</a:t>
-            </a:fld>
-            <a:endParaRPr lang="ru-RU" sz="3200" dirty="0"/>
-          </a:p>
-        </p:txBody>
-      </p:sp>
-    </p:spTree>
-  </p:cSld>
-  <p:clrMapOvr>
-    <a:masterClrMapping/>
-  </p:clrMapOvr>
-</p:sld>
-</file>
-
-<file path=ppt/slides/slide15.xml><?xml version="1.0" encoding="utf-8"?>
-<p:sld xmlns:a="http://schemas.openxmlformats.org/drawingml/2006/main" xmlns:r="http://schemas.openxmlformats.org/officeDocument/2006/relationships" xmlns:p="http://schemas.openxmlformats.org/presentationml/2006/main">
-  <p:cSld>
-    <p:spTree>
-      <p:nvGrpSpPr>
-        <p:cNvPr id="1" name=""/>
-        <p:cNvGrpSpPr/>
-        <p:nvPr/>
-      </p:nvGrpSpPr>
-      <p:grpSpPr>
-        <a:xfrm>
-          <a:off x="0" y="0"/>
-          <a:ext cx="0" cy="0"/>
-          <a:chOff x="0" y="0"/>
-          <a:chExt cx="0" cy="0"/>
-        </a:xfrm>
-      </p:grpSpPr>
-      <p:sp>
-        <p:nvSpPr>
-          <p:cNvPr id="2" name="Заголовок 1"/>
-          <p:cNvSpPr>
-            <a:spLocks noGrp="1"/>
-          </p:cNvSpPr>
-          <p:nvPr>
-            <p:ph type="title"/>
-          </p:nvPr>
-        </p:nvSpPr>
-        <p:spPr/>
-        <p:txBody>
-          <a:bodyPr/>
-          <a:lstStyle/>
-          <a:p>
-            <a:r>
-              <a:rPr lang="ru-RU" dirty="0" smtClean="0">
-                <a:latin typeface="Times New Roman" pitchFamily="18" charset="0"/>
-                <a:cs typeface="Times New Roman" pitchFamily="18" charset="0"/>
-              </a:rPr>
-              <a:t>Результаты</a:t>
-            </a:r>
-            <a:endParaRPr lang="ru-RU" dirty="0">
+          <a:p>
+            <a:pPr>
+              <a:lnSpc>
+                <a:spcPct val="120000"/>
+              </a:lnSpc>
+            </a:pPr>
+            <a:endParaRPr lang="ru-RU" dirty="0" smtClean="0">
               <a:latin typeface="Times New Roman" pitchFamily="18" charset="0"/>
               <a:cs typeface="Times New Roman" pitchFamily="18" charset="0"/>
             </a:endParaRPr>
           </a:p>
-        </p:txBody>
-      </p:sp>
-      <p:sp>
-        <p:nvSpPr>
-          <p:cNvPr id="3" name="Содержимое 2"/>
-          <p:cNvSpPr>
-            <a:spLocks noGrp="1"/>
-          </p:cNvSpPr>
-          <p:nvPr>
-            <p:ph idx="1"/>
-          </p:nvPr>
-        </p:nvSpPr>
-        <p:spPr/>
-        <p:txBody>
-          <a:bodyPr/>
-          <a:lstStyle/>
-          <a:p>
-            <a:r>
-              <a:rPr lang="ru-RU" dirty="0" smtClean="0">
-                <a:latin typeface="Times New Roman" pitchFamily="18" charset="0"/>
-                <a:cs typeface="Times New Roman" pitchFamily="18" charset="0"/>
-              </a:rPr>
-              <a:t>Разработан визуализатор тегов расширенной реальности для платформы </a:t>
-            </a:r>
-            <a:r>
-              <a:rPr lang="en-US" dirty="0" smtClean="0">
-                <a:latin typeface="Times New Roman" pitchFamily="18" charset="0"/>
-                <a:cs typeface="Times New Roman" pitchFamily="18" charset="0"/>
-              </a:rPr>
-              <a:t>Android</a:t>
-            </a:r>
-            <a:r>
-              <a:rPr lang="ru-RU" dirty="0" smtClean="0">
-                <a:latin typeface="Times New Roman" pitchFamily="18" charset="0"/>
-                <a:cs typeface="Times New Roman" pitchFamily="18" charset="0"/>
-              </a:rPr>
-              <a:t> для </a:t>
-            </a:r>
-            <a:r>
-              <a:rPr lang="ru-RU" dirty="0" err="1" smtClean="0">
-                <a:latin typeface="Times New Roman" pitchFamily="18" charset="0"/>
-                <a:cs typeface="Times New Roman" pitchFamily="18" charset="0"/>
-              </a:rPr>
-              <a:t>геолокацонной</a:t>
-            </a:r>
-            <a:r>
-              <a:rPr lang="ru-RU" dirty="0" smtClean="0">
-                <a:latin typeface="Times New Roman" pitchFamily="18" charset="0"/>
-                <a:cs typeface="Times New Roman" pitchFamily="18" charset="0"/>
-              </a:rPr>
-              <a:t> системы </a:t>
-            </a:r>
-            <a:r>
-              <a:rPr lang="en-US" dirty="0" smtClean="0">
-                <a:latin typeface="Times New Roman" pitchFamily="18" charset="0"/>
-                <a:cs typeface="Times New Roman" pitchFamily="18" charset="0"/>
-              </a:rPr>
-              <a:t>Geo2Tag</a:t>
-            </a:r>
-            <a:r>
-              <a:rPr lang="ru-RU" dirty="0" smtClean="0">
-                <a:latin typeface="Times New Roman" pitchFamily="18" charset="0"/>
-                <a:cs typeface="Times New Roman" pitchFamily="18" charset="0"/>
-              </a:rPr>
-              <a:t>.</a:t>
-            </a:r>
-            <a:endParaRPr lang="en-US" dirty="0" smtClean="0">
+          <a:p>
+            <a:pPr>
+              <a:lnSpc>
+                <a:spcPct val="120000"/>
+              </a:lnSpc>
+              <a:buNone/>
+            </a:pPr>
+            <a:endParaRPr lang="ru-RU" dirty="0" smtClean="0">
               <a:latin typeface="Times New Roman" pitchFamily="18" charset="0"/>
               <a:cs typeface="Times New Roman" pitchFamily="18" charset="0"/>
             </a:endParaRPr>
           </a:p>
           <a:p>
-            <a:r>
-              <a:rPr lang="ru-RU" dirty="0" smtClean="0">
-                <a:latin typeface="Times New Roman" pitchFamily="18" charset="0"/>
-                <a:cs typeface="Times New Roman" pitchFamily="18" charset="0"/>
-              </a:rPr>
-              <a:t>Исследованы методы </a:t>
-            </a:r>
-            <a:r>
-              <a:rPr lang="ru-RU" dirty="0" err="1" smtClean="0">
-                <a:latin typeface="Times New Roman" pitchFamily="18" charset="0"/>
-                <a:cs typeface="Times New Roman" pitchFamily="18" charset="0"/>
-              </a:rPr>
-              <a:t>отрисовки</a:t>
-            </a:r>
-            <a:r>
-              <a:rPr lang="ru-RU" dirty="0" smtClean="0">
-                <a:latin typeface="Times New Roman" pitchFamily="18" charset="0"/>
-                <a:cs typeface="Times New Roman" pitchFamily="18" charset="0"/>
-              </a:rPr>
-              <a:t> объектов в </a:t>
-            </a:r>
-            <a:r>
-              <a:rPr lang="en-US" dirty="0" smtClean="0">
-                <a:latin typeface="Times New Roman" pitchFamily="18" charset="0"/>
-                <a:cs typeface="Times New Roman" pitchFamily="18" charset="0"/>
-              </a:rPr>
-              <a:t>Android</a:t>
-            </a:r>
-            <a:r>
-              <a:rPr lang="ru-RU" dirty="0" smtClean="0">
-                <a:latin typeface="Times New Roman" pitchFamily="18" charset="0"/>
-                <a:cs typeface="Times New Roman" pitchFamily="18" charset="0"/>
-              </a:rPr>
-              <a:t>.</a:t>
-            </a:r>
-            <a:endParaRPr lang="en-US" dirty="0" smtClean="0">
-              <a:latin typeface="Times New Roman" pitchFamily="18" charset="0"/>
-              <a:cs typeface="Times New Roman" pitchFamily="18" charset="0"/>
-            </a:endParaRPr>
-          </a:p>
-          <a:p>
-            <a:r>
-              <a:rPr lang="ru-RU" dirty="0" smtClean="0">
-                <a:latin typeface="Times New Roman" pitchFamily="18" charset="0"/>
-                <a:cs typeface="Times New Roman" pitchFamily="18" charset="0"/>
-              </a:rPr>
-              <a:t>Изучены области применения </a:t>
-            </a:r>
-            <a:r>
-              <a:rPr lang="ru-RU" dirty="0" err="1" smtClean="0">
-                <a:latin typeface="Times New Roman" pitchFamily="18" charset="0"/>
-                <a:cs typeface="Times New Roman" pitchFamily="18" charset="0"/>
-              </a:rPr>
-              <a:t>геолокации</a:t>
-            </a:r>
-            <a:r>
-              <a:rPr lang="ru-RU" dirty="0" smtClean="0">
-                <a:latin typeface="Times New Roman" pitchFamily="18" charset="0"/>
-                <a:cs typeface="Times New Roman" pitchFamily="18" charset="0"/>
-              </a:rPr>
-              <a:t> и дополненной реальности.</a:t>
-            </a:r>
-          </a:p>
-          <a:p>
             <a:pPr>
+              <a:lnSpc>
+                <a:spcPct val="120000"/>
+              </a:lnSpc>
               <a:buNone/>
             </a:pPr>
             <a:endParaRPr lang="ru-RU" dirty="0">
@@ -4566,115 +4713,36 @@
       </p:sp>
       <p:sp>
         <p:nvSpPr>
-          <p:cNvPr id="4" name="Номер слайда 3"/>
+          <p:cNvPr id="5" name="Номер слайда 4"/>
           <p:cNvSpPr>
             <a:spLocks noGrp="1"/>
           </p:cNvSpPr>
           <p:nvPr>
             <p:ph type="sldNum" sz="quarter" idx="12"/>
-          </p:nvPr>
-        </p:nvSpPr>
-        <p:spPr/>
-        <p:txBody>
-          <a:bodyPr/>
-          <a:lstStyle/>
-          <a:p>
-            <a:fld id="{9A39E707-F3CE-4BEB-9583-BB36F29193FA}" type="slidenum">
-              <a:rPr lang="ru-RU" sz="3200" smtClean="0"/>
-              <a:pPr/>
-              <a:t>15</a:t>
-            </a:fld>
-            <a:endParaRPr lang="ru-RU" sz="3200"/>
-          </a:p>
-        </p:txBody>
-      </p:sp>
-    </p:spTree>
-  </p:cSld>
-  <p:clrMapOvr>
-    <a:masterClrMapping/>
-  </p:clrMapOvr>
-  <p:timing>
-    <p:tnLst>
-      <p:par>
-        <p:cTn id="1" dur="indefinite" restart="never" nodeType="tmRoot"/>
-      </p:par>
-    </p:tnLst>
-  </p:timing>
-</p:sld>
-</file>
-
-<file path=ppt/slides/slide16.xml><?xml version="1.0" encoding="utf-8"?>
-<p:sld xmlns:a="http://schemas.openxmlformats.org/drawingml/2006/main" xmlns:r="http://schemas.openxmlformats.org/officeDocument/2006/relationships" xmlns:p="http://schemas.openxmlformats.org/presentationml/2006/main">
-  <p:cSld>
-    <p:spTree>
-      <p:nvGrpSpPr>
-        <p:cNvPr id="1" name=""/>
-        <p:cNvGrpSpPr/>
-        <p:nvPr/>
-      </p:nvGrpSpPr>
-      <p:grpSpPr>
-        <a:xfrm>
-          <a:off x="0" y="0"/>
-          <a:ext cx="0" cy="0"/>
-          <a:chOff x="0" y="0"/>
-          <a:chExt cx="0" cy="0"/>
-        </a:xfrm>
-      </p:grpSpPr>
-      <p:sp>
-        <p:nvSpPr>
-          <p:cNvPr id="2" name="Заголовок 1"/>
-          <p:cNvSpPr>
-            <a:spLocks noGrp="1"/>
-          </p:cNvSpPr>
-          <p:nvPr>
-            <p:ph type="title"/>
           </p:nvPr>
         </p:nvSpPr>
         <p:spPr>
           <a:xfrm>
-            <a:off x="457200" y="2786066"/>
-            <a:ext cx="8229600" cy="1143000"/>
+            <a:off x="6938994" y="63479"/>
+            <a:ext cx="2133600" cy="365125"/>
           </a:xfrm>
         </p:spPr>
         <p:txBody>
           <a:bodyPr/>
           <a:lstStyle/>
           <a:p>
-            <a:r>
-              <a:rPr lang="ru-RU" dirty="0" smtClean="0">
-                <a:latin typeface="Times New Roman" pitchFamily="18" charset="0"/>
-                <a:cs typeface="Times New Roman" pitchFamily="18" charset="0"/>
-              </a:rPr>
-              <a:t>Спасибо за внимание!</a:t>
-            </a:r>
-            <a:endParaRPr lang="ru-RU" dirty="0">
+            <a:fld id="{9A39E707-F3CE-4BEB-9583-BB36F29193FA}" type="slidenum">
+              <a:rPr lang="ru-RU" sz="3200" smtClean="0">
+                <a:latin typeface="Times New Roman" pitchFamily="18" charset="0"/>
+                <a:cs typeface="Times New Roman" pitchFamily="18" charset="0"/>
+              </a:rPr>
+              <a:pPr/>
+              <a:t>14</a:t>
+            </a:fld>
+            <a:endParaRPr lang="ru-RU" sz="3200" dirty="0">
               <a:latin typeface="Times New Roman" pitchFamily="18" charset="0"/>
               <a:cs typeface="Times New Roman" pitchFamily="18" charset="0"/>
             </a:endParaRPr>
-          </a:p>
-        </p:txBody>
-      </p:sp>
-      <p:sp>
-        <p:nvSpPr>
-          <p:cNvPr id="3" name="Номер слайда 2"/>
-          <p:cNvSpPr>
-            <a:spLocks noGrp="1"/>
-          </p:cNvSpPr>
-          <p:nvPr>
-            <p:ph type="sldNum" sz="quarter" idx="12"/>
-          </p:nvPr>
-        </p:nvSpPr>
-        <p:spPr/>
-        <p:txBody>
-          <a:bodyPr/>
-          <a:lstStyle/>
-          <a:p>
-            <a:fld id="{9A39E707-F3CE-4BEB-9583-BB36F29193FA}" type="slidenum">
-              <a:rPr lang="ru-RU" sz="3200" smtClean="0"/>
-              <a:pPr/>
-              <a:t>16</a:t>
-            </a:fld>
-            <a:endParaRPr lang="ru-RU" sz="3200"/>
           </a:p>
         </p:txBody>
       </p:sp>
@@ -4720,19 +4788,26 @@
             <p:ph type="title"/>
           </p:nvPr>
         </p:nvSpPr>
-        <p:spPr/>
-        <p:txBody>
-          <a:bodyPr/>
-          <a:lstStyle/>
-          <a:p>
-            <a:r>
-              <a:rPr lang="ru-RU" dirty="0" smtClean="0">
+        <p:spPr>
+          <a:xfrm>
+            <a:off x="457200" y="-214330"/>
+            <a:ext cx="8229600" cy="1143000"/>
+          </a:xfrm>
+        </p:spPr>
+        <p:txBody>
+          <a:bodyPr>
+            <a:normAutofit/>
+          </a:bodyPr>
+          <a:lstStyle/>
+          <a:p>
+            <a:r>
+              <a:rPr lang="ru-RU" sz="4000" dirty="0" smtClean="0">
                 <a:latin typeface="Times New Roman" pitchFamily="18" charset="0"/>
                 <a:cs typeface="Times New Roman" pitchFamily="18" charset="0"/>
               </a:rPr>
               <a:t>Цель дипломной работы</a:t>
             </a:r>
-            <a:endParaRPr lang="ru-RU" dirty="0">
+            <a:endParaRPr lang="ru-RU" sz="4000" dirty="0">
               <a:latin typeface="Times New Roman" pitchFamily="18" charset="0"/>
               <a:cs typeface="Times New Roman" pitchFamily="18" charset="0"/>
             </a:endParaRPr>
@@ -4749,54 +4824,78 @@
             <p:ph idx="1"/>
           </p:nvPr>
         </p:nvSpPr>
-        <p:spPr/>
+        <p:spPr>
+          <a:xfrm>
+            <a:off x="457200" y="1589093"/>
+            <a:ext cx="8229600" cy="4983179"/>
+          </a:xfrm>
+        </p:spPr>
         <p:txBody>
           <a:bodyPr>
-            <a:normAutofit fontScale="85000" lnSpcReduction="10000"/>
+            <a:normAutofit/>
           </a:bodyPr>
           <a:lstStyle/>
-          <a:p>
-            <a:r>
-              <a:rPr lang="ru-RU" dirty="0" smtClean="0">
-                <a:latin typeface="Times New Roman" pitchFamily="18" charset="0"/>
-                <a:cs typeface="Times New Roman" pitchFamily="18" charset="0"/>
-              </a:rPr>
-              <a:t>Разработка</a:t>
-            </a:r>
-            <a:r>
-              <a:rPr lang="en-US" dirty="0" smtClean="0">
-                <a:latin typeface="Times New Roman" pitchFamily="18" charset="0"/>
-                <a:cs typeface="Times New Roman" pitchFamily="18" charset="0"/>
-              </a:rPr>
-              <a:t> </a:t>
-            </a:r>
-            <a:r>
-              <a:rPr lang="ru-RU" dirty="0" smtClean="0">
-                <a:latin typeface="Times New Roman" pitchFamily="18" charset="0"/>
-                <a:cs typeface="Times New Roman" pitchFamily="18" charset="0"/>
-              </a:rPr>
-              <a:t>визуализатора тегов расширенной реальности для </a:t>
-            </a:r>
-            <a:r>
-              <a:rPr lang="en-US" dirty="0" smtClean="0">
-                <a:latin typeface="Times New Roman" pitchFamily="18" charset="0"/>
-                <a:cs typeface="Times New Roman" pitchFamily="18" charset="0"/>
-              </a:rPr>
-              <a:t>Android</a:t>
-            </a:r>
-            <a:r>
-              <a:rPr lang="ru-RU" dirty="0" smtClean="0">
-                <a:latin typeface="Times New Roman" pitchFamily="18" charset="0"/>
-                <a:cs typeface="Times New Roman" pitchFamily="18" charset="0"/>
-              </a:rPr>
-              <a:t>.</a:t>
-            </a:r>
-          </a:p>
           <a:p>
             <a:pPr>
               <a:buNone/>
             </a:pPr>
-            <a:endParaRPr lang="ru-RU" dirty="0" smtClean="0">
+            <a:r>
+              <a:rPr lang="ru-RU" sz="2400" b="1" dirty="0" smtClean="0">
+                <a:latin typeface="Times New Roman" pitchFamily="18" charset="0"/>
+                <a:cs typeface="Times New Roman" pitchFamily="18" charset="0"/>
+              </a:rPr>
+              <a:t>Цель дипломной работы</a:t>
+            </a:r>
+            <a:r>
+              <a:rPr lang="en-US" sz="2400" b="1" dirty="0" smtClean="0">
+                <a:latin typeface="Times New Roman" pitchFamily="18" charset="0"/>
+                <a:cs typeface="Times New Roman" pitchFamily="18" charset="0"/>
+              </a:rPr>
+              <a:t> – </a:t>
+            </a:r>
+            <a:r>
+              <a:rPr lang="ru-RU" sz="2400" dirty="0" smtClean="0">
+                <a:latin typeface="Times New Roman" pitchFamily="18" charset="0"/>
+                <a:cs typeface="Times New Roman" pitchFamily="18" charset="0"/>
+              </a:rPr>
+              <a:t>разработка</a:t>
+            </a:r>
+            <a:r>
+              <a:rPr lang="en-US" sz="2400" dirty="0" smtClean="0">
+                <a:latin typeface="Times New Roman" pitchFamily="18" charset="0"/>
+                <a:cs typeface="Times New Roman" pitchFamily="18" charset="0"/>
+              </a:rPr>
+              <a:t> </a:t>
+            </a:r>
+            <a:r>
+              <a:rPr lang="ru-RU" sz="2400" dirty="0" smtClean="0">
+                <a:latin typeface="Times New Roman" pitchFamily="18" charset="0"/>
+                <a:cs typeface="Times New Roman" pitchFamily="18" charset="0"/>
+              </a:rPr>
+              <a:t>визуализатора тегов расширенной реальности </a:t>
+            </a:r>
+            <a:r>
+              <a:rPr lang="ru-RU" sz="2400" dirty="0" smtClean="0">
+                <a:latin typeface="Times New Roman" pitchFamily="18" charset="0"/>
+                <a:cs typeface="Times New Roman" pitchFamily="18" charset="0"/>
+              </a:rPr>
+              <a:t>для</a:t>
+            </a:r>
+            <a:r>
+              <a:rPr lang="en-US" sz="2400" dirty="0" smtClean="0">
+                <a:latin typeface="Times New Roman" pitchFamily="18" charset="0"/>
+                <a:cs typeface="Times New Roman" pitchFamily="18" charset="0"/>
+              </a:rPr>
+              <a:t> Android</a:t>
+            </a:r>
+            <a:r>
+              <a:rPr lang="ru-RU" sz="2400" dirty="0" smtClean="0">
+                <a:latin typeface="Times New Roman" pitchFamily="18" charset="0"/>
+                <a:cs typeface="Times New Roman" pitchFamily="18" charset="0"/>
+              </a:rPr>
+              <a:t>.</a:t>
+            </a:r>
+            <a:endParaRPr lang="ru-RU" sz="2400" dirty="0" smtClean="0">
               <a:latin typeface="Times New Roman" pitchFamily="18" charset="0"/>
               <a:cs typeface="Times New Roman" pitchFamily="18" charset="0"/>
             </a:endParaRPr>
@@ -4805,105 +4904,133 @@
             <a:pPr>
               <a:buNone/>
             </a:pPr>
-            <a:r>
-              <a:rPr lang="ru-RU" dirty="0" smtClean="0">
-                <a:latin typeface="Times New Roman" pitchFamily="18" charset="0"/>
-                <a:cs typeface="Times New Roman" pitchFamily="18" charset="0"/>
-              </a:rPr>
-              <a:t>Задачи:</a:t>
-            </a:r>
-          </a:p>
-          <a:p>
-            <a:r>
-              <a:rPr lang="ru-RU" dirty="0" smtClean="0">
-                <a:latin typeface="Times New Roman" pitchFamily="18" charset="0"/>
-                <a:cs typeface="Times New Roman" pitchFamily="18" charset="0"/>
-              </a:rPr>
-              <a:t>Изучение возможностей </a:t>
-            </a:r>
-            <a:r>
-              <a:rPr lang="ru-RU" dirty="0" err="1" smtClean="0">
-                <a:latin typeface="Times New Roman" pitchFamily="18" charset="0"/>
-                <a:cs typeface="Times New Roman" pitchFamily="18" charset="0"/>
-              </a:rPr>
-              <a:t>гео-контекстных</a:t>
-            </a:r>
-            <a:r>
-              <a:rPr lang="ru-RU" dirty="0" smtClean="0">
-                <a:latin typeface="Times New Roman" pitchFamily="18" charset="0"/>
-                <a:cs typeface="Times New Roman" pitchFamily="18" charset="0"/>
-              </a:rPr>
-              <a:t> сервисов и принципов построения расширенной реальности;</a:t>
-            </a:r>
-          </a:p>
-          <a:p>
-            <a:r>
-              <a:rPr lang="ru-RU" dirty="0" smtClean="0">
-                <a:latin typeface="Times New Roman" pitchFamily="18" charset="0"/>
-                <a:cs typeface="Times New Roman" pitchFamily="18" charset="0"/>
-              </a:rPr>
-              <a:t>Методов и инструментов визуализации в </a:t>
-            </a:r>
-            <a:r>
-              <a:rPr lang="en-US" dirty="0" smtClean="0">
-                <a:latin typeface="Times New Roman" pitchFamily="18" charset="0"/>
-                <a:cs typeface="Times New Roman" pitchFamily="18" charset="0"/>
-              </a:rPr>
-              <a:t>Android;</a:t>
-            </a:r>
-          </a:p>
-          <a:p>
-            <a:r>
-              <a:rPr lang="ru-RU" dirty="0" smtClean="0">
-                <a:latin typeface="Times New Roman" pitchFamily="18" charset="0"/>
-                <a:cs typeface="Times New Roman" pitchFamily="18" charset="0"/>
-              </a:rPr>
-              <a:t>Разработка мобильного приложения для визуализации </a:t>
-            </a:r>
-            <a:r>
-              <a:rPr lang="ru-RU" dirty="0" err="1" smtClean="0">
-                <a:latin typeface="Times New Roman" pitchFamily="18" charset="0"/>
-                <a:cs typeface="Times New Roman" pitchFamily="18" charset="0"/>
-              </a:rPr>
-              <a:t>гео-тегов</a:t>
-            </a:r>
-            <a:r>
-              <a:rPr lang="ru-RU" dirty="0" smtClean="0">
-                <a:latin typeface="Times New Roman" pitchFamily="18" charset="0"/>
-                <a:cs typeface="Times New Roman" pitchFamily="18" charset="0"/>
-              </a:rPr>
-              <a:t>.</a:t>
-            </a:r>
+            <a:endParaRPr lang="ru-RU" sz="2400" dirty="0" smtClean="0">
+              <a:latin typeface="Times New Roman" pitchFamily="18" charset="0"/>
+              <a:cs typeface="Times New Roman" pitchFamily="18" charset="0"/>
+            </a:endParaRPr>
           </a:p>
           <a:p>
             <a:pPr>
               <a:buNone/>
             </a:pPr>
-            <a:endParaRPr lang="ru-RU" dirty="0" smtClean="0">
+            <a:r>
+              <a:rPr lang="ru-RU" sz="2400" b="1" dirty="0" smtClean="0">
+                <a:latin typeface="Times New Roman" pitchFamily="18" charset="0"/>
+                <a:cs typeface="Times New Roman" pitchFamily="18" charset="0"/>
+              </a:rPr>
+              <a:t>Задачи:</a:t>
+            </a:r>
+          </a:p>
+          <a:p>
+            <a:r>
+              <a:rPr lang="ru-RU" sz="2400" dirty="0" smtClean="0">
+                <a:latin typeface="Times New Roman" pitchFamily="18" charset="0"/>
+                <a:cs typeface="Times New Roman" pitchFamily="18" charset="0"/>
+              </a:rPr>
+              <a:t>Изучение возможностей </a:t>
+            </a:r>
+            <a:r>
+              <a:rPr lang="ru-RU" sz="2400" dirty="0" err="1" smtClean="0">
+                <a:latin typeface="Times New Roman" pitchFamily="18" charset="0"/>
+                <a:cs typeface="Times New Roman" pitchFamily="18" charset="0"/>
+              </a:rPr>
+              <a:t>гео-контекстных</a:t>
+            </a:r>
+            <a:r>
+              <a:rPr lang="ru-RU" sz="2400" dirty="0" smtClean="0">
+                <a:latin typeface="Times New Roman" pitchFamily="18" charset="0"/>
+                <a:cs typeface="Times New Roman" pitchFamily="18" charset="0"/>
+              </a:rPr>
+              <a:t> сервисов и принципов построения расширенной </a:t>
+            </a:r>
+            <a:r>
+              <a:rPr lang="ru-RU" sz="2400" dirty="0" smtClean="0">
+                <a:latin typeface="Times New Roman" pitchFamily="18" charset="0"/>
+                <a:cs typeface="Times New Roman" pitchFamily="18" charset="0"/>
+              </a:rPr>
+              <a:t>реальности</a:t>
+            </a:r>
+            <a:endParaRPr lang="ru-RU" sz="2400" dirty="0" smtClean="0">
               <a:latin typeface="Times New Roman" pitchFamily="18" charset="0"/>
               <a:cs typeface="Times New Roman" pitchFamily="18" charset="0"/>
             </a:endParaRPr>
           </a:p>
           <a:p>
+            <a:r>
+              <a:rPr lang="ru-RU" sz="2400" dirty="0" smtClean="0">
+                <a:latin typeface="Times New Roman" pitchFamily="18" charset="0"/>
+                <a:cs typeface="Times New Roman" pitchFamily="18" charset="0"/>
+              </a:rPr>
+              <a:t>Изучение методов </a:t>
+            </a:r>
+            <a:r>
+              <a:rPr lang="ru-RU" sz="2400" dirty="0" smtClean="0">
+                <a:latin typeface="Times New Roman" pitchFamily="18" charset="0"/>
+                <a:cs typeface="Times New Roman" pitchFamily="18" charset="0"/>
+              </a:rPr>
+              <a:t>и инструментов визуализации в </a:t>
+            </a:r>
+            <a:r>
+              <a:rPr lang="en-US" sz="2400" dirty="0" smtClean="0">
+                <a:latin typeface="Times New Roman" pitchFamily="18" charset="0"/>
+                <a:cs typeface="Times New Roman" pitchFamily="18" charset="0"/>
+              </a:rPr>
+              <a:t>Android</a:t>
+            </a:r>
+            <a:endParaRPr lang="en-US" sz="2400" dirty="0" smtClean="0">
+              <a:latin typeface="Times New Roman" pitchFamily="18" charset="0"/>
+              <a:cs typeface="Times New Roman" pitchFamily="18" charset="0"/>
+            </a:endParaRPr>
+          </a:p>
+          <a:p>
+            <a:r>
+              <a:rPr lang="ru-RU" sz="2400" dirty="0" smtClean="0">
+                <a:latin typeface="Times New Roman" pitchFamily="18" charset="0"/>
+                <a:cs typeface="Times New Roman" pitchFamily="18" charset="0"/>
+              </a:rPr>
+              <a:t>Разработка мобильного приложения для визуализации </a:t>
+            </a:r>
+            <a:r>
+              <a:rPr lang="ru-RU" sz="2400" dirty="0" err="1" smtClean="0">
+                <a:latin typeface="Times New Roman" pitchFamily="18" charset="0"/>
+                <a:cs typeface="Times New Roman" pitchFamily="18" charset="0"/>
+              </a:rPr>
+              <a:t>гео-тегов</a:t>
+            </a:r>
+            <a:endParaRPr lang="ru-RU" sz="2400" dirty="0" smtClean="0">
+              <a:latin typeface="Times New Roman" pitchFamily="18" charset="0"/>
+              <a:cs typeface="Times New Roman" pitchFamily="18" charset="0"/>
+            </a:endParaRPr>
+          </a:p>
+          <a:p>
             <a:pPr>
               <a:buNone/>
             </a:pPr>
-            <a:endParaRPr lang="ru-RU" dirty="0">
+            <a:endParaRPr lang="ru-RU" sz="2400" dirty="0" smtClean="0">
               <a:latin typeface="Times New Roman" pitchFamily="18" charset="0"/>
               <a:cs typeface="Times New Roman" pitchFamily="18" charset="0"/>
             </a:endParaRPr>
           </a:p>
           <a:p>
-            <a:endParaRPr lang="ru-RU" dirty="0">
+            <a:pPr>
+              <a:buNone/>
+            </a:pPr>
+            <a:endParaRPr lang="ru-RU" sz="2400" dirty="0">
               <a:latin typeface="Times New Roman" pitchFamily="18" charset="0"/>
               <a:cs typeface="Times New Roman" pitchFamily="18" charset="0"/>
             </a:endParaRPr>
           </a:p>
-        </p:txBody>
-      </p:sp>
-      <p:sp>
-        <p:nvSpPr>
-          <p:cNvPr id="4" name="Номер слайда 3"/>
+          <a:p>
+            <a:endParaRPr lang="ru-RU" sz="2400" dirty="0">
+              <a:latin typeface="Times New Roman" pitchFamily="18" charset="0"/>
+              <a:cs typeface="Times New Roman" pitchFamily="18" charset="0"/>
+            </a:endParaRPr>
+          </a:p>
+        </p:txBody>
+      </p:sp>
+      <p:sp>
+        <p:nvSpPr>
+          <p:cNvPr id="5" name="Номер слайда 4"/>
           <p:cNvSpPr>
             <a:spLocks noGrp="1"/>
           </p:cNvSpPr>
@@ -4911,12 +5038,17 @@
             <p:ph type="sldNum" sz="quarter" idx="12"/>
           </p:nvPr>
         </p:nvSpPr>
-        <p:spPr/>
+        <p:spPr>
+          <a:xfrm>
+            <a:off x="6938994" y="71414"/>
+            <a:ext cx="2133600" cy="365125"/>
+          </a:xfrm>
+        </p:spPr>
         <p:txBody>
           <a:bodyPr/>
           <a:lstStyle/>
           <a:p>
-            <a:fld id="{D91DFDD6-8CD9-4E78-AADD-2002214BA9DD}" type="slidenum">
+            <a:fld id="{9A39E707-F3CE-4BEB-9583-BB36F29193FA}" type="slidenum">
               <a:rPr lang="ru-RU" sz="3200" smtClean="0">
                 <a:latin typeface="Times New Roman" pitchFamily="18" charset="0"/>
                 <a:cs typeface="Times New Roman" pitchFamily="18" charset="0"/>
@@ -4973,7 +5105,12 @@
             <p:ph type="title"/>
           </p:nvPr>
         </p:nvSpPr>
-        <p:spPr/>
+        <p:spPr>
+          <a:xfrm>
+            <a:off x="457200" y="-24"/>
+            <a:ext cx="8229600" cy="1143000"/>
+          </a:xfrm>
+        </p:spPr>
         <p:txBody>
           <a:bodyPr>
             <a:normAutofit fontScale="90000"/>
@@ -5011,7 +5148,12 @@
             <p:ph idx="1"/>
           </p:nvPr>
         </p:nvSpPr>
-        <p:spPr/>
+        <p:spPr>
+          <a:xfrm>
+            <a:off x="457200" y="1474805"/>
+            <a:ext cx="8229600" cy="4525963"/>
+          </a:xfrm>
+        </p:spPr>
         <p:txBody>
           <a:bodyPr>
             <a:noAutofit/>
@@ -5181,7 +5323,7 @@
       </p:sp>
       <p:sp>
         <p:nvSpPr>
-          <p:cNvPr id="4" name="Номер слайда 3"/>
+          <p:cNvPr id="5" name="Номер слайда 4"/>
           <p:cNvSpPr>
             <a:spLocks noGrp="1"/>
           </p:cNvSpPr>
@@ -5189,17 +5331,28 @@
             <p:ph type="sldNum" sz="quarter" idx="12"/>
           </p:nvPr>
         </p:nvSpPr>
-        <p:spPr/>
+        <p:spPr>
+          <a:xfrm>
+            <a:off x="6938994" y="71414"/>
+            <a:ext cx="2133600" cy="365125"/>
+          </a:xfrm>
+        </p:spPr>
         <p:txBody>
           <a:bodyPr/>
           <a:lstStyle/>
           <a:p>
             <a:fld id="{9A39E707-F3CE-4BEB-9583-BB36F29193FA}" type="slidenum">
-              <a:rPr lang="ru-RU" sz="3200" smtClean="0"/>
+              <a:rPr lang="ru-RU" sz="3200" smtClean="0">
+                <a:latin typeface="Times New Roman" pitchFamily="18" charset="0"/>
+                <a:cs typeface="Times New Roman" pitchFamily="18" charset="0"/>
+              </a:rPr>
               <a:pPr/>
               <a:t>3</a:t>
             </a:fld>
-            <a:endParaRPr lang="ru-RU" sz="3200" dirty="0"/>
+            <a:endParaRPr lang="ru-RU" sz="3200" dirty="0">
+              <a:latin typeface="Times New Roman" pitchFamily="18" charset="0"/>
+              <a:cs typeface="Times New Roman" pitchFamily="18" charset="0"/>
+            </a:endParaRPr>
           </a:p>
         </p:txBody>
       </p:sp>
@@ -5245,26 +5398,33 @@
             <p:ph type="title"/>
           </p:nvPr>
         </p:nvSpPr>
-        <p:spPr/>
-        <p:txBody>
-          <a:bodyPr/>
-          <a:lstStyle/>
-          <a:p>
-            <a:r>
-              <a:rPr lang="ru-RU" dirty="0" smtClean="0">
+        <p:spPr>
+          <a:xfrm>
+            <a:off x="457200" y="-214338"/>
+            <a:ext cx="8229600" cy="1143000"/>
+          </a:xfrm>
+        </p:spPr>
+        <p:txBody>
+          <a:bodyPr>
+            <a:normAutofit/>
+          </a:bodyPr>
+          <a:lstStyle/>
+          <a:p>
+            <a:r>
+              <a:rPr lang="ru-RU" sz="4000" dirty="0" smtClean="0">
                 <a:latin typeface="Times New Roman" pitchFamily="18" charset="0"/>
                 <a:cs typeface="Times New Roman" pitchFamily="18" charset="0"/>
               </a:rPr>
               <a:t>Аналоги </a:t>
             </a:r>
             <a:r>
-              <a:rPr lang="en-US" dirty="0" smtClean="0">
+              <a:rPr lang="en-US" sz="4000" dirty="0" smtClean="0">
                 <a:latin typeface="Times New Roman" pitchFamily="18" charset="0"/>
                 <a:cs typeface="Times New Roman" pitchFamily="18" charset="0"/>
               </a:rPr>
               <a:t>Geo2tag</a:t>
             </a:r>
-            <a:endParaRPr lang="ru-RU" dirty="0">
+            <a:endParaRPr lang="ru-RU" sz="4000" dirty="0">
               <a:latin typeface="Times New Roman" pitchFamily="18" charset="0"/>
               <a:cs typeface="Times New Roman" pitchFamily="18" charset="0"/>
             </a:endParaRPr>
@@ -6083,7 +6243,7 @@
       </p:graphicFrame>
       <p:sp>
         <p:nvSpPr>
-          <p:cNvPr id="4" name="Номер слайда 3"/>
+          <p:cNvPr id="6" name="Номер слайда 5"/>
           <p:cNvSpPr>
             <a:spLocks noGrp="1"/>
           </p:cNvSpPr>
@@ -6093,7 +6253,7 @@
         </p:nvSpPr>
         <p:spPr>
           <a:xfrm>
-            <a:off x="6553200" y="6357958"/>
+            <a:off x="6938994" y="71414"/>
             <a:ext cx="2133600" cy="365125"/>
           </a:xfrm>
         </p:spPr>
@@ -6102,11 +6262,17 @@
           <a:lstStyle/>
           <a:p>
             <a:fld id="{9A39E707-F3CE-4BEB-9583-BB36F29193FA}" type="slidenum">
-              <a:rPr lang="ru-RU" sz="3200" smtClean="0"/>
+              <a:rPr lang="ru-RU" sz="3200" smtClean="0">
+                <a:latin typeface="Times New Roman" pitchFamily="18" charset="0"/>
+                <a:cs typeface="Times New Roman" pitchFamily="18" charset="0"/>
+              </a:rPr>
               <a:pPr/>
               <a:t>4</a:t>
             </a:fld>
-            <a:endParaRPr lang="ru-RU" sz="3200"/>
+            <a:endParaRPr lang="ru-RU" sz="3200" dirty="0">
+              <a:latin typeface="Times New Roman" pitchFamily="18" charset="0"/>
+              <a:cs typeface="Times New Roman" pitchFamily="18" charset="0"/>
+            </a:endParaRPr>
           </a:p>
         </p:txBody>
       </p:sp>
@@ -6152,7 +6318,12 @@
             <p:ph type="title"/>
           </p:nvPr>
         </p:nvSpPr>
-        <p:spPr/>
+        <p:spPr>
+          <a:xfrm>
+            <a:off x="457200" y="-16"/>
+            <a:ext cx="8229600" cy="1143000"/>
+          </a:xfrm>
+        </p:spPr>
         <p:txBody>
           <a:bodyPr>
             <a:normAutofit fontScale="90000"/>
@@ -6315,7 +6486,7 @@
       </p:sp>
       <p:sp>
         <p:nvSpPr>
-          <p:cNvPr id="4" name="Номер слайда 3"/>
+          <p:cNvPr id="5" name="Номер слайда 4"/>
           <p:cNvSpPr>
             <a:spLocks noGrp="1"/>
           </p:cNvSpPr>
@@ -6323,17 +6494,28 @@
             <p:ph type="sldNum" sz="quarter" idx="12"/>
           </p:nvPr>
         </p:nvSpPr>
-        <p:spPr/>
+        <p:spPr>
+          <a:xfrm>
+            <a:off x="6938994" y="71414"/>
+            <a:ext cx="2133600" cy="365125"/>
+          </a:xfrm>
+        </p:spPr>
         <p:txBody>
           <a:bodyPr/>
           <a:lstStyle/>
           <a:p>
             <a:fld id="{9A39E707-F3CE-4BEB-9583-BB36F29193FA}" type="slidenum">
-              <a:rPr lang="ru-RU" sz="3200" smtClean="0"/>
+              <a:rPr lang="ru-RU" sz="3200" smtClean="0">
+                <a:latin typeface="Times New Roman" pitchFamily="18" charset="0"/>
+                <a:cs typeface="Times New Roman" pitchFamily="18" charset="0"/>
+              </a:rPr>
               <a:pPr/>
               <a:t>5</a:t>
             </a:fld>
-            <a:endParaRPr lang="ru-RU" sz="3200"/>
+            <a:endParaRPr lang="ru-RU" sz="3200" dirty="0">
+              <a:latin typeface="Times New Roman" pitchFamily="18" charset="0"/>
+              <a:cs typeface="Times New Roman" pitchFamily="18" charset="0"/>
+            </a:endParaRPr>
           </a:p>
         </p:txBody>
       </p:sp>
@@ -6379,7 +6561,12 @@
             <p:ph type="title"/>
           </p:nvPr>
         </p:nvSpPr>
-        <p:spPr/>
+        <p:spPr>
+          <a:xfrm>
+            <a:off x="457200" y="-142900"/>
+            <a:ext cx="8229600" cy="1143000"/>
+          </a:xfrm>
+        </p:spPr>
         <p:txBody>
           <a:bodyPr>
             <a:normAutofit/>
@@ -6495,13 +6682,6 @@
                 <a:cs typeface="Times New Roman" pitchFamily="18" charset="0"/>
               </a:rPr>
               <a:t>Android.graphics</a:t>
-            </a:r>
-            <a:r>
-              <a:rPr lang="en-US" dirty="0" smtClean="0">
-                <a:latin typeface="Times New Roman" pitchFamily="18" charset="0"/>
-                <a:cs typeface="Times New Roman" pitchFamily="18" charset="0"/>
-              </a:rPr>
-              <a:t>.*</a:t>
             </a:r>
             <a:endParaRPr lang="ru-RU" dirty="0" smtClean="0">
               <a:latin typeface="Times New Roman" pitchFamily="18" charset="0"/>
@@ -6548,7 +6728,7 @@
       </p:sp>
       <p:sp>
         <p:nvSpPr>
-          <p:cNvPr id="4" name="Номер слайда 3"/>
+          <p:cNvPr id="5" name="Номер слайда 4"/>
           <p:cNvSpPr>
             <a:spLocks noGrp="1"/>
           </p:cNvSpPr>
@@ -6556,17 +6736,28 @@
             <p:ph type="sldNum" sz="quarter" idx="12"/>
           </p:nvPr>
         </p:nvSpPr>
-        <p:spPr/>
+        <p:spPr>
+          <a:xfrm>
+            <a:off x="6938994" y="71414"/>
+            <a:ext cx="2133600" cy="365125"/>
+          </a:xfrm>
+        </p:spPr>
         <p:txBody>
           <a:bodyPr/>
           <a:lstStyle/>
           <a:p>
             <a:fld id="{9A39E707-F3CE-4BEB-9583-BB36F29193FA}" type="slidenum">
-              <a:rPr lang="ru-RU" sz="3200" smtClean="0"/>
+              <a:rPr lang="ru-RU" sz="3200" smtClean="0">
+                <a:latin typeface="Times New Roman" pitchFamily="18" charset="0"/>
+                <a:cs typeface="Times New Roman" pitchFamily="18" charset="0"/>
+              </a:rPr>
               <a:pPr/>
               <a:t>6</a:t>
             </a:fld>
-            <a:endParaRPr lang="ru-RU" sz="3200" dirty="0"/>
+            <a:endParaRPr lang="ru-RU" sz="3200">
+              <a:latin typeface="Times New Roman" pitchFamily="18" charset="0"/>
+              <a:cs typeface="Times New Roman" pitchFamily="18" charset="0"/>
+            </a:endParaRPr>
           </a:p>
         </p:txBody>
       </p:sp>
@@ -6612,7 +6803,12 @@
             <p:ph type="title"/>
           </p:nvPr>
         </p:nvSpPr>
-        <p:spPr/>
+        <p:spPr>
+          <a:xfrm>
+            <a:off x="457200" y="-24"/>
+            <a:ext cx="8229600" cy="1143000"/>
+          </a:xfrm>
+        </p:spPr>
         <p:txBody>
           <a:bodyPr>
             <a:normAutofit fontScale="90000"/>
@@ -6655,14 +6851,14 @@
                 <a:latin typeface="Times New Roman" pitchFamily="18" charset="0"/>
                 <a:cs typeface="Times New Roman" pitchFamily="18" charset="0"/>
               </a:rPr>
-              <a:t>Язык: </a:t>
+              <a:t>Язык</a:t>
             </a:r>
             <a:r>
               <a:rPr lang="en-US" sz="4000" dirty="0" smtClean="0">
                 <a:latin typeface="Times New Roman" pitchFamily="18" charset="0"/>
                 <a:cs typeface="Times New Roman" pitchFamily="18" charset="0"/>
               </a:rPr>
-              <a:t>Java</a:t>
+              <a:t> – Java</a:t>
             </a:r>
             <a:endParaRPr lang="ru-RU" sz="4000" dirty="0" smtClean="0">
               <a:latin typeface="Times New Roman" pitchFamily="18" charset="0"/>
@@ -6675,28 +6871,42 @@
                 <a:latin typeface="Times New Roman" pitchFamily="18" charset="0"/>
                 <a:cs typeface="Times New Roman" pitchFamily="18" charset="0"/>
               </a:rPr>
-              <a:t>Среда разработки:</a:t>
+              <a:t>Среда </a:t>
+            </a:r>
+            <a:r>
+              <a:rPr lang="ru-RU" sz="4000" dirty="0" smtClean="0">
+                <a:latin typeface="Times New Roman" pitchFamily="18" charset="0"/>
+                <a:cs typeface="Times New Roman" pitchFamily="18" charset="0"/>
+              </a:rPr>
+              <a:t>разработки</a:t>
             </a:r>
             <a:r>
               <a:rPr lang="en-US" sz="4000" dirty="0" smtClean="0">
                 <a:latin typeface="Times New Roman" pitchFamily="18" charset="0"/>
                 <a:cs typeface="Times New Roman" pitchFamily="18" charset="0"/>
               </a:rPr>
+              <a:t> – </a:t>
+            </a:r>
+            <a:r>
+              <a:rPr lang="en-US" sz="4000" dirty="0" err="1" smtClean="0">
+                <a:latin typeface="Times New Roman" pitchFamily="18" charset="0"/>
+                <a:cs typeface="Times New Roman" pitchFamily="18" charset="0"/>
+              </a:rPr>
+              <a:t>Intellij</a:t>
+            </a:r>
+            <a:r>
+              <a:rPr lang="en-US" sz="4000" dirty="0" smtClean="0">
+                <a:latin typeface="Times New Roman" pitchFamily="18" charset="0"/>
+                <a:cs typeface="Times New Roman" pitchFamily="18" charset="0"/>
+              </a:rPr>
               <a:t> </a:t>
             </a:r>
             <a:r>
-              <a:rPr lang="en-US" sz="4000" dirty="0" err="1" smtClean="0">
-                <a:latin typeface="Times New Roman" pitchFamily="18" charset="0"/>
-                <a:cs typeface="Times New Roman" pitchFamily="18" charset="0"/>
-              </a:rPr>
-              <a:t>Intellij</a:t>
-            </a:r>
-            <a:r>
               <a:rPr lang="en-US" sz="4000" dirty="0" smtClean="0">
                 <a:latin typeface="Times New Roman" pitchFamily="18" charset="0"/>
                 <a:cs typeface="Times New Roman" pitchFamily="18" charset="0"/>
               </a:rPr>
-              <a:t> Idea</a:t>
+              <a:t>Idea</a:t>
             </a:r>
             <a:endParaRPr lang="ru-RU" sz="4000" dirty="0" smtClean="0">
               <a:latin typeface="Times New Roman" pitchFamily="18" charset="0"/>
@@ -6709,14 +6919,21 @@
                 <a:latin typeface="Times New Roman" pitchFamily="18" charset="0"/>
                 <a:cs typeface="Times New Roman" pitchFamily="18" charset="0"/>
               </a:rPr>
-              <a:t>Визуализация:</a:t>
+              <a:t>Визуализация</a:t>
             </a:r>
             <a:r>
               <a:rPr lang="en-US" sz="4000" dirty="0" smtClean="0">
                 <a:latin typeface="Times New Roman" pitchFamily="18" charset="0"/>
                 <a:cs typeface="Times New Roman" pitchFamily="18" charset="0"/>
               </a:rPr>
-              <a:t> OpenGL ES + </a:t>
+              <a:t> – OpenGL </a:t>
+            </a:r>
+            <a:r>
+              <a:rPr lang="en-US" sz="4000" dirty="0" smtClean="0">
+                <a:latin typeface="Times New Roman" pitchFamily="18" charset="0"/>
+                <a:cs typeface="Times New Roman" pitchFamily="18" charset="0"/>
+              </a:rPr>
+              <a:t>ES + </a:t>
             </a:r>
             <a:r>
               <a:rPr lang="en-US" sz="4000" dirty="0" err="1" smtClean="0">
@@ -6743,14 +6960,21 @@
                 <a:latin typeface="Times New Roman" pitchFamily="18" charset="0"/>
                 <a:cs typeface="Times New Roman" pitchFamily="18" charset="0"/>
               </a:rPr>
-              <a:t>платформа </a:t>
+              <a:t>платформа</a:t>
             </a:r>
             <a:r>
               <a:rPr lang="en-US" sz="4000" dirty="0" smtClean="0">
                 <a:latin typeface="Times New Roman" pitchFamily="18" charset="0"/>
                 <a:cs typeface="Times New Roman" pitchFamily="18" charset="0"/>
               </a:rPr>
-              <a:t>-- Geo2tag </a:t>
+              <a:t> </a:t>
+            </a:r>
+            <a:r>
+              <a:rPr lang="en-US" sz="4000" dirty="0" smtClean="0">
+                <a:latin typeface="Times New Roman" pitchFamily="18" charset="0"/>
+                <a:cs typeface="Times New Roman" pitchFamily="18" charset="0"/>
+              </a:rPr>
+              <a:t>– Geo2tag</a:t>
             </a:r>
             <a:endParaRPr lang="ru-RU" sz="4000" dirty="0" smtClean="0">
               <a:latin typeface="Times New Roman" pitchFamily="18" charset="0"/>
@@ -6759,39 +6983,53 @@
           </a:p>
           <a:p>
             <a:r>
+              <a:rPr lang="ru-RU" sz="4000" dirty="0" smtClean="0">
+                <a:latin typeface="Times New Roman" pitchFamily="18" charset="0"/>
+                <a:cs typeface="Times New Roman" pitchFamily="18" charset="0"/>
+              </a:rPr>
+              <a:t>Б</a:t>
+            </a:r>
+            <a:r>
+              <a:rPr lang="ru-RU" sz="4000" dirty="0" smtClean="0">
+                <a:latin typeface="Times New Roman" pitchFamily="18" charset="0"/>
+                <a:cs typeface="Times New Roman" pitchFamily="18" charset="0"/>
+              </a:rPr>
+              <a:t>иблиотека </a:t>
+            </a:r>
+            <a:r>
+              <a:rPr lang="ru-RU" sz="4000" dirty="0" smtClean="0">
+                <a:latin typeface="Times New Roman" pitchFamily="18" charset="0"/>
+                <a:cs typeface="Times New Roman" pitchFamily="18" charset="0"/>
+              </a:rPr>
+              <a:t>для </a:t>
+            </a:r>
+            <a:r>
+              <a:rPr lang="ru-RU" sz="4000" dirty="0" err="1" smtClean="0">
+                <a:latin typeface="Times New Roman" pitchFamily="18" charset="0"/>
+                <a:cs typeface="Times New Roman" pitchFamily="18" charset="0"/>
+              </a:rPr>
+              <a:t>отрисовки</a:t>
+            </a:r>
+            <a:r>
+              <a:rPr lang="ru-RU" sz="4000" dirty="0" smtClean="0">
+                <a:latin typeface="Times New Roman" pitchFamily="18" charset="0"/>
+                <a:cs typeface="Times New Roman" pitchFamily="18" charset="0"/>
+              </a:rPr>
+              <a:t> </a:t>
+            </a:r>
+            <a:r>
+              <a:rPr lang="ru-RU" sz="4000" dirty="0" smtClean="0">
+                <a:latin typeface="Times New Roman" pitchFamily="18" charset="0"/>
+                <a:cs typeface="Times New Roman" pitchFamily="18" charset="0"/>
+              </a:rPr>
+              <a:t>тегов – </a:t>
+            </a:r>
+            <a:r>
               <a:rPr lang="en-US" sz="4000" dirty="0" err="1" smtClean="0">
                 <a:latin typeface="Times New Roman" pitchFamily="18" charset="0"/>
                 <a:cs typeface="Times New Roman" pitchFamily="18" charset="0"/>
               </a:rPr>
               <a:t>Mixare</a:t>
-            </a:r>
-            <a:r>
-              <a:rPr lang="en-US" sz="4000" dirty="0" smtClean="0">
-                <a:latin typeface="Times New Roman" pitchFamily="18" charset="0"/>
-                <a:cs typeface="Times New Roman" pitchFamily="18" charset="0"/>
-              </a:rPr>
-              <a:t>, </a:t>
-            </a:r>
-            <a:r>
-              <a:rPr lang="ru-RU" sz="4000" dirty="0" smtClean="0">
-                <a:latin typeface="Times New Roman" pitchFamily="18" charset="0"/>
-                <a:cs typeface="Times New Roman" pitchFamily="18" charset="0"/>
-              </a:rPr>
-              <a:t>библиотека для </a:t>
-            </a:r>
-            <a:r>
-              <a:rPr lang="ru-RU" sz="4000" dirty="0" err="1" smtClean="0">
-                <a:latin typeface="Times New Roman" pitchFamily="18" charset="0"/>
-                <a:cs typeface="Times New Roman" pitchFamily="18" charset="0"/>
-              </a:rPr>
-              <a:t>отрисовки</a:t>
-            </a:r>
-            <a:r>
-              <a:rPr lang="ru-RU" sz="4000" dirty="0" smtClean="0">
-                <a:latin typeface="Times New Roman" pitchFamily="18" charset="0"/>
-                <a:cs typeface="Times New Roman" pitchFamily="18" charset="0"/>
-              </a:rPr>
-              <a:t> тегов.</a:t>
             </a:r>
             <a:endParaRPr lang="ru-RU" sz="4000" dirty="0">
               <a:latin typeface="Times New Roman" pitchFamily="18" charset="0"/>
@@ -6802,7 +7040,7 @@
       </p:sp>
       <p:sp>
         <p:nvSpPr>
-          <p:cNvPr id="4" name="Номер слайда 3"/>
+          <p:cNvPr id="5" name="Номер слайда 4"/>
           <p:cNvSpPr>
             <a:spLocks noGrp="1"/>
           </p:cNvSpPr>
@@ -6810,17 +7048,28 @@
             <p:ph type="sldNum" sz="quarter" idx="12"/>
           </p:nvPr>
         </p:nvSpPr>
-        <p:spPr/>
+        <p:spPr>
+          <a:xfrm>
+            <a:off x="6938994" y="71414"/>
+            <a:ext cx="2133600" cy="365125"/>
+          </a:xfrm>
+        </p:spPr>
         <p:txBody>
           <a:bodyPr/>
           <a:lstStyle/>
           <a:p>
             <a:fld id="{9A39E707-F3CE-4BEB-9583-BB36F29193FA}" type="slidenum">
-              <a:rPr lang="ru-RU" sz="3200" smtClean="0"/>
+              <a:rPr lang="ru-RU" sz="3200" smtClean="0">
+                <a:latin typeface="Times New Roman" pitchFamily="18" charset="0"/>
+                <a:cs typeface="Times New Roman" pitchFamily="18" charset="0"/>
+              </a:rPr>
               <a:pPr/>
               <a:t>7</a:t>
             </a:fld>
-            <a:endParaRPr lang="ru-RU" sz="3200"/>
+            <a:endParaRPr lang="ru-RU" sz="3200" dirty="0">
+              <a:latin typeface="Times New Roman" pitchFamily="18" charset="0"/>
+              <a:cs typeface="Times New Roman" pitchFamily="18" charset="0"/>
+            </a:endParaRPr>
           </a:p>
         </p:txBody>
       </p:sp>
@@ -6866,7 +7115,12 @@
             <p:ph type="title"/>
           </p:nvPr>
         </p:nvSpPr>
-        <p:spPr/>
+        <p:spPr>
+          <a:xfrm>
+            <a:off x="457200" y="-214330"/>
+            <a:ext cx="8229600" cy="1143000"/>
+          </a:xfrm>
+        </p:spPr>
         <p:txBody>
           <a:bodyPr/>
           <a:lstStyle/>
@@ -6895,7 +7149,12 @@
             <p:ph idx="1"/>
           </p:nvPr>
         </p:nvSpPr>
-        <p:spPr/>
+        <p:spPr>
+          <a:xfrm>
+            <a:off x="457200" y="1285860"/>
+            <a:ext cx="8229600" cy="4525963"/>
+          </a:xfrm>
+        </p:spPr>
         <p:txBody>
           <a:bodyPr>
             <a:noAutofit/>
@@ -7018,7 +7277,7 @@
       </p:sp>
       <p:sp>
         <p:nvSpPr>
-          <p:cNvPr id="4" name="Номер слайда 3"/>
+          <p:cNvPr id="5" name="Номер слайда 4"/>
           <p:cNvSpPr>
             <a:spLocks noGrp="1"/>
           </p:cNvSpPr>
@@ -7026,17 +7285,28 @@
             <p:ph type="sldNum" sz="quarter" idx="12"/>
           </p:nvPr>
         </p:nvSpPr>
-        <p:spPr/>
+        <p:spPr>
+          <a:xfrm>
+            <a:off x="6938994" y="63479"/>
+            <a:ext cx="2133600" cy="365125"/>
+          </a:xfrm>
+        </p:spPr>
         <p:txBody>
           <a:bodyPr/>
           <a:lstStyle/>
           <a:p>
             <a:fld id="{9A39E707-F3CE-4BEB-9583-BB36F29193FA}" type="slidenum">
-              <a:rPr lang="ru-RU" sz="3200" smtClean="0"/>
+              <a:rPr lang="ru-RU" sz="3200" smtClean="0">
+                <a:latin typeface="Times New Roman" pitchFamily="18" charset="0"/>
+                <a:cs typeface="Times New Roman" pitchFamily="18" charset="0"/>
+              </a:rPr>
               <a:pPr/>
               <a:t>8</a:t>
             </a:fld>
-            <a:endParaRPr lang="ru-RU" sz="3200"/>
+            <a:endParaRPr lang="ru-RU" sz="3200">
+              <a:latin typeface="Times New Roman" pitchFamily="18" charset="0"/>
+              <a:cs typeface="Times New Roman" pitchFamily="18" charset="0"/>
+            </a:endParaRPr>
           </a:p>
         </p:txBody>
       </p:sp>
@@ -7082,7 +7352,12 @@
             <p:ph type="title"/>
           </p:nvPr>
         </p:nvSpPr>
-        <p:spPr/>
+        <p:spPr>
+          <a:xfrm>
+            <a:off x="457200" y="-214338"/>
+            <a:ext cx="8229600" cy="1143000"/>
+          </a:xfrm>
+        </p:spPr>
         <p:txBody>
           <a:bodyPr>
             <a:normAutofit/>
@@ -7090,40 +7365,16 @@
           <a:lstStyle/>
           <a:p>
             <a:r>
-              <a:rPr lang="ru-RU" dirty="0" smtClean="0">
+              <a:rPr lang="ru-RU" sz="4000" dirty="0" smtClean="0">
                 <a:latin typeface="Times New Roman" pitchFamily="18" charset="0"/>
                 <a:cs typeface="Times New Roman" pitchFamily="18" charset="0"/>
               </a:rPr>
               <a:t>Описание взаимодействия</a:t>
             </a:r>
-            <a:endParaRPr lang="ru-RU" dirty="0">
+            <a:endParaRPr lang="ru-RU" sz="4000" dirty="0">
               <a:latin typeface="Times New Roman" pitchFamily="18" charset="0"/>
               <a:cs typeface="Times New Roman" pitchFamily="18" charset="0"/>
             </a:endParaRPr>
-          </a:p>
-        </p:txBody>
-      </p:sp>
-      <p:sp>
-        <p:nvSpPr>
-          <p:cNvPr id="4" name="Номер слайда 3"/>
-          <p:cNvSpPr>
-            <a:spLocks noGrp="1"/>
-          </p:cNvSpPr>
-          <p:nvPr>
-            <p:ph type="sldNum" sz="quarter" idx="12"/>
-          </p:nvPr>
-        </p:nvSpPr>
-        <p:spPr/>
-        <p:txBody>
-          <a:bodyPr/>
-          <a:lstStyle/>
-          <a:p>
-            <a:fld id="{9A39E707-F3CE-4BEB-9583-BB36F29193FA}" type="slidenum">
-              <a:rPr lang="ru-RU" sz="3200" smtClean="0"/>
-              <a:pPr/>
-              <a:t>9</a:t>
-            </a:fld>
-            <a:endParaRPr lang="ru-RU" sz="3200" dirty="0"/>
           </a:p>
         </p:txBody>
       </p:sp>
@@ -7146,7 +7397,7 @@
         </p:blipFill>
         <p:spPr bwMode="auto">
           <a:xfrm>
-            <a:off x="500034" y="1428736"/>
+            <a:off x="500034" y="1142984"/>
             <a:ext cx="8320425" cy="4714908"/>
           </a:xfrm>
           <a:prstGeom prst="rect">
@@ -7162,6 +7413,41 @@
           <a:effectLst/>
         </p:spPr>
       </p:pic>
+      <p:sp>
+        <p:nvSpPr>
+          <p:cNvPr id="5" name="Номер слайда 4"/>
+          <p:cNvSpPr>
+            <a:spLocks noGrp="1"/>
+          </p:cNvSpPr>
+          <p:nvPr>
+            <p:ph type="sldNum" sz="quarter" idx="12"/>
+          </p:nvPr>
+        </p:nvSpPr>
+        <p:spPr>
+          <a:xfrm>
+            <a:off x="6938994" y="71414"/>
+            <a:ext cx="2133600" cy="365125"/>
+          </a:xfrm>
+        </p:spPr>
+        <p:txBody>
+          <a:bodyPr/>
+          <a:lstStyle/>
+          <a:p>
+            <a:fld id="{9A39E707-F3CE-4BEB-9583-BB36F29193FA}" type="slidenum">
+              <a:rPr lang="ru-RU" sz="3200" smtClean="0">
+                <a:latin typeface="Times New Roman" pitchFamily="18" charset="0"/>
+                <a:cs typeface="Times New Roman" pitchFamily="18" charset="0"/>
+              </a:rPr>
+              <a:pPr/>
+              <a:t>9</a:t>
+            </a:fld>
+            <a:endParaRPr lang="ru-RU" sz="3200" dirty="0">
+              <a:latin typeface="Times New Roman" pitchFamily="18" charset="0"/>
+              <a:cs typeface="Times New Roman" pitchFamily="18" charset="0"/>
+            </a:endParaRPr>
+          </a:p>
+        </p:txBody>
+      </p:sp>
     </p:spTree>
   </p:cSld>
   <p:clrMapOvr>
